--- a/Final presentation.pptx
+++ b/Final presentation.pptx
@@ -7,6 +7,9 @@
   <p:sldIdLst>
     <p:sldId id="256" r:id="rId2"/>
     <p:sldId id="257" r:id="rId3"/>
+    <p:sldId id="258" r:id="rId4"/>
+    <p:sldId id="259" r:id="rId5"/>
+    <p:sldId id="261" r:id="rId6"/>
   </p:sldIdLst>
   <p:sldSz cx="12192000" cy="6858000"/>
   <p:notesSz cx="6858000" cy="9144000"/>
@@ -105,6 +108,11 @@
       </a:defRPr>
     </a:lvl9pPr>
   </p:defaultTextStyle>
+  <p:extLst>
+    <p:ext uri="{EFAFB233-063F-42B5-8137-9DF3F51BA10A}">
+      <p15:sldGuideLst xmlns:p15="http://schemas.microsoft.com/office/powerpoint/2012/main"/>
+    </p:ext>
+  </p:extLst>
 </p:presentation>
 </file>
 
@@ -239,7 +247,7 @@
           <a:p>
             <a:fld id="{4F59CD18-ADD1-457A-BA95-59ED705B0B5F}" type="datetimeFigureOut">
               <a:rPr lang="zh-CN" altLang="en-US" smtClean="0"/>
-              <a:t>2017/4/15</a:t>
+              <a:t>2017/4/16</a:t>
             </a:fld>
             <a:endParaRPr lang="zh-CN" altLang="en-US"/>
           </a:p>
@@ -409,7 +417,7 @@
           <a:p>
             <a:fld id="{4F59CD18-ADD1-457A-BA95-59ED705B0B5F}" type="datetimeFigureOut">
               <a:rPr lang="zh-CN" altLang="en-US" smtClean="0"/>
-              <a:t>2017/4/15</a:t>
+              <a:t>2017/4/16</a:t>
             </a:fld>
             <a:endParaRPr lang="zh-CN" altLang="en-US"/>
           </a:p>
@@ -589,7 +597,7 @@
           <a:p>
             <a:fld id="{4F59CD18-ADD1-457A-BA95-59ED705B0B5F}" type="datetimeFigureOut">
               <a:rPr lang="zh-CN" altLang="en-US" smtClean="0"/>
-              <a:t>2017/4/15</a:t>
+              <a:t>2017/4/16</a:t>
             </a:fld>
             <a:endParaRPr lang="zh-CN" altLang="en-US"/>
           </a:p>
@@ -759,7 +767,7 @@
           <a:p>
             <a:fld id="{4F59CD18-ADD1-457A-BA95-59ED705B0B5F}" type="datetimeFigureOut">
               <a:rPr lang="zh-CN" altLang="en-US" smtClean="0"/>
-              <a:t>2017/4/15</a:t>
+              <a:t>2017/4/16</a:t>
             </a:fld>
             <a:endParaRPr lang="zh-CN" altLang="en-US"/>
           </a:p>
@@ -1005,7 +1013,7 @@
           <a:p>
             <a:fld id="{4F59CD18-ADD1-457A-BA95-59ED705B0B5F}" type="datetimeFigureOut">
               <a:rPr lang="zh-CN" altLang="en-US" smtClean="0"/>
-              <a:t>2017/4/15</a:t>
+              <a:t>2017/4/16</a:t>
             </a:fld>
             <a:endParaRPr lang="zh-CN" altLang="en-US"/>
           </a:p>
@@ -1237,7 +1245,7 @@
           <a:p>
             <a:fld id="{4F59CD18-ADD1-457A-BA95-59ED705B0B5F}" type="datetimeFigureOut">
               <a:rPr lang="zh-CN" altLang="en-US" smtClean="0"/>
-              <a:t>2017/4/15</a:t>
+              <a:t>2017/4/16</a:t>
             </a:fld>
             <a:endParaRPr lang="zh-CN" altLang="en-US"/>
           </a:p>
@@ -1604,7 +1612,7 @@
           <a:p>
             <a:fld id="{4F59CD18-ADD1-457A-BA95-59ED705B0B5F}" type="datetimeFigureOut">
               <a:rPr lang="zh-CN" altLang="en-US" smtClean="0"/>
-              <a:t>2017/4/15</a:t>
+              <a:t>2017/4/16</a:t>
             </a:fld>
             <a:endParaRPr lang="zh-CN" altLang="en-US"/>
           </a:p>
@@ -1722,7 +1730,7 @@
           <a:p>
             <a:fld id="{4F59CD18-ADD1-457A-BA95-59ED705B0B5F}" type="datetimeFigureOut">
               <a:rPr lang="zh-CN" altLang="en-US" smtClean="0"/>
-              <a:t>2017/4/15</a:t>
+              <a:t>2017/4/16</a:t>
             </a:fld>
             <a:endParaRPr lang="zh-CN" altLang="en-US"/>
           </a:p>
@@ -1817,7 +1825,7 @@
           <a:p>
             <a:fld id="{4F59CD18-ADD1-457A-BA95-59ED705B0B5F}" type="datetimeFigureOut">
               <a:rPr lang="zh-CN" altLang="en-US" smtClean="0"/>
-              <a:t>2017/4/15</a:t>
+              <a:t>2017/4/16</a:t>
             </a:fld>
             <a:endParaRPr lang="zh-CN" altLang="en-US"/>
           </a:p>
@@ -2094,7 +2102,7 @@
           <a:p>
             <a:fld id="{4F59CD18-ADD1-457A-BA95-59ED705B0B5F}" type="datetimeFigureOut">
               <a:rPr lang="zh-CN" altLang="en-US" smtClean="0"/>
-              <a:t>2017/4/15</a:t>
+              <a:t>2017/4/16</a:t>
             </a:fld>
             <a:endParaRPr lang="zh-CN" altLang="en-US"/>
           </a:p>
@@ -2347,7 +2355,7 @@
           <a:p>
             <a:fld id="{4F59CD18-ADD1-457A-BA95-59ED705B0B5F}" type="datetimeFigureOut">
               <a:rPr lang="zh-CN" altLang="en-US" smtClean="0"/>
-              <a:t>2017/4/15</a:t>
+              <a:t>2017/4/16</a:t>
             </a:fld>
             <a:endParaRPr lang="zh-CN" altLang="en-US"/>
           </a:p>
@@ -2560,7 +2568,7 @@
           <a:p>
             <a:fld id="{4F59CD18-ADD1-457A-BA95-59ED705B0B5F}" type="datetimeFigureOut">
               <a:rPr lang="zh-CN" altLang="en-US" smtClean="0"/>
-              <a:t>2017/4/15</a:t>
+              <a:t>2017/4/16</a:t>
             </a:fld>
             <a:endParaRPr lang="zh-CN" altLang="en-US"/>
           </a:p>
@@ -3057,6 +3065,13 @@
   <p:clrMapOvr>
     <a:masterClrMapping/>
   </p:clrMapOvr>
+  <p:timing>
+    <p:tnLst>
+      <p:par>
+        <p:cTn id="1" dur="indefinite" restart="never" nodeType="tmRoot"/>
+      </p:par>
+    </p:tnLst>
+  </p:timing>
 </p:sld>
 </file>
 
@@ -3134,12 +3149,830 @@
           <a:p>
             <a:r>
               <a:rPr lang="en-US" altLang="zh-CN" dirty="0" smtClean="0"/>
-              <a:t>Here I compare 9 indicators in largest retracement, return to retracement and success rate.</a:t>
+              <a:t>Here I </a:t>
+            </a:r>
+            <a:r>
+              <a:rPr lang="en-US" altLang="zh-CN" dirty="0" smtClean="0"/>
+              <a:t>test</a:t>
+            </a:r>
+            <a:r>
+              <a:rPr lang="en-US" altLang="zh-CN" dirty="0" smtClean="0"/>
+              <a:t> 10 </a:t>
+            </a:r>
+            <a:r>
+              <a:rPr lang="en-US" altLang="zh-CN" dirty="0" smtClean="0"/>
+              <a:t>indicators in largest retracement, return to retracement and success rate.</a:t>
             </a:r>
             <a:endParaRPr lang="zh-CN" altLang="en-US" dirty="0"/>
           </a:p>
         </p:txBody>
       </p:sp>
+      <p:graphicFrame>
+        <p:nvGraphicFramePr>
+          <p:cNvPr id="6" name="表格 5"/>
+          <p:cNvGraphicFramePr>
+            <a:graphicFrameLocks noGrp="1"/>
+          </p:cNvGraphicFramePr>
+          <p:nvPr>
+            <p:extLst>
+              <p:ext uri="{D42A27DB-BD31-4B8C-83A1-F6EECF244321}">
+                <p14:modId xmlns:p14="http://schemas.microsoft.com/office/powerpoint/2010/main" val="3628928950"/>
+              </p:ext>
+            </p:extLst>
+          </p:nvPr>
+        </p:nvGraphicFramePr>
+        <p:xfrm>
+          <a:off x="838200" y="2599266"/>
+          <a:ext cx="9863997" cy="3164868"/>
+        </p:xfrm>
+        <a:graphic>
+          <a:graphicData uri="http://schemas.openxmlformats.org/drawingml/2006/table">
+            <a:tbl>
+              <a:tblPr firstRow="1" bandRow="1">
+                <a:tableStyleId>{C083E6E3-FA7D-4D7B-A595-EF9225AFEA82}</a:tableStyleId>
+              </a:tblPr>
+              <a:tblGrid>
+                <a:gridCol w="1329267">
+                  <a:extLst>
+                    <a:ext uri="{9D8B030D-6E8A-4147-A177-3AD203B41FA5}">
+                      <a16:colId xmlns:a16="http://schemas.microsoft.com/office/drawing/2014/main" val="422679791"/>
+                    </a:ext>
+                  </a:extLst>
+                </a:gridCol>
+                <a:gridCol w="853473">
+                  <a:extLst>
+                    <a:ext uri="{9D8B030D-6E8A-4147-A177-3AD203B41FA5}">
+                      <a16:colId xmlns:a16="http://schemas.microsoft.com/office/drawing/2014/main" val="2016673465"/>
+                    </a:ext>
+                  </a:extLst>
+                </a:gridCol>
+                <a:gridCol w="853473">
+                  <a:extLst>
+                    <a:ext uri="{9D8B030D-6E8A-4147-A177-3AD203B41FA5}">
+                      <a16:colId xmlns:a16="http://schemas.microsoft.com/office/drawing/2014/main" val="3262326680"/>
+                    </a:ext>
+                  </a:extLst>
+                </a:gridCol>
+                <a:gridCol w="853473">
+                  <a:extLst>
+                    <a:ext uri="{9D8B030D-6E8A-4147-A177-3AD203B41FA5}">
+                      <a16:colId xmlns:a16="http://schemas.microsoft.com/office/drawing/2014/main" val="3543412722"/>
+                    </a:ext>
+                  </a:extLst>
+                </a:gridCol>
+                <a:gridCol w="853473">
+                  <a:extLst>
+                    <a:ext uri="{9D8B030D-6E8A-4147-A177-3AD203B41FA5}">
+                      <a16:colId xmlns:a16="http://schemas.microsoft.com/office/drawing/2014/main" val="124552591"/>
+                    </a:ext>
+                  </a:extLst>
+                </a:gridCol>
+                <a:gridCol w="853473">
+                  <a:extLst>
+                    <a:ext uri="{9D8B030D-6E8A-4147-A177-3AD203B41FA5}">
+                      <a16:colId xmlns:a16="http://schemas.microsoft.com/office/drawing/2014/main" val="3444081589"/>
+                    </a:ext>
+                  </a:extLst>
+                </a:gridCol>
+                <a:gridCol w="853473">
+                  <a:extLst>
+                    <a:ext uri="{9D8B030D-6E8A-4147-A177-3AD203B41FA5}">
+                      <a16:colId xmlns:a16="http://schemas.microsoft.com/office/drawing/2014/main" val="3159103891"/>
+                    </a:ext>
+                  </a:extLst>
+                </a:gridCol>
+                <a:gridCol w="853473">
+                  <a:extLst>
+                    <a:ext uri="{9D8B030D-6E8A-4147-A177-3AD203B41FA5}">
+                      <a16:colId xmlns:a16="http://schemas.microsoft.com/office/drawing/2014/main" val="3143531797"/>
+                    </a:ext>
+                  </a:extLst>
+                </a:gridCol>
+                <a:gridCol w="853473">
+                  <a:extLst>
+                    <a:ext uri="{9D8B030D-6E8A-4147-A177-3AD203B41FA5}">
+                      <a16:colId xmlns:a16="http://schemas.microsoft.com/office/drawing/2014/main" val="3456338913"/>
+                    </a:ext>
+                  </a:extLst>
+                </a:gridCol>
+                <a:gridCol w="853473">
+                  <a:extLst>
+                    <a:ext uri="{9D8B030D-6E8A-4147-A177-3AD203B41FA5}">
+                      <a16:colId xmlns:a16="http://schemas.microsoft.com/office/drawing/2014/main" val="4069462681"/>
+                    </a:ext>
+                  </a:extLst>
+                </a:gridCol>
+                <a:gridCol w="853473">
+                  <a:extLst>
+                    <a:ext uri="{9D8B030D-6E8A-4147-A177-3AD203B41FA5}">
+                      <a16:colId xmlns:a16="http://schemas.microsoft.com/office/drawing/2014/main" val="1737482096"/>
+                    </a:ext>
+                  </a:extLst>
+                </a:gridCol>
+              </a:tblGrid>
+              <a:tr h="654078">
+                <a:tc>
+                  <a:txBody>
+                    <a:bodyPr/>
+                    <a:lstStyle/>
+                    <a:p>
+                      <a:pPr algn="ctr"/>
+                      <a:r>
+                        <a:rPr lang="en-US" altLang="zh-CN" sz="1800" dirty="0" smtClean="0"/>
+                        <a:t>indicator</a:t>
+                      </a:r>
+                      <a:endParaRPr lang="zh-CN" altLang="en-US" sz="1800" dirty="0"/>
+                    </a:p>
+                  </a:txBody>
+                  <a:tcPr anchor="ctr"/>
+                </a:tc>
+                <a:tc>
+                  <a:txBody>
+                    <a:bodyPr/>
+                    <a:lstStyle/>
+                    <a:p>
+                      <a:pPr algn="ctr"/>
+                      <a:r>
+                        <a:rPr lang="en-US" altLang="zh-CN" sz="1800" dirty="0" smtClean="0"/>
+                        <a:t>swing</a:t>
+                      </a:r>
+                      <a:endParaRPr lang="zh-CN" altLang="en-US" sz="1800" dirty="0"/>
+                    </a:p>
+                  </a:txBody>
+                  <a:tcPr anchor="ctr"/>
+                </a:tc>
+                <a:tc>
+                  <a:txBody>
+                    <a:bodyPr/>
+                    <a:lstStyle/>
+                    <a:p>
+                      <a:pPr algn="ctr"/>
+                      <a:r>
+                        <a:rPr lang="en-US" altLang="zh-CN" sz="1800" dirty="0" err="1" smtClean="0"/>
+                        <a:t>Logreturn</a:t>
+                      </a:r>
+                      <a:endParaRPr lang="zh-CN" altLang="en-US" sz="1800" dirty="0"/>
+                    </a:p>
+                  </a:txBody>
+                  <a:tcPr anchor="ctr"/>
+                </a:tc>
+                <a:tc>
+                  <a:txBody>
+                    <a:bodyPr/>
+                    <a:lstStyle/>
+                    <a:p>
+                      <a:pPr algn="ctr"/>
+                      <a:r>
+                        <a:rPr lang="en-US" altLang="zh-CN" sz="1800" dirty="0" smtClean="0"/>
+                        <a:t>logreturn5</a:t>
+                      </a:r>
+                      <a:endParaRPr lang="zh-CN" altLang="en-US" sz="1800" dirty="0"/>
+                    </a:p>
+                  </a:txBody>
+                  <a:tcPr anchor="ctr"/>
+                </a:tc>
+                <a:tc>
+                  <a:txBody>
+                    <a:bodyPr/>
+                    <a:lstStyle/>
+                    <a:p>
+                      <a:pPr algn="ctr"/>
+                      <a:r>
+                        <a:rPr lang="en-US" altLang="zh-CN" sz="1800" dirty="0" smtClean="0"/>
+                        <a:t>boll</a:t>
+                      </a:r>
+                      <a:endParaRPr lang="zh-CN" altLang="en-US" sz="1800" dirty="0"/>
+                    </a:p>
+                  </a:txBody>
+                  <a:tcPr anchor="ctr"/>
+                </a:tc>
+                <a:tc>
+                  <a:txBody>
+                    <a:bodyPr/>
+                    <a:lstStyle/>
+                    <a:p>
+                      <a:pPr algn="ctr"/>
+                      <a:r>
+                        <a:rPr lang="en-US" altLang="zh-CN" sz="1800" dirty="0" smtClean="0"/>
+                        <a:t>cci</a:t>
+                      </a:r>
+                      <a:endParaRPr lang="zh-CN" altLang="en-US" sz="1800" dirty="0"/>
+                    </a:p>
+                  </a:txBody>
+                  <a:tcPr anchor="ctr"/>
+                </a:tc>
+                <a:tc>
+                  <a:txBody>
+                    <a:bodyPr/>
+                    <a:lstStyle/>
+                    <a:p>
+                      <a:pPr algn="ctr"/>
+                      <a:r>
+                        <a:rPr lang="en-US" altLang="zh-CN" sz="1800" dirty="0" err="1" smtClean="0"/>
+                        <a:t>dma</a:t>
+                      </a:r>
+                      <a:endParaRPr lang="zh-CN" altLang="en-US" sz="1800" dirty="0"/>
+                    </a:p>
+                  </a:txBody>
+                  <a:tcPr anchor="ctr"/>
+                </a:tc>
+                <a:tc>
+                  <a:txBody>
+                    <a:bodyPr/>
+                    <a:lstStyle/>
+                    <a:p>
+                      <a:pPr algn="ctr"/>
+                      <a:r>
+                        <a:rPr lang="en-US" altLang="zh-CN" sz="1800" dirty="0" err="1" smtClean="0"/>
+                        <a:t>kdj</a:t>
+                      </a:r>
+                      <a:endParaRPr lang="zh-CN" altLang="en-US" sz="1800" dirty="0"/>
+                    </a:p>
+                  </a:txBody>
+                  <a:tcPr anchor="ctr"/>
+                </a:tc>
+                <a:tc>
+                  <a:txBody>
+                    <a:bodyPr/>
+                    <a:lstStyle/>
+                    <a:p>
+                      <a:pPr algn="ctr"/>
+                      <a:r>
+                        <a:rPr lang="en-US" altLang="zh-CN" sz="1800" dirty="0" err="1" smtClean="0"/>
+                        <a:t>mtm</a:t>
+                      </a:r>
+                      <a:endParaRPr lang="zh-CN" altLang="en-US" sz="1800" dirty="0"/>
+                    </a:p>
+                  </a:txBody>
+                  <a:tcPr anchor="ctr"/>
+                </a:tc>
+                <a:tc>
+                  <a:txBody>
+                    <a:bodyPr/>
+                    <a:lstStyle/>
+                    <a:p>
+                      <a:pPr algn="ctr"/>
+                      <a:r>
+                        <a:rPr lang="en-US" altLang="zh-CN" sz="1800" dirty="0" err="1" smtClean="0"/>
+                        <a:t>macd</a:t>
+                      </a:r>
+                      <a:endParaRPr lang="zh-CN" altLang="en-US" sz="1800" dirty="0"/>
+                    </a:p>
+                  </a:txBody>
+                  <a:tcPr anchor="ctr"/>
+                </a:tc>
+                <a:tc>
+                  <a:txBody>
+                    <a:bodyPr/>
+                    <a:lstStyle/>
+                    <a:p>
+                      <a:pPr algn="ctr"/>
+                      <a:r>
+                        <a:rPr lang="en-US" altLang="zh-CN" sz="1800" dirty="0" err="1" smtClean="0"/>
+                        <a:t>sar</a:t>
+                      </a:r>
+                      <a:endParaRPr lang="zh-CN" altLang="en-US" sz="1800" dirty="0"/>
+                    </a:p>
+                  </a:txBody>
+                  <a:tcPr anchor="ctr"/>
+                </a:tc>
+                <a:extLst>
+                  <a:ext uri="{0D108BD9-81ED-4DB2-BD59-A6C34878D82A}">
+                    <a16:rowId xmlns:a16="http://schemas.microsoft.com/office/drawing/2014/main" val="1062735635"/>
+                  </a:ext>
+                </a:extLst>
+              </a:tr>
+              <a:tr h="836930">
+                <a:tc>
+                  <a:txBody>
+                    <a:bodyPr/>
+                    <a:lstStyle/>
+                    <a:p>
+                      <a:pPr algn="ctr"/>
+                      <a:r>
+                        <a:rPr lang="en-US" altLang="zh-CN" sz="1600" dirty="0" smtClean="0"/>
+                        <a:t>Largest</a:t>
+                      </a:r>
+                      <a:r>
+                        <a:rPr lang="en-US" altLang="zh-CN" sz="1600" baseline="0" dirty="0" smtClean="0"/>
+                        <a:t> retracement</a:t>
+                      </a:r>
+                      <a:endParaRPr lang="zh-CN" altLang="en-US" sz="1600" dirty="0"/>
+                    </a:p>
+                  </a:txBody>
+                  <a:tcPr anchor="ctr"/>
+                </a:tc>
+                <a:tc>
+                  <a:txBody>
+                    <a:bodyPr/>
+                    <a:lstStyle/>
+                    <a:p>
+                      <a:pPr algn="ctr"/>
+                      <a:r>
+                        <a:rPr lang="en-US" altLang="zh-CN" dirty="0" smtClean="0"/>
+                        <a:t>15%</a:t>
+                      </a:r>
+                      <a:endParaRPr lang="zh-CN" altLang="en-US" dirty="0"/>
+                    </a:p>
+                  </a:txBody>
+                  <a:tcPr anchor="ctr"/>
+                </a:tc>
+                <a:tc>
+                  <a:txBody>
+                    <a:bodyPr/>
+                    <a:lstStyle/>
+                    <a:p>
+                      <a:pPr algn="ctr"/>
+                      <a:r>
+                        <a:rPr lang="en-US" altLang="zh-CN" dirty="0" smtClean="0"/>
+                        <a:t>37%</a:t>
+                      </a:r>
+                      <a:endParaRPr lang="zh-CN" altLang="en-US" dirty="0"/>
+                    </a:p>
+                  </a:txBody>
+                  <a:tcPr anchor="ctr"/>
+                </a:tc>
+                <a:tc>
+                  <a:txBody>
+                    <a:bodyPr/>
+                    <a:lstStyle/>
+                    <a:p>
+                      <a:pPr algn="ctr"/>
+                      <a:r>
+                        <a:rPr lang="en-US" altLang="zh-CN" dirty="0" smtClean="0"/>
+                        <a:t>24%</a:t>
+                      </a:r>
+                      <a:endParaRPr lang="zh-CN" altLang="en-US" dirty="0"/>
+                    </a:p>
+                  </a:txBody>
+                  <a:tcPr anchor="ctr"/>
+                </a:tc>
+                <a:tc>
+                  <a:txBody>
+                    <a:bodyPr/>
+                    <a:lstStyle/>
+                    <a:p>
+                      <a:pPr algn="ctr"/>
+                      <a:r>
+                        <a:rPr lang="en-US" altLang="zh-CN" dirty="0" smtClean="0"/>
+                        <a:t>32%</a:t>
+                      </a:r>
+                      <a:endParaRPr lang="zh-CN" altLang="en-US" dirty="0"/>
+                    </a:p>
+                  </a:txBody>
+                  <a:tcPr anchor="ctr"/>
+                </a:tc>
+                <a:tc>
+                  <a:txBody>
+                    <a:bodyPr/>
+                    <a:lstStyle/>
+                    <a:p>
+                      <a:pPr algn="ctr"/>
+                      <a:r>
+                        <a:rPr lang="en-US" altLang="zh-CN" dirty="0" smtClean="0"/>
+                        <a:t>22%</a:t>
+                      </a:r>
+                    </a:p>
+                  </a:txBody>
+                  <a:tcPr anchor="ctr"/>
+                </a:tc>
+                <a:tc>
+                  <a:txBody>
+                    <a:bodyPr/>
+                    <a:lstStyle/>
+                    <a:p>
+                      <a:pPr algn="ctr"/>
+                      <a:r>
+                        <a:rPr lang="en-US" altLang="zh-CN" dirty="0" smtClean="0"/>
+                        <a:t>26%</a:t>
+                      </a:r>
+                      <a:endParaRPr lang="zh-CN" altLang="en-US" dirty="0"/>
+                    </a:p>
+                  </a:txBody>
+                  <a:tcPr anchor="ctr"/>
+                </a:tc>
+                <a:tc>
+                  <a:txBody>
+                    <a:bodyPr/>
+                    <a:lstStyle/>
+                    <a:p>
+                      <a:pPr algn="ctr"/>
+                      <a:r>
+                        <a:rPr lang="en-US" altLang="zh-CN" dirty="0" smtClean="0"/>
+                        <a:t>24%</a:t>
+                      </a:r>
+                      <a:endParaRPr lang="zh-CN" altLang="en-US" dirty="0"/>
+                    </a:p>
+                  </a:txBody>
+                  <a:tcPr anchor="ctr"/>
+                </a:tc>
+                <a:tc>
+                  <a:txBody>
+                    <a:bodyPr/>
+                    <a:lstStyle/>
+                    <a:p>
+                      <a:pPr algn="ctr"/>
+                      <a:r>
+                        <a:rPr lang="en-US" altLang="zh-CN" dirty="0" smtClean="0"/>
+                        <a:t>19%</a:t>
+                      </a:r>
+                      <a:endParaRPr lang="zh-CN" altLang="en-US" dirty="0"/>
+                    </a:p>
+                  </a:txBody>
+                  <a:tcPr anchor="ctr"/>
+                </a:tc>
+                <a:tc>
+                  <a:txBody>
+                    <a:bodyPr/>
+                    <a:lstStyle/>
+                    <a:p>
+                      <a:pPr algn="ctr"/>
+                      <a:r>
+                        <a:rPr lang="en-US" altLang="zh-CN" dirty="0" smtClean="0"/>
+                        <a:t>20%</a:t>
+                      </a:r>
+                      <a:endParaRPr lang="zh-CN" altLang="en-US" dirty="0"/>
+                    </a:p>
+                  </a:txBody>
+                  <a:tcPr anchor="ctr"/>
+                </a:tc>
+                <a:tc>
+                  <a:txBody>
+                    <a:bodyPr/>
+                    <a:lstStyle/>
+                    <a:p>
+                      <a:pPr algn="ctr"/>
+                      <a:r>
+                        <a:rPr lang="en-US" altLang="zh-CN" dirty="0" smtClean="0"/>
+                        <a:t>30%</a:t>
+                      </a:r>
+                      <a:endParaRPr lang="zh-CN" altLang="en-US" dirty="0"/>
+                    </a:p>
+                  </a:txBody>
+                  <a:tcPr anchor="ctr"/>
+                </a:tc>
+                <a:extLst>
+                  <a:ext uri="{0D108BD9-81ED-4DB2-BD59-A6C34878D82A}">
+                    <a16:rowId xmlns:a16="http://schemas.microsoft.com/office/drawing/2014/main" val="1353854665"/>
+                  </a:ext>
+                </a:extLst>
+              </a:tr>
+              <a:tr h="836930">
+                <a:tc>
+                  <a:txBody>
+                    <a:bodyPr/>
+                    <a:lstStyle/>
+                    <a:p>
+                      <a:pPr algn="ctr"/>
+                      <a:r>
+                        <a:rPr lang="en-US" altLang="zh-CN" sz="1600" dirty="0" smtClean="0"/>
+                        <a:t>Return to</a:t>
+                      </a:r>
+                      <a:r>
+                        <a:rPr lang="en-US" altLang="zh-CN" sz="1600" baseline="0" dirty="0" smtClean="0"/>
+                        <a:t> retracement</a:t>
+                      </a:r>
+                      <a:endParaRPr lang="zh-CN" altLang="en-US" sz="1600" dirty="0"/>
+                    </a:p>
+                  </a:txBody>
+                  <a:tcPr anchor="ctr"/>
+                </a:tc>
+                <a:tc>
+                  <a:txBody>
+                    <a:bodyPr/>
+                    <a:lstStyle/>
+                    <a:p>
+                      <a:pPr algn="ctr"/>
+                      <a:r>
+                        <a:rPr lang="en-US" altLang="zh-CN" dirty="0" smtClean="0"/>
+                        <a:t>24</a:t>
+                      </a:r>
+                      <a:endParaRPr lang="zh-CN" altLang="en-US" dirty="0"/>
+                    </a:p>
+                  </a:txBody>
+                  <a:tcPr anchor="ctr"/>
+                </a:tc>
+                <a:tc>
+                  <a:txBody>
+                    <a:bodyPr/>
+                    <a:lstStyle/>
+                    <a:p>
+                      <a:pPr algn="ctr"/>
+                      <a:r>
+                        <a:rPr lang="en-US" altLang="zh-CN" dirty="0" smtClean="0"/>
+                        <a:t>3.8</a:t>
+                      </a:r>
+                      <a:endParaRPr lang="zh-CN" altLang="en-US" dirty="0"/>
+                    </a:p>
+                  </a:txBody>
+                  <a:tcPr anchor="ctr"/>
+                </a:tc>
+                <a:tc>
+                  <a:txBody>
+                    <a:bodyPr/>
+                    <a:lstStyle/>
+                    <a:p>
+                      <a:pPr algn="ctr"/>
+                      <a:r>
+                        <a:rPr lang="en-US" altLang="zh-CN" dirty="0" smtClean="0"/>
+                        <a:t>15</a:t>
+                      </a:r>
+                      <a:endParaRPr lang="zh-CN" altLang="en-US" dirty="0"/>
+                    </a:p>
+                  </a:txBody>
+                  <a:tcPr anchor="ctr"/>
+                </a:tc>
+                <a:tc>
+                  <a:txBody>
+                    <a:bodyPr/>
+                    <a:lstStyle/>
+                    <a:p>
+                      <a:pPr algn="ctr"/>
+                      <a:r>
+                        <a:rPr lang="en-US" altLang="zh-CN" dirty="0" smtClean="0"/>
+                        <a:t>9.6</a:t>
+                      </a:r>
+                      <a:endParaRPr lang="zh-CN" altLang="en-US" dirty="0"/>
+                    </a:p>
+                  </a:txBody>
+                  <a:tcPr anchor="ctr"/>
+                </a:tc>
+                <a:tc>
+                  <a:txBody>
+                    <a:bodyPr/>
+                    <a:lstStyle/>
+                    <a:p>
+                      <a:pPr algn="ctr"/>
+                      <a:r>
+                        <a:rPr lang="en-US" altLang="zh-CN" dirty="0" smtClean="0"/>
+                        <a:t>25</a:t>
+                      </a:r>
+                      <a:endParaRPr lang="zh-CN" altLang="en-US" dirty="0"/>
+                    </a:p>
+                  </a:txBody>
+                  <a:tcPr anchor="ctr"/>
+                </a:tc>
+                <a:tc>
+                  <a:txBody>
+                    <a:bodyPr/>
+                    <a:lstStyle/>
+                    <a:p>
+                      <a:pPr algn="ctr"/>
+                      <a:r>
+                        <a:rPr lang="en-US" altLang="zh-CN" dirty="0" smtClean="0"/>
+                        <a:t>9.1</a:t>
+                      </a:r>
+                      <a:endParaRPr lang="zh-CN" altLang="en-US" dirty="0"/>
+                    </a:p>
+                  </a:txBody>
+                  <a:tcPr anchor="ctr"/>
+                </a:tc>
+                <a:tc>
+                  <a:txBody>
+                    <a:bodyPr/>
+                    <a:lstStyle/>
+                    <a:p>
+                      <a:pPr algn="ctr"/>
+                      <a:r>
+                        <a:rPr lang="en-US" altLang="zh-CN" dirty="0" smtClean="0"/>
+                        <a:t>12</a:t>
+                      </a:r>
+                      <a:endParaRPr lang="zh-CN" altLang="en-US" dirty="0"/>
+                    </a:p>
+                  </a:txBody>
+                  <a:tcPr anchor="ctr"/>
+                </a:tc>
+                <a:tc>
+                  <a:txBody>
+                    <a:bodyPr/>
+                    <a:lstStyle/>
+                    <a:p>
+                      <a:pPr algn="ctr"/>
+                      <a:r>
+                        <a:rPr lang="en-US" altLang="zh-CN" dirty="0" smtClean="0"/>
+                        <a:t>22</a:t>
+                      </a:r>
+                      <a:endParaRPr lang="zh-CN" altLang="en-US" dirty="0"/>
+                    </a:p>
+                  </a:txBody>
+                  <a:tcPr anchor="ctr"/>
+                </a:tc>
+                <a:tc>
+                  <a:txBody>
+                    <a:bodyPr/>
+                    <a:lstStyle/>
+                    <a:p>
+                      <a:pPr algn="ctr"/>
+                      <a:r>
+                        <a:rPr lang="en-US" altLang="zh-CN" dirty="0" smtClean="0"/>
+                        <a:t>15</a:t>
+                      </a:r>
+                      <a:endParaRPr lang="zh-CN" altLang="en-US" dirty="0"/>
+                    </a:p>
+                  </a:txBody>
+                  <a:tcPr anchor="ctr"/>
+                </a:tc>
+                <a:tc>
+                  <a:txBody>
+                    <a:bodyPr/>
+                    <a:lstStyle/>
+                    <a:p>
+                      <a:pPr algn="ctr"/>
+                      <a:r>
+                        <a:rPr lang="en-US" altLang="zh-CN" dirty="0" smtClean="0"/>
+                        <a:t>8.7</a:t>
+                      </a:r>
+                      <a:endParaRPr lang="zh-CN" altLang="en-US" dirty="0"/>
+                    </a:p>
+                  </a:txBody>
+                  <a:tcPr anchor="ctr"/>
+                </a:tc>
+                <a:extLst>
+                  <a:ext uri="{0D108BD9-81ED-4DB2-BD59-A6C34878D82A}">
+                    <a16:rowId xmlns:a16="http://schemas.microsoft.com/office/drawing/2014/main" val="99650647"/>
+                  </a:ext>
+                </a:extLst>
+              </a:tr>
+              <a:tr h="836930">
+                <a:tc>
+                  <a:txBody>
+                    <a:bodyPr/>
+                    <a:lstStyle/>
+                    <a:p>
+                      <a:pPr algn="ctr"/>
+                      <a:r>
+                        <a:rPr lang="en-US" altLang="zh-CN" sz="1400" dirty="0" smtClean="0"/>
+                        <a:t>Success</a:t>
+                      </a:r>
+                      <a:r>
+                        <a:rPr lang="en-US" altLang="zh-CN" sz="1400" baseline="0" dirty="0" smtClean="0"/>
+                        <a:t> rate</a:t>
+                      </a:r>
+                      <a:endParaRPr lang="zh-CN" altLang="en-US" sz="1400" dirty="0"/>
+                    </a:p>
+                  </a:txBody>
+                  <a:tcPr anchor="ctr"/>
+                </a:tc>
+                <a:tc>
+                  <a:txBody>
+                    <a:bodyPr/>
+                    <a:lstStyle/>
+                    <a:p>
+                      <a:pPr algn="ctr"/>
+                      <a:r>
+                        <a:rPr lang="en-US" altLang="zh-CN" dirty="0" smtClean="0"/>
+                        <a:t>85%</a:t>
+                      </a:r>
+                      <a:endParaRPr lang="zh-CN" altLang="en-US" dirty="0"/>
+                    </a:p>
+                  </a:txBody>
+                  <a:tcPr anchor="ctr"/>
+                </a:tc>
+                <a:tc>
+                  <a:txBody>
+                    <a:bodyPr/>
+                    <a:lstStyle/>
+                    <a:p>
+                      <a:pPr algn="ctr"/>
+                      <a:r>
+                        <a:rPr lang="en-US" altLang="zh-CN" dirty="0" smtClean="0"/>
+                        <a:t>55%</a:t>
+                      </a:r>
+                      <a:endParaRPr lang="zh-CN" altLang="en-US" dirty="0"/>
+                    </a:p>
+                  </a:txBody>
+                  <a:tcPr anchor="ctr"/>
+                </a:tc>
+                <a:tc>
+                  <a:txBody>
+                    <a:bodyPr/>
+                    <a:lstStyle/>
+                    <a:p>
+                      <a:pPr algn="ctr"/>
+                      <a:r>
+                        <a:rPr lang="en-US" altLang="zh-CN" dirty="0" smtClean="0"/>
+                        <a:t>70%</a:t>
+                      </a:r>
+                      <a:endParaRPr lang="zh-CN" altLang="en-US" dirty="0"/>
+                    </a:p>
+                  </a:txBody>
+                  <a:tcPr anchor="ctr"/>
+                </a:tc>
+                <a:tc>
+                  <a:txBody>
+                    <a:bodyPr/>
+                    <a:lstStyle/>
+                    <a:p>
+                      <a:pPr algn="ctr"/>
+                      <a:r>
+                        <a:rPr lang="en-US" altLang="zh-CN" dirty="0" smtClean="0"/>
+                        <a:t>53%</a:t>
+                      </a:r>
+                      <a:endParaRPr lang="zh-CN" altLang="en-US" dirty="0"/>
+                    </a:p>
+                  </a:txBody>
+                  <a:tcPr anchor="ctr"/>
+                </a:tc>
+                <a:tc>
+                  <a:txBody>
+                    <a:bodyPr/>
+                    <a:lstStyle/>
+                    <a:p>
+                      <a:pPr algn="ctr"/>
+                      <a:r>
+                        <a:rPr lang="en-US" altLang="zh-CN" dirty="0" smtClean="0"/>
+                        <a:t>64%</a:t>
+                      </a:r>
+                      <a:endParaRPr lang="zh-CN" altLang="en-US" dirty="0"/>
+                    </a:p>
+                  </a:txBody>
+                  <a:tcPr anchor="ctr"/>
+                </a:tc>
+                <a:tc>
+                  <a:txBody>
+                    <a:bodyPr/>
+                    <a:lstStyle/>
+                    <a:p>
+                      <a:pPr algn="ctr"/>
+                      <a:r>
+                        <a:rPr lang="en-US" altLang="zh-CN" dirty="0" smtClean="0"/>
+                        <a:t>53%</a:t>
+                      </a:r>
+                      <a:endParaRPr lang="zh-CN" altLang="en-US" dirty="0"/>
+                    </a:p>
+                  </a:txBody>
+                  <a:tcPr anchor="ctr"/>
+                </a:tc>
+                <a:tc>
+                  <a:txBody>
+                    <a:bodyPr/>
+                    <a:lstStyle/>
+                    <a:p>
+                      <a:pPr algn="ctr"/>
+                      <a:r>
+                        <a:rPr lang="en-US" altLang="zh-CN" dirty="0" smtClean="0"/>
+                        <a:t>51%</a:t>
+                      </a:r>
+                      <a:endParaRPr lang="zh-CN" altLang="en-US" dirty="0"/>
+                    </a:p>
+                  </a:txBody>
+                  <a:tcPr anchor="ctr"/>
+                </a:tc>
+                <a:tc>
+                  <a:txBody>
+                    <a:bodyPr/>
+                    <a:lstStyle/>
+                    <a:p>
+                      <a:pPr algn="ctr"/>
+                      <a:r>
+                        <a:rPr lang="en-US" altLang="zh-CN" dirty="0" smtClean="0"/>
+                        <a:t>64%</a:t>
+                      </a:r>
+                      <a:endParaRPr lang="zh-CN" altLang="en-US" dirty="0"/>
+                    </a:p>
+                  </a:txBody>
+                  <a:tcPr anchor="ctr"/>
+                </a:tc>
+                <a:tc>
+                  <a:txBody>
+                    <a:bodyPr/>
+                    <a:lstStyle/>
+                    <a:p>
+                      <a:pPr algn="ctr"/>
+                      <a:r>
+                        <a:rPr lang="en-US" altLang="zh-CN" dirty="0" smtClean="0"/>
+                        <a:t>53%</a:t>
+                      </a:r>
+                      <a:endParaRPr lang="zh-CN" altLang="en-US" dirty="0"/>
+                    </a:p>
+                  </a:txBody>
+                  <a:tcPr anchor="ctr"/>
+                </a:tc>
+                <a:tc>
+                  <a:txBody>
+                    <a:bodyPr/>
+                    <a:lstStyle/>
+                    <a:p>
+                      <a:pPr algn="ctr"/>
+                      <a:r>
+                        <a:rPr lang="en-US" altLang="zh-CN" dirty="0" smtClean="0"/>
+                        <a:t>53%</a:t>
+                      </a:r>
+                      <a:endParaRPr lang="zh-CN" altLang="en-US" dirty="0"/>
+                    </a:p>
+                  </a:txBody>
+                  <a:tcPr anchor="ctr"/>
+                </a:tc>
+                <a:extLst>
+                  <a:ext uri="{0D108BD9-81ED-4DB2-BD59-A6C34878D82A}">
+                    <a16:rowId xmlns:a16="http://schemas.microsoft.com/office/drawing/2014/main" val="2456556844"/>
+                  </a:ext>
+                </a:extLst>
+              </a:tr>
+            </a:tbl>
+          </a:graphicData>
+        </a:graphic>
+      </p:graphicFrame>
     </p:spTree>
     <p:extLst>
       <p:ext uri="{BB962C8B-B14F-4D97-AF65-F5344CB8AC3E}">
@@ -3150,6 +3983,837 @@
   <p:clrMapOvr>
     <a:masterClrMapping/>
   </p:clrMapOvr>
+  <p:timing>
+    <p:tnLst>
+      <p:par>
+        <p:cTn id="1" dur="indefinite" restart="never" nodeType="tmRoot"/>
+      </p:par>
+    </p:tnLst>
+  </p:timing>
+</p:sld>
+</file>
+
+<file path=ppt/slides/slide3.xml><?xml version="1.0" encoding="utf-8"?>
+<p:sld xmlns:a="http://schemas.openxmlformats.org/drawingml/2006/main" xmlns:r="http://schemas.openxmlformats.org/officeDocument/2006/relationships" xmlns:p="http://schemas.openxmlformats.org/presentationml/2006/main">
+  <p:cSld>
+    <p:spTree>
+      <p:nvGrpSpPr>
+        <p:cNvPr id="1" name=""/>
+        <p:cNvGrpSpPr/>
+        <p:nvPr/>
+      </p:nvGrpSpPr>
+      <p:grpSpPr>
+        <a:xfrm>
+          <a:off x="0" y="0"/>
+          <a:ext cx="0" cy="0"/>
+          <a:chOff x="0" y="0"/>
+          <a:chExt cx="0" cy="0"/>
+        </a:xfrm>
+      </p:grpSpPr>
+      <p:sp>
+        <p:nvSpPr>
+          <p:cNvPr id="3" name="内容占位符 2"/>
+          <p:cNvSpPr>
+            <a:spLocks noGrp="1"/>
+          </p:cNvSpPr>
+          <p:nvPr>
+            <p:ph idx="1"/>
+          </p:nvPr>
+        </p:nvSpPr>
+        <p:spPr>
+          <a:xfrm>
+            <a:off x="838200" y="746940"/>
+            <a:ext cx="10515600" cy="4351338"/>
+          </a:xfrm>
+        </p:spPr>
+        <p:txBody>
+          <a:bodyPr/>
+          <a:lstStyle/>
+          <a:p>
+            <a:pPr marL="0" indent="0">
+              <a:buNone/>
+            </a:pPr>
+            <a:r>
+              <a:rPr lang="en-US" altLang="zh-CN" dirty="0" smtClean="0"/>
+              <a:t>Finally, I choose </a:t>
+            </a:r>
+            <a:r>
+              <a:rPr lang="en-US" altLang="zh-CN" b="1" dirty="0" smtClean="0"/>
+              <a:t>swing</a:t>
+            </a:r>
+            <a:r>
+              <a:rPr lang="en-US" altLang="zh-CN" dirty="0" smtClean="0"/>
+              <a:t> and </a:t>
+            </a:r>
+            <a:r>
+              <a:rPr lang="en-US" altLang="zh-CN" b="1" dirty="0" smtClean="0"/>
+              <a:t>logreturn5</a:t>
+            </a:r>
+            <a:r>
+              <a:rPr lang="en-US" altLang="zh-CN" dirty="0" smtClean="0"/>
+              <a:t> as my input factor.</a:t>
+            </a:r>
+          </a:p>
+          <a:p>
+            <a:r>
+              <a:rPr lang="en-US" altLang="zh-CN" sz="1600" dirty="0" smtClean="0"/>
+              <a:t>Return in test period: 533%</a:t>
+            </a:r>
+          </a:p>
+          <a:p>
+            <a:r>
+              <a:rPr lang="en-US" altLang="zh-CN" sz="1600" dirty="0" smtClean="0"/>
+              <a:t>Annualized return: 41%</a:t>
+            </a:r>
+          </a:p>
+          <a:p>
+            <a:r>
+              <a:rPr lang="en-US" altLang="zh-CN" sz="1600" dirty="0" smtClean="0"/>
+              <a:t>Largest retracement: 19%</a:t>
+            </a:r>
+          </a:p>
+          <a:p>
+            <a:r>
+              <a:rPr lang="en-US" altLang="zh-CN" sz="1600" dirty="0" smtClean="0"/>
+              <a:t>Return to retracement: 28</a:t>
+            </a:r>
+          </a:p>
+          <a:p>
+            <a:r>
+              <a:rPr lang="en-US" altLang="zh-CN" sz="1600" dirty="0" smtClean="0"/>
+              <a:t>Success rate: 52.4%</a:t>
+            </a:r>
+          </a:p>
+          <a:p>
+            <a:endParaRPr lang="zh-CN" altLang="en-US" dirty="0"/>
+          </a:p>
+        </p:txBody>
+      </p:sp>
+      <p:pic>
+        <p:nvPicPr>
+          <p:cNvPr id="4" name="图片 3"/>
+          <p:cNvPicPr>
+            <a:picLocks noChangeAspect="1"/>
+          </p:cNvPicPr>
+          <p:nvPr/>
+        </p:nvPicPr>
+        <p:blipFill>
+          <a:blip r:embed="rId2"/>
+          <a:stretch>
+            <a:fillRect/>
+          </a:stretch>
+        </p:blipFill>
+        <p:spPr>
+          <a:xfrm>
+            <a:off x="6333067" y="3007275"/>
+            <a:ext cx="5462088" cy="3493703"/>
+          </a:xfrm>
+          <a:prstGeom prst="rect">
+            <a:avLst/>
+          </a:prstGeom>
+        </p:spPr>
+      </p:pic>
+      <p:pic>
+        <p:nvPicPr>
+          <p:cNvPr id="5" name="图片 4"/>
+          <p:cNvPicPr>
+            <a:picLocks noChangeAspect="1"/>
+          </p:cNvPicPr>
+          <p:nvPr/>
+        </p:nvPicPr>
+        <p:blipFill>
+          <a:blip r:embed="rId3"/>
+          <a:stretch>
+            <a:fillRect/>
+          </a:stretch>
+        </p:blipFill>
+        <p:spPr>
+          <a:xfrm>
+            <a:off x="537504" y="3007275"/>
+            <a:ext cx="5558496" cy="3493703"/>
+          </a:xfrm>
+          <a:prstGeom prst="rect">
+            <a:avLst/>
+          </a:prstGeom>
+        </p:spPr>
+      </p:pic>
+    </p:spTree>
+    <p:extLst>
+      <p:ext uri="{BB962C8B-B14F-4D97-AF65-F5344CB8AC3E}">
+        <p14:creationId xmlns:p14="http://schemas.microsoft.com/office/powerpoint/2010/main" val="3685767910"/>
+      </p:ext>
+    </p:extLst>
+  </p:cSld>
+  <p:clrMapOvr>
+    <a:masterClrMapping/>
+  </p:clrMapOvr>
+  <p:timing>
+    <p:tnLst>
+      <p:par>
+        <p:cTn id="1" dur="indefinite" restart="never" nodeType="tmRoot"/>
+      </p:par>
+    </p:tnLst>
+  </p:timing>
+</p:sld>
+</file>
+
+<file path=ppt/slides/slide4.xml><?xml version="1.0" encoding="utf-8"?>
+<p:sld xmlns:a="http://schemas.openxmlformats.org/drawingml/2006/main" xmlns:r="http://schemas.openxmlformats.org/officeDocument/2006/relationships" xmlns:p="http://schemas.openxmlformats.org/presentationml/2006/main">
+  <p:cSld>
+    <p:spTree>
+      <p:nvGrpSpPr>
+        <p:cNvPr id="1" name=""/>
+        <p:cNvGrpSpPr/>
+        <p:nvPr/>
+      </p:nvGrpSpPr>
+      <p:grpSpPr>
+        <a:xfrm>
+          <a:off x="0" y="0"/>
+          <a:ext cx="0" cy="0"/>
+          <a:chOff x="0" y="0"/>
+          <a:chExt cx="0" cy="0"/>
+        </a:xfrm>
+      </p:grpSpPr>
+      <p:sp>
+        <p:nvSpPr>
+          <p:cNvPr id="2" name="标题 1"/>
+          <p:cNvSpPr>
+            <a:spLocks noGrp="1"/>
+          </p:cNvSpPr>
+          <p:nvPr>
+            <p:ph type="title"/>
+          </p:nvPr>
+        </p:nvSpPr>
+        <p:spPr/>
+        <p:txBody>
+          <a:bodyPr/>
+          <a:lstStyle/>
+          <a:p>
+            <a:r>
+              <a:rPr lang="en-US" altLang="zh-CN" dirty="0" smtClean="0"/>
+              <a:t>Other thinking</a:t>
+            </a:r>
+            <a:endParaRPr lang="zh-CN" altLang="en-US" dirty="0"/>
+          </a:p>
+        </p:txBody>
+      </p:sp>
+      <p:sp>
+        <p:nvSpPr>
+          <p:cNvPr id="3" name="内容占位符 2"/>
+          <p:cNvSpPr>
+            <a:spLocks noGrp="1"/>
+          </p:cNvSpPr>
+          <p:nvPr>
+            <p:ph idx="1"/>
+          </p:nvPr>
+        </p:nvSpPr>
+        <p:spPr>
+          <a:xfrm>
+            <a:off x="838200" y="1507067"/>
+            <a:ext cx="10515600" cy="4669896"/>
+          </a:xfrm>
+        </p:spPr>
+        <p:txBody>
+          <a:bodyPr/>
+          <a:lstStyle/>
+          <a:p>
+            <a:r>
+              <a:rPr lang="en-US" altLang="zh-CN" sz="2400" dirty="0" smtClean="0"/>
+              <a:t>In factor screening part, I find the result of logreturn5 is obviously better than </a:t>
+            </a:r>
+            <a:r>
+              <a:rPr lang="en-US" altLang="zh-CN" sz="2400" dirty="0" err="1" smtClean="0"/>
+              <a:t>logreturn</a:t>
+            </a:r>
+            <a:r>
+              <a:rPr lang="en-US" altLang="zh-CN" sz="2400" dirty="0" smtClean="0"/>
+              <a:t>. Is it means that hmm is more accurate in long period. I did another test on 1 day(1), 1 week(5), half a month(10), 1 month(20), three month(60).</a:t>
+            </a:r>
+          </a:p>
+          <a:p>
+            <a:endParaRPr lang="zh-CN" altLang="en-US" dirty="0"/>
+          </a:p>
+        </p:txBody>
+      </p:sp>
+      <p:graphicFrame>
+        <p:nvGraphicFramePr>
+          <p:cNvPr id="4" name="表格 3"/>
+          <p:cNvGraphicFramePr>
+            <a:graphicFrameLocks noGrp="1"/>
+          </p:cNvGraphicFramePr>
+          <p:nvPr>
+            <p:extLst>
+              <p:ext uri="{D42A27DB-BD31-4B8C-83A1-F6EECF244321}">
+                <p14:modId xmlns:p14="http://schemas.microsoft.com/office/powerpoint/2010/main" val="1178526483"/>
+              </p:ext>
+            </p:extLst>
+          </p:nvPr>
+        </p:nvGraphicFramePr>
+        <p:xfrm>
+          <a:off x="2878667" y="3104092"/>
+          <a:ext cx="5596632" cy="3164868"/>
+        </p:xfrm>
+        <a:graphic>
+          <a:graphicData uri="http://schemas.openxmlformats.org/drawingml/2006/table">
+            <a:tbl>
+              <a:tblPr firstRow="1" bandRow="1">
+                <a:tableStyleId>{C083E6E3-FA7D-4D7B-A595-EF9225AFEA82}</a:tableStyleId>
+              </a:tblPr>
+              <a:tblGrid>
+                <a:gridCol w="1329267">
+                  <a:extLst>
+                    <a:ext uri="{9D8B030D-6E8A-4147-A177-3AD203B41FA5}">
+                      <a16:colId xmlns:a16="http://schemas.microsoft.com/office/drawing/2014/main" val="3054886698"/>
+                    </a:ext>
+                  </a:extLst>
+                </a:gridCol>
+                <a:gridCol w="853473">
+                  <a:extLst>
+                    <a:ext uri="{9D8B030D-6E8A-4147-A177-3AD203B41FA5}">
+                      <a16:colId xmlns:a16="http://schemas.microsoft.com/office/drawing/2014/main" val="2084096316"/>
+                    </a:ext>
+                  </a:extLst>
+                </a:gridCol>
+                <a:gridCol w="853473">
+                  <a:extLst>
+                    <a:ext uri="{9D8B030D-6E8A-4147-A177-3AD203B41FA5}">
+                      <a16:colId xmlns:a16="http://schemas.microsoft.com/office/drawing/2014/main" val="1599916171"/>
+                    </a:ext>
+                  </a:extLst>
+                </a:gridCol>
+                <a:gridCol w="853473">
+                  <a:extLst>
+                    <a:ext uri="{9D8B030D-6E8A-4147-A177-3AD203B41FA5}">
+                      <a16:colId xmlns:a16="http://schemas.microsoft.com/office/drawing/2014/main" val="4133436822"/>
+                    </a:ext>
+                  </a:extLst>
+                </a:gridCol>
+                <a:gridCol w="853473">
+                  <a:extLst>
+                    <a:ext uri="{9D8B030D-6E8A-4147-A177-3AD203B41FA5}">
+                      <a16:colId xmlns:a16="http://schemas.microsoft.com/office/drawing/2014/main" val="1974053235"/>
+                    </a:ext>
+                  </a:extLst>
+                </a:gridCol>
+                <a:gridCol w="853473">
+                  <a:extLst>
+                    <a:ext uri="{9D8B030D-6E8A-4147-A177-3AD203B41FA5}">
+                      <a16:colId xmlns:a16="http://schemas.microsoft.com/office/drawing/2014/main" val="177444869"/>
+                    </a:ext>
+                  </a:extLst>
+                </a:gridCol>
+              </a:tblGrid>
+              <a:tr h="654078">
+                <a:tc>
+                  <a:txBody>
+                    <a:bodyPr/>
+                    <a:lstStyle/>
+                    <a:p>
+                      <a:pPr algn="ctr"/>
+                      <a:r>
+                        <a:rPr lang="en-US" altLang="zh-CN" sz="1800" dirty="0" smtClean="0"/>
+                        <a:t>indicator</a:t>
+                      </a:r>
+                      <a:endParaRPr lang="zh-CN" altLang="en-US" sz="1800" dirty="0"/>
+                    </a:p>
+                  </a:txBody>
+                  <a:tcPr anchor="ctr"/>
+                </a:tc>
+                <a:tc>
+                  <a:txBody>
+                    <a:bodyPr/>
+                    <a:lstStyle/>
+                    <a:p>
+                      <a:pPr algn="ctr"/>
+                      <a:r>
+                        <a:rPr lang="en-US" altLang="zh-CN" sz="1800" dirty="0" err="1" smtClean="0"/>
+                        <a:t>Logreturn</a:t>
+                      </a:r>
+                      <a:endParaRPr lang="zh-CN" altLang="en-US" sz="1800" dirty="0"/>
+                    </a:p>
+                  </a:txBody>
+                  <a:tcPr anchor="ctr"/>
+                </a:tc>
+                <a:tc>
+                  <a:txBody>
+                    <a:bodyPr/>
+                    <a:lstStyle/>
+                    <a:p>
+                      <a:pPr algn="ctr"/>
+                      <a:r>
+                        <a:rPr lang="en-US" altLang="zh-CN" sz="1800" dirty="0" smtClean="0"/>
+                        <a:t>logreturn5</a:t>
+                      </a:r>
+                      <a:endParaRPr lang="zh-CN" altLang="en-US" sz="1800" dirty="0"/>
+                    </a:p>
+                  </a:txBody>
+                  <a:tcPr anchor="ctr"/>
+                </a:tc>
+                <a:tc>
+                  <a:txBody>
+                    <a:bodyPr/>
+                    <a:lstStyle/>
+                    <a:p>
+                      <a:pPr algn="ctr"/>
+                      <a:r>
+                        <a:rPr lang="en-US" altLang="zh-CN" sz="1800" dirty="0" smtClean="0"/>
+                        <a:t>logreturn10</a:t>
+                      </a:r>
+                      <a:endParaRPr lang="zh-CN" altLang="en-US" sz="1800" dirty="0"/>
+                    </a:p>
+                  </a:txBody>
+                  <a:tcPr anchor="ctr"/>
+                </a:tc>
+                <a:tc>
+                  <a:txBody>
+                    <a:bodyPr/>
+                    <a:lstStyle/>
+                    <a:p>
+                      <a:pPr algn="ctr"/>
+                      <a:r>
+                        <a:rPr lang="en-US" altLang="zh-CN" sz="1800" dirty="0" smtClean="0"/>
+                        <a:t>logreturn20</a:t>
+                      </a:r>
+                      <a:endParaRPr lang="zh-CN" altLang="en-US" sz="1800" dirty="0"/>
+                    </a:p>
+                  </a:txBody>
+                  <a:tcPr anchor="ctr"/>
+                </a:tc>
+                <a:tc>
+                  <a:txBody>
+                    <a:bodyPr/>
+                    <a:lstStyle/>
+                    <a:p>
+                      <a:pPr algn="ctr"/>
+                      <a:r>
+                        <a:rPr lang="en-US" altLang="zh-CN" sz="1800" dirty="0" smtClean="0"/>
+                        <a:t>logreturn60</a:t>
+                      </a:r>
+                      <a:endParaRPr lang="zh-CN" altLang="en-US" sz="1800" dirty="0"/>
+                    </a:p>
+                  </a:txBody>
+                  <a:tcPr anchor="ctr"/>
+                </a:tc>
+                <a:extLst>
+                  <a:ext uri="{0D108BD9-81ED-4DB2-BD59-A6C34878D82A}">
+                    <a16:rowId xmlns:a16="http://schemas.microsoft.com/office/drawing/2014/main" val="1301890384"/>
+                  </a:ext>
+                </a:extLst>
+              </a:tr>
+              <a:tr h="836930">
+                <a:tc>
+                  <a:txBody>
+                    <a:bodyPr/>
+                    <a:lstStyle/>
+                    <a:p>
+                      <a:pPr algn="ctr"/>
+                      <a:r>
+                        <a:rPr lang="en-US" altLang="zh-CN" sz="1600" dirty="0" smtClean="0"/>
+                        <a:t>Largest</a:t>
+                      </a:r>
+                      <a:r>
+                        <a:rPr lang="en-US" altLang="zh-CN" sz="1600" baseline="0" dirty="0" smtClean="0"/>
+                        <a:t> retracement</a:t>
+                      </a:r>
+                      <a:endParaRPr lang="zh-CN" altLang="en-US" sz="1600" dirty="0"/>
+                    </a:p>
+                  </a:txBody>
+                  <a:tcPr anchor="ctr"/>
+                </a:tc>
+                <a:tc>
+                  <a:txBody>
+                    <a:bodyPr/>
+                    <a:lstStyle/>
+                    <a:p>
+                      <a:pPr algn="ctr"/>
+                      <a:r>
+                        <a:rPr lang="en-US" altLang="zh-CN" dirty="0" smtClean="0"/>
+                        <a:t>37%</a:t>
+                      </a:r>
+                      <a:endParaRPr lang="zh-CN" altLang="en-US" dirty="0"/>
+                    </a:p>
+                  </a:txBody>
+                  <a:tcPr anchor="ctr"/>
+                </a:tc>
+                <a:tc>
+                  <a:txBody>
+                    <a:bodyPr/>
+                    <a:lstStyle/>
+                    <a:p>
+                      <a:pPr algn="ctr"/>
+                      <a:r>
+                        <a:rPr lang="en-US" altLang="zh-CN" dirty="0" smtClean="0"/>
+                        <a:t>24%</a:t>
+                      </a:r>
+                      <a:endParaRPr lang="zh-CN" altLang="en-US" dirty="0"/>
+                    </a:p>
+                  </a:txBody>
+                  <a:tcPr anchor="ctr"/>
+                </a:tc>
+                <a:tc>
+                  <a:txBody>
+                    <a:bodyPr/>
+                    <a:lstStyle/>
+                    <a:p>
+                      <a:pPr algn="ctr"/>
+                      <a:r>
+                        <a:rPr lang="en-US" altLang="zh-CN" dirty="0" smtClean="0"/>
+                        <a:t>29%</a:t>
+                      </a:r>
+                      <a:endParaRPr lang="zh-CN" altLang="en-US" dirty="0"/>
+                    </a:p>
+                  </a:txBody>
+                  <a:tcPr anchor="ctr"/>
+                </a:tc>
+                <a:tc>
+                  <a:txBody>
+                    <a:bodyPr/>
+                    <a:lstStyle/>
+                    <a:p>
+                      <a:pPr algn="ctr"/>
+                      <a:r>
+                        <a:rPr lang="en-US" altLang="zh-CN" dirty="0" smtClean="0"/>
+                        <a:t>15%</a:t>
+                      </a:r>
+                      <a:endParaRPr lang="en-US" altLang="zh-CN" dirty="0" smtClean="0"/>
+                    </a:p>
+                  </a:txBody>
+                  <a:tcPr anchor="ctr"/>
+                </a:tc>
+                <a:tc>
+                  <a:txBody>
+                    <a:bodyPr/>
+                    <a:lstStyle/>
+                    <a:p>
+                      <a:pPr algn="ctr"/>
+                      <a:r>
+                        <a:rPr lang="en-US" altLang="zh-CN" dirty="0" smtClean="0"/>
+                        <a:t>27%</a:t>
+                      </a:r>
+                      <a:endParaRPr lang="zh-CN" altLang="en-US" dirty="0"/>
+                    </a:p>
+                  </a:txBody>
+                  <a:tcPr anchor="ctr"/>
+                </a:tc>
+                <a:extLst>
+                  <a:ext uri="{0D108BD9-81ED-4DB2-BD59-A6C34878D82A}">
+                    <a16:rowId xmlns:a16="http://schemas.microsoft.com/office/drawing/2014/main" val="1547535822"/>
+                  </a:ext>
+                </a:extLst>
+              </a:tr>
+              <a:tr h="836930">
+                <a:tc>
+                  <a:txBody>
+                    <a:bodyPr/>
+                    <a:lstStyle/>
+                    <a:p>
+                      <a:pPr algn="ctr"/>
+                      <a:r>
+                        <a:rPr lang="en-US" altLang="zh-CN" sz="1600" dirty="0" smtClean="0"/>
+                        <a:t>Return to</a:t>
+                      </a:r>
+                      <a:r>
+                        <a:rPr lang="en-US" altLang="zh-CN" sz="1600" baseline="0" dirty="0" smtClean="0"/>
+                        <a:t> retracement</a:t>
+                      </a:r>
+                      <a:endParaRPr lang="zh-CN" altLang="en-US" sz="1600" dirty="0"/>
+                    </a:p>
+                  </a:txBody>
+                  <a:tcPr anchor="ctr"/>
+                </a:tc>
+                <a:tc>
+                  <a:txBody>
+                    <a:bodyPr/>
+                    <a:lstStyle/>
+                    <a:p>
+                      <a:pPr algn="ctr"/>
+                      <a:r>
+                        <a:rPr lang="en-US" altLang="zh-CN" dirty="0" smtClean="0"/>
+                        <a:t>3.8</a:t>
+                      </a:r>
+                      <a:endParaRPr lang="zh-CN" altLang="en-US" dirty="0"/>
+                    </a:p>
+                  </a:txBody>
+                  <a:tcPr anchor="ctr"/>
+                </a:tc>
+                <a:tc>
+                  <a:txBody>
+                    <a:bodyPr/>
+                    <a:lstStyle/>
+                    <a:p>
+                      <a:pPr algn="ctr"/>
+                      <a:r>
+                        <a:rPr lang="en-US" altLang="zh-CN" dirty="0" smtClean="0"/>
+                        <a:t>15</a:t>
+                      </a:r>
+                      <a:endParaRPr lang="zh-CN" altLang="en-US" dirty="0"/>
+                    </a:p>
+                  </a:txBody>
+                  <a:tcPr anchor="ctr"/>
+                </a:tc>
+                <a:tc>
+                  <a:txBody>
+                    <a:bodyPr/>
+                    <a:lstStyle/>
+                    <a:p>
+                      <a:pPr algn="ctr"/>
+                      <a:r>
+                        <a:rPr lang="en-US" altLang="zh-CN" dirty="0" smtClean="0"/>
+                        <a:t>13</a:t>
+                      </a:r>
+                      <a:endParaRPr lang="zh-CN" altLang="en-US" dirty="0"/>
+                    </a:p>
+                  </a:txBody>
+                  <a:tcPr anchor="ctr"/>
+                </a:tc>
+                <a:tc>
+                  <a:txBody>
+                    <a:bodyPr/>
+                    <a:lstStyle/>
+                    <a:p>
+                      <a:pPr algn="ctr"/>
+                      <a:r>
+                        <a:rPr lang="en-US" altLang="zh-CN" dirty="0" smtClean="0"/>
+                        <a:t>31</a:t>
+                      </a:r>
+                      <a:endParaRPr lang="zh-CN" altLang="en-US" dirty="0"/>
+                    </a:p>
+                  </a:txBody>
+                  <a:tcPr anchor="ctr"/>
+                </a:tc>
+                <a:tc>
+                  <a:txBody>
+                    <a:bodyPr/>
+                    <a:lstStyle/>
+                    <a:p>
+                      <a:pPr algn="ctr"/>
+                      <a:r>
+                        <a:rPr lang="en-US" altLang="zh-CN" dirty="0" smtClean="0"/>
+                        <a:t>7.1</a:t>
+                      </a:r>
+                      <a:endParaRPr lang="zh-CN" altLang="en-US" dirty="0"/>
+                    </a:p>
+                  </a:txBody>
+                  <a:tcPr anchor="ctr"/>
+                </a:tc>
+                <a:extLst>
+                  <a:ext uri="{0D108BD9-81ED-4DB2-BD59-A6C34878D82A}">
+                    <a16:rowId xmlns:a16="http://schemas.microsoft.com/office/drawing/2014/main" val="1758462399"/>
+                  </a:ext>
+                </a:extLst>
+              </a:tr>
+              <a:tr h="836930">
+                <a:tc>
+                  <a:txBody>
+                    <a:bodyPr/>
+                    <a:lstStyle/>
+                    <a:p>
+                      <a:pPr algn="ctr"/>
+                      <a:r>
+                        <a:rPr lang="en-US" altLang="zh-CN" sz="1400" dirty="0" smtClean="0"/>
+                        <a:t>Success</a:t>
+                      </a:r>
+                      <a:r>
+                        <a:rPr lang="en-US" altLang="zh-CN" sz="1400" baseline="0" dirty="0" smtClean="0"/>
+                        <a:t> rate</a:t>
+                      </a:r>
+                      <a:endParaRPr lang="zh-CN" altLang="en-US" sz="1400" dirty="0"/>
+                    </a:p>
+                  </a:txBody>
+                  <a:tcPr anchor="ctr"/>
+                </a:tc>
+                <a:tc>
+                  <a:txBody>
+                    <a:bodyPr/>
+                    <a:lstStyle/>
+                    <a:p>
+                      <a:pPr algn="ctr"/>
+                      <a:r>
+                        <a:rPr lang="en-US" altLang="zh-CN" dirty="0" smtClean="0"/>
+                        <a:t>55%</a:t>
+                      </a:r>
+                      <a:endParaRPr lang="zh-CN" altLang="en-US" dirty="0"/>
+                    </a:p>
+                  </a:txBody>
+                  <a:tcPr anchor="ctr"/>
+                </a:tc>
+                <a:tc>
+                  <a:txBody>
+                    <a:bodyPr/>
+                    <a:lstStyle/>
+                    <a:p>
+                      <a:pPr algn="ctr"/>
+                      <a:r>
+                        <a:rPr lang="en-US" altLang="zh-CN" dirty="0" smtClean="0"/>
+                        <a:t>70%</a:t>
+                      </a:r>
+                      <a:endParaRPr lang="zh-CN" altLang="en-US" dirty="0"/>
+                    </a:p>
+                  </a:txBody>
+                  <a:tcPr anchor="ctr"/>
+                </a:tc>
+                <a:tc>
+                  <a:txBody>
+                    <a:bodyPr/>
+                    <a:lstStyle/>
+                    <a:p>
+                      <a:pPr algn="ctr"/>
+                      <a:r>
+                        <a:rPr lang="en-US" altLang="zh-CN" dirty="0" smtClean="0"/>
+                        <a:t>58%</a:t>
+                      </a:r>
+                      <a:endParaRPr lang="zh-CN" altLang="en-US" dirty="0"/>
+                    </a:p>
+                  </a:txBody>
+                  <a:tcPr anchor="ctr"/>
+                </a:tc>
+                <a:tc>
+                  <a:txBody>
+                    <a:bodyPr/>
+                    <a:lstStyle/>
+                    <a:p>
+                      <a:pPr algn="ctr"/>
+                      <a:r>
+                        <a:rPr lang="en-US" altLang="zh-CN" dirty="0" smtClean="0"/>
+                        <a:t>74%</a:t>
+                      </a:r>
+                      <a:endParaRPr lang="zh-CN" altLang="en-US" dirty="0"/>
+                    </a:p>
+                  </a:txBody>
+                  <a:tcPr anchor="ctr"/>
+                </a:tc>
+                <a:tc>
+                  <a:txBody>
+                    <a:bodyPr/>
+                    <a:lstStyle/>
+                    <a:p>
+                      <a:pPr algn="ctr"/>
+                      <a:r>
+                        <a:rPr lang="en-US" altLang="zh-CN" dirty="0" smtClean="0"/>
+                        <a:t>63%</a:t>
+                      </a:r>
+                      <a:endParaRPr lang="zh-CN" altLang="en-US" dirty="0"/>
+                    </a:p>
+                  </a:txBody>
+                  <a:tcPr anchor="ctr"/>
+                </a:tc>
+                <a:extLst>
+                  <a:ext uri="{0D108BD9-81ED-4DB2-BD59-A6C34878D82A}">
+                    <a16:rowId xmlns:a16="http://schemas.microsoft.com/office/drawing/2014/main" val="2219269065"/>
+                  </a:ext>
+                </a:extLst>
+              </a:tr>
+            </a:tbl>
+          </a:graphicData>
+        </a:graphic>
+      </p:graphicFrame>
+    </p:spTree>
+    <p:extLst>
+      <p:ext uri="{BB962C8B-B14F-4D97-AF65-F5344CB8AC3E}">
+        <p14:creationId xmlns:p14="http://schemas.microsoft.com/office/powerpoint/2010/main" val="3359949481"/>
+      </p:ext>
+    </p:extLst>
+  </p:cSld>
+  <p:clrMapOvr>
+    <a:masterClrMapping/>
+  </p:clrMapOvr>
+  <p:timing>
+    <p:tnLst>
+      <p:par>
+        <p:cTn id="1" dur="indefinite" restart="never" nodeType="tmRoot"/>
+      </p:par>
+    </p:tnLst>
+  </p:timing>
+</p:sld>
+</file>
+
+<file path=ppt/slides/slide5.xml><?xml version="1.0" encoding="utf-8"?>
+<p:sld xmlns:a="http://schemas.openxmlformats.org/drawingml/2006/main" xmlns:r="http://schemas.openxmlformats.org/officeDocument/2006/relationships" xmlns:p="http://schemas.openxmlformats.org/presentationml/2006/main">
+  <p:cSld>
+    <p:spTree>
+      <p:nvGrpSpPr>
+        <p:cNvPr id="1" name=""/>
+        <p:cNvGrpSpPr/>
+        <p:nvPr/>
+      </p:nvGrpSpPr>
+      <p:grpSpPr>
+        <a:xfrm>
+          <a:off x="0" y="0"/>
+          <a:ext cx="0" cy="0"/>
+          <a:chOff x="0" y="0"/>
+          <a:chExt cx="0" cy="0"/>
+        </a:xfrm>
+      </p:grpSpPr>
+      <p:sp>
+        <p:nvSpPr>
+          <p:cNvPr id="2" name="标题 1"/>
+          <p:cNvSpPr>
+            <a:spLocks noGrp="1"/>
+          </p:cNvSpPr>
+          <p:nvPr>
+            <p:ph type="title"/>
+          </p:nvPr>
+        </p:nvSpPr>
+        <p:spPr/>
+        <p:txBody>
+          <a:bodyPr/>
+          <a:lstStyle/>
+          <a:p>
+            <a:r>
+              <a:rPr lang="en-US" altLang="zh-CN" dirty="0" smtClean="0"/>
+              <a:t>Other thinking</a:t>
+            </a:r>
+            <a:endParaRPr lang="zh-CN" altLang="en-US" dirty="0"/>
+          </a:p>
+        </p:txBody>
+      </p:sp>
+      <p:sp>
+        <p:nvSpPr>
+          <p:cNvPr id="3" name="内容占位符 2"/>
+          <p:cNvSpPr>
+            <a:spLocks noGrp="1"/>
+          </p:cNvSpPr>
+          <p:nvPr>
+            <p:ph idx="1"/>
+          </p:nvPr>
+        </p:nvSpPr>
+        <p:spPr>
+          <a:xfrm>
+            <a:off x="838200" y="1507067"/>
+            <a:ext cx="10515600" cy="4669896"/>
+          </a:xfrm>
+        </p:spPr>
+        <p:txBody>
+          <a:bodyPr/>
+          <a:lstStyle/>
+          <a:p>
+            <a:r>
+              <a:rPr lang="en-US" altLang="zh-CN" sz="2400" dirty="0" smtClean="0"/>
+              <a:t>How to optimize our trading strategy?</a:t>
+            </a:r>
+          </a:p>
+          <a:p>
+            <a:endParaRPr lang="zh-CN" altLang="en-US" dirty="0"/>
+          </a:p>
+        </p:txBody>
+      </p:sp>
+    </p:spTree>
+    <p:extLst>
+      <p:ext uri="{BB962C8B-B14F-4D97-AF65-F5344CB8AC3E}">
+        <p14:creationId xmlns:p14="http://schemas.microsoft.com/office/powerpoint/2010/main" val="2878175301"/>
+      </p:ext>
+    </p:extLst>
+  </p:cSld>
+  <p:clrMapOvr>
+    <a:masterClrMapping/>
+  </p:clrMapOvr>
+  <p:timing>
+    <p:tnLst>
+      <p:par>
+        <p:cTn id="1" dur="indefinite" restart="never" nodeType="tmRoot"/>
+      </p:par>
+    </p:tnLst>
+  </p:timing>
 </p:sld>
 </file>
 

--- a/Final presentation.pptx
+++ b/Final presentation.pptx
@@ -2,14 +2,17 @@
 <file path=ppt/presentation.xml><?xml version="1.0" encoding="utf-8"?>
 <p:presentation xmlns:a="http://schemas.openxmlformats.org/drawingml/2006/main" xmlns:r="http://schemas.openxmlformats.org/officeDocument/2006/relationships" xmlns:p="http://schemas.openxmlformats.org/presentationml/2006/main" saveSubsetFonts="1">
   <p:sldMasterIdLst>
-    <p:sldMasterId id="2147483648" r:id="rId1"/>
+    <p:sldMasterId id="2147483660" r:id="rId1"/>
   </p:sldMasterIdLst>
   <p:sldIdLst>
     <p:sldId id="256" r:id="rId2"/>
     <p:sldId id="257" r:id="rId3"/>
     <p:sldId id="258" r:id="rId4"/>
-    <p:sldId id="259" r:id="rId5"/>
-    <p:sldId id="261" r:id="rId6"/>
+    <p:sldId id="262" r:id="rId5"/>
+    <p:sldId id="259" r:id="rId6"/>
+    <p:sldId id="261" r:id="rId7"/>
+    <p:sldId id="263" r:id="rId8"/>
+    <p:sldId id="264" r:id="rId9"/>
   </p:sldIdLst>
   <p:sldSz cx="12192000" cy="6858000"/>
   <p:notesSz cx="6858000" cy="9144000"/>
@@ -135,7 +138,7 @@
       </p:grpSpPr>
       <p:sp>
         <p:nvSpPr>
-          <p:cNvPr id="2" name="标题 1"/>
+          <p:cNvPr id="2" name="Title 1"/>
           <p:cNvSpPr>
             <a:spLocks noGrp="1"/>
           </p:cNvSpPr>
@@ -145,15 +148,15 @@
         </p:nvSpPr>
         <p:spPr>
           <a:xfrm>
-            <a:off x="1524000" y="1122363"/>
-            <a:ext cx="9144000" cy="2387600"/>
+            <a:off x="1154955" y="1447800"/>
+            <a:ext cx="8825658" cy="3329581"/>
           </a:xfrm>
         </p:spPr>
         <p:txBody>
           <a:bodyPr anchor="b"/>
           <a:lstStyle>
-            <a:lvl1pPr algn="ctr">
-              <a:defRPr sz="6000"/>
+            <a:lvl1pPr>
+              <a:defRPr sz="7200"/>
             </a:lvl1pPr>
           </a:lstStyle>
           <a:p>
@@ -161,13 +164,13 @@
               <a:rPr lang="zh-CN" altLang="en-US" smtClean="0"/>
               <a:t>单击此处编辑母版标题样式</a:t>
             </a:r>
-            <a:endParaRPr lang="zh-CN" altLang="en-US"/>
-          </a:p>
-        </p:txBody>
-      </p:sp>
-      <p:sp>
-        <p:nvSpPr>
-          <p:cNvPr id="3" name="副标题 2"/>
+            <a:endParaRPr lang="en-US" dirty="0"/>
+          </a:p>
+        </p:txBody>
+      </p:sp>
+      <p:sp>
+        <p:nvSpPr>
+          <p:cNvPr id="3" name="Subtitle 2"/>
           <p:cNvSpPr>
             <a:spLocks noGrp="1"/>
           </p:cNvSpPr>
@@ -177,48 +180,103 @@
         </p:nvSpPr>
         <p:spPr>
           <a:xfrm>
-            <a:off x="1524000" y="3602038"/>
-            <a:ext cx="9144000" cy="1655762"/>
+            <a:off x="1154955" y="4777380"/>
+            <a:ext cx="8825658" cy="861420"/>
           </a:xfrm>
         </p:spPr>
         <p:txBody>
-          <a:bodyPr/>
+          <a:bodyPr anchor="t"/>
           <a:lstStyle>
-            <a:lvl1pPr marL="0" indent="0" algn="ctr">
-              <a:buNone/>
-              <a:defRPr sz="2400"/>
+            <a:lvl1pPr marL="0" indent="0" algn="l">
+              <a:buNone/>
+              <a:defRPr cap="all">
+                <a:solidFill>
+                  <a:schemeClr val="bg2">
+                    <a:lumMod val="40000"/>
+                    <a:lumOff val="60000"/>
+                  </a:schemeClr>
+                </a:solidFill>
+              </a:defRPr>
             </a:lvl1pPr>
             <a:lvl2pPr marL="457200" indent="0" algn="ctr">
               <a:buNone/>
-              <a:defRPr sz="2000"/>
+              <a:defRPr>
+                <a:solidFill>
+                  <a:schemeClr val="tx1">
+                    <a:tint val="75000"/>
+                  </a:schemeClr>
+                </a:solidFill>
+              </a:defRPr>
             </a:lvl2pPr>
             <a:lvl3pPr marL="914400" indent="0" algn="ctr">
               <a:buNone/>
-              <a:defRPr sz="1800"/>
+              <a:defRPr>
+                <a:solidFill>
+                  <a:schemeClr val="tx1">
+                    <a:tint val="75000"/>
+                  </a:schemeClr>
+                </a:solidFill>
+              </a:defRPr>
             </a:lvl3pPr>
             <a:lvl4pPr marL="1371600" indent="0" algn="ctr">
               <a:buNone/>
-              <a:defRPr sz="1600"/>
+              <a:defRPr>
+                <a:solidFill>
+                  <a:schemeClr val="tx1">
+                    <a:tint val="75000"/>
+                  </a:schemeClr>
+                </a:solidFill>
+              </a:defRPr>
             </a:lvl4pPr>
             <a:lvl5pPr marL="1828800" indent="0" algn="ctr">
               <a:buNone/>
-              <a:defRPr sz="1600"/>
+              <a:defRPr>
+                <a:solidFill>
+                  <a:schemeClr val="tx1">
+                    <a:tint val="75000"/>
+                  </a:schemeClr>
+                </a:solidFill>
+              </a:defRPr>
             </a:lvl5pPr>
             <a:lvl6pPr marL="2286000" indent="0" algn="ctr">
               <a:buNone/>
-              <a:defRPr sz="1600"/>
+              <a:defRPr>
+                <a:solidFill>
+                  <a:schemeClr val="tx1">
+                    <a:tint val="75000"/>
+                  </a:schemeClr>
+                </a:solidFill>
+              </a:defRPr>
             </a:lvl6pPr>
             <a:lvl7pPr marL="2743200" indent="0" algn="ctr">
               <a:buNone/>
-              <a:defRPr sz="1600"/>
+              <a:defRPr>
+                <a:solidFill>
+                  <a:schemeClr val="tx1">
+                    <a:tint val="75000"/>
+                  </a:schemeClr>
+                </a:solidFill>
+              </a:defRPr>
             </a:lvl7pPr>
             <a:lvl8pPr marL="3200400" indent="0" algn="ctr">
               <a:buNone/>
-              <a:defRPr sz="1600"/>
+              <a:defRPr>
+                <a:solidFill>
+                  <a:schemeClr val="tx1">
+                    <a:tint val="75000"/>
+                  </a:schemeClr>
+                </a:solidFill>
+              </a:defRPr>
             </a:lvl8pPr>
             <a:lvl9pPr marL="3657600" indent="0" algn="ctr">
               <a:buNone/>
-              <a:defRPr sz="1600"/>
+              <a:defRPr>
+                <a:solidFill>
+                  <a:schemeClr val="tx1">
+                    <a:tint val="75000"/>
+                  </a:schemeClr>
+                </a:solidFill>
+              </a:defRPr>
             </a:lvl9pPr>
           </a:lstStyle>
           <a:p>
@@ -226,13 +284,13 @@
               <a:rPr lang="zh-CN" altLang="en-US" smtClean="0"/>
               <a:t>单击以编辑母版副标题样式</a:t>
             </a:r>
-            <a:endParaRPr lang="zh-CN" altLang="en-US"/>
-          </a:p>
-        </p:txBody>
-      </p:sp>
-      <p:sp>
-        <p:nvSpPr>
-          <p:cNvPr id="4" name="日期占位符 3"/>
+            <a:endParaRPr lang="en-US" dirty="0"/>
+          </a:p>
+        </p:txBody>
+      </p:sp>
+      <p:sp>
+        <p:nvSpPr>
+          <p:cNvPr id="4" name="Date Placeholder 3"/>
           <p:cNvSpPr>
             <a:spLocks noGrp="1"/>
           </p:cNvSpPr>
@@ -255,7 +313,7 @@
       </p:sp>
       <p:sp>
         <p:nvSpPr>
-          <p:cNvPr id="5" name="页脚占位符 4"/>
+          <p:cNvPr id="5" name="Footer Placeholder 4"/>
           <p:cNvSpPr>
             <a:spLocks noGrp="1"/>
           </p:cNvSpPr>
@@ -274,7 +332,7 @@
       </p:sp>
       <p:sp>
         <p:nvSpPr>
-          <p:cNvPr id="6" name="灯片编号占位符 5"/>
+          <p:cNvPr id="6" name="Slide Number Placeholder 5"/>
           <p:cNvSpPr>
             <a:spLocks noGrp="1"/>
           </p:cNvSpPr>
@@ -298,7 +356,7 @@
     </p:spTree>
     <p:extLst>
       <p:ext uri="{BB962C8B-B14F-4D97-AF65-F5344CB8AC3E}">
-        <p14:creationId xmlns:p14="http://schemas.microsoft.com/office/powerpoint/2010/main" val="1120166288"/>
+        <p14:creationId xmlns:p14="http://schemas.microsoft.com/office/powerpoint/2010/main" val="1164842756"/>
       </p:ext>
     </p:extLst>
   </p:cSld>
@@ -309,6 +367,2572 @@
 </file>
 
 <file path=ppt/slideLayouts/slideLayout10.xml><?xml version="1.0" encoding="utf-8"?>
+<p:sldLayout xmlns:a="http://schemas.openxmlformats.org/drawingml/2006/main" xmlns:r="http://schemas.openxmlformats.org/officeDocument/2006/relationships" xmlns:p="http://schemas.openxmlformats.org/presentationml/2006/main" preserve="1">
+  <p:cSld name="带描述的全景图片">
+    <p:spTree>
+      <p:nvGrpSpPr>
+        <p:cNvPr id="1" name=""/>
+        <p:cNvGrpSpPr/>
+        <p:nvPr/>
+      </p:nvGrpSpPr>
+      <p:grpSpPr>
+        <a:xfrm>
+          <a:off x="0" y="0"/>
+          <a:ext cx="0" cy="0"/>
+          <a:chOff x="0" y="0"/>
+          <a:chExt cx="0" cy="0"/>
+        </a:xfrm>
+      </p:grpSpPr>
+      <p:sp>
+        <p:nvSpPr>
+          <p:cNvPr id="2" name="Title 1"/>
+          <p:cNvSpPr>
+            <a:spLocks noGrp="1"/>
+          </p:cNvSpPr>
+          <p:nvPr>
+            <p:ph type="title"/>
+          </p:nvPr>
+        </p:nvSpPr>
+        <p:spPr>
+          <a:xfrm>
+            <a:off x="1154956" y="4800587"/>
+            <a:ext cx="8825657" cy="566738"/>
+          </a:xfrm>
+        </p:spPr>
+        <p:txBody>
+          <a:bodyPr anchor="b">
+            <a:normAutofit/>
+          </a:bodyPr>
+          <a:lstStyle>
+            <a:lvl1pPr algn="l">
+              <a:defRPr sz="2400" b="0"/>
+            </a:lvl1pPr>
+          </a:lstStyle>
+          <a:p>
+            <a:r>
+              <a:rPr lang="zh-CN" altLang="en-US" smtClean="0"/>
+              <a:t>单击此处编辑母版标题样式</a:t>
+            </a:r>
+            <a:endParaRPr lang="en-US" dirty="0"/>
+          </a:p>
+        </p:txBody>
+      </p:sp>
+      <p:sp>
+        <p:nvSpPr>
+          <p:cNvPr id="3" name="Picture Placeholder 2"/>
+          <p:cNvSpPr>
+            <a:spLocks noGrp="1" noChangeAspect="1"/>
+          </p:cNvSpPr>
+          <p:nvPr>
+            <p:ph type="pic" idx="1"/>
+          </p:nvPr>
+        </p:nvSpPr>
+        <p:spPr>
+          <a:xfrm>
+            <a:off x="1154955" y="685800"/>
+            <a:ext cx="8825658" cy="3640666"/>
+          </a:xfrm>
+          <a:prstGeom prst="roundRect">
+            <a:avLst>
+              <a:gd name="adj" fmla="val 1858"/>
+            </a:avLst>
+          </a:prstGeom>
+          <a:effectLst>
+            <a:outerShdw blurRad="50800" dist="50800" dir="5400000" algn="tl" rotWithShape="0">
+              <a:srgbClr val="000000">
+                <a:alpha val="43000"/>
+              </a:srgbClr>
+            </a:outerShdw>
+          </a:effectLst>
+        </p:spPr>
+        <p:txBody>
+          <a:bodyPr anchor="t">
+            <a:normAutofit/>
+          </a:bodyPr>
+          <a:lstStyle>
+            <a:lvl1pPr marL="0" indent="0" algn="ctr">
+              <a:buNone/>
+              <a:defRPr sz="1600"/>
+            </a:lvl1pPr>
+            <a:lvl2pPr marL="457200" indent="0">
+              <a:buNone/>
+              <a:defRPr sz="1600"/>
+            </a:lvl2pPr>
+            <a:lvl3pPr marL="914400" indent="0">
+              <a:buNone/>
+              <a:defRPr sz="1600"/>
+            </a:lvl3pPr>
+            <a:lvl4pPr marL="1371600" indent="0">
+              <a:buNone/>
+              <a:defRPr sz="1600"/>
+            </a:lvl4pPr>
+            <a:lvl5pPr marL="1828800" indent="0">
+              <a:buNone/>
+              <a:defRPr sz="1600"/>
+            </a:lvl5pPr>
+            <a:lvl6pPr marL="2286000" indent="0">
+              <a:buNone/>
+              <a:defRPr sz="1600"/>
+            </a:lvl6pPr>
+            <a:lvl7pPr marL="2743200" indent="0">
+              <a:buNone/>
+              <a:defRPr sz="1600"/>
+            </a:lvl7pPr>
+            <a:lvl8pPr marL="3200400" indent="0">
+              <a:buNone/>
+              <a:defRPr sz="1600"/>
+            </a:lvl8pPr>
+            <a:lvl9pPr marL="3657600" indent="0">
+              <a:buNone/>
+              <a:defRPr sz="1600"/>
+            </a:lvl9pPr>
+          </a:lstStyle>
+          <a:p>
+            <a:r>
+              <a:rPr lang="zh-CN" altLang="en-US" smtClean="0"/>
+              <a:t>单击图标添加图片</a:t>
+            </a:r>
+            <a:endParaRPr lang="en-US" dirty="0"/>
+          </a:p>
+        </p:txBody>
+      </p:sp>
+      <p:sp>
+        <p:nvSpPr>
+          <p:cNvPr id="4" name="Text Placeholder 3"/>
+          <p:cNvSpPr>
+            <a:spLocks noGrp="1"/>
+          </p:cNvSpPr>
+          <p:nvPr>
+            <p:ph type="body" sz="half" idx="2"/>
+          </p:nvPr>
+        </p:nvSpPr>
+        <p:spPr>
+          <a:xfrm>
+            <a:off x="1154956" y="5367325"/>
+            <a:ext cx="8825656" cy="493712"/>
+          </a:xfrm>
+        </p:spPr>
+        <p:txBody>
+          <a:bodyPr>
+            <a:normAutofit/>
+          </a:bodyPr>
+          <a:lstStyle>
+            <a:lvl1pPr marL="0" indent="0">
+              <a:buNone/>
+              <a:defRPr sz="1200"/>
+            </a:lvl1pPr>
+            <a:lvl2pPr marL="457200" indent="0">
+              <a:buNone/>
+              <a:defRPr sz="1200"/>
+            </a:lvl2pPr>
+            <a:lvl3pPr marL="914400" indent="0">
+              <a:buNone/>
+              <a:defRPr sz="1000"/>
+            </a:lvl3pPr>
+            <a:lvl4pPr marL="1371600" indent="0">
+              <a:buNone/>
+              <a:defRPr sz="900"/>
+            </a:lvl4pPr>
+            <a:lvl5pPr marL="1828800" indent="0">
+              <a:buNone/>
+              <a:defRPr sz="900"/>
+            </a:lvl5pPr>
+            <a:lvl6pPr marL="2286000" indent="0">
+              <a:buNone/>
+              <a:defRPr sz="900"/>
+            </a:lvl6pPr>
+            <a:lvl7pPr marL="2743200" indent="0">
+              <a:buNone/>
+              <a:defRPr sz="900"/>
+            </a:lvl7pPr>
+            <a:lvl8pPr marL="3200400" indent="0">
+              <a:buNone/>
+              <a:defRPr sz="900"/>
+            </a:lvl8pPr>
+            <a:lvl9pPr marL="3657600" indent="0">
+              <a:buNone/>
+              <a:defRPr sz="900"/>
+            </a:lvl9pPr>
+          </a:lstStyle>
+          <a:p>
+            <a:pPr lvl="0"/>
+            <a:r>
+              <a:rPr lang="zh-CN" altLang="en-US" smtClean="0"/>
+              <a:t>编辑母版文本样式</a:t>
+            </a:r>
+          </a:p>
+        </p:txBody>
+      </p:sp>
+      <p:sp>
+        <p:nvSpPr>
+          <p:cNvPr id="5" name="Date Placeholder 4"/>
+          <p:cNvSpPr>
+            <a:spLocks noGrp="1"/>
+          </p:cNvSpPr>
+          <p:nvPr>
+            <p:ph type="dt" sz="half" idx="10"/>
+          </p:nvPr>
+        </p:nvSpPr>
+        <p:spPr/>
+        <p:txBody>
+          <a:bodyPr/>
+          <a:lstStyle/>
+          <a:p>
+            <a:fld id="{4F59CD18-ADD1-457A-BA95-59ED705B0B5F}" type="datetimeFigureOut">
+              <a:rPr lang="zh-CN" altLang="en-US" smtClean="0"/>
+              <a:t>2017/4/16</a:t>
+            </a:fld>
+            <a:endParaRPr lang="zh-CN" altLang="en-US"/>
+          </a:p>
+        </p:txBody>
+      </p:sp>
+      <p:sp>
+        <p:nvSpPr>
+          <p:cNvPr id="6" name="Footer Placeholder 5"/>
+          <p:cNvSpPr>
+            <a:spLocks noGrp="1"/>
+          </p:cNvSpPr>
+          <p:nvPr>
+            <p:ph type="ftr" sz="quarter" idx="11"/>
+          </p:nvPr>
+        </p:nvSpPr>
+        <p:spPr/>
+        <p:txBody>
+          <a:bodyPr/>
+          <a:lstStyle/>
+          <a:p>
+            <a:endParaRPr lang="zh-CN" altLang="en-US"/>
+          </a:p>
+        </p:txBody>
+      </p:sp>
+      <p:sp>
+        <p:nvSpPr>
+          <p:cNvPr id="7" name="Slide Number Placeholder 6"/>
+          <p:cNvSpPr>
+            <a:spLocks noGrp="1"/>
+          </p:cNvSpPr>
+          <p:nvPr>
+            <p:ph type="sldNum" sz="quarter" idx="12"/>
+          </p:nvPr>
+        </p:nvSpPr>
+        <p:spPr/>
+        <p:txBody>
+          <a:bodyPr/>
+          <a:lstStyle/>
+          <a:p>
+            <a:fld id="{FFAC6A0D-E33A-4665-9E91-8AF94A1647F9}" type="slidenum">
+              <a:rPr lang="zh-CN" altLang="en-US" smtClean="0"/>
+              <a:t>‹#›</a:t>
+            </a:fld>
+            <a:endParaRPr lang="zh-CN" altLang="en-US"/>
+          </a:p>
+        </p:txBody>
+      </p:sp>
+    </p:spTree>
+    <p:extLst>
+      <p:ext uri="{BB962C8B-B14F-4D97-AF65-F5344CB8AC3E}">
+        <p14:creationId xmlns:p14="http://schemas.microsoft.com/office/powerpoint/2010/main" val="1748771134"/>
+      </p:ext>
+    </p:extLst>
+  </p:cSld>
+  <p:clrMapOvr>
+    <a:masterClrMapping/>
+  </p:clrMapOvr>
+</p:sldLayout>
+</file>
+
+<file path=ppt/slideLayouts/slideLayout11.xml><?xml version="1.0" encoding="utf-8"?>
+<p:sldLayout xmlns:a="http://schemas.openxmlformats.org/drawingml/2006/main" xmlns:r="http://schemas.openxmlformats.org/officeDocument/2006/relationships" xmlns:p="http://schemas.openxmlformats.org/presentationml/2006/main" preserve="1">
+  <p:cSld name="标题和描述">
+    <p:spTree>
+      <p:nvGrpSpPr>
+        <p:cNvPr id="1" name=""/>
+        <p:cNvGrpSpPr/>
+        <p:nvPr/>
+      </p:nvGrpSpPr>
+      <p:grpSpPr>
+        <a:xfrm>
+          <a:off x="0" y="0"/>
+          <a:ext cx="0" cy="0"/>
+          <a:chOff x="0" y="0"/>
+          <a:chExt cx="0" cy="0"/>
+        </a:xfrm>
+      </p:grpSpPr>
+      <p:sp>
+        <p:nvSpPr>
+          <p:cNvPr id="2" name="Title 1"/>
+          <p:cNvSpPr>
+            <a:spLocks noGrp="1"/>
+          </p:cNvSpPr>
+          <p:nvPr>
+            <p:ph type="title"/>
+          </p:nvPr>
+        </p:nvSpPr>
+        <p:spPr>
+          <a:xfrm>
+            <a:off x="1154954" y="1447800"/>
+            <a:ext cx="8825659" cy="1981200"/>
+          </a:xfrm>
+        </p:spPr>
+        <p:txBody>
+          <a:bodyPr/>
+          <a:lstStyle>
+            <a:lvl1pPr>
+              <a:defRPr sz="4800"/>
+            </a:lvl1pPr>
+          </a:lstStyle>
+          <a:p>
+            <a:r>
+              <a:rPr lang="zh-CN" altLang="en-US" smtClean="0"/>
+              <a:t>单击此处编辑母版标题样式</a:t>
+            </a:r>
+            <a:endParaRPr lang="en-US" dirty="0"/>
+          </a:p>
+        </p:txBody>
+      </p:sp>
+      <p:sp>
+        <p:nvSpPr>
+          <p:cNvPr id="8" name="Text Placeholder 3"/>
+          <p:cNvSpPr>
+            <a:spLocks noGrp="1"/>
+          </p:cNvSpPr>
+          <p:nvPr>
+            <p:ph type="body" sz="half" idx="2"/>
+          </p:nvPr>
+        </p:nvSpPr>
+        <p:spPr>
+          <a:xfrm>
+            <a:off x="1154954" y="3657600"/>
+            <a:ext cx="8825659" cy="2362200"/>
+          </a:xfrm>
+        </p:spPr>
+        <p:txBody>
+          <a:bodyPr anchor="ctr">
+            <a:normAutofit/>
+          </a:bodyPr>
+          <a:lstStyle>
+            <a:lvl1pPr marL="0" indent="0">
+              <a:buNone/>
+              <a:defRPr sz="1800"/>
+            </a:lvl1pPr>
+            <a:lvl2pPr marL="457200" indent="0">
+              <a:buNone/>
+              <a:defRPr sz="1200"/>
+            </a:lvl2pPr>
+            <a:lvl3pPr marL="914400" indent="0">
+              <a:buNone/>
+              <a:defRPr sz="1000"/>
+            </a:lvl3pPr>
+            <a:lvl4pPr marL="1371600" indent="0">
+              <a:buNone/>
+              <a:defRPr sz="900"/>
+            </a:lvl4pPr>
+            <a:lvl5pPr marL="1828800" indent="0">
+              <a:buNone/>
+              <a:defRPr sz="900"/>
+            </a:lvl5pPr>
+            <a:lvl6pPr marL="2286000" indent="0">
+              <a:buNone/>
+              <a:defRPr sz="900"/>
+            </a:lvl6pPr>
+            <a:lvl7pPr marL="2743200" indent="0">
+              <a:buNone/>
+              <a:defRPr sz="900"/>
+            </a:lvl7pPr>
+            <a:lvl8pPr marL="3200400" indent="0">
+              <a:buNone/>
+              <a:defRPr sz="900"/>
+            </a:lvl8pPr>
+            <a:lvl9pPr marL="3657600" indent="0">
+              <a:buNone/>
+              <a:defRPr sz="900"/>
+            </a:lvl9pPr>
+          </a:lstStyle>
+          <a:p>
+            <a:pPr lvl="0"/>
+            <a:r>
+              <a:rPr lang="zh-CN" altLang="en-US" smtClean="0"/>
+              <a:t>编辑母版文本样式</a:t>
+            </a:r>
+          </a:p>
+        </p:txBody>
+      </p:sp>
+      <p:sp>
+        <p:nvSpPr>
+          <p:cNvPr id="4" name="Date Placeholder 3"/>
+          <p:cNvSpPr>
+            <a:spLocks noGrp="1"/>
+          </p:cNvSpPr>
+          <p:nvPr>
+            <p:ph type="dt" sz="half" idx="10"/>
+          </p:nvPr>
+        </p:nvSpPr>
+        <p:spPr/>
+        <p:txBody>
+          <a:bodyPr/>
+          <a:lstStyle/>
+          <a:p>
+            <a:fld id="{4F59CD18-ADD1-457A-BA95-59ED705B0B5F}" type="datetimeFigureOut">
+              <a:rPr lang="zh-CN" altLang="en-US" smtClean="0"/>
+              <a:t>2017/4/16</a:t>
+            </a:fld>
+            <a:endParaRPr lang="zh-CN" altLang="en-US"/>
+          </a:p>
+        </p:txBody>
+      </p:sp>
+      <p:sp>
+        <p:nvSpPr>
+          <p:cNvPr id="5" name="Footer Placeholder 4"/>
+          <p:cNvSpPr>
+            <a:spLocks noGrp="1"/>
+          </p:cNvSpPr>
+          <p:nvPr>
+            <p:ph type="ftr" sz="quarter" idx="11"/>
+          </p:nvPr>
+        </p:nvSpPr>
+        <p:spPr/>
+        <p:txBody>
+          <a:bodyPr/>
+          <a:lstStyle/>
+          <a:p>
+            <a:endParaRPr lang="zh-CN" altLang="en-US"/>
+          </a:p>
+        </p:txBody>
+      </p:sp>
+      <p:sp>
+        <p:nvSpPr>
+          <p:cNvPr id="6" name="Slide Number Placeholder 5"/>
+          <p:cNvSpPr>
+            <a:spLocks noGrp="1"/>
+          </p:cNvSpPr>
+          <p:nvPr>
+            <p:ph type="sldNum" sz="quarter" idx="12"/>
+          </p:nvPr>
+        </p:nvSpPr>
+        <p:spPr/>
+        <p:txBody>
+          <a:bodyPr/>
+          <a:lstStyle/>
+          <a:p>
+            <a:fld id="{FFAC6A0D-E33A-4665-9E91-8AF94A1647F9}" type="slidenum">
+              <a:rPr lang="zh-CN" altLang="en-US" smtClean="0"/>
+              <a:t>‹#›</a:t>
+            </a:fld>
+            <a:endParaRPr lang="zh-CN" altLang="en-US"/>
+          </a:p>
+        </p:txBody>
+      </p:sp>
+    </p:spTree>
+    <p:extLst>
+      <p:ext uri="{BB962C8B-B14F-4D97-AF65-F5344CB8AC3E}">
+        <p14:creationId xmlns:p14="http://schemas.microsoft.com/office/powerpoint/2010/main" val="4107276029"/>
+      </p:ext>
+    </p:extLst>
+  </p:cSld>
+  <p:clrMapOvr>
+    <a:masterClrMapping/>
+  </p:clrMapOvr>
+</p:sldLayout>
+</file>
+
+<file path=ppt/slideLayouts/slideLayout12.xml><?xml version="1.0" encoding="utf-8"?>
+<p:sldLayout xmlns:a="http://schemas.openxmlformats.org/drawingml/2006/main" xmlns:r="http://schemas.openxmlformats.org/officeDocument/2006/relationships" xmlns:p="http://schemas.openxmlformats.org/presentationml/2006/main" preserve="1">
+  <p:cSld name="带描述的引言">
+    <p:spTree>
+      <p:nvGrpSpPr>
+        <p:cNvPr id="1" name=""/>
+        <p:cNvGrpSpPr/>
+        <p:nvPr/>
+      </p:nvGrpSpPr>
+      <p:grpSpPr>
+        <a:xfrm>
+          <a:off x="0" y="0"/>
+          <a:ext cx="0" cy="0"/>
+          <a:chOff x="0" y="0"/>
+          <a:chExt cx="0" cy="0"/>
+        </a:xfrm>
+      </p:grpSpPr>
+      <p:sp>
+        <p:nvSpPr>
+          <p:cNvPr id="2" name="Title 1"/>
+          <p:cNvSpPr>
+            <a:spLocks noGrp="1"/>
+          </p:cNvSpPr>
+          <p:nvPr>
+            <p:ph type="title"/>
+          </p:nvPr>
+        </p:nvSpPr>
+        <p:spPr>
+          <a:xfrm>
+            <a:off x="1574801" y="1447800"/>
+            <a:ext cx="7999315" cy="2323374"/>
+          </a:xfrm>
+        </p:spPr>
+        <p:txBody>
+          <a:bodyPr/>
+          <a:lstStyle>
+            <a:lvl1pPr>
+              <a:defRPr sz="4800"/>
+            </a:lvl1pPr>
+          </a:lstStyle>
+          <a:p>
+            <a:r>
+              <a:rPr lang="zh-CN" altLang="en-US" smtClean="0"/>
+              <a:t>单击此处编辑母版标题样式</a:t>
+            </a:r>
+            <a:endParaRPr lang="en-US" dirty="0"/>
+          </a:p>
+        </p:txBody>
+      </p:sp>
+      <p:sp>
+        <p:nvSpPr>
+          <p:cNvPr id="11" name="Text Placeholder 3"/>
+          <p:cNvSpPr>
+            <a:spLocks noGrp="1"/>
+          </p:cNvSpPr>
+          <p:nvPr>
+            <p:ph type="body" sz="half" idx="14"/>
+          </p:nvPr>
+        </p:nvSpPr>
+        <p:spPr>
+          <a:xfrm>
+            <a:off x="1930400" y="3771174"/>
+            <a:ext cx="7279649" cy="342174"/>
+          </a:xfrm>
+        </p:spPr>
+        <p:txBody>
+          <a:bodyPr vert="horz" lIns="91440" tIns="45720" rIns="91440" bIns="45720" rtlCol="0" anchor="t">
+            <a:normAutofit/>
+          </a:bodyPr>
+          <a:lstStyle>
+            <a:lvl1pPr marL="0" indent="0">
+              <a:buNone/>
+              <a:defRPr lang="en-US" sz="1400" b="0" i="0" kern="1200" cap="small" dirty="0">
+                <a:solidFill>
+                  <a:schemeClr val="bg2">
+                    <a:lumMod val="40000"/>
+                    <a:lumOff val="60000"/>
+                  </a:schemeClr>
+                </a:solidFill>
+                <a:latin typeface="+mj-lt"/>
+                <a:ea typeface="+mj-ea"/>
+                <a:cs typeface="+mj-cs"/>
+              </a:defRPr>
+            </a:lvl1pPr>
+            <a:lvl2pPr marL="457200" indent="0">
+              <a:buNone/>
+              <a:defRPr sz="1200"/>
+            </a:lvl2pPr>
+            <a:lvl3pPr marL="914400" indent="0">
+              <a:buNone/>
+              <a:defRPr sz="1000"/>
+            </a:lvl3pPr>
+            <a:lvl4pPr marL="1371600" indent="0">
+              <a:buNone/>
+              <a:defRPr sz="900"/>
+            </a:lvl4pPr>
+            <a:lvl5pPr marL="1828800" indent="0">
+              <a:buNone/>
+              <a:defRPr sz="900"/>
+            </a:lvl5pPr>
+            <a:lvl6pPr marL="2286000" indent="0">
+              <a:buNone/>
+              <a:defRPr sz="900"/>
+            </a:lvl6pPr>
+            <a:lvl7pPr marL="2743200" indent="0">
+              <a:buNone/>
+              <a:defRPr sz="900"/>
+            </a:lvl7pPr>
+            <a:lvl8pPr marL="3200400" indent="0">
+              <a:buNone/>
+              <a:defRPr sz="900"/>
+            </a:lvl8pPr>
+            <a:lvl9pPr marL="3657600" indent="0">
+              <a:buNone/>
+              <a:defRPr sz="900"/>
+            </a:lvl9pPr>
+          </a:lstStyle>
+          <a:p>
+            <a:pPr marL="0" lvl="0" indent="0">
+              <a:buNone/>
+            </a:pPr>
+            <a:r>
+              <a:rPr lang="zh-CN" altLang="en-US" smtClean="0"/>
+              <a:t>编辑母版文本样式</a:t>
+            </a:r>
+          </a:p>
+        </p:txBody>
+      </p:sp>
+      <p:sp>
+        <p:nvSpPr>
+          <p:cNvPr id="10" name="Text Placeholder 3"/>
+          <p:cNvSpPr>
+            <a:spLocks noGrp="1"/>
+          </p:cNvSpPr>
+          <p:nvPr>
+            <p:ph type="body" sz="half" idx="2"/>
+          </p:nvPr>
+        </p:nvSpPr>
+        <p:spPr>
+          <a:xfrm>
+            <a:off x="1154954" y="4350657"/>
+            <a:ext cx="8825659" cy="1676400"/>
+          </a:xfrm>
+        </p:spPr>
+        <p:txBody>
+          <a:bodyPr anchor="ctr">
+            <a:normAutofit/>
+          </a:bodyPr>
+          <a:lstStyle>
+            <a:lvl1pPr marL="0" indent="0">
+              <a:buNone/>
+              <a:defRPr sz="1800"/>
+            </a:lvl1pPr>
+            <a:lvl2pPr marL="457200" indent="0">
+              <a:buNone/>
+              <a:defRPr sz="1200"/>
+            </a:lvl2pPr>
+            <a:lvl3pPr marL="914400" indent="0">
+              <a:buNone/>
+              <a:defRPr sz="1000"/>
+            </a:lvl3pPr>
+            <a:lvl4pPr marL="1371600" indent="0">
+              <a:buNone/>
+              <a:defRPr sz="900"/>
+            </a:lvl4pPr>
+            <a:lvl5pPr marL="1828800" indent="0">
+              <a:buNone/>
+              <a:defRPr sz="900"/>
+            </a:lvl5pPr>
+            <a:lvl6pPr marL="2286000" indent="0">
+              <a:buNone/>
+              <a:defRPr sz="900"/>
+            </a:lvl6pPr>
+            <a:lvl7pPr marL="2743200" indent="0">
+              <a:buNone/>
+              <a:defRPr sz="900"/>
+            </a:lvl7pPr>
+            <a:lvl8pPr marL="3200400" indent="0">
+              <a:buNone/>
+              <a:defRPr sz="900"/>
+            </a:lvl8pPr>
+            <a:lvl9pPr marL="3657600" indent="0">
+              <a:buNone/>
+              <a:defRPr sz="900"/>
+            </a:lvl9pPr>
+          </a:lstStyle>
+          <a:p>
+            <a:pPr lvl="0"/>
+            <a:r>
+              <a:rPr lang="zh-CN" altLang="en-US" smtClean="0"/>
+              <a:t>编辑母版文本样式</a:t>
+            </a:r>
+          </a:p>
+        </p:txBody>
+      </p:sp>
+      <p:sp>
+        <p:nvSpPr>
+          <p:cNvPr id="4" name="Date Placeholder 3"/>
+          <p:cNvSpPr>
+            <a:spLocks noGrp="1"/>
+          </p:cNvSpPr>
+          <p:nvPr>
+            <p:ph type="dt" sz="half" idx="10"/>
+          </p:nvPr>
+        </p:nvSpPr>
+        <p:spPr/>
+        <p:txBody>
+          <a:bodyPr/>
+          <a:lstStyle/>
+          <a:p>
+            <a:fld id="{4F59CD18-ADD1-457A-BA95-59ED705B0B5F}" type="datetimeFigureOut">
+              <a:rPr lang="zh-CN" altLang="en-US" smtClean="0"/>
+              <a:t>2017/4/16</a:t>
+            </a:fld>
+            <a:endParaRPr lang="zh-CN" altLang="en-US"/>
+          </a:p>
+        </p:txBody>
+      </p:sp>
+      <p:sp>
+        <p:nvSpPr>
+          <p:cNvPr id="5" name="Footer Placeholder 4"/>
+          <p:cNvSpPr>
+            <a:spLocks noGrp="1"/>
+          </p:cNvSpPr>
+          <p:nvPr>
+            <p:ph type="ftr" sz="quarter" idx="11"/>
+          </p:nvPr>
+        </p:nvSpPr>
+        <p:spPr/>
+        <p:txBody>
+          <a:bodyPr/>
+          <a:lstStyle/>
+          <a:p>
+            <a:endParaRPr lang="zh-CN" altLang="en-US"/>
+          </a:p>
+        </p:txBody>
+      </p:sp>
+      <p:sp>
+        <p:nvSpPr>
+          <p:cNvPr id="6" name="Slide Number Placeholder 5"/>
+          <p:cNvSpPr>
+            <a:spLocks noGrp="1"/>
+          </p:cNvSpPr>
+          <p:nvPr>
+            <p:ph type="sldNum" sz="quarter" idx="12"/>
+          </p:nvPr>
+        </p:nvSpPr>
+        <p:spPr/>
+        <p:txBody>
+          <a:bodyPr/>
+          <a:lstStyle/>
+          <a:p>
+            <a:fld id="{FFAC6A0D-E33A-4665-9E91-8AF94A1647F9}" type="slidenum">
+              <a:rPr lang="zh-CN" altLang="en-US" smtClean="0"/>
+              <a:t>‹#›</a:t>
+            </a:fld>
+            <a:endParaRPr lang="zh-CN" altLang="en-US"/>
+          </a:p>
+        </p:txBody>
+      </p:sp>
+      <p:sp>
+        <p:nvSpPr>
+          <p:cNvPr id="12" name="TextBox 11"/>
+          <p:cNvSpPr txBox="1"/>
+          <p:nvPr/>
+        </p:nvSpPr>
+        <p:spPr>
+          <a:xfrm>
+            <a:off x="898295" y="971253"/>
+            <a:ext cx="801912" cy="1969770"/>
+          </a:xfrm>
+          <a:prstGeom prst="rect">
+            <a:avLst/>
+          </a:prstGeom>
+          <a:noFill/>
+        </p:spPr>
+        <p:txBody>
+          <a:bodyPr wrap="square" rtlCol="0">
+            <a:spAutoFit/>
+          </a:bodyPr>
+          <a:lstStyle>
+            <a:defPPr>
+              <a:defRPr lang="en-US"/>
+            </a:defPPr>
+            <a:lvl1pPr algn="r">
+              <a:defRPr sz="12200" b="0" i="0">
+                <a:solidFill>
+                  <a:schemeClr val="bg2">
+                    <a:lumMod val="40000"/>
+                    <a:lumOff val="60000"/>
+                  </a:schemeClr>
+                </a:solidFill>
+                <a:latin typeface="Arial"/>
+                <a:ea typeface="+mj-ea"/>
+                <a:cs typeface="+mj-cs"/>
+              </a:defRPr>
+            </a:lvl1pPr>
+          </a:lstStyle>
+          <a:p>
+            <a:pPr lvl="0"/>
+            <a:r>
+              <a:rPr lang="en-US" dirty="0"/>
+              <a:t>“</a:t>
+            </a:r>
+          </a:p>
+        </p:txBody>
+      </p:sp>
+      <p:sp>
+        <p:nvSpPr>
+          <p:cNvPr id="15" name="TextBox 14"/>
+          <p:cNvSpPr txBox="1"/>
+          <p:nvPr/>
+        </p:nvSpPr>
+        <p:spPr>
+          <a:xfrm>
+            <a:off x="9330490" y="2613787"/>
+            <a:ext cx="801912" cy="1969770"/>
+          </a:xfrm>
+          <a:prstGeom prst="rect">
+            <a:avLst/>
+          </a:prstGeom>
+          <a:noFill/>
+        </p:spPr>
+        <p:txBody>
+          <a:bodyPr wrap="square" rtlCol="0">
+            <a:spAutoFit/>
+          </a:bodyPr>
+          <a:lstStyle>
+            <a:defPPr>
+              <a:defRPr lang="en-US"/>
+            </a:defPPr>
+            <a:lvl1pPr algn="r">
+              <a:defRPr sz="12200" b="0" i="0">
+                <a:solidFill>
+                  <a:schemeClr val="bg2">
+                    <a:lumMod val="40000"/>
+                    <a:lumOff val="60000"/>
+                  </a:schemeClr>
+                </a:solidFill>
+                <a:latin typeface="Arial"/>
+                <a:ea typeface="+mj-ea"/>
+                <a:cs typeface="+mj-cs"/>
+              </a:defRPr>
+            </a:lvl1pPr>
+          </a:lstStyle>
+          <a:p>
+            <a:pPr lvl="0"/>
+            <a:r>
+              <a:rPr lang="en-US" dirty="0"/>
+              <a:t>”</a:t>
+            </a:r>
+          </a:p>
+        </p:txBody>
+      </p:sp>
+    </p:spTree>
+    <p:extLst>
+      <p:ext uri="{BB962C8B-B14F-4D97-AF65-F5344CB8AC3E}">
+        <p14:creationId xmlns:p14="http://schemas.microsoft.com/office/powerpoint/2010/main" val="3986784353"/>
+      </p:ext>
+    </p:extLst>
+  </p:cSld>
+  <p:clrMapOvr>
+    <a:masterClrMapping/>
+  </p:clrMapOvr>
+</p:sldLayout>
+</file>
+
+<file path=ppt/slideLayouts/slideLayout13.xml><?xml version="1.0" encoding="utf-8"?>
+<p:sldLayout xmlns:a="http://schemas.openxmlformats.org/drawingml/2006/main" xmlns:r="http://schemas.openxmlformats.org/officeDocument/2006/relationships" xmlns:p="http://schemas.openxmlformats.org/presentationml/2006/main" preserve="1">
+  <p:cSld name="名片">
+    <p:spTree>
+      <p:nvGrpSpPr>
+        <p:cNvPr id="1" name=""/>
+        <p:cNvGrpSpPr/>
+        <p:nvPr/>
+      </p:nvGrpSpPr>
+      <p:grpSpPr>
+        <a:xfrm>
+          <a:off x="0" y="0"/>
+          <a:ext cx="0" cy="0"/>
+          <a:chOff x="0" y="0"/>
+          <a:chExt cx="0" cy="0"/>
+        </a:xfrm>
+      </p:grpSpPr>
+      <p:sp>
+        <p:nvSpPr>
+          <p:cNvPr id="2" name="Title 1"/>
+          <p:cNvSpPr>
+            <a:spLocks noGrp="1"/>
+          </p:cNvSpPr>
+          <p:nvPr>
+            <p:ph type="title"/>
+          </p:nvPr>
+        </p:nvSpPr>
+        <p:spPr>
+          <a:xfrm>
+            <a:off x="1154954" y="3124201"/>
+            <a:ext cx="8825660" cy="1653180"/>
+          </a:xfrm>
+        </p:spPr>
+        <p:txBody>
+          <a:bodyPr anchor="b"/>
+          <a:lstStyle>
+            <a:lvl1pPr algn="l">
+              <a:defRPr sz="4000" b="0" cap="none"/>
+            </a:lvl1pPr>
+          </a:lstStyle>
+          <a:p>
+            <a:r>
+              <a:rPr lang="zh-CN" altLang="en-US" smtClean="0"/>
+              <a:t>单击此处编辑母版标题样式</a:t>
+            </a:r>
+            <a:endParaRPr lang="en-US" dirty="0"/>
+          </a:p>
+        </p:txBody>
+      </p:sp>
+      <p:sp>
+        <p:nvSpPr>
+          <p:cNvPr id="3" name="Text Placeholder 2"/>
+          <p:cNvSpPr>
+            <a:spLocks noGrp="1"/>
+          </p:cNvSpPr>
+          <p:nvPr>
+            <p:ph type="body" idx="1"/>
+          </p:nvPr>
+        </p:nvSpPr>
+        <p:spPr>
+          <a:xfrm>
+            <a:off x="1154954" y="4777381"/>
+            <a:ext cx="8825659" cy="860400"/>
+          </a:xfrm>
+        </p:spPr>
+        <p:txBody>
+          <a:bodyPr anchor="t"/>
+          <a:lstStyle>
+            <a:lvl1pPr marL="0" indent="0" algn="l">
+              <a:buNone/>
+              <a:defRPr sz="2000" cap="none">
+                <a:solidFill>
+                  <a:schemeClr val="bg2">
+                    <a:lumMod val="40000"/>
+                    <a:lumOff val="60000"/>
+                  </a:schemeClr>
+                </a:solidFill>
+              </a:defRPr>
+            </a:lvl1pPr>
+            <a:lvl2pPr marL="457200" indent="0">
+              <a:buNone/>
+              <a:defRPr sz="1800">
+                <a:solidFill>
+                  <a:schemeClr val="tx1">
+                    <a:tint val="75000"/>
+                  </a:schemeClr>
+                </a:solidFill>
+              </a:defRPr>
+            </a:lvl2pPr>
+            <a:lvl3pPr marL="914400" indent="0">
+              <a:buNone/>
+              <a:defRPr sz="1600">
+                <a:solidFill>
+                  <a:schemeClr val="tx1">
+                    <a:tint val="75000"/>
+                  </a:schemeClr>
+                </a:solidFill>
+              </a:defRPr>
+            </a:lvl3pPr>
+            <a:lvl4pPr marL="1371600" indent="0">
+              <a:buNone/>
+              <a:defRPr sz="1400">
+                <a:solidFill>
+                  <a:schemeClr val="tx1">
+                    <a:tint val="75000"/>
+                  </a:schemeClr>
+                </a:solidFill>
+              </a:defRPr>
+            </a:lvl4pPr>
+            <a:lvl5pPr marL="1828800" indent="0">
+              <a:buNone/>
+              <a:defRPr sz="1400">
+                <a:solidFill>
+                  <a:schemeClr val="tx1">
+                    <a:tint val="75000"/>
+                  </a:schemeClr>
+                </a:solidFill>
+              </a:defRPr>
+            </a:lvl5pPr>
+            <a:lvl6pPr marL="2286000" indent="0">
+              <a:buNone/>
+              <a:defRPr sz="1400">
+                <a:solidFill>
+                  <a:schemeClr val="tx1">
+                    <a:tint val="75000"/>
+                  </a:schemeClr>
+                </a:solidFill>
+              </a:defRPr>
+            </a:lvl6pPr>
+            <a:lvl7pPr marL="2743200" indent="0">
+              <a:buNone/>
+              <a:defRPr sz="1400">
+                <a:solidFill>
+                  <a:schemeClr val="tx1">
+                    <a:tint val="75000"/>
+                  </a:schemeClr>
+                </a:solidFill>
+              </a:defRPr>
+            </a:lvl7pPr>
+            <a:lvl8pPr marL="3200400" indent="0">
+              <a:buNone/>
+              <a:defRPr sz="1400">
+                <a:solidFill>
+                  <a:schemeClr val="tx1">
+                    <a:tint val="75000"/>
+                  </a:schemeClr>
+                </a:solidFill>
+              </a:defRPr>
+            </a:lvl8pPr>
+            <a:lvl9pPr marL="3657600" indent="0">
+              <a:buNone/>
+              <a:defRPr sz="1400">
+                <a:solidFill>
+                  <a:schemeClr val="tx1">
+                    <a:tint val="75000"/>
+                  </a:schemeClr>
+                </a:solidFill>
+              </a:defRPr>
+            </a:lvl9pPr>
+          </a:lstStyle>
+          <a:p>
+            <a:pPr lvl="0"/>
+            <a:r>
+              <a:rPr lang="zh-CN" altLang="en-US" smtClean="0"/>
+              <a:t>编辑母版文本样式</a:t>
+            </a:r>
+          </a:p>
+        </p:txBody>
+      </p:sp>
+      <p:sp>
+        <p:nvSpPr>
+          <p:cNvPr id="4" name="Date Placeholder 3"/>
+          <p:cNvSpPr>
+            <a:spLocks noGrp="1"/>
+          </p:cNvSpPr>
+          <p:nvPr>
+            <p:ph type="dt" sz="half" idx="10"/>
+          </p:nvPr>
+        </p:nvSpPr>
+        <p:spPr/>
+        <p:txBody>
+          <a:bodyPr/>
+          <a:lstStyle/>
+          <a:p>
+            <a:fld id="{4F59CD18-ADD1-457A-BA95-59ED705B0B5F}" type="datetimeFigureOut">
+              <a:rPr lang="zh-CN" altLang="en-US" smtClean="0"/>
+              <a:t>2017/4/16</a:t>
+            </a:fld>
+            <a:endParaRPr lang="zh-CN" altLang="en-US"/>
+          </a:p>
+        </p:txBody>
+      </p:sp>
+      <p:sp>
+        <p:nvSpPr>
+          <p:cNvPr id="5" name="Footer Placeholder 4"/>
+          <p:cNvSpPr>
+            <a:spLocks noGrp="1"/>
+          </p:cNvSpPr>
+          <p:nvPr>
+            <p:ph type="ftr" sz="quarter" idx="11"/>
+          </p:nvPr>
+        </p:nvSpPr>
+        <p:spPr/>
+        <p:txBody>
+          <a:bodyPr/>
+          <a:lstStyle/>
+          <a:p>
+            <a:endParaRPr lang="zh-CN" altLang="en-US"/>
+          </a:p>
+        </p:txBody>
+      </p:sp>
+      <p:sp>
+        <p:nvSpPr>
+          <p:cNvPr id="6" name="Slide Number Placeholder 5"/>
+          <p:cNvSpPr>
+            <a:spLocks noGrp="1"/>
+          </p:cNvSpPr>
+          <p:nvPr>
+            <p:ph type="sldNum" sz="quarter" idx="12"/>
+          </p:nvPr>
+        </p:nvSpPr>
+        <p:spPr/>
+        <p:txBody>
+          <a:bodyPr/>
+          <a:lstStyle/>
+          <a:p>
+            <a:fld id="{FFAC6A0D-E33A-4665-9E91-8AF94A1647F9}" type="slidenum">
+              <a:rPr lang="zh-CN" altLang="en-US" smtClean="0"/>
+              <a:t>‹#›</a:t>
+            </a:fld>
+            <a:endParaRPr lang="zh-CN" altLang="en-US"/>
+          </a:p>
+        </p:txBody>
+      </p:sp>
+    </p:spTree>
+    <p:extLst>
+      <p:ext uri="{BB962C8B-B14F-4D97-AF65-F5344CB8AC3E}">
+        <p14:creationId xmlns:p14="http://schemas.microsoft.com/office/powerpoint/2010/main" val="2374267210"/>
+      </p:ext>
+    </p:extLst>
+  </p:cSld>
+  <p:clrMapOvr>
+    <a:masterClrMapping/>
+  </p:clrMapOvr>
+</p:sldLayout>
+</file>
+
+<file path=ppt/slideLayouts/slideLayout14.xml><?xml version="1.0" encoding="utf-8"?>
+<p:sldLayout xmlns:a="http://schemas.openxmlformats.org/drawingml/2006/main" xmlns:r="http://schemas.openxmlformats.org/officeDocument/2006/relationships" xmlns:p="http://schemas.openxmlformats.org/presentationml/2006/main" preserve="1">
+  <p:cSld name="3 栏">
+    <p:spTree>
+      <p:nvGrpSpPr>
+        <p:cNvPr id="1" name=""/>
+        <p:cNvGrpSpPr/>
+        <p:nvPr/>
+      </p:nvGrpSpPr>
+      <p:grpSpPr>
+        <a:xfrm>
+          <a:off x="0" y="0"/>
+          <a:ext cx="0" cy="0"/>
+          <a:chOff x="0" y="0"/>
+          <a:chExt cx="0" cy="0"/>
+        </a:xfrm>
+      </p:grpSpPr>
+      <p:sp>
+        <p:nvSpPr>
+          <p:cNvPr id="2" name="Title 1"/>
+          <p:cNvSpPr>
+            <a:spLocks noGrp="1"/>
+          </p:cNvSpPr>
+          <p:nvPr>
+            <p:ph type="title"/>
+          </p:nvPr>
+        </p:nvSpPr>
+        <p:spPr/>
+        <p:txBody>
+          <a:bodyPr/>
+          <a:lstStyle>
+            <a:lvl1pPr>
+              <a:defRPr sz="4200"/>
+            </a:lvl1pPr>
+          </a:lstStyle>
+          <a:p>
+            <a:r>
+              <a:rPr lang="zh-CN" altLang="en-US" smtClean="0"/>
+              <a:t>单击此处编辑母版标题样式</a:t>
+            </a:r>
+            <a:endParaRPr lang="en-US" dirty="0"/>
+          </a:p>
+        </p:txBody>
+      </p:sp>
+      <p:sp>
+        <p:nvSpPr>
+          <p:cNvPr id="3" name="Text Placeholder 2"/>
+          <p:cNvSpPr>
+            <a:spLocks noGrp="1"/>
+          </p:cNvSpPr>
+          <p:nvPr>
+            <p:ph type="body" idx="1"/>
+          </p:nvPr>
+        </p:nvSpPr>
+        <p:spPr>
+          <a:xfrm>
+            <a:off x="632947" y="1981200"/>
+            <a:ext cx="2946866" cy="576262"/>
+          </a:xfrm>
+        </p:spPr>
+        <p:txBody>
+          <a:bodyPr anchor="b">
+            <a:noAutofit/>
+          </a:bodyPr>
+          <a:lstStyle>
+            <a:lvl1pPr marL="0" indent="0">
+              <a:buNone/>
+              <a:defRPr sz="2400" b="0">
+                <a:solidFill>
+                  <a:schemeClr val="bg2">
+                    <a:lumMod val="40000"/>
+                    <a:lumOff val="60000"/>
+                  </a:schemeClr>
+                </a:solidFill>
+              </a:defRPr>
+            </a:lvl1pPr>
+            <a:lvl2pPr marL="457200" indent="0">
+              <a:buNone/>
+              <a:defRPr sz="2000" b="1"/>
+            </a:lvl2pPr>
+            <a:lvl3pPr marL="914400" indent="0">
+              <a:buNone/>
+              <a:defRPr sz="1800" b="1"/>
+            </a:lvl3pPr>
+            <a:lvl4pPr marL="1371600" indent="0">
+              <a:buNone/>
+              <a:defRPr sz="1600" b="1"/>
+            </a:lvl4pPr>
+            <a:lvl5pPr marL="1828800" indent="0">
+              <a:buNone/>
+              <a:defRPr sz="1600" b="1"/>
+            </a:lvl5pPr>
+            <a:lvl6pPr marL="2286000" indent="0">
+              <a:buNone/>
+              <a:defRPr sz="1600" b="1"/>
+            </a:lvl6pPr>
+            <a:lvl7pPr marL="2743200" indent="0">
+              <a:buNone/>
+              <a:defRPr sz="1600" b="1"/>
+            </a:lvl7pPr>
+            <a:lvl8pPr marL="3200400" indent="0">
+              <a:buNone/>
+              <a:defRPr sz="1600" b="1"/>
+            </a:lvl8pPr>
+            <a:lvl9pPr marL="3657600" indent="0">
+              <a:buNone/>
+              <a:defRPr sz="1600" b="1"/>
+            </a:lvl9pPr>
+          </a:lstStyle>
+          <a:p>
+            <a:pPr lvl="0"/>
+            <a:r>
+              <a:rPr lang="zh-CN" altLang="en-US" smtClean="0"/>
+              <a:t>编辑母版文本样式</a:t>
+            </a:r>
+          </a:p>
+        </p:txBody>
+      </p:sp>
+      <p:sp>
+        <p:nvSpPr>
+          <p:cNvPr id="16" name="Text Placeholder 3"/>
+          <p:cNvSpPr>
+            <a:spLocks noGrp="1"/>
+          </p:cNvSpPr>
+          <p:nvPr>
+            <p:ph type="body" sz="half" idx="15"/>
+          </p:nvPr>
+        </p:nvSpPr>
+        <p:spPr>
+          <a:xfrm>
+            <a:off x="652463" y="2667000"/>
+            <a:ext cx="2927350" cy="3589338"/>
+          </a:xfrm>
+        </p:spPr>
+        <p:txBody>
+          <a:bodyPr anchor="t">
+            <a:normAutofit/>
+          </a:bodyPr>
+          <a:lstStyle>
+            <a:lvl1pPr marL="0" indent="0">
+              <a:buNone/>
+              <a:defRPr sz="1400"/>
+            </a:lvl1pPr>
+            <a:lvl2pPr marL="457200" indent="0">
+              <a:buNone/>
+              <a:defRPr sz="1200"/>
+            </a:lvl2pPr>
+            <a:lvl3pPr marL="914400" indent="0">
+              <a:buNone/>
+              <a:defRPr sz="1000"/>
+            </a:lvl3pPr>
+            <a:lvl4pPr marL="1371600" indent="0">
+              <a:buNone/>
+              <a:defRPr sz="900"/>
+            </a:lvl4pPr>
+            <a:lvl5pPr marL="1828800" indent="0">
+              <a:buNone/>
+              <a:defRPr sz="900"/>
+            </a:lvl5pPr>
+            <a:lvl6pPr marL="2286000" indent="0">
+              <a:buNone/>
+              <a:defRPr sz="900"/>
+            </a:lvl6pPr>
+            <a:lvl7pPr marL="2743200" indent="0">
+              <a:buNone/>
+              <a:defRPr sz="900"/>
+            </a:lvl7pPr>
+            <a:lvl8pPr marL="3200400" indent="0">
+              <a:buNone/>
+              <a:defRPr sz="900"/>
+            </a:lvl8pPr>
+            <a:lvl9pPr marL="3657600" indent="0">
+              <a:buNone/>
+              <a:defRPr sz="900"/>
+            </a:lvl9pPr>
+          </a:lstStyle>
+          <a:p>
+            <a:pPr lvl="0"/>
+            <a:r>
+              <a:rPr lang="zh-CN" altLang="en-US" smtClean="0"/>
+              <a:t>编辑母版文本样式</a:t>
+            </a:r>
+          </a:p>
+        </p:txBody>
+      </p:sp>
+      <p:sp>
+        <p:nvSpPr>
+          <p:cNvPr id="5" name="Text Placeholder 4"/>
+          <p:cNvSpPr>
+            <a:spLocks noGrp="1"/>
+          </p:cNvSpPr>
+          <p:nvPr>
+            <p:ph type="body" sz="quarter" idx="3"/>
+          </p:nvPr>
+        </p:nvSpPr>
+        <p:spPr>
+          <a:xfrm>
+            <a:off x="3883659" y="1981200"/>
+            <a:ext cx="2936241" cy="576262"/>
+          </a:xfrm>
+        </p:spPr>
+        <p:txBody>
+          <a:bodyPr anchor="b">
+            <a:noAutofit/>
+          </a:bodyPr>
+          <a:lstStyle>
+            <a:lvl1pPr marL="0" indent="0">
+              <a:buNone/>
+              <a:defRPr sz="2400" b="0">
+                <a:solidFill>
+                  <a:schemeClr val="bg2">
+                    <a:lumMod val="40000"/>
+                    <a:lumOff val="60000"/>
+                  </a:schemeClr>
+                </a:solidFill>
+              </a:defRPr>
+            </a:lvl1pPr>
+            <a:lvl2pPr marL="457200" indent="0">
+              <a:buNone/>
+              <a:defRPr sz="2000" b="1"/>
+            </a:lvl2pPr>
+            <a:lvl3pPr marL="914400" indent="0">
+              <a:buNone/>
+              <a:defRPr sz="1800" b="1"/>
+            </a:lvl3pPr>
+            <a:lvl4pPr marL="1371600" indent="0">
+              <a:buNone/>
+              <a:defRPr sz="1600" b="1"/>
+            </a:lvl4pPr>
+            <a:lvl5pPr marL="1828800" indent="0">
+              <a:buNone/>
+              <a:defRPr sz="1600" b="1"/>
+            </a:lvl5pPr>
+            <a:lvl6pPr marL="2286000" indent="0">
+              <a:buNone/>
+              <a:defRPr sz="1600" b="1"/>
+            </a:lvl6pPr>
+            <a:lvl7pPr marL="2743200" indent="0">
+              <a:buNone/>
+              <a:defRPr sz="1600" b="1"/>
+            </a:lvl7pPr>
+            <a:lvl8pPr marL="3200400" indent="0">
+              <a:buNone/>
+              <a:defRPr sz="1600" b="1"/>
+            </a:lvl8pPr>
+            <a:lvl9pPr marL="3657600" indent="0">
+              <a:buNone/>
+              <a:defRPr sz="1600" b="1"/>
+            </a:lvl9pPr>
+          </a:lstStyle>
+          <a:p>
+            <a:pPr lvl="0"/>
+            <a:r>
+              <a:rPr lang="zh-CN" altLang="en-US" smtClean="0"/>
+              <a:t>编辑母版文本样式</a:t>
+            </a:r>
+          </a:p>
+        </p:txBody>
+      </p:sp>
+      <p:sp>
+        <p:nvSpPr>
+          <p:cNvPr id="19" name="Text Placeholder 3"/>
+          <p:cNvSpPr>
+            <a:spLocks noGrp="1"/>
+          </p:cNvSpPr>
+          <p:nvPr>
+            <p:ph type="body" sz="half" idx="16"/>
+          </p:nvPr>
+        </p:nvSpPr>
+        <p:spPr>
+          <a:xfrm>
+            <a:off x="3873106" y="2667000"/>
+            <a:ext cx="2946794" cy="3589338"/>
+          </a:xfrm>
+        </p:spPr>
+        <p:txBody>
+          <a:bodyPr anchor="t">
+            <a:normAutofit/>
+          </a:bodyPr>
+          <a:lstStyle>
+            <a:lvl1pPr marL="0" indent="0">
+              <a:buNone/>
+              <a:defRPr sz="1400"/>
+            </a:lvl1pPr>
+            <a:lvl2pPr marL="457200" indent="0">
+              <a:buNone/>
+              <a:defRPr sz="1200"/>
+            </a:lvl2pPr>
+            <a:lvl3pPr marL="914400" indent="0">
+              <a:buNone/>
+              <a:defRPr sz="1000"/>
+            </a:lvl3pPr>
+            <a:lvl4pPr marL="1371600" indent="0">
+              <a:buNone/>
+              <a:defRPr sz="900"/>
+            </a:lvl4pPr>
+            <a:lvl5pPr marL="1828800" indent="0">
+              <a:buNone/>
+              <a:defRPr sz="900"/>
+            </a:lvl5pPr>
+            <a:lvl6pPr marL="2286000" indent="0">
+              <a:buNone/>
+              <a:defRPr sz="900"/>
+            </a:lvl6pPr>
+            <a:lvl7pPr marL="2743200" indent="0">
+              <a:buNone/>
+              <a:defRPr sz="900"/>
+            </a:lvl7pPr>
+            <a:lvl8pPr marL="3200400" indent="0">
+              <a:buNone/>
+              <a:defRPr sz="900"/>
+            </a:lvl8pPr>
+            <a:lvl9pPr marL="3657600" indent="0">
+              <a:buNone/>
+              <a:defRPr sz="900"/>
+            </a:lvl9pPr>
+          </a:lstStyle>
+          <a:p>
+            <a:pPr lvl="0"/>
+            <a:r>
+              <a:rPr lang="zh-CN" altLang="en-US" smtClean="0"/>
+              <a:t>编辑母版文本样式</a:t>
+            </a:r>
+          </a:p>
+        </p:txBody>
+      </p:sp>
+      <p:sp>
+        <p:nvSpPr>
+          <p:cNvPr id="14" name="Text Placeholder 4"/>
+          <p:cNvSpPr>
+            <a:spLocks noGrp="1"/>
+          </p:cNvSpPr>
+          <p:nvPr>
+            <p:ph type="body" sz="quarter" idx="13"/>
+          </p:nvPr>
+        </p:nvSpPr>
+        <p:spPr>
+          <a:xfrm>
+            <a:off x="7124700" y="1981200"/>
+            <a:ext cx="2932113" cy="576262"/>
+          </a:xfrm>
+        </p:spPr>
+        <p:txBody>
+          <a:bodyPr anchor="b">
+            <a:noAutofit/>
+          </a:bodyPr>
+          <a:lstStyle>
+            <a:lvl1pPr marL="0" indent="0">
+              <a:buNone/>
+              <a:defRPr sz="2400" b="0">
+                <a:solidFill>
+                  <a:schemeClr val="bg2">
+                    <a:lumMod val="40000"/>
+                    <a:lumOff val="60000"/>
+                  </a:schemeClr>
+                </a:solidFill>
+              </a:defRPr>
+            </a:lvl1pPr>
+            <a:lvl2pPr marL="457200" indent="0">
+              <a:buNone/>
+              <a:defRPr sz="2000" b="1"/>
+            </a:lvl2pPr>
+            <a:lvl3pPr marL="914400" indent="0">
+              <a:buNone/>
+              <a:defRPr sz="1800" b="1"/>
+            </a:lvl3pPr>
+            <a:lvl4pPr marL="1371600" indent="0">
+              <a:buNone/>
+              <a:defRPr sz="1600" b="1"/>
+            </a:lvl4pPr>
+            <a:lvl5pPr marL="1828800" indent="0">
+              <a:buNone/>
+              <a:defRPr sz="1600" b="1"/>
+            </a:lvl5pPr>
+            <a:lvl6pPr marL="2286000" indent="0">
+              <a:buNone/>
+              <a:defRPr sz="1600" b="1"/>
+            </a:lvl6pPr>
+            <a:lvl7pPr marL="2743200" indent="0">
+              <a:buNone/>
+              <a:defRPr sz="1600" b="1"/>
+            </a:lvl7pPr>
+            <a:lvl8pPr marL="3200400" indent="0">
+              <a:buNone/>
+              <a:defRPr sz="1600" b="1"/>
+            </a:lvl8pPr>
+            <a:lvl9pPr marL="3657600" indent="0">
+              <a:buNone/>
+              <a:defRPr sz="1600" b="1"/>
+            </a:lvl9pPr>
+          </a:lstStyle>
+          <a:p>
+            <a:pPr lvl="0"/>
+            <a:r>
+              <a:rPr lang="zh-CN" altLang="en-US" smtClean="0"/>
+              <a:t>编辑母版文本样式</a:t>
+            </a:r>
+          </a:p>
+        </p:txBody>
+      </p:sp>
+      <p:sp>
+        <p:nvSpPr>
+          <p:cNvPr id="20" name="Text Placeholder 3"/>
+          <p:cNvSpPr>
+            <a:spLocks noGrp="1"/>
+          </p:cNvSpPr>
+          <p:nvPr>
+            <p:ph type="body" sz="half" idx="17"/>
+          </p:nvPr>
+        </p:nvSpPr>
+        <p:spPr>
+          <a:xfrm>
+            <a:off x="7124700" y="2667000"/>
+            <a:ext cx="2932113" cy="3589338"/>
+          </a:xfrm>
+        </p:spPr>
+        <p:txBody>
+          <a:bodyPr anchor="t">
+            <a:normAutofit/>
+          </a:bodyPr>
+          <a:lstStyle>
+            <a:lvl1pPr marL="0" indent="0">
+              <a:buNone/>
+              <a:defRPr sz="1400"/>
+            </a:lvl1pPr>
+            <a:lvl2pPr marL="457200" indent="0">
+              <a:buNone/>
+              <a:defRPr sz="1200"/>
+            </a:lvl2pPr>
+            <a:lvl3pPr marL="914400" indent="0">
+              <a:buNone/>
+              <a:defRPr sz="1000"/>
+            </a:lvl3pPr>
+            <a:lvl4pPr marL="1371600" indent="0">
+              <a:buNone/>
+              <a:defRPr sz="900"/>
+            </a:lvl4pPr>
+            <a:lvl5pPr marL="1828800" indent="0">
+              <a:buNone/>
+              <a:defRPr sz="900"/>
+            </a:lvl5pPr>
+            <a:lvl6pPr marL="2286000" indent="0">
+              <a:buNone/>
+              <a:defRPr sz="900"/>
+            </a:lvl6pPr>
+            <a:lvl7pPr marL="2743200" indent="0">
+              <a:buNone/>
+              <a:defRPr sz="900"/>
+            </a:lvl7pPr>
+            <a:lvl8pPr marL="3200400" indent="0">
+              <a:buNone/>
+              <a:defRPr sz="900"/>
+            </a:lvl8pPr>
+            <a:lvl9pPr marL="3657600" indent="0">
+              <a:buNone/>
+              <a:defRPr sz="900"/>
+            </a:lvl9pPr>
+          </a:lstStyle>
+          <a:p>
+            <a:pPr lvl="0"/>
+            <a:r>
+              <a:rPr lang="zh-CN" altLang="en-US" smtClean="0"/>
+              <a:t>编辑母版文本样式</a:t>
+            </a:r>
+          </a:p>
+        </p:txBody>
+      </p:sp>
+      <p:cxnSp>
+        <p:nvCxnSpPr>
+          <p:cNvPr id="17" name="Straight Connector 16"/>
+          <p:cNvCxnSpPr/>
+          <p:nvPr/>
+        </p:nvCxnSpPr>
+        <p:spPr>
+          <a:xfrm>
+            <a:off x="3726142" y="2133600"/>
+            <a:ext cx="0" cy="3962400"/>
+          </a:xfrm>
+          <a:prstGeom prst="line">
+            <a:avLst/>
+          </a:prstGeom>
+          <a:ln w="12700" cmpd="sng">
+            <a:solidFill>
+              <a:schemeClr val="bg2">
+                <a:lumMod val="40000"/>
+                <a:lumOff val="60000"/>
+                <a:alpha val="40000"/>
+              </a:schemeClr>
+            </a:solidFill>
+          </a:ln>
+        </p:spPr>
+        <p:style>
+          <a:lnRef idx="2">
+            <a:schemeClr val="accent1"/>
+          </a:lnRef>
+          <a:fillRef idx="0">
+            <a:schemeClr val="accent1"/>
+          </a:fillRef>
+          <a:effectRef idx="1">
+            <a:schemeClr val="accent1"/>
+          </a:effectRef>
+          <a:fontRef idx="minor">
+            <a:schemeClr val="tx1"/>
+          </a:fontRef>
+        </p:style>
+      </p:cxnSp>
+      <p:cxnSp>
+        <p:nvCxnSpPr>
+          <p:cNvPr id="18" name="Straight Connector 17"/>
+          <p:cNvCxnSpPr/>
+          <p:nvPr/>
+        </p:nvCxnSpPr>
+        <p:spPr>
+          <a:xfrm>
+            <a:off x="6962227" y="2133600"/>
+            <a:ext cx="0" cy="3966882"/>
+          </a:xfrm>
+          <a:prstGeom prst="line">
+            <a:avLst/>
+          </a:prstGeom>
+          <a:ln w="12700" cmpd="sng">
+            <a:solidFill>
+              <a:schemeClr val="bg2">
+                <a:lumMod val="40000"/>
+                <a:lumOff val="60000"/>
+                <a:alpha val="40000"/>
+              </a:schemeClr>
+            </a:solidFill>
+          </a:ln>
+        </p:spPr>
+        <p:style>
+          <a:lnRef idx="2">
+            <a:schemeClr val="accent1"/>
+          </a:lnRef>
+          <a:fillRef idx="0">
+            <a:schemeClr val="accent1"/>
+          </a:fillRef>
+          <a:effectRef idx="1">
+            <a:schemeClr val="accent1"/>
+          </a:effectRef>
+          <a:fontRef idx="minor">
+            <a:schemeClr val="tx1"/>
+          </a:fontRef>
+        </p:style>
+      </p:cxnSp>
+      <p:sp>
+        <p:nvSpPr>
+          <p:cNvPr id="7" name="Date Placeholder 3"/>
+          <p:cNvSpPr>
+            <a:spLocks noGrp="1"/>
+          </p:cNvSpPr>
+          <p:nvPr>
+            <p:ph type="dt" sz="half" idx="10"/>
+          </p:nvPr>
+        </p:nvSpPr>
+        <p:spPr/>
+        <p:txBody>
+          <a:bodyPr/>
+          <a:lstStyle/>
+          <a:p>
+            <a:fld id="{4F59CD18-ADD1-457A-BA95-59ED705B0B5F}" type="datetimeFigureOut">
+              <a:rPr lang="zh-CN" altLang="en-US" smtClean="0"/>
+              <a:t>2017/4/16</a:t>
+            </a:fld>
+            <a:endParaRPr lang="zh-CN" altLang="en-US"/>
+          </a:p>
+        </p:txBody>
+      </p:sp>
+      <p:sp>
+        <p:nvSpPr>
+          <p:cNvPr id="4" name="Footer Placeholder 4"/>
+          <p:cNvSpPr>
+            <a:spLocks noGrp="1"/>
+          </p:cNvSpPr>
+          <p:nvPr>
+            <p:ph type="ftr" sz="quarter" idx="11"/>
+          </p:nvPr>
+        </p:nvSpPr>
+        <p:spPr/>
+        <p:txBody>
+          <a:bodyPr/>
+          <a:lstStyle/>
+          <a:p>
+            <a:endParaRPr lang="zh-CN" altLang="en-US"/>
+          </a:p>
+        </p:txBody>
+      </p:sp>
+      <p:sp>
+        <p:nvSpPr>
+          <p:cNvPr id="6" name="Slide Number Placeholder 5"/>
+          <p:cNvSpPr>
+            <a:spLocks noGrp="1"/>
+          </p:cNvSpPr>
+          <p:nvPr>
+            <p:ph type="sldNum" sz="quarter" idx="12"/>
+          </p:nvPr>
+        </p:nvSpPr>
+        <p:spPr/>
+        <p:txBody>
+          <a:bodyPr/>
+          <a:lstStyle/>
+          <a:p>
+            <a:fld id="{FFAC6A0D-E33A-4665-9E91-8AF94A1647F9}" type="slidenum">
+              <a:rPr lang="zh-CN" altLang="en-US" smtClean="0"/>
+              <a:t>‹#›</a:t>
+            </a:fld>
+            <a:endParaRPr lang="zh-CN" altLang="en-US"/>
+          </a:p>
+        </p:txBody>
+      </p:sp>
+    </p:spTree>
+    <p:extLst>
+      <p:ext uri="{BB962C8B-B14F-4D97-AF65-F5344CB8AC3E}">
+        <p14:creationId xmlns:p14="http://schemas.microsoft.com/office/powerpoint/2010/main" val="789451178"/>
+      </p:ext>
+    </p:extLst>
+  </p:cSld>
+  <p:clrMapOvr>
+    <a:masterClrMapping/>
+  </p:clrMapOvr>
+</p:sldLayout>
+</file>
+
+<file path=ppt/slideLayouts/slideLayout15.xml><?xml version="1.0" encoding="utf-8"?>
+<p:sldLayout xmlns:a="http://schemas.openxmlformats.org/drawingml/2006/main" xmlns:r="http://schemas.openxmlformats.org/officeDocument/2006/relationships" xmlns:p="http://schemas.openxmlformats.org/presentationml/2006/main" preserve="1">
+  <p:cSld name="3 图片栏">
+    <p:spTree>
+      <p:nvGrpSpPr>
+        <p:cNvPr id="1" name=""/>
+        <p:cNvGrpSpPr/>
+        <p:nvPr/>
+      </p:nvGrpSpPr>
+      <p:grpSpPr>
+        <a:xfrm>
+          <a:off x="0" y="0"/>
+          <a:ext cx="0" cy="0"/>
+          <a:chOff x="0" y="0"/>
+          <a:chExt cx="0" cy="0"/>
+        </a:xfrm>
+      </p:grpSpPr>
+      <p:sp>
+        <p:nvSpPr>
+          <p:cNvPr id="2" name="Title 1"/>
+          <p:cNvSpPr>
+            <a:spLocks noGrp="1"/>
+          </p:cNvSpPr>
+          <p:nvPr>
+            <p:ph type="title"/>
+          </p:nvPr>
+        </p:nvSpPr>
+        <p:spPr/>
+        <p:txBody>
+          <a:bodyPr/>
+          <a:lstStyle>
+            <a:lvl1pPr>
+              <a:defRPr sz="4200"/>
+            </a:lvl1pPr>
+          </a:lstStyle>
+          <a:p>
+            <a:r>
+              <a:rPr lang="zh-CN" altLang="en-US" smtClean="0"/>
+              <a:t>单击此处编辑母版标题样式</a:t>
+            </a:r>
+            <a:endParaRPr lang="en-US" dirty="0"/>
+          </a:p>
+        </p:txBody>
+      </p:sp>
+      <p:sp>
+        <p:nvSpPr>
+          <p:cNvPr id="3" name="Text Placeholder 2"/>
+          <p:cNvSpPr>
+            <a:spLocks noGrp="1"/>
+          </p:cNvSpPr>
+          <p:nvPr>
+            <p:ph type="body" idx="1"/>
+          </p:nvPr>
+        </p:nvSpPr>
+        <p:spPr>
+          <a:xfrm>
+            <a:off x="652463" y="4250949"/>
+            <a:ext cx="2940050" cy="576262"/>
+          </a:xfrm>
+        </p:spPr>
+        <p:txBody>
+          <a:bodyPr anchor="b">
+            <a:noAutofit/>
+          </a:bodyPr>
+          <a:lstStyle>
+            <a:lvl1pPr marL="0" indent="0">
+              <a:buNone/>
+              <a:defRPr sz="2400" b="0">
+                <a:solidFill>
+                  <a:schemeClr val="bg2">
+                    <a:lumMod val="40000"/>
+                    <a:lumOff val="60000"/>
+                  </a:schemeClr>
+                </a:solidFill>
+              </a:defRPr>
+            </a:lvl1pPr>
+            <a:lvl2pPr marL="457200" indent="0">
+              <a:buNone/>
+              <a:defRPr sz="2000" b="1"/>
+            </a:lvl2pPr>
+            <a:lvl3pPr marL="914400" indent="0">
+              <a:buNone/>
+              <a:defRPr sz="1800" b="1"/>
+            </a:lvl3pPr>
+            <a:lvl4pPr marL="1371600" indent="0">
+              <a:buNone/>
+              <a:defRPr sz="1600" b="1"/>
+            </a:lvl4pPr>
+            <a:lvl5pPr marL="1828800" indent="0">
+              <a:buNone/>
+              <a:defRPr sz="1600" b="1"/>
+            </a:lvl5pPr>
+            <a:lvl6pPr marL="2286000" indent="0">
+              <a:buNone/>
+              <a:defRPr sz="1600" b="1"/>
+            </a:lvl6pPr>
+            <a:lvl7pPr marL="2743200" indent="0">
+              <a:buNone/>
+              <a:defRPr sz="1600" b="1"/>
+            </a:lvl7pPr>
+            <a:lvl8pPr marL="3200400" indent="0">
+              <a:buNone/>
+              <a:defRPr sz="1600" b="1"/>
+            </a:lvl8pPr>
+            <a:lvl9pPr marL="3657600" indent="0">
+              <a:buNone/>
+              <a:defRPr sz="1600" b="1"/>
+            </a:lvl9pPr>
+          </a:lstStyle>
+          <a:p>
+            <a:pPr lvl="0"/>
+            <a:r>
+              <a:rPr lang="zh-CN" altLang="en-US" smtClean="0"/>
+              <a:t>编辑母版文本样式</a:t>
+            </a:r>
+          </a:p>
+        </p:txBody>
+      </p:sp>
+      <p:sp>
+        <p:nvSpPr>
+          <p:cNvPr id="29" name="Picture Placeholder 2"/>
+          <p:cNvSpPr>
+            <a:spLocks noGrp="1" noChangeAspect="1"/>
+          </p:cNvSpPr>
+          <p:nvPr>
+            <p:ph type="pic" idx="15"/>
+          </p:nvPr>
+        </p:nvSpPr>
+        <p:spPr>
+          <a:xfrm>
+            <a:off x="652463" y="2209800"/>
+            <a:ext cx="2940050" cy="1524000"/>
+          </a:xfrm>
+          <a:prstGeom prst="roundRect">
+            <a:avLst>
+              <a:gd name="adj" fmla="val 1858"/>
+            </a:avLst>
+          </a:prstGeom>
+          <a:effectLst>
+            <a:outerShdw blurRad="50800" dist="50800" dir="5400000" algn="tl" rotWithShape="0">
+              <a:srgbClr val="000000">
+                <a:alpha val="43000"/>
+              </a:srgbClr>
+            </a:outerShdw>
+          </a:effectLst>
+        </p:spPr>
+        <p:txBody>
+          <a:bodyPr anchor="t">
+            <a:normAutofit/>
+          </a:bodyPr>
+          <a:lstStyle>
+            <a:lvl1pPr marL="0" indent="0" algn="ctr">
+              <a:buNone/>
+              <a:defRPr sz="1600"/>
+            </a:lvl1pPr>
+            <a:lvl2pPr marL="457200" indent="0">
+              <a:buNone/>
+              <a:defRPr sz="1600"/>
+            </a:lvl2pPr>
+            <a:lvl3pPr marL="914400" indent="0">
+              <a:buNone/>
+              <a:defRPr sz="1600"/>
+            </a:lvl3pPr>
+            <a:lvl4pPr marL="1371600" indent="0">
+              <a:buNone/>
+              <a:defRPr sz="1600"/>
+            </a:lvl4pPr>
+            <a:lvl5pPr marL="1828800" indent="0">
+              <a:buNone/>
+              <a:defRPr sz="1600"/>
+            </a:lvl5pPr>
+            <a:lvl6pPr marL="2286000" indent="0">
+              <a:buNone/>
+              <a:defRPr sz="1600"/>
+            </a:lvl6pPr>
+            <a:lvl7pPr marL="2743200" indent="0">
+              <a:buNone/>
+              <a:defRPr sz="1600"/>
+            </a:lvl7pPr>
+            <a:lvl8pPr marL="3200400" indent="0">
+              <a:buNone/>
+              <a:defRPr sz="1600"/>
+            </a:lvl8pPr>
+            <a:lvl9pPr marL="3657600" indent="0">
+              <a:buNone/>
+              <a:defRPr sz="1600"/>
+            </a:lvl9pPr>
+          </a:lstStyle>
+          <a:p>
+            <a:r>
+              <a:rPr lang="zh-CN" altLang="en-US" smtClean="0"/>
+              <a:t>单击图标添加图片</a:t>
+            </a:r>
+            <a:endParaRPr lang="en-US" dirty="0"/>
+          </a:p>
+        </p:txBody>
+      </p:sp>
+      <p:sp>
+        <p:nvSpPr>
+          <p:cNvPr id="22" name="Text Placeholder 3"/>
+          <p:cNvSpPr>
+            <a:spLocks noGrp="1"/>
+          </p:cNvSpPr>
+          <p:nvPr>
+            <p:ph type="body" sz="half" idx="18"/>
+          </p:nvPr>
+        </p:nvSpPr>
+        <p:spPr>
+          <a:xfrm>
+            <a:off x="652463" y="4827211"/>
+            <a:ext cx="2940050" cy="659189"/>
+          </a:xfrm>
+        </p:spPr>
+        <p:txBody>
+          <a:bodyPr anchor="t">
+            <a:normAutofit/>
+          </a:bodyPr>
+          <a:lstStyle>
+            <a:lvl1pPr marL="0" indent="0">
+              <a:buNone/>
+              <a:defRPr sz="1400"/>
+            </a:lvl1pPr>
+            <a:lvl2pPr marL="457200" indent="0">
+              <a:buNone/>
+              <a:defRPr sz="1200"/>
+            </a:lvl2pPr>
+            <a:lvl3pPr marL="914400" indent="0">
+              <a:buNone/>
+              <a:defRPr sz="1000"/>
+            </a:lvl3pPr>
+            <a:lvl4pPr marL="1371600" indent="0">
+              <a:buNone/>
+              <a:defRPr sz="900"/>
+            </a:lvl4pPr>
+            <a:lvl5pPr marL="1828800" indent="0">
+              <a:buNone/>
+              <a:defRPr sz="900"/>
+            </a:lvl5pPr>
+            <a:lvl6pPr marL="2286000" indent="0">
+              <a:buNone/>
+              <a:defRPr sz="900"/>
+            </a:lvl6pPr>
+            <a:lvl7pPr marL="2743200" indent="0">
+              <a:buNone/>
+              <a:defRPr sz="900"/>
+            </a:lvl7pPr>
+            <a:lvl8pPr marL="3200400" indent="0">
+              <a:buNone/>
+              <a:defRPr sz="900"/>
+            </a:lvl8pPr>
+            <a:lvl9pPr marL="3657600" indent="0">
+              <a:buNone/>
+              <a:defRPr sz="900"/>
+            </a:lvl9pPr>
+          </a:lstStyle>
+          <a:p>
+            <a:pPr lvl="0"/>
+            <a:r>
+              <a:rPr lang="zh-CN" altLang="en-US" smtClean="0"/>
+              <a:t>编辑母版文本样式</a:t>
+            </a:r>
+          </a:p>
+        </p:txBody>
+      </p:sp>
+      <p:sp>
+        <p:nvSpPr>
+          <p:cNvPr id="5" name="Text Placeholder 4"/>
+          <p:cNvSpPr>
+            <a:spLocks noGrp="1"/>
+          </p:cNvSpPr>
+          <p:nvPr>
+            <p:ph type="body" sz="quarter" idx="3"/>
+          </p:nvPr>
+        </p:nvSpPr>
+        <p:spPr>
+          <a:xfrm>
+            <a:off x="3889375" y="4250949"/>
+            <a:ext cx="2930525" cy="576262"/>
+          </a:xfrm>
+        </p:spPr>
+        <p:txBody>
+          <a:bodyPr anchor="b">
+            <a:noAutofit/>
+          </a:bodyPr>
+          <a:lstStyle>
+            <a:lvl1pPr marL="0" indent="0">
+              <a:buNone/>
+              <a:defRPr sz="2400" b="0">
+                <a:solidFill>
+                  <a:schemeClr val="bg2">
+                    <a:lumMod val="40000"/>
+                    <a:lumOff val="60000"/>
+                  </a:schemeClr>
+                </a:solidFill>
+              </a:defRPr>
+            </a:lvl1pPr>
+            <a:lvl2pPr marL="457200" indent="0">
+              <a:buNone/>
+              <a:defRPr sz="2000" b="1"/>
+            </a:lvl2pPr>
+            <a:lvl3pPr marL="914400" indent="0">
+              <a:buNone/>
+              <a:defRPr sz="1800" b="1"/>
+            </a:lvl3pPr>
+            <a:lvl4pPr marL="1371600" indent="0">
+              <a:buNone/>
+              <a:defRPr sz="1600" b="1"/>
+            </a:lvl4pPr>
+            <a:lvl5pPr marL="1828800" indent="0">
+              <a:buNone/>
+              <a:defRPr sz="1600" b="1"/>
+            </a:lvl5pPr>
+            <a:lvl6pPr marL="2286000" indent="0">
+              <a:buNone/>
+              <a:defRPr sz="1600" b="1"/>
+            </a:lvl6pPr>
+            <a:lvl7pPr marL="2743200" indent="0">
+              <a:buNone/>
+              <a:defRPr sz="1600" b="1"/>
+            </a:lvl7pPr>
+            <a:lvl8pPr marL="3200400" indent="0">
+              <a:buNone/>
+              <a:defRPr sz="1600" b="1"/>
+            </a:lvl8pPr>
+            <a:lvl9pPr marL="3657600" indent="0">
+              <a:buNone/>
+              <a:defRPr sz="1600" b="1"/>
+            </a:lvl9pPr>
+          </a:lstStyle>
+          <a:p>
+            <a:pPr lvl="0"/>
+            <a:r>
+              <a:rPr lang="zh-CN" altLang="en-US" smtClean="0"/>
+              <a:t>编辑母版文本样式</a:t>
+            </a:r>
+          </a:p>
+        </p:txBody>
+      </p:sp>
+      <p:sp>
+        <p:nvSpPr>
+          <p:cNvPr id="30" name="Picture Placeholder 2"/>
+          <p:cNvSpPr>
+            <a:spLocks noGrp="1" noChangeAspect="1"/>
+          </p:cNvSpPr>
+          <p:nvPr>
+            <p:ph type="pic" idx="21"/>
+          </p:nvPr>
+        </p:nvSpPr>
+        <p:spPr>
+          <a:xfrm>
+            <a:off x="3889374" y="2209800"/>
+            <a:ext cx="2930525" cy="1524000"/>
+          </a:xfrm>
+          <a:prstGeom prst="roundRect">
+            <a:avLst>
+              <a:gd name="adj" fmla="val 1858"/>
+            </a:avLst>
+          </a:prstGeom>
+          <a:effectLst>
+            <a:outerShdw blurRad="50800" dist="50800" dir="5400000" algn="tl" rotWithShape="0">
+              <a:srgbClr val="000000">
+                <a:alpha val="43000"/>
+              </a:srgbClr>
+            </a:outerShdw>
+          </a:effectLst>
+        </p:spPr>
+        <p:txBody>
+          <a:bodyPr anchor="t">
+            <a:normAutofit/>
+          </a:bodyPr>
+          <a:lstStyle>
+            <a:lvl1pPr marL="0" indent="0" algn="ctr">
+              <a:buNone/>
+              <a:defRPr sz="1600"/>
+            </a:lvl1pPr>
+            <a:lvl2pPr marL="457200" indent="0">
+              <a:buNone/>
+              <a:defRPr sz="1600"/>
+            </a:lvl2pPr>
+            <a:lvl3pPr marL="914400" indent="0">
+              <a:buNone/>
+              <a:defRPr sz="1600"/>
+            </a:lvl3pPr>
+            <a:lvl4pPr marL="1371600" indent="0">
+              <a:buNone/>
+              <a:defRPr sz="1600"/>
+            </a:lvl4pPr>
+            <a:lvl5pPr marL="1828800" indent="0">
+              <a:buNone/>
+              <a:defRPr sz="1600"/>
+            </a:lvl5pPr>
+            <a:lvl6pPr marL="2286000" indent="0">
+              <a:buNone/>
+              <a:defRPr sz="1600"/>
+            </a:lvl6pPr>
+            <a:lvl7pPr marL="2743200" indent="0">
+              <a:buNone/>
+              <a:defRPr sz="1600"/>
+            </a:lvl7pPr>
+            <a:lvl8pPr marL="3200400" indent="0">
+              <a:buNone/>
+              <a:defRPr sz="1600"/>
+            </a:lvl8pPr>
+            <a:lvl9pPr marL="3657600" indent="0">
+              <a:buNone/>
+              <a:defRPr sz="1600"/>
+            </a:lvl9pPr>
+          </a:lstStyle>
+          <a:p>
+            <a:r>
+              <a:rPr lang="zh-CN" altLang="en-US" smtClean="0"/>
+              <a:t>单击图标添加图片</a:t>
+            </a:r>
+            <a:endParaRPr lang="en-US" dirty="0"/>
+          </a:p>
+        </p:txBody>
+      </p:sp>
+      <p:sp>
+        <p:nvSpPr>
+          <p:cNvPr id="23" name="Text Placeholder 3"/>
+          <p:cNvSpPr>
+            <a:spLocks noGrp="1"/>
+          </p:cNvSpPr>
+          <p:nvPr>
+            <p:ph type="body" sz="half" idx="19"/>
+          </p:nvPr>
+        </p:nvSpPr>
+        <p:spPr>
+          <a:xfrm>
+            <a:off x="3888022" y="4827210"/>
+            <a:ext cx="2934406" cy="659189"/>
+          </a:xfrm>
+        </p:spPr>
+        <p:txBody>
+          <a:bodyPr anchor="t">
+            <a:normAutofit/>
+          </a:bodyPr>
+          <a:lstStyle>
+            <a:lvl1pPr marL="0" indent="0">
+              <a:buNone/>
+              <a:defRPr sz="1400"/>
+            </a:lvl1pPr>
+            <a:lvl2pPr marL="457200" indent="0">
+              <a:buNone/>
+              <a:defRPr sz="1200"/>
+            </a:lvl2pPr>
+            <a:lvl3pPr marL="914400" indent="0">
+              <a:buNone/>
+              <a:defRPr sz="1000"/>
+            </a:lvl3pPr>
+            <a:lvl4pPr marL="1371600" indent="0">
+              <a:buNone/>
+              <a:defRPr sz="900"/>
+            </a:lvl4pPr>
+            <a:lvl5pPr marL="1828800" indent="0">
+              <a:buNone/>
+              <a:defRPr sz="900"/>
+            </a:lvl5pPr>
+            <a:lvl6pPr marL="2286000" indent="0">
+              <a:buNone/>
+              <a:defRPr sz="900"/>
+            </a:lvl6pPr>
+            <a:lvl7pPr marL="2743200" indent="0">
+              <a:buNone/>
+              <a:defRPr sz="900"/>
+            </a:lvl7pPr>
+            <a:lvl8pPr marL="3200400" indent="0">
+              <a:buNone/>
+              <a:defRPr sz="900"/>
+            </a:lvl8pPr>
+            <a:lvl9pPr marL="3657600" indent="0">
+              <a:buNone/>
+              <a:defRPr sz="900"/>
+            </a:lvl9pPr>
+          </a:lstStyle>
+          <a:p>
+            <a:pPr lvl="0"/>
+            <a:r>
+              <a:rPr lang="zh-CN" altLang="en-US" smtClean="0"/>
+              <a:t>编辑母版文本样式</a:t>
+            </a:r>
+          </a:p>
+        </p:txBody>
+      </p:sp>
+      <p:sp>
+        <p:nvSpPr>
+          <p:cNvPr id="14" name="Text Placeholder 4"/>
+          <p:cNvSpPr>
+            <a:spLocks noGrp="1"/>
+          </p:cNvSpPr>
+          <p:nvPr>
+            <p:ph type="body" sz="quarter" idx="13"/>
+          </p:nvPr>
+        </p:nvSpPr>
+        <p:spPr>
+          <a:xfrm>
+            <a:off x="7124700" y="4250949"/>
+            <a:ext cx="2932113" cy="576262"/>
+          </a:xfrm>
+        </p:spPr>
+        <p:txBody>
+          <a:bodyPr anchor="b">
+            <a:noAutofit/>
+          </a:bodyPr>
+          <a:lstStyle>
+            <a:lvl1pPr marL="0" indent="0">
+              <a:buNone/>
+              <a:defRPr sz="2400" b="0">
+                <a:solidFill>
+                  <a:schemeClr val="bg2">
+                    <a:lumMod val="40000"/>
+                    <a:lumOff val="60000"/>
+                  </a:schemeClr>
+                </a:solidFill>
+              </a:defRPr>
+            </a:lvl1pPr>
+            <a:lvl2pPr marL="457200" indent="0">
+              <a:buNone/>
+              <a:defRPr sz="2000" b="1"/>
+            </a:lvl2pPr>
+            <a:lvl3pPr marL="914400" indent="0">
+              <a:buNone/>
+              <a:defRPr sz="1800" b="1"/>
+            </a:lvl3pPr>
+            <a:lvl4pPr marL="1371600" indent="0">
+              <a:buNone/>
+              <a:defRPr sz="1600" b="1"/>
+            </a:lvl4pPr>
+            <a:lvl5pPr marL="1828800" indent="0">
+              <a:buNone/>
+              <a:defRPr sz="1600" b="1"/>
+            </a:lvl5pPr>
+            <a:lvl6pPr marL="2286000" indent="0">
+              <a:buNone/>
+              <a:defRPr sz="1600" b="1"/>
+            </a:lvl6pPr>
+            <a:lvl7pPr marL="2743200" indent="0">
+              <a:buNone/>
+              <a:defRPr sz="1600" b="1"/>
+            </a:lvl7pPr>
+            <a:lvl8pPr marL="3200400" indent="0">
+              <a:buNone/>
+              <a:defRPr sz="1600" b="1"/>
+            </a:lvl8pPr>
+            <a:lvl9pPr marL="3657600" indent="0">
+              <a:buNone/>
+              <a:defRPr sz="1600" b="1"/>
+            </a:lvl9pPr>
+          </a:lstStyle>
+          <a:p>
+            <a:pPr lvl="0"/>
+            <a:r>
+              <a:rPr lang="zh-CN" altLang="en-US" smtClean="0"/>
+              <a:t>编辑母版文本样式</a:t>
+            </a:r>
+          </a:p>
+        </p:txBody>
+      </p:sp>
+      <p:sp>
+        <p:nvSpPr>
+          <p:cNvPr id="31" name="Picture Placeholder 2"/>
+          <p:cNvSpPr>
+            <a:spLocks noGrp="1" noChangeAspect="1"/>
+          </p:cNvSpPr>
+          <p:nvPr>
+            <p:ph type="pic" idx="22"/>
+          </p:nvPr>
+        </p:nvSpPr>
+        <p:spPr>
+          <a:xfrm>
+            <a:off x="7124699" y="2209800"/>
+            <a:ext cx="2932113" cy="1524000"/>
+          </a:xfrm>
+          <a:prstGeom prst="roundRect">
+            <a:avLst>
+              <a:gd name="adj" fmla="val 1858"/>
+            </a:avLst>
+          </a:prstGeom>
+          <a:effectLst>
+            <a:outerShdw blurRad="50800" dist="50800" dir="5400000" algn="tl" rotWithShape="0">
+              <a:srgbClr val="000000">
+                <a:alpha val="43000"/>
+              </a:srgbClr>
+            </a:outerShdw>
+          </a:effectLst>
+        </p:spPr>
+        <p:txBody>
+          <a:bodyPr anchor="t">
+            <a:normAutofit/>
+          </a:bodyPr>
+          <a:lstStyle>
+            <a:lvl1pPr marL="0" indent="0" algn="ctr">
+              <a:buNone/>
+              <a:defRPr sz="1600"/>
+            </a:lvl1pPr>
+            <a:lvl2pPr marL="457200" indent="0">
+              <a:buNone/>
+              <a:defRPr sz="1600"/>
+            </a:lvl2pPr>
+            <a:lvl3pPr marL="914400" indent="0">
+              <a:buNone/>
+              <a:defRPr sz="1600"/>
+            </a:lvl3pPr>
+            <a:lvl4pPr marL="1371600" indent="0">
+              <a:buNone/>
+              <a:defRPr sz="1600"/>
+            </a:lvl4pPr>
+            <a:lvl5pPr marL="1828800" indent="0">
+              <a:buNone/>
+              <a:defRPr sz="1600"/>
+            </a:lvl5pPr>
+            <a:lvl6pPr marL="2286000" indent="0">
+              <a:buNone/>
+              <a:defRPr sz="1600"/>
+            </a:lvl6pPr>
+            <a:lvl7pPr marL="2743200" indent="0">
+              <a:buNone/>
+              <a:defRPr sz="1600"/>
+            </a:lvl7pPr>
+            <a:lvl8pPr marL="3200400" indent="0">
+              <a:buNone/>
+              <a:defRPr sz="1600"/>
+            </a:lvl8pPr>
+            <a:lvl9pPr marL="3657600" indent="0">
+              <a:buNone/>
+              <a:defRPr sz="1600"/>
+            </a:lvl9pPr>
+          </a:lstStyle>
+          <a:p>
+            <a:r>
+              <a:rPr lang="zh-CN" altLang="en-US" smtClean="0"/>
+              <a:t>单击图标添加图片</a:t>
+            </a:r>
+            <a:endParaRPr lang="en-US" dirty="0"/>
+          </a:p>
+        </p:txBody>
+      </p:sp>
+      <p:sp>
+        <p:nvSpPr>
+          <p:cNvPr id="24" name="Text Placeholder 3"/>
+          <p:cNvSpPr>
+            <a:spLocks noGrp="1"/>
+          </p:cNvSpPr>
+          <p:nvPr>
+            <p:ph type="body" sz="half" idx="20"/>
+          </p:nvPr>
+        </p:nvSpPr>
+        <p:spPr>
+          <a:xfrm>
+            <a:off x="7124575" y="4827208"/>
+            <a:ext cx="2935997" cy="659189"/>
+          </a:xfrm>
+        </p:spPr>
+        <p:txBody>
+          <a:bodyPr anchor="t">
+            <a:normAutofit/>
+          </a:bodyPr>
+          <a:lstStyle>
+            <a:lvl1pPr marL="0" indent="0">
+              <a:buNone/>
+              <a:defRPr sz="1400"/>
+            </a:lvl1pPr>
+            <a:lvl2pPr marL="457200" indent="0">
+              <a:buNone/>
+              <a:defRPr sz="1200"/>
+            </a:lvl2pPr>
+            <a:lvl3pPr marL="914400" indent="0">
+              <a:buNone/>
+              <a:defRPr sz="1000"/>
+            </a:lvl3pPr>
+            <a:lvl4pPr marL="1371600" indent="0">
+              <a:buNone/>
+              <a:defRPr sz="900"/>
+            </a:lvl4pPr>
+            <a:lvl5pPr marL="1828800" indent="0">
+              <a:buNone/>
+              <a:defRPr sz="900"/>
+            </a:lvl5pPr>
+            <a:lvl6pPr marL="2286000" indent="0">
+              <a:buNone/>
+              <a:defRPr sz="900"/>
+            </a:lvl6pPr>
+            <a:lvl7pPr marL="2743200" indent="0">
+              <a:buNone/>
+              <a:defRPr sz="900"/>
+            </a:lvl7pPr>
+            <a:lvl8pPr marL="3200400" indent="0">
+              <a:buNone/>
+              <a:defRPr sz="900"/>
+            </a:lvl8pPr>
+            <a:lvl9pPr marL="3657600" indent="0">
+              <a:buNone/>
+              <a:defRPr sz="900"/>
+            </a:lvl9pPr>
+          </a:lstStyle>
+          <a:p>
+            <a:pPr lvl="0"/>
+            <a:r>
+              <a:rPr lang="zh-CN" altLang="en-US" smtClean="0"/>
+              <a:t>编辑母版文本样式</a:t>
+            </a:r>
+          </a:p>
+        </p:txBody>
+      </p:sp>
+      <p:cxnSp>
+        <p:nvCxnSpPr>
+          <p:cNvPr id="19" name="Straight Connector 18"/>
+          <p:cNvCxnSpPr/>
+          <p:nvPr/>
+        </p:nvCxnSpPr>
+        <p:spPr>
+          <a:xfrm>
+            <a:off x="3726142" y="2133600"/>
+            <a:ext cx="0" cy="3962400"/>
+          </a:xfrm>
+          <a:prstGeom prst="line">
+            <a:avLst/>
+          </a:prstGeom>
+          <a:ln w="12700" cmpd="sng">
+            <a:solidFill>
+              <a:schemeClr val="bg2">
+                <a:lumMod val="40000"/>
+                <a:lumOff val="60000"/>
+                <a:alpha val="40000"/>
+              </a:schemeClr>
+            </a:solidFill>
+          </a:ln>
+        </p:spPr>
+        <p:style>
+          <a:lnRef idx="2">
+            <a:schemeClr val="accent1"/>
+          </a:lnRef>
+          <a:fillRef idx="0">
+            <a:schemeClr val="accent1"/>
+          </a:fillRef>
+          <a:effectRef idx="1">
+            <a:schemeClr val="accent1"/>
+          </a:effectRef>
+          <a:fontRef idx="minor">
+            <a:schemeClr val="tx1"/>
+          </a:fontRef>
+        </p:style>
+      </p:cxnSp>
+      <p:cxnSp>
+        <p:nvCxnSpPr>
+          <p:cNvPr id="20" name="Straight Connector 19"/>
+          <p:cNvCxnSpPr/>
+          <p:nvPr/>
+        </p:nvCxnSpPr>
+        <p:spPr>
+          <a:xfrm>
+            <a:off x="6962227" y="2133600"/>
+            <a:ext cx="0" cy="3966882"/>
+          </a:xfrm>
+          <a:prstGeom prst="line">
+            <a:avLst/>
+          </a:prstGeom>
+          <a:ln w="12700" cmpd="sng">
+            <a:solidFill>
+              <a:schemeClr val="bg2">
+                <a:lumMod val="40000"/>
+                <a:lumOff val="60000"/>
+                <a:alpha val="40000"/>
+              </a:schemeClr>
+            </a:solidFill>
+          </a:ln>
+        </p:spPr>
+        <p:style>
+          <a:lnRef idx="2">
+            <a:schemeClr val="accent1"/>
+          </a:lnRef>
+          <a:fillRef idx="0">
+            <a:schemeClr val="accent1"/>
+          </a:fillRef>
+          <a:effectRef idx="1">
+            <a:schemeClr val="accent1"/>
+          </a:effectRef>
+          <a:fontRef idx="minor">
+            <a:schemeClr val="tx1"/>
+          </a:fontRef>
+        </p:style>
+      </p:cxnSp>
+      <p:sp>
+        <p:nvSpPr>
+          <p:cNvPr id="7" name="Date Placeholder 3"/>
+          <p:cNvSpPr>
+            <a:spLocks noGrp="1"/>
+          </p:cNvSpPr>
+          <p:nvPr>
+            <p:ph type="dt" sz="half" idx="10"/>
+          </p:nvPr>
+        </p:nvSpPr>
+        <p:spPr/>
+        <p:txBody>
+          <a:bodyPr/>
+          <a:lstStyle/>
+          <a:p>
+            <a:fld id="{4F59CD18-ADD1-457A-BA95-59ED705B0B5F}" type="datetimeFigureOut">
+              <a:rPr lang="zh-CN" altLang="en-US" smtClean="0"/>
+              <a:t>2017/4/16</a:t>
+            </a:fld>
+            <a:endParaRPr lang="zh-CN" altLang="en-US"/>
+          </a:p>
+        </p:txBody>
+      </p:sp>
+      <p:sp>
+        <p:nvSpPr>
+          <p:cNvPr id="4" name="Footer Placeholder 4"/>
+          <p:cNvSpPr>
+            <a:spLocks noGrp="1"/>
+          </p:cNvSpPr>
+          <p:nvPr>
+            <p:ph type="ftr" sz="quarter" idx="11"/>
+          </p:nvPr>
+        </p:nvSpPr>
+        <p:spPr/>
+        <p:txBody>
+          <a:bodyPr/>
+          <a:lstStyle/>
+          <a:p>
+            <a:endParaRPr lang="zh-CN" altLang="en-US"/>
+          </a:p>
+        </p:txBody>
+      </p:sp>
+      <p:sp>
+        <p:nvSpPr>
+          <p:cNvPr id="6" name="Slide Number Placeholder 5"/>
+          <p:cNvSpPr>
+            <a:spLocks noGrp="1"/>
+          </p:cNvSpPr>
+          <p:nvPr>
+            <p:ph type="sldNum" sz="quarter" idx="12"/>
+          </p:nvPr>
+        </p:nvSpPr>
+        <p:spPr/>
+        <p:txBody>
+          <a:bodyPr/>
+          <a:lstStyle/>
+          <a:p>
+            <a:fld id="{FFAC6A0D-E33A-4665-9E91-8AF94A1647F9}" type="slidenum">
+              <a:rPr lang="zh-CN" altLang="en-US" smtClean="0"/>
+              <a:t>‹#›</a:t>
+            </a:fld>
+            <a:endParaRPr lang="zh-CN" altLang="en-US"/>
+          </a:p>
+        </p:txBody>
+      </p:sp>
+    </p:spTree>
+    <p:extLst>
+      <p:ext uri="{BB962C8B-B14F-4D97-AF65-F5344CB8AC3E}">
+        <p14:creationId xmlns:p14="http://schemas.microsoft.com/office/powerpoint/2010/main" val="679571746"/>
+      </p:ext>
+    </p:extLst>
+  </p:cSld>
+  <p:clrMapOvr>
+    <a:masterClrMapping/>
+  </p:clrMapOvr>
+</p:sldLayout>
+</file>
+
+<file path=ppt/slideLayouts/slideLayout16.xml><?xml version="1.0" encoding="utf-8"?>
 <p:sldLayout xmlns:a="http://schemas.openxmlformats.org/drawingml/2006/main" xmlns:r="http://schemas.openxmlformats.org/officeDocument/2006/relationships" xmlns:p="http://schemas.openxmlformats.org/presentationml/2006/main" type="vertTx" preserve="1">
   <p:cSld name="标题和竖排文字">
     <p:spTree>
@@ -327,7 +2951,7 @@
       </p:grpSpPr>
       <p:sp>
         <p:nvSpPr>
-          <p:cNvPr id="2" name="标题 1"/>
+          <p:cNvPr id="2" name="Title 1"/>
           <p:cNvSpPr>
             <a:spLocks noGrp="1"/>
           </p:cNvSpPr>
@@ -344,13 +2968,13 @@
               <a:rPr lang="zh-CN" altLang="en-US" smtClean="0"/>
               <a:t>单击此处编辑母版标题样式</a:t>
             </a:r>
-            <a:endParaRPr lang="zh-CN" altLang="en-US"/>
-          </a:p>
-        </p:txBody>
-      </p:sp>
-      <p:sp>
-        <p:nvSpPr>
-          <p:cNvPr id="3" name="竖排文字占位符 2"/>
+            <a:endParaRPr lang="en-US" dirty="0"/>
+          </a:p>
+        </p:txBody>
+      </p:sp>
+      <p:sp>
+        <p:nvSpPr>
+          <p:cNvPr id="3" name="Vertical Text Placeholder 2"/>
           <p:cNvSpPr>
             <a:spLocks noGrp="1"/>
           </p:cNvSpPr>
@@ -360,7 +2984,7 @@
         </p:nvSpPr>
         <p:spPr/>
         <p:txBody>
-          <a:bodyPr vert="eaVert"/>
+          <a:bodyPr vert="eaVert" anchor="t" anchorCtr="0"/>
           <a:lstStyle/>
           <a:p>
             <a:pPr lvl="0"/>
@@ -396,13 +3020,13 @@
               <a:rPr lang="zh-CN" altLang="en-US" smtClean="0"/>
               <a:t>第五级</a:t>
             </a:r>
-            <a:endParaRPr lang="zh-CN" altLang="en-US"/>
-          </a:p>
-        </p:txBody>
-      </p:sp>
-      <p:sp>
-        <p:nvSpPr>
-          <p:cNvPr id="4" name="日期占位符 3"/>
+            <a:endParaRPr lang="en-US" dirty="0"/>
+          </a:p>
+        </p:txBody>
+      </p:sp>
+      <p:sp>
+        <p:nvSpPr>
+          <p:cNvPr id="4" name="Date Placeholder 3"/>
           <p:cNvSpPr>
             <a:spLocks noGrp="1"/>
           </p:cNvSpPr>
@@ -425,7 +3049,7 @@
       </p:sp>
       <p:sp>
         <p:nvSpPr>
-          <p:cNvPr id="5" name="页脚占位符 4"/>
+          <p:cNvPr id="5" name="Footer Placeholder 4"/>
           <p:cNvSpPr>
             <a:spLocks noGrp="1"/>
           </p:cNvSpPr>
@@ -444,7 +3068,7 @@
       </p:sp>
       <p:sp>
         <p:nvSpPr>
-          <p:cNvPr id="6" name="灯片编号占位符 5"/>
+          <p:cNvPr id="6" name="Slide Number Placeholder 5"/>
           <p:cNvSpPr>
             <a:spLocks noGrp="1"/>
           </p:cNvSpPr>
@@ -468,7 +3092,7 @@
     </p:spTree>
     <p:extLst>
       <p:ext uri="{BB962C8B-B14F-4D97-AF65-F5344CB8AC3E}">
-        <p14:creationId xmlns:p14="http://schemas.microsoft.com/office/powerpoint/2010/main" val="3232857349"/>
+        <p14:creationId xmlns:p14="http://schemas.microsoft.com/office/powerpoint/2010/main" val="382697117"/>
       </p:ext>
     </p:extLst>
   </p:cSld>
@@ -478,7 +3102,7 @@
 </p:sldLayout>
 </file>
 
-<file path=ppt/slideLayouts/slideLayout11.xml><?xml version="1.0" encoding="utf-8"?>
+<file path=ppt/slideLayouts/slideLayout17.xml><?xml version="1.0" encoding="utf-8"?>
 <p:sldLayout xmlns:a="http://schemas.openxmlformats.org/drawingml/2006/main" xmlns:r="http://schemas.openxmlformats.org/officeDocument/2006/relationships" xmlns:p="http://schemas.openxmlformats.org/presentationml/2006/main" type="vertTitleAndTx" preserve="1">
   <p:cSld name="竖排标题与文本">
     <p:spTree>
@@ -497,7 +3121,7 @@
       </p:grpSpPr>
       <p:sp>
         <p:nvSpPr>
-          <p:cNvPr id="2" name="竖排标题 1"/>
+          <p:cNvPr id="2" name="Vertical Title 1"/>
           <p:cNvSpPr>
             <a:spLocks noGrp="1"/>
           </p:cNvSpPr>
@@ -507,42 +3131,42 @@
         </p:nvSpPr>
         <p:spPr>
           <a:xfrm>
-            <a:off x="8724900" y="365125"/>
-            <a:ext cx="2628900" cy="5811838"/>
+            <a:off x="8304212" y="430213"/>
+            <a:ext cx="1752601" cy="5826125"/>
           </a:xfrm>
         </p:spPr>
         <p:txBody>
+          <a:bodyPr vert="eaVert" anchor="b" anchorCtr="0"/>
+          <a:lstStyle/>
+          <a:p>
+            <a:r>
+              <a:rPr lang="zh-CN" altLang="en-US" smtClean="0"/>
+              <a:t>单击此处编辑母版标题样式</a:t>
+            </a:r>
+            <a:endParaRPr lang="en-US" dirty="0"/>
+          </a:p>
+        </p:txBody>
+      </p:sp>
+      <p:sp>
+        <p:nvSpPr>
+          <p:cNvPr id="3" name="Vertical Text Placeholder 2"/>
+          <p:cNvSpPr>
+            <a:spLocks noGrp="1"/>
+          </p:cNvSpPr>
+          <p:nvPr>
+            <p:ph type="body" orient="vert" idx="1"/>
+          </p:nvPr>
+        </p:nvSpPr>
+        <p:spPr>
+          <a:xfrm>
+            <a:off x="652463" y="887414"/>
+            <a:ext cx="7423149" cy="5368924"/>
+          </a:xfrm>
+        </p:spPr>
+        <p:txBody>
           <a:bodyPr vert="eaVert"/>
           <a:lstStyle/>
           <a:p>
-            <a:r>
-              <a:rPr lang="zh-CN" altLang="en-US" smtClean="0"/>
-              <a:t>单击此处编辑母版标题样式</a:t>
-            </a:r>
-            <a:endParaRPr lang="zh-CN" altLang="en-US"/>
-          </a:p>
-        </p:txBody>
-      </p:sp>
-      <p:sp>
-        <p:nvSpPr>
-          <p:cNvPr id="3" name="竖排文字占位符 2"/>
-          <p:cNvSpPr>
-            <a:spLocks noGrp="1"/>
-          </p:cNvSpPr>
-          <p:nvPr>
-            <p:ph type="body" orient="vert" idx="1"/>
-          </p:nvPr>
-        </p:nvSpPr>
-        <p:spPr>
-          <a:xfrm>
-            <a:off x="838200" y="365125"/>
-            <a:ext cx="7734300" cy="5811838"/>
-          </a:xfrm>
-        </p:spPr>
-        <p:txBody>
-          <a:bodyPr vert="eaVert"/>
-          <a:lstStyle/>
-          <a:p>
             <a:pPr lvl="0"/>
             <a:r>
               <a:rPr lang="zh-CN" altLang="en-US" smtClean="0"/>
@@ -576,13 +3200,13 @@
               <a:rPr lang="zh-CN" altLang="en-US" smtClean="0"/>
               <a:t>第五级</a:t>
             </a:r>
-            <a:endParaRPr lang="zh-CN" altLang="en-US"/>
-          </a:p>
-        </p:txBody>
-      </p:sp>
-      <p:sp>
-        <p:nvSpPr>
-          <p:cNvPr id="4" name="日期占位符 3"/>
+            <a:endParaRPr lang="en-US" dirty="0"/>
+          </a:p>
+        </p:txBody>
+      </p:sp>
+      <p:sp>
+        <p:nvSpPr>
+          <p:cNvPr id="4" name="Date Placeholder 3"/>
           <p:cNvSpPr>
             <a:spLocks noGrp="1"/>
           </p:cNvSpPr>
@@ -605,7 +3229,7 @@
       </p:sp>
       <p:sp>
         <p:nvSpPr>
-          <p:cNvPr id="5" name="页脚占位符 4"/>
+          <p:cNvPr id="5" name="Footer Placeholder 4"/>
           <p:cNvSpPr>
             <a:spLocks noGrp="1"/>
           </p:cNvSpPr>
@@ -624,7 +3248,7 @@
       </p:sp>
       <p:sp>
         <p:nvSpPr>
-          <p:cNvPr id="6" name="灯片编号占位符 5"/>
+          <p:cNvPr id="6" name="Slide Number Placeholder 5"/>
           <p:cNvSpPr>
             <a:spLocks noGrp="1"/>
           </p:cNvSpPr>
@@ -648,7 +3272,7 @@
     </p:spTree>
     <p:extLst>
       <p:ext uri="{BB962C8B-B14F-4D97-AF65-F5344CB8AC3E}">
-        <p14:creationId xmlns:p14="http://schemas.microsoft.com/office/powerpoint/2010/main" val="3668978685"/>
+        <p14:creationId xmlns:p14="http://schemas.microsoft.com/office/powerpoint/2010/main" val="2278393079"/>
       </p:ext>
     </p:extLst>
   </p:cSld>
@@ -677,7 +3301,7 @@
       </p:grpSpPr>
       <p:sp>
         <p:nvSpPr>
-          <p:cNvPr id="2" name="标题 1"/>
+          <p:cNvPr id="2" name="Title 1"/>
           <p:cNvSpPr>
             <a:spLocks noGrp="1"/>
           </p:cNvSpPr>
@@ -694,13 +3318,13 @@
               <a:rPr lang="zh-CN" altLang="en-US" smtClean="0"/>
               <a:t>单击此处编辑母版标题样式</a:t>
             </a:r>
-            <a:endParaRPr lang="zh-CN" altLang="en-US"/>
-          </a:p>
-        </p:txBody>
-      </p:sp>
-      <p:sp>
-        <p:nvSpPr>
-          <p:cNvPr id="3" name="内容占位符 2"/>
+            <a:endParaRPr lang="en-US" dirty="0"/>
+          </a:p>
+        </p:txBody>
+      </p:sp>
+      <p:sp>
+        <p:nvSpPr>
+          <p:cNvPr id="3" name="Content Placeholder 2"/>
           <p:cNvSpPr>
             <a:spLocks noGrp="1"/>
           </p:cNvSpPr>
@@ -746,13 +3370,13 @@
               <a:rPr lang="zh-CN" altLang="en-US" smtClean="0"/>
               <a:t>第五级</a:t>
             </a:r>
-            <a:endParaRPr lang="zh-CN" altLang="en-US"/>
-          </a:p>
-        </p:txBody>
-      </p:sp>
-      <p:sp>
-        <p:nvSpPr>
-          <p:cNvPr id="4" name="日期占位符 3"/>
+            <a:endParaRPr lang="en-US" dirty="0"/>
+          </a:p>
+        </p:txBody>
+      </p:sp>
+      <p:sp>
+        <p:nvSpPr>
+          <p:cNvPr id="7" name="Date Placeholder 3"/>
           <p:cNvSpPr>
             <a:spLocks noGrp="1"/>
           </p:cNvSpPr>
@@ -775,7 +3399,7 @@
       </p:sp>
       <p:sp>
         <p:nvSpPr>
-          <p:cNvPr id="5" name="页脚占位符 4"/>
+          <p:cNvPr id="5" name="Footer Placeholder 4"/>
           <p:cNvSpPr>
             <a:spLocks noGrp="1"/>
           </p:cNvSpPr>
@@ -794,7 +3418,7 @@
       </p:sp>
       <p:sp>
         <p:nvSpPr>
-          <p:cNvPr id="6" name="灯片编号占位符 5"/>
+          <p:cNvPr id="6" name="Slide Number Placeholder 5"/>
           <p:cNvSpPr>
             <a:spLocks noGrp="1"/>
           </p:cNvSpPr>
@@ -818,7 +3442,7 @@
     </p:spTree>
     <p:extLst>
       <p:ext uri="{BB962C8B-B14F-4D97-AF65-F5344CB8AC3E}">
-        <p14:creationId xmlns:p14="http://schemas.microsoft.com/office/powerpoint/2010/main" val="634889659"/>
+        <p14:creationId xmlns:p14="http://schemas.microsoft.com/office/powerpoint/2010/main" val="3596979359"/>
       </p:ext>
     </p:extLst>
   </p:cSld>
@@ -847,7 +3471,7 @@
       </p:grpSpPr>
       <p:sp>
         <p:nvSpPr>
-          <p:cNvPr id="2" name="标题 1"/>
+          <p:cNvPr id="2" name="Title 1"/>
           <p:cNvSpPr>
             <a:spLocks noGrp="1"/>
           </p:cNvSpPr>
@@ -857,15 +3481,15 @@
         </p:nvSpPr>
         <p:spPr>
           <a:xfrm>
-            <a:off x="831850" y="1709738"/>
-            <a:ext cx="10515600" cy="2852737"/>
+            <a:off x="1154956" y="2861733"/>
+            <a:ext cx="8825657" cy="1915647"/>
           </a:xfrm>
         </p:spPr>
         <p:txBody>
           <a:bodyPr anchor="b"/>
           <a:lstStyle>
-            <a:lvl1pPr>
-              <a:defRPr sz="6000"/>
+            <a:lvl1pPr algn="l">
+              <a:defRPr sz="4000" b="0" cap="none"/>
             </a:lvl1pPr>
           </a:lstStyle>
           <a:p>
@@ -873,13 +3497,13 @@
               <a:rPr lang="zh-CN" altLang="en-US" smtClean="0"/>
               <a:t>单击此处编辑母版标题样式</a:t>
             </a:r>
-            <a:endParaRPr lang="zh-CN" altLang="en-US"/>
-          </a:p>
-        </p:txBody>
-      </p:sp>
-      <p:sp>
-        <p:nvSpPr>
-          <p:cNvPr id="3" name="文本占位符 2"/>
+            <a:endParaRPr lang="en-US" dirty="0"/>
+          </a:p>
+        </p:txBody>
+      </p:sp>
+      <p:sp>
+        <p:nvSpPr>
+          <p:cNvPr id="3" name="Text Placeholder 2"/>
           <p:cNvSpPr>
             <a:spLocks noGrp="1"/>
           </p:cNvSpPr>
@@ -889,26 +3513,27 @@
         </p:nvSpPr>
         <p:spPr>
           <a:xfrm>
-            <a:off x="831850" y="4589463"/>
-            <a:ext cx="10515600" cy="1500187"/>
+            <a:off x="1154955" y="4777381"/>
+            <a:ext cx="8825658" cy="860400"/>
           </a:xfrm>
         </p:spPr>
         <p:txBody>
-          <a:bodyPr/>
+          <a:bodyPr anchor="t"/>
           <a:lstStyle>
-            <a:lvl1pPr marL="0" indent="0">
-              <a:buNone/>
-              <a:defRPr sz="2400">
+            <a:lvl1pPr marL="0" indent="0" algn="l">
+              <a:buNone/>
+              <a:defRPr sz="2000" cap="all">
                 <a:solidFill>
-                  <a:schemeClr val="tx1">
-                    <a:tint val="75000"/>
+                  <a:schemeClr val="bg2">
+                    <a:lumMod val="40000"/>
+                    <a:lumOff val="60000"/>
                   </a:schemeClr>
                 </a:solidFill>
               </a:defRPr>
             </a:lvl1pPr>
             <a:lvl2pPr marL="457200" indent="0">
               <a:buNone/>
-              <a:defRPr sz="2000">
+              <a:defRPr sz="1800">
                 <a:solidFill>
                   <a:schemeClr val="tx1">
                     <a:tint val="75000"/>
@@ -918,7 +3543,7 @@
             </a:lvl2pPr>
             <a:lvl3pPr marL="914400" indent="0">
               <a:buNone/>
-              <a:defRPr sz="1800">
+              <a:defRPr sz="1600">
                 <a:solidFill>
                   <a:schemeClr val="tx1">
                     <a:tint val="75000"/>
@@ -928,7 +3553,7 @@
             </a:lvl3pPr>
             <a:lvl4pPr marL="1371600" indent="0">
               <a:buNone/>
-              <a:defRPr sz="1600">
+              <a:defRPr sz="1400">
                 <a:solidFill>
                   <a:schemeClr val="tx1">
                     <a:tint val="75000"/>
@@ -938,7 +3563,7 @@
             </a:lvl4pPr>
             <a:lvl5pPr marL="1828800" indent="0">
               <a:buNone/>
-              <a:defRPr sz="1600">
+              <a:defRPr sz="1400">
                 <a:solidFill>
                   <a:schemeClr val="tx1">
                     <a:tint val="75000"/>
@@ -948,7 +3573,7 @@
             </a:lvl5pPr>
             <a:lvl6pPr marL="2286000" indent="0">
               <a:buNone/>
-              <a:defRPr sz="1600">
+              <a:defRPr sz="1400">
                 <a:solidFill>
                   <a:schemeClr val="tx1">
                     <a:tint val="75000"/>
@@ -958,7 +3583,7 @@
             </a:lvl6pPr>
             <a:lvl7pPr marL="2743200" indent="0">
               <a:buNone/>
-              <a:defRPr sz="1600">
+              <a:defRPr sz="1400">
                 <a:solidFill>
                   <a:schemeClr val="tx1">
                     <a:tint val="75000"/>
@@ -968,7 +3593,7 @@
             </a:lvl7pPr>
             <a:lvl8pPr marL="3200400" indent="0">
               <a:buNone/>
-              <a:defRPr sz="1600">
+              <a:defRPr sz="1400">
                 <a:solidFill>
                   <a:schemeClr val="tx1">
                     <a:tint val="75000"/>
@@ -978,7 +3603,7 @@
             </a:lvl8pPr>
             <a:lvl9pPr marL="3657600" indent="0">
               <a:buNone/>
-              <a:defRPr sz="1600">
+              <a:defRPr sz="1400">
                 <a:solidFill>
                   <a:schemeClr val="tx1">
                     <a:tint val="75000"/>
@@ -998,7 +3623,7 @@
       </p:sp>
       <p:sp>
         <p:nvSpPr>
-          <p:cNvPr id="4" name="日期占位符 3"/>
+          <p:cNvPr id="4" name="Date Placeholder 3"/>
           <p:cNvSpPr>
             <a:spLocks noGrp="1"/>
           </p:cNvSpPr>
@@ -1021,7 +3646,7 @@
       </p:sp>
       <p:sp>
         <p:nvSpPr>
-          <p:cNvPr id="5" name="页脚占位符 4"/>
+          <p:cNvPr id="5" name="Footer Placeholder 4"/>
           <p:cNvSpPr>
             <a:spLocks noGrp="1"/>
           </p:cNvSpPr>
@@ -1040,7 +3665,7 @@
       </p:sp>
       <p:sp>
         <p:nvSpPr>
-          <p:cNvPr id="6" name="灯片编号占位符 5"/>
+          <p:cNvPr id="6" name="Slide Number Placeholder 5"/>
           <p:cNvSpPr>
             <a:spLocks noGrp="1"/>
           </p:cNvSpPr>
@@ -1064,7 +3689,7 @@
     </p:spTree>
     <p:extLst>
       <p:ext uri="{BB962C8B-B14F-4D97-AF65-F5344CB8AC3E}">
-        <p14:creationId xmlns:p14="http://schemas.microsoft.com/office/powerpoint/2010/main" val="908418017"/>
+        <p14:creationId xmlns:p14="http://schemas.microsoft.com/office/powerpoint/2010/main" val="112858168"/>
       </p:ext>
     </p:extLst>
   </p:cSld>
@@ -1093,7 +3718,7 @@
       </p:grpSpPr>
       <p:sp>
         <p:nvSpPr>
-          <p:cNvPr id="2" name="标题 1"/>
+          <p:cNvPr id="2" name="Title 1"/>
           <p:cNvSpPr>
             <a:spLocks noGrp="1"/>
           </p:cNvSpPr>
@@ -1110,13 +3735,13 @@
               <a:rPr lang="zh-CN" altLang="en-US" smtClean="0"/>
               <a:t>单击此处编辑母版标题样式</a:t>
             </a:r>
-            <a:endParaRPr lang="zh-CN" altLang="en-US"/>
-          </a:p>
-        </p:txBody>
-      </p:sp>
-      <p:sp>
-        <p:nvSpPr>
-          <p:cNvPr id="3" name="内容占位符 2"/>
+            <a:endParaRPr lang="en-US" dirty="0"/>
+          </a:p>
+        </p:txBody>
+      </p:sp>
+      <p:sp>
+        <p:nvSpPr>
+          <p:cNvPr id="3" name="Content Placeholder 2"/>
           <p:cNvSpPr>
             <a:spLocks noGrp="1"/>
           </p:cNvSpPr>
@@ -1126,13 +3751,43 @@
         </p:nvSpPr>
         <p:spPr>
           <a:xfrm>
-            <a:off x="838200" y="1825625"/>
-            <a:ext cx="5181600" cy="4351338"/>
+            <a:off x="1103312" y="2060575"/>
+            <a:ext cx="4396339" cy="4195763"/>
           </a:xfrm>
         </p:spPr>
         <p:txBody>
-          <a:bodyPr/>
-          <a:lstStyle/>
+          <a:bodyPr>
+            <a:normAutofit/>
+          </a:bodyPr>
+          <a:lstStyle>
+            <a:lvl1pPr>
+              <a:defRPr sz="1800"/>
+            </a:lvl1pPr>
+            <a:lvl2pPr>
+              <a:defRPr sz="1600"/>
+            </a:lvl2pPr>
+            <a:lvl3pPr>
+              <a:defRPr sz="1400"/>
+            </a:lvl3pPr>
+            <a:lvl4pPr>
+              <a:defRPr sz="1200"/>
+            </a:lvl4pPr>
+            <a:lvl5pPr>
+              <a:defRPr sz="1200"/>
+            </a:lvl5pPr>
+            <a:lvl6pPr>
+              <a:defRPr sz="1200"/>
+            </a:lvl6pPr>
+            <a:lvl7pPr>
+              <a:defRPr sz="1200"/>
+            </a:lvl7pPr>
+            <a:lvl8pPr>
+              <a:defRPr sz="1200"/>
+            </a:lvl8pPr>
+            <a:lvl9pPr>
+              <a:defRPr sz="1200"/>
+            </a:lvl9pPr>
+          </a:lstStyle>
           <a:p>
             <a:pPr lvl="0"/>
             <a:r>
@@ -1167,13 +3822,13 @@
               <a:rPr lang="zh-CN" altLang="en-US" smtClean="0"/>
               <a:t>第五级</a:t>
             </a:r>
-            <a:endParaRPr lang="zh-CN" altLang="en-US"/>
-          </a:p>
-        </p:txBody>
-      </p:sp>
-      <p:sp>
-        <p:nvSpPr>
-          <p:cNvPr id="4" name="内容占位符 3"/>
+            <a:endParaRPr lang="en-US" dirty="0"/>
+          </a:p>
+        </p:txBody>
+      </p:sp>
+      <p:sp>
+        <p:nvSpPr>
+          <p:cNvPr id="4" name="Content Placeholder 3"/>
           <p:cNvSpPr>
             <a:spLocks noGrp="1"/>
           </p:cNvSpPr>
@@ -1183,13 +3838,43 @@
         </p:nvSpPr>
         <p:spPr>
           <a:xfrm>
-            <a:off x="6172200" y="1825625"/>
-            <a:ext cx="5181600" cy="4351338"/>
+            <a:off x="5654493" y="2056092"/>
+            <a:ext cx="4396341" cy="4200245"/>
           </a:xfrm>
         </p:spPr>
         <p:txBody>
-          <a:bodyPr/>
-          <a:lstStyle/>
+          <a:bodyPr>
+            <a:normAutofit/>
+          </a:bodyPr>
+          <a:lstStyle>
+            <a:lvl1pPr>
+              <a:defRPr sz="1800"/>
+            </a:lvl1pPr>
+            <a:lvl2pPr>
+              <a:defRPr sz="1600"/>
+            </a:lvl2pPr>
+            <a:lvl3pPr>
+              <a:defRPr sz="1400"/>
+            </a:lvl3pPr>
+            <a:lvl4pPr>
+              <a:defRPr sz="1200"/>
+            </a:lvl4pPr>
+            <a:lvl5pPr>
+              <a:defRPr sz="1200"/>
+            </a:lvl5pPr>
+            <a:lvl6pPr>
+              <a:defRPr sz="1200"/>
+            </a:lvl6pPr>
+            <a:lvl7pPr>
+              <a:defRPr sz="1200"/>
+            </a:lvl7pPr>
+            <a:lvl8pPr>
+              <a:defRPr sz="1200"/>
+            </a:lvl8pPr>
+            <a:lvl9pPr>
+              <a:defRPr sz="1200"/>
+            </a:lvl9pPr>
+          </a:lstStyle>
           <a:p>
             <a:pPr lvl="0"/>
             <a:r>
@@ -1224,13 +3909,13 @@
               <a:rPr lang="zh-CN" altLang="en-US" smtClean="0"/>
               <a:t>第五级</a:t>
             </a:r>
-            <a:endParaRPr lang="zh-CN" altLang="en-US"/>
-          </a:p>
-        </p:txBody>
-      </p:sp>
-      <p:sp>
-        <p:nvSpPr>
-          <p:cNvPr id="5" name="日期占位符 4"/>
+            <a:endParaRPr lang="en-US" dirty="0"/>
+          </a:p>
+        </p:txBody>
+      </p:sp>
+      <p:sp>
+        <p:nvSpPr>
+          <p:cNvPr id="5" name="Date Placeholder 4"/>
           <p:cNvSpPr>
             <a:spLocks noGrp="1"/>
           </p:cNvSpPr>
@@ -1253,7 +3938,7 @@
       </p:sp>
       <p:sp>
         <p:nvSpPr>
-          <p:cNvPr id="6" name="页脚占位符 5"/>
+          <p:cNvPr id="6" name="Footer Placeholder 5"/>
           <p:cNvSpPr>
             <a:spLocks noGrp="1"/>
           </p:cNvSpPr>
@@ -1272,7 +3957,7 @@
       </p:sp>
       <p:sp>
         <p:nvSpPr>
-          <p:cNvPr id="7" name="灯片编号占位符 6"/>
+          <p:cNvPr id="7" name="Slide Number Placeholder 6"/>
           <p:cNvSpPr>
             <a:spLocks noGrp="1"/>
           </p:cNvSpPr>
@@ -1296,7 +3981,7 @@
     </p:spTree>
     <p:extLst>
       <p:ext uri="{BB962C8B-B14F-4D97-AF65-F5344CB8AC3E}">
-        <p14:creationId xmlns:p14="http://schemas.microsoft.com/office/powerpoint/2010/main" val="2402031250"/>
+        <p14:creationId xmlns:p14="http://schemas.microsoft.com/office/powerpoint/2010/main" val="969760658"/>
       </p:ext>
     </p:extLst>
   </p:cSld>
@@ -1325,54 +4010,62 @@
       </p:grpSpPr>
       <p:sp>
         <p:nvSpPr>
-          <p:cNvPr id="2" name="标题 1"/>
+          <p:cNvPr id="2" name="Title 1"/>
           <p:cNvSpPr>
             <a:spLocks noGrp="1"/>
           </p:cNvSpPr>
           <p:nvPr>
             <p:ph type="title"/>
+          </p:nvPr>
+        </p:nvSpPr>
+        <p:spPr/>
+        <p:txBody>
+          <a:bodyPr/>
+          <a:lstStyle>
+            <a:lvl1pPr>
+              <a:defRPr/>
+            </a:lvl1pPr>
+          </a:lstStyle>
+          <a:p>
+            <a:r>
+              <a:rPr lang="zh-CN" altLang="en-US" smtClean="0"/>
+              <a:t>单击此处编辑母版标题样式</a:t>
+            </a:r>
+            <a:endParaRPr lang="en-US" dirty="0"/>
+          </a:p>
+        </p:txBody>
+      </p:sp>
+      <p:sp>
+        <p:nvSpPr>
+          <p:cNvPr id="3" name="Text Placeholder 2"/>
+          <p:cNvSpPr>
+            <a:spLocks noGrp="1"/>
+          </p:cNvSpPr>
+          <p:nvPr>
+            <p:ph type="body" idx="1"/>
           </p:nvPr>
         </p:nvSpPr>
         <p:spPr>
           <a:xfrm>
-            <a:off x="839788" y="365125"/>
-            <a:ext cx="10515600" cy="1325563"/>
+            <a:off x="1103313" y="1905000"/>
+            <a:ext cx="4396338" cy="576262"/>
           </a:xfrm>
         </p:spPr>
         <p:txBody>
-          <a:bodyPr/>
-          <a:lstStyle/>
-          <a:p>
-            <a:r>
-              <a:rPr lang="zh-CN" altLang="en-US" smtClean="0"/>
-              <a:t>单击此处编辑母版标题样式</a:t>
-            </a:r>
-            <a:endParaRPr lang="zh-CN" altLang="en-US"/>
-          </a:p>
-        </p:txBody>
-      </p:sp>
-      <p:sp>
-        <p:nvSpPr>
-          <p:cNvPr id="3" name="文本占位符 2"/>
-          <p:cNvSpPr>
-            <a:spLocks noGrp="1"/>
-          </p:cNvSpPr>
-          <p:nvPr>
-            <p:ph type="body" idx="1"/>
-          </p:nvPr>
-        </p:nvSpPr>
-        <p:spPr>
-          <a:xfrm>
-            <a:off x="839788" y="1681163"/>
-            <a:ext cx="5157787" cy="823912"/>
-          </a:xfrm>
-        </p:spPr>
-        <p:txBody>
-          <a:bodyPr anchor="b"/>
+          <a:bodyPr anchor="b">
+            <a:noAutofit/>
+          </a:bodyPr>
           <a:lstStyle>
             <a:lvl1pPr marL="0" indent="0">
               <a:buNone/>
-              <a:defRPr sz="2400" b="1"/>
+              <a:defRPr sz="2400" b="0">
+                <a:solidFill>
+                  <a:schemeClr val="bg2">
+                    <a:lumMod val="40000"/>
+                    <a:lumOff val="60000"/>
+                  </a:schemeClr>
+                </a:solidFill>
+              </a:defRPr>
             </a:lvl1pPr>
             <a:lvl2pPr marL="457200" indent="0">
               <a:buNone/>
@@ -1418,7 +4111,7 @@
       </p:sp>
       <p:sp>
         <p:nvSpPr>
-          <p:cNvPr id="4" name="内容占位符 3"/>
+          <p:cNvPr id="4" name="Content Placeholder 3"/>
           <p:cNvSpPr>
             <a:spLocks noGrp="1"/>
           </p:cNvSpPr>
@@ -1428,13 +4121,43 @@
         </p:nvSpPr>
         <p:spPr>
           <a:xfrm>
-            <a:off x="839788" y="2505075"/>
-            <a:ext cx="5157787" cy="3684588"/>
+            <a:off x="1103312" y="2514600"/>
+            <a:ext cx="4396339" cy="3741738"/>
           </a:xfrm>
         </p:spPr>
         <p:txBody>
-          <a:bodyPr/>
-          <a:lstStyle/>
+          <a:bodyPr>
+            <a:normAutofit/>
+          </a:bodyPr>
+          <a:lstStyle>
+            <a:lvl1pPr>
+              <a:defRPr sz="1800"/>
+            </a:lvl1pPr>
+            <a:lvl2pPr>
+              <a:defRPr sz="1600"/>
+            </a:lvl2pPr>
+            <a:lvl3pPr>
+              <a:defRPr sz="1400"/>
+            </a:lvl3pPr>
+            <a:lvl4pPr>
+              <a:defRPr sz="1200"/>
+            </a:lvl4pPr>
+            <a:lvl5pPr>
+              <a:defRPr sz="1200"/>
+            </a:lvl5pPr>
+            <a:lvl6pPr>
+              <a:defRPr sz="1200"/>
+            </a:lvl6pPr>
+            <a:lvl7pPr>
+              <a:defRPr sz="1200"/>
+            </a:lvl7pPr>
+            <a:lvl8pPr>
+              <a:defRPr sz="1200"/>
+            </a:lvl8pPr>
+            <a:lvl9pPr>
+              <a:defRPr sz="1200"/>
+            </a:lvl9pPr>
+          </a:lstStyle>
           <a:p>
             <a:pPr lvl="0"/>
             <a:r>
@@ -1469,13 +4192,13 @@
               <a:rPr lang="zh-CN" altLang="en-US" smtClean="0"/>
               <a:t>第五级</a:t>
             </a:r>
-            <a:endParaRPr lang="zh-CN" altLang="en-US"/>
-          </a:p>
-        </p:txBody>
-      </p:sp>
-      <p:sp>
-        <p:nvSpPr>
-          <p:cNvPr id="5" name="文本占位符 4"/>
+            <a:endParaRPr lang="en-US" dirty="0"/>
+          </a:p>
+        </p:txBody>
+      </p:sp>
+      <p:sp>
+        <p:nvSpPr>
+          <p:cNvPr id="5" name="Text Placeholder 4"/>
           <p:cNvSpPr>
             <a:spLocks noGrp="1"/>
           </p:cNvSpPr>
@@ -1485,16 +4208,25 @@
         </p:nvSpPr>
         <p:spPr>
           <a:xfrm>
-            <a:off x="6172200" y="1681163"/>
-            <a:ext cx="5183188" cy="823912"/>
+            <a:off x="5654495" y="1905000"/>
+            <a:ext cx="4396339" cy="576262"/>
           </a:xfrm>
         </p:spPr>
         <p:txBody>
-          <a:bodyPr anchor="b"/>
+          <a:bodyPr anchor="b">
+            <a:noAutofit/>
+          </a:bodyPr>
           <a:lstStyle>
             <a:lvl1pPr marL="0" indent="0">
               <a:buNone/>
-              <a:defRPr sz="2400" b="1"/>
+              <a:defRPr sz="2400" b="0">
+                <a:solidFill>
+                  <a:schemeClr val="bg2">
+                    <a:lumMod val="40000"/>
+                    <a:lumOff val="60000"/>
+                  </a:schemeClr>
+                </a:solidFill>
+              </a:defRPr>
             </a:lvl1pPr>
             <a:lvl2pPr marL="457200" indent="0">
               <a:buNone/>
@@ -1540,7 +4272,7 @@
       </p:sp>
       <p:sp>
         <p:nvSpPr>
-          <p:cNvPr id="6" name="内容占位符 5"/>
+          <p:cNvPr id="6" name="Content Placeholder 5"/>
           <p:cNvSpPr>
             <a:spLocks noGrp="1"/>
           </p:cNvSpPr>
@@ -1550,13 +4282,43 @@
         </p:nvSpPr>
         <p:spPr>
           <a:xfrm>
-            <a:off x="6172200" y="2505075"/>
-            <a:ext cx="5183188" cy="3684588"/>
+            <a:off x="5654495" y="2514600"/>
+            <a:ext cx="4396339" cy="3741738"/>
           </a:xfrm>
         </p:spPr>
         <p:txBody>
-          <a:bodyPr/>
-          <a:lstStyle/>
+          <a:bodyPr>
+            <a:normAutofit/>
+          </a:bodyPr>
+          <a:lstStyle>
+            <a:lvl1pPr>
+              <a:defRPr sz="1800"/>
+            </a:lvl1pPr>
+            <a:lvl2pPr>
+              <a:defRPr sz="1600"/>
+            </a:lvl2pPr>
+            <a:lvl3pPr>
+              <a:defRPr sz="1400"/>
+            </a:lvl3pPr>
+            <a:lvl4pPr>
+              <a:defRPr sz="1200"/>
+            </a:lvl4pPr>
+            <a:lvl5pPr>
+              <a:defRPr sz="1200"/>
+            </a:lvl5pPr>
+            <a:lvl6pPr>
+              <a:defRPr sz="1200"/>
+            </a:lvl6pPr>
+            <a:lvl7pPr>
+              <a:defRPr sz="1200"/>
+            </a:lvl7pPr>
+            <a:lvl8pPr>
+              <a:defRPr sz="1200"/>
+            </a:lvl8pPr>
+            <a:lvl9pPr>
+              <a:defRPr sz="1200"/>
+            </a:lvl9pPr>
+          </a:lstStyle>
           <a:p>
             <a:pPr lvl="0"/>
             <a:r>
@@ -1591,13 +4353,13 @@
               <a:rPr lang="zh-CN" altLang="en-US" smtClean="0"/>
               <a:t>第五级</a:t>
             </a:r>
-            <a:endParaRPr lang="zh-CN" altLang="en-US"/>
-          </a:p>
-        </p:txBody>
-      </p:sp>
-      <p:sp>
-        <p:nvSpPr>
-          <p:cNvPr id="7" name="日期占位符 6"/>
+            <a:endParaRPr lang="en-US" dirty="0"/>
+          </a:p>
+        </p:txBody>
+      </p:sp>
+      <p:sp>
+        <p:nvSpPr>
+          <p:cNvPr id="7" name="Date Placeholder 6"/>
           <p:cNvSpPr>
             <a:spLocks noGrp="1"/>
           </p:cNvSpPr>
@@ -1620,7 +4382,7 @@
       </p:sp>
       <p:sp>
         <p:nvSpPr>
-          <p:cNvPr id="8" name="页脚占位符 7"/>
+          <p:cNvPr id="8" name="Footer Placeholder 7"/>
           <p:cNvSpPr>
             <a:spLocks noGrp="1"/>
           </p:cNvSpPr>
@@ -1639,7 +4401,7 @@
       </p:sp>
       <p:sp>
         <p:nvSpPr>
-          <p:cNvPr id="9" name="灯片编号占位符 8"/>
+          <p:cNvPr id="9" name="Slide Number Placeholder 8"/>
           <p:cNvSpPr>
             <a:spLocks noGrp="1"/>
           </p:cNvSpPr>
@@ -1663,7 +4425,7 @@
     </p:spTree>
     <p:extLst>
       <p:ext uri="{BB962C8B-B14F-4D97-AF65-F5344CB8AC3E}">
-        <p14:creationId xmlns:p14="http://schemas.microsoft.com/office/powerpoint/2010/main" val="101629683"/>
+        <p14:creationId xmlns:p14="http://schemas.microsoft.com/office/powerpoint/2010/main" val="1902885552"/>
       </p:ext>
     </p:extLst>
   </p:cSld>
@@ -1692,7 +4454,7 @@
       </p:grpSpPr>
       <p:sp>
         <p:nvSpPr>
-          <p:cNvPr id="2" name="标题 1"/>
+          <p:cNvPr id="2" name="Title 1"/>
           <p:cNvSpPr>
             <a:spLocks noGrp="1"/>
           </p:cNvSpPr>
@@ -1709,13 +4471,13 @@
               <a:rPr lang="zh-CN" altLang="en-US" smtClean="0"/>
               <a:t>单击此处编辑母版标题样式</a:t>
             </a:r>
-            <a:endParaRPr lang="zh-CN" altLang="en-US"/>
-          </a:p>
-        </p:txBody>
-      </p:sp>
-      <p:sp>
-        <p:nvSpPr>
-          <p:cNvPr id="3" name="日期占位符 2"/>
+            <a:endParaRPr lang="en-US" dirty="0"/>
+          </a:p>
+        </p:txBody>
+      </p:sp>
+      <p:sp>
+        <p:nvSpPr>
+          <p:cNvPr id="7" name="Date Placeholder 2"/>
           <p:cNvSpPr>
             <a:spLocks noGrp="1"/>
           </p:cNvSpPr>
@@ -1738,7 +4500,7 @@
       </p:sp>
       <p:sp>
         <p:nvSpPr>
-          <p:cNvPr id="4" name="页脚占位符 3"/>
+          <p:cNvPr id="5" name="Footer Placeholder 3"/>
           <p:cNvSpPr>
             <a:spLocks noGrp="1"/>
           </p:cNvSpPr>
@@ -1757,7 +4519,7 @@
       </p:sp>
       <p:sp>
         <p:nvSpPr>
-          <p:cNvPr id="5" name="灯片编号占位符 4"/>
+          <p:cNvPr id="6" name="Slide Number Placeholder 4"/>
           <p:cNvSpPr>
             <a:spLocks noGrp="1"/>
           </p:cNvSpPr>
@@ -1781,7 +4543,7 @@
     </p:spTree>
     <p:extLst>
       <p:ext uri="{BB962C8B-B14F-4D97-AF65-F5344CB8AC3E}">
-        <p14:creationId xmlns:p14="http://schemas.microsoft.com/office/powerpoint/2010/main" val="1186103567"/>
+        <p14:creationId xmlns:p14="http://schemas.microsoft.com/office/powerpoint/2010/main" val="2732885656"/>
       </p:ext>
     </p:extLst>
   </p:cSld>
@@ -1810,7 +4572,7 @@
       </p:grpSpPr>
       <p:sp>
         <p:nvSpPr>
-          <p:cNvPr id="2" name="日期占位符 1"/>
+          <p:cNvPr id="7" name="Date Placeholder 1"/>
           <p:cNvSpPr>
             <a:spLocks noGrp="1"/>
           </p:cNvSpPr>
@@ -1833,7 +4595,7 @@
       </p:sp>
       <p:sp>
         <p:nvSpPr>
-          <p:cNvPr id="3" name="页脚占位符 2"/>
+          <p:cNvPr id="5" name="Footer Placeholder 2"/>
           <p:cNvSpPr>
             <a:spLocks noGrp="1"/>
           </p:cNvSpPr>
@@ -1852,7 +4614,7 @@
       </p:sp>
       <p:sp>
         <p:nvSpPr>
-          <p:cNvPr id="4" name="灯片编号占位符 3"/>
+          <p:cNvPr id="6" name="Slide Number Placeholder 3"/>
           <p:cNvSpPr>
             <a:spLocks noGrp="1"/>
           </p:cNvSpPr>
@@ -1876,7 +4638,7 @@
     </p:spTree>
     <p:extLst>
       <p:ext uri="{BB962C8B-B14F-4D97-AF65-F5344CB8AC3E}">
-        <p14:creationId xmlns:p14="http://schemas.microsoft.com/office/powerpoint/2010/main" val="2015596799"/>
+        <p14:creationId xmlns:p14="http://schemas.microsoft.com/office/powerpoint/2010/main" val="1977446697"/>
       </p:ext>
     </p:extLst>
   </p:cSld>
@@ -1905,7 +4667,7 @@
       </p:grpSpPr>
       <p:sp>
         <p:nvSpPr>
-          <p:cNvPr id="2" name="标题 1"/>
+          <p:cNvPr id="2" name="Title 1"/>
           <p:cNvSpPr>
             <a:spLocks noGrp="1"/>
           </p:cNvSpPr>
@@ -1915,15 +4677,15 @@
         </p:nvSpPr>
         <p:spPr>
           <a:xfrm>
-            <a:off x="839788" y="457200"/>
-            <a:ext cx="3932237" cy="1600200"/>
+            <a:off x="1154953" y="1447800"/>
+            <a:ext cx="3401064" cy="1447800"/>
           </a:xfrm>
         </p:spPr>
         <p:txBody>
           <a:bodyPr anchor="b"/>
           <a:lstStyle>
-            <a:lvl1pPr>
-              <a:defRPr sz="3200"/>
+            <a:lvl1pPr algn="l">
+              <a:defRPr sz="2400" b="0"/>
             </a:lvl1pPr>
           </a:lstStyle>
           <a:p>
@@ -1931,13 +4693,13 @@
               <a:rPr lang="zh-CN" altLang="en-US" smtClean="0"/>
               <a:t>单击此处编辑母版标题样式</a:t>
             </a:r>
-            <a:endParaRPr lang="zh-CN" altLang="en-US"/>
-          </a:p>
-        </p:txBody>
-      </p:sp>
-      <p:sp>
-        <p:nvSpPr>
-          <p:cNvPr id="3" name="内容占位符 2"/>
+            <a:endParaRPr lang="en-US" dirty="0"/>
+          </a:p>
+        </p:txBody>
+      </p:sp>
+      <p:sp>
+        <p:nvSpPr>
+          <p:cNvPr id="3" name="Content Placeholder 2"/>
           <p:cNvSpPr>
             <a:spLocks noGrp="1"/>
           </p:cNvSpPr>
@@ -1947,39 +4709,41 @@
         </p:nvSpPr>
         <p:spPr>
           <a:xfrm>
-            <a:off x="5183188" y="987425"/>
-            <a:ext cx="6172200" cy="4873625"/>
+            <a:off x="4784616" y="1447800"/>
+            <a:ext cx="5195997" cy="4572000"/>
           </a:xfrm>
         </p:spPr>
         <p:txBody>
-          <a:bodyPr/>
+          <a:bodyPr anchor="ctr">
+            <a:normAutofit/>
+          </a:bodyPr>
           <a:lstStyle>
             <a:lvl1pPr>
-              <a:defRPr sz="3200"/>
+              <a:defRPr sz="2000"/>
             </a:lvl1pPr>
             <a:lvl2pPr>
-              <a:defRPr sz="2800"/>
+              <a:defRPr sz="1800"/>
             </a:lvl2pPr>
             <a:lvl3pPr>
-              <a:defRPr sz="2400"/>
+              <a:defRPr sz="1600"/>
             </a:lvl3pPr>
             <a:lvl4pPr>
-              <a:defRPr sz="2000"/>
+              <a:defRPr sz="1400"/>
             </a:lvl4pPr>
             <a:lvl5pPr>
-              <a:defRPr sz="2000"/>
+              <a:defRPr sz="1400"/>
             </a:lvl5pPr>
             <a:lvl6pPr>
-              <a:defRPr sz="2000"/>
+              <a:defRPr sz="1400"/>
             </a:lvl6pPr>
             <a:lvl7pPr>
-              <a:defRPr sz="2000"/>
+              <a:defRPr sz="1400"/>
             </a:lvl7pPr>
             <a:lvl8pPr>
-              <a:defRPr sz="2000"/>
+              <a:defRPr sz="1400"/>
             </a:lvl8pPr>
             <a:lvl9pPr>
-              <a:defRPr sz="2000"/>
+              <a:defRPr sz="1400"/>
             </a:lvl9pPr>
           </a:lstStyle>
           <a:p>
@@ -2016,13 +4780,13 @@
               <a:rPr lang="zh-CN" altLang="en-US" smtClean="0"/>
               <a:t>第五级</a:t>
             </a:r>
-            <a:endParaRPr lang="zh-CN" altLang="en-US"/>
-          </a:p>
-        </p:txBody>
-      </p:sp>
-      <p:sp>
-        <p:nvSpPr>
-          <p:cNvPr id="4" name="文本占位符 3"/>
+            <a:endParaRPr lang="en-US" dirty="0"/>
+          </a:p>
+        </p:txBody>
+      </p:sp>
+      <p:sp>
+        <p:nvSpPr>
+          <p:cNvPr id="4" name="Text Placeholder 3"/>
           <p:cNvSpPr>
             <a:spLocks noGrp="1"/>
           </p:cNvSpPr>
@@ -2032,8 +4796,8 @@
         </p:nvSpPr>
         <p:spPr>
           <a:xfrm>
-            <a:off x="839788" y="2057400"/>
-            <a:ext cx="3932237" cy="3811588"/>
+            <a:off x="1154953" y="3129280"/>
+            <a:ext cx="3401063" cy="2895599"/>
           </a:xfrm>
         </p:spPr>
         <p:txBody>
@@ -2041,39 +4805,39 @@
           <a:lstStyle>
             <a:lvl1pPr marL="0" indent="0">
               <a:buNone/>
-              <a:defRPr sz="1600"/>
+              <a:defRPr sz="1400"/>
             </a:lvl1pPr>
             <a:lvl2pPr marL="457200" indent="0">
               <a:buNone/>
-              <a:defRPr sz="1400"/>
+              <a:defRPr sz="1200"/>
             </a:lvl2pPr>
             <a:lvl3pPr marL="914400" indent="0">
               <a:buNone/>
-              <a:defRPr sz="1200"/>
+              <a:defRPr sz="1000"/>
             </a:lvl3pPr>
             <a:lvl4pPr marL="1371600" indent="0">
               <a:buNone/>
-              <a:defRPr sz="1000"/>
+              <a:defRPr sz="900"/>
             </a:lvl4pPr>
             <a:lvl5pPr marL="1828800" indent="0">
               <a:buNone/>
-              <a:defRPr sz="1000"/>
+              <a:defRPr sz="900"/>
             </a:lvl5pPr>
             <a:lvl6pPr marL="2286000" indent="0">
               <a:buNone/>
-              <a:defRPr sz="1000"/>
+              <a:defRPr sz="900"/>
             </a:lvl6pPr>
             <a:lvl7pPr marL="2743200" indent="0">
               <a:buNone/>
-              <a:defRPr sz="1000"/>
+              <a:defRPr sz="900"/>
             </a:lvl7pPr>
             <a:lvl8pPr marL="3200400" indent="0">
               <a:buNone/>
-              <a:defRPr sz="1000"/>
+              <a:defRPr sz="900"/>
             </a:lvl8pPr>
             <a:lvl9pPr marL="3657600" indent="0">
               <a:buNone/>
-              <a:defRPr sz="1000"/>
+              <a:defRPr sz="900"/>
             </a:lvl9pPr>
           </a:lstStyle>
           <a:p>
@@ -2087,7 +4851,7 @@
       </p:sp>
       <p:sp>
         <p:nvSpPr>
-          <p:cNvPr id="5" name="日期占位符 4"/>
+          <p:cNvPr id="7" name="Date Placeholder 4"/>
           <p:cNvSpPr>
             <a:spLocks noGrp="1"/>
           </p:cNvSpPr>
@@ -2110,7 +4874,7 @@
       </p:sp>
       <p:sp>
         <p:nvSpPr>
-          <p:cNvPr id="6" name="页脚占位符 5"/>
+          <p:cNvPr id="5" name="Footer Placeholder 5"/>
           <p:cNvSpPr>
             <a:spLocks noGrp="1"/>
           </p:cNvSpPr>
@@ -2129,7 +4893,7 @@
       </p:sp>
       <p:sp>
         <p:nvSpPr>
-          <p:cNvPr id="7" name="灯片编号占位符 6"/>
+          <p:cNvPr id="6" name="Slide Number Placeholder 6"/>
           <p:cNvSpPr>
             <a:spLocks noGrp="1"/>
           </p:cNvSpPr>
@@ -2153,7 +4917,7 @@
     </p:spTree>
     <p:extLst>
       <p:ext uri="{BB962C8B-B14F-4D97-AF65-F5344CB8AC3E}">
-        <p14:creationId xmlns:p14="http://schemas.microsoft.com/office/powerpoint/2010/main" val="270913029"/>
+        <p14:creationId xmlns:p14="http://schemas.microsoft.com/office/powerpoint/2010/main" val="2623060127"/>
       </p:ext>
     </p:extLst>
   </p:cSld>
@@ -2182,7 +4946,7 @@
       </p:grpSpPr>
       <p:sp>
         <p:nvSpPr>
-          <p:cNvPr id="2" name="标题 1"/>
+          <p:cNvPr id="2" name="Title 1"/>
           <p:cNvSpPr>
             <a:spLocks noGrp="1"/>
           </p:cNvSpPr>
@@ -2192,15 +4956,17 @@
         </p:nvSpPr>
         <p:spPr>
           <a:xfrm>
-            <a:off x="839788" y="457200"/>
-            <a:ext cx="3932237" cy="1600200"/>
+            <a:off x="1153907" y="1854192"/>
+            <a:ext cx="5092906" cy="1574808"/>
           </a:xfrm>
         </p:spPr>
         <p:txBody>
-          <a:bodyPr anchor="b"/>
+          <a:bodyPr anchor="b">
+            <a:normAutofit/>
+          </a:bodyPr>
           <a:lstStyle>
-            <a:lvl1pPr>
-              <a:defRPr sz="3200"/>
+            <a:lvl1pPr algn="l">
+              <a:defRPr sz="3600" b="0"/>
             </a:lvl1pPr>
           </a:lstStyle>
           <a:p>
@@ -2208,15 +4974,15 @@
               <a:rPr lang="zh-CN" altLang="en-US" smtClean="0"/>
               <a:t>单击此处编辑母版标题样式</a:t>
             </a:r>
-            <a:endParaRPr lang="zh-CN" altLang="en-US"/>
-          </a:p>
-        </p:txBody>
-      </p:sp>
-      <p:sp>
-        <p:nvSpPr>
-          <p:cNvPr id="3" name="图片占位符 2"/>
-          <p:cNvSpPr>
-            <a:spLocks noGrp="1"/>
+            <a:endParaRPr lang="en-US" dirty="0"/>
+          </a:p>
+        </p:txBody>
+      </p:sp>
+      <p:sp>
+        <p:nvSpPr>
+          <p:cNvPr id="3" name="Picture Placeholder 2"/>
+          <p:cNvSpPr>
+            <a:spLocks noGrp="1" noChangeAspect="1"/>
           </p:cNvSpPr>
           <p:nvPr>
             <p:ph type="pic" idx="1"/>
@@ -2224,112 +4990,132 @@
         </p:nvSpPr>
         <p:spPr>
           <a:xfrm>
-            <a:off x="5183188" y="987425"/>
-            <a:ext cx="6172200" cy="4873625"/>
+            <a:off x="6949546" y="1143000"/>
+            <a:ext cx="3200400" cy="4572000"/>
           </a:xfrm>
+          <a:prstGeom prst="roundRect">
+            <a:avLst>
+              <a:gd name="adj" fmla="val 1858"/>
+            </a:avLst>
+          </a:prstGeom>
+          <a:effectLst>
+            <a:outerShdw blurRad="50800" dist="50800" dir="5400000" algn="tl" rotWithShape="0">
+              <a:srgbClr val="000000">
+                <a:alpha val="43000"/>
+              </a:srgbClr>
+            </a:outerShdw>
+          </a:effectLst>
         </p:spPr>
         <p:txBody>
-          <a:bodyPr/>
+          <a:bodyPr anchor="t">
+            <a:normAutofit/>
+          </a:bodyPr>
           <a:lstStyle>
-            <a:lvl1pPr marL="0" indent="0">
-              <a:buNone/>
-              <a:defRPr sz="3200"/>
-            </a:lvl1pPr>
-            <a:lvl2pPr marL="457200" indent="0">
-              <a:buNone/>
-              <a:defRPr sz="2800"/>
-            </a:lvl2pPr>
-            <a:lvl3pPr marL="914400" indent="0">
-              <a:buNone/>
-              <a:defRPr sz="2400"/>
-            </a:lvl3pPr>
-            <a:lvl4pPr marL="1371600" indent="0">
-              <a:buNone/>
-              <a:defRPr sz="2000"/>
-            </a:lvl4pPr>
-            <a:lvl5pPr marL="1828800" indent="0">
-              <a:buNone/>
-              <a:defRPr sz="2000"/>
-            </a:lvl5pPr>
-            <a:lvl6pPr marL="2286000" indent="0">
-              <a:buNone/>
-              <a:defRPr sz="2000"/>
-            </a:lvl6pPr>
-            <a:lvl7pPr marL="2743200" indent="0">
-              <a:buNone/>
-              <a:defRPr sz="2000"/>
-            </a:lvl7pPr>
-            <a:lvl8pPr marL="3200400" indent="0">
-              <a:buNone/>
-              <a:defRPr sz="2000"/>
-            </a:lvl8pPr>
-            <a:lvl9pPr marL="3657600" indent="0">
-              <a:buNone/>
-              <a:defRPr sz="2000"/>
-            </a:lvl9pPr>
-          </a:lstStyle>
-          <a:p>
-            <a:endParaRPr lang="zh-CN" altLang="en-US"/>
-          </a:p>
-        </p:txBody>
-      </p:sp>
-      <p:sp>
-        <p:nvSpPr>
-          <p:cNvPr id="4" name="文本占位符 3"/>
-          <p:cNvSpPr>
-            <a:spLocks noGrp="1"/>
-          </p:cNvSpPr>
-          <p:nvPr>
-            <p:ph type="body" sz="half" idx="2"/>
-          </p:nvPr>
-        </p:nvSpPr>
-        <p:spPr>
-          <a:xfrm>
-            <a:off x="839788" y="2057400"/>
-            <a:ext cx="3932237" cy="3811588"/>
-          </a:xfrm>
-        </p:spPr>
-        <p:txBody>
-          <a:bodyPr/>
-          <a:lstStyle>
-            <a:lvl1pPr marL="0" indent="0">
+            <a:lvl1pPr marL="0" indent="0" algn="ctr">
               <a:buNone/>
               <a:defRPr sz="1600"/>
             </a:lvl1pPr>
             <a:lvl2pPr marL="457200" indent="0">
               <a:buNone/>
-              <a:defRPr sz="1400"/>
+              <a:defRPr sz="1600"/>
             </a:lvl2pPr>
             <a:lvl3pPr marL="914400" indent="0">
               <a:buNone/>
-              <a:defRPr sz="1200"/>
+              <a:defRPr sz="1600"/>
             </a:lvl3pPr>
             <a:lvl4pPr marL="1371600" indent="0">
               <a:buNone/>
-              <a:defRPr sz="1000"/>
+              <a:defRPr sz="1600"/>
             </a:lvl4pPr>
             <a:lvl5pPr marL="1828800" indent="0">
               <a:buNone/>
-              <a:defRPr sz="1000"/>
+              <a:defRPr sz="1600"/>
             </a:lvl5pPr>
             <a:lvl6pPr marL="2286000" indent="0">
               <a:buNone/>
-              <a:defRPr sz="1000"/>
+              <a:defRPr sz="1600"/>
             </a:lvl6pPr>
             <a:lvl7pPr marL="2743200" indent="0">
               <a:buNone/>
-              <a:defRPr sz="1000"/>
+              <a:defRPr sz="1600"/>
             </a:lvl7pPr>
             <a:lvl8pPr marL="3200400" indent="0">
               <a:buNone/>
-              <a:defRPr sz="1000"/>
+              <a:defRPr sz="1600"/>
             </a:lvl8pPr>
             <a:lvl9pPr marL="3657600" indent="0">
               <a:buNone/>
-              <a:defRPr sz="1000"/>
+              <a:defRPr sz="1600"/>
             </a:lvl9pPr>
           </a:lstStyle>
           <a:p>
+            <a:r>
+              <a:rPr lang="zh-CN" altLang="en-US" smtClean="0"/>
+              <a:t>单击图标添加图片</a:t>
+            </a:r>
+            <a:endParaRPr lang="en-US" dirty="0"/>
+          </a:p>
+        </p:txBody>
+      </p:sp>
+      <p:sp>
+        <p:nvSpPr>
+          <p:cNvPr id="4" name="Text Placeholder 3"/>
+          <p:cNvSpPr>
+            <a:spLocks noGrp="1"/>
+          </p:cNvSpPr>
+          <p:nvPr>
+            <p:ph type="body" sz="half" idx="2"/>
+          </p:nvPr>
+        </p:nvSpPr>
+        <p:spPr>
+          <a:xfrm>
+            <a:off x="1154954" y="3657600"/>
+            <a:ext cx="5084979" cy="1371600"/>
+          </a:xfrm>
+        </p:spPr>
+        <p:txBody>
+          <a:bodyPr>
+            <a:normAutofit/>
+          </a:bodyPr>
+          <a:lstStyle>
+            <a:lvl1pPr marL="0" indent="0">
+              <a:buNone/>
+              <a:defRPr sz="1400"/>
+            </a:lvl1pPr>
+            <a:lvl2pPr marL="457200" indent="0">
+              <a:buNone/>
+              <a:defRPr sz="1200"/>
+            </a:lvl2pPr>
+            <a:lvl3pPr marL="914400" indent="0">
+              <a:buNone/>
+              <a:defRPr sz="1000"/>
+            </a:lvl3pPr>
+            <a:lvl4pPr marL="1371600" indent="0">
+              <a:buNone/>
+              <a:defRPr sz="900"/>
+            </a:lvl4pPr>
+            <a:lvl5pPr marL="1828800" indent="0">
+              <a:buNone/>
+              <a:defRPr sz="900"/>
+            </a:lvl5pPr>
+            <a:lvl6pPr marL="2286000" indent="0">
+              <a:buNone/>
+              <a:defRPr sz="900"/>
+            </a:lvl6pPr>
+            <a:lvl7pPr marL="2743200" indent="0">
+              <a:buNone/>
+              <a:defRPr sz="900"/>
+            </a:lvl7pPr>
+            <a:lvl8pPr marL="3200400" indent="0">
+              <a:buNone/>
+              <a:defRPr sz="900"/>
+            </a:lvl8pPr>
+            <a:lvl9pPr marL="3657600" indent="0">
+              <a:buNone/>
+              <a:defRPr sz="900"/>
+            </a:lvl9pPr>
+          </a:lstStyle>
+          <a:p>
             <a:pPr lvl="0"/>
             <a:r>
               <a:rPr lang="zh-CN" altLang="en-US" smtClean="0"/>
@@ -2340,7 +5126,7 @@
       </p:sp>
       <p:sp>
         <p:nvSpPr>
-          <p:cNvPr id="5" name="日期占位符 4"/>
+          <p:cNvPr id="5" name="Date Placeholder 4"/>
           <p:cNvSpPr>
             <a:spLocks noGrp="1"/>
           </p:cNvSpPr>
@@ -2363,7 +5149,7 @@
       </p:sp>
       <p:sp>
         <p:nvSpPr>
-          <p:cNvPr id="6" name="页脚占位符 5"/>
+          <p:cNvPr id="6" name="Footer Placeholder 5"/>
           <p:cNvSpPr>
             <a:spLocks noGrp="1"/>
           </p:cNvSpPr>
@@ -2382,7 +5168,7 @@
       </p:sp>
       <p:sp>
         <p:nvSpPr>
-          <p:cNvPr id="7" name="灯片编号占位符 6"/>
+          <p:cNvPr id="7" name="Slide Number Placeholder 6"/>
           <p:cNvSpPr>
             <a:spLocks noGrp="1"/>
           </p:cNvSpPr>
@@ -2406,7 +5192,7 @@
     </p:spTree>
     <p:extLst>
       <p:ext uri="{BB962C8B-B14F-4D97-AF65-F5344CB8AC3E}">
-        <p14:creationId xmlns:p14="http://schemas.microsoft.com/office/powerpoint/2010/main" val="4108626602"/>
+        <p14:creationId xmlns:p14="http://schemas.microsoft.com/office/powerpoint/2010/main" val="1988164176"/>
       </p:ext>
     </p:extLst>
   </p:cSld>
@@ -2420,8 +5206,8 @@
 <p:sldMaster xmlns:a="http://schemas.openxmlformats.org/drawingml/2006/main" xmlns:r="http://schemas.openxmlformats.org/officeDocument/2006/relationships" xmlns:p="http://schemas.openxmlformats.org/presentationml/2006/main">
   <p:cSld>
     <p:bg>
-      <p:bgRef idx="1001">
-        <a:schemeClr val="bg1"/>
+      <p:bgRef idx="1003">
+        <a:schemeClr val="bg2"/>
       </p:bgRef>
     </p:bg>
     <p:spTree>
@@ -2438,125 +5224,420 @@
           <a:chExt cx="0" cy="0"/>
         </a:xfrm>
       </p:grpSpPr>
-      <p:sp>
-        <p:nvSpPr>
-          <p:cNvPr id="2" name="标题占位符 1"/>
-          <p:cNvSpPr>
-            <a:spLocks noGrp="1"/>
-          </p:cNvSpPr>
-          <p:nvPr>
-            <p:ph type="title"/>
-          </p:nvPr>
-        </p:nvSpPr>
+      <p:pic>
+        <p:nvPicPr>
+          <p:cNvPr id="8" name="Picture 7"/>
+          <p:cNvPicPr>
+            <a:picLocks noChangeAspect="1"/>
+          </p:cNvPicPr>
+          <p:nvPr/>
+        </p:nvPicPr>
+        <p:blipFill rotWithShape="1">
+          <a:blip r:embed="rId19">
+            <a:extLst>
+              <a:ext uri="{28A0092B-C50C-407E-A947-70E740481C1C}">
+                <a14:useLocalDpi xmlns:a14="http://schemas.microsoft.com/office/drawing/2010/main" val="0"/>
+              </a:ext>
+            </a:extLst>
+          </a:blip>
+          <a:srcRect l="3613"/>
+          <a:stretch/>
+        </p:blipFill>
         <p:spPr>
           <a:xfrm>
-            <a:off x="838200" y="365125"/>
-            <a:ext cx="10515600" cy="1325563"/>
+            <a:off x="0" y="2669685"/>
+            <a:ext cx="4037012" cy="4188315"/>
           </a:xfrm>
           <a:prstGeom prst="rect">
             <a:avLst/>
           </a:prstGeom>
         </p:spPr>
-        <p:txBody>
-          <a:bodyPr vert="horz" lIns="91440" tIns="45720" rIns="91440" bIns="45720" rtlCol="0" anchor="ctr">
-            <a:normAutofit/>
-          </a:bodyPr>
-          <a:lstStyle/>
-          <a:p>
-            <a:r>
-              <a:rPr lang="zh-CN" altLang="en-US" smtClean="0"/>
-              <a:t>单击此处编辑母版标题样式</a:t>
-            </a:r>
-            <a:endParaRPr lang="zh-CN" altLang="en-US"/>
-          </a:p>
-        </p:txBody>
-      </p:sp>
-      <p:sp>
-        <p:nvSpPr>
-          <p:cNvPr id="3" name="文本占位符 2"/>
-          <p:cNvSpPr>
-            <a:spLocks noGrp="1"/>
-          </p:cNvSpPr>
-          <p:nvPr>
-            <p:ph type="body" idx="1"/>
-          </p:nvPr>
-        </p:nvSpPr>
+      </p:pic>
+      <p:pic>
+        <p:nvPicPr>
+          <p:cNvPr id="7" name="Picture 6"/>
+          <p:cNvPicPr>
+            <a:picLocks noChangeAspect="1"/>
+          </p:cNvPicPr>
+          <p:nvPr/>
+        </p:nvPicPr>
+        <p:blipFill rotWithShape="1">
+          <a:blip r:embed="rId20">
+            <a:extLst>
+              <a:ext uri="{28A0092B-C50C-407E-A947-70E740481C1C}">
+                <a14:useLocalDpi xmlns:a14="http://schemas.microsoft.com/office/drawing/2010/main" val="0"/>
+              </a:ext>
+            </a:extLst>
+          </a:blip>
+          <a:srcRect l="35640"/>
+          <a:stretch/>
+        </p:blipFill>
         <p:spPr>
           <a:xfrm>
-            <a:off x="838200" y="1825625"/>
-            <a:ext cx="10515600" cy="4351338"/>
+            <a:off x="0" y="2892347"/>
+            <a:ext cx="1522412" cy="2365453"/>
           </a:xfrm>
           <a:prstGeom prst="rect">
             <a:avLst/>
           </a:prstGeom>
         </p:spPr>
-        <p:txBody>
-          <a:bodyPr vert="horz" lIns="91440" tIns="45720" rIns="91440" bIns="45720" rtlCol="0">
-            <a:normAutofit/>
-          </a:bodyPr>
-          <a:lstStyle/>
-          <a:p>
-            <a:pPr lvl="0"/>
-            <a:r>
-              <a:rPr lang="zh-CN" altLang="en-US" smtClean="0"/>
-              <a:t>编辑母版文本样式</a:t>
-            </a:r>
-          </a:p>
-          <a:p>
-            <a:pPr lvl="1"/>
-            <a:r>
-              <a:rPr lang="zh-CN" altLang="en-US" smtClean="0"/>
-              <a:t>第二级</a:t>
-            </a:r>
-          </a:p>
-          <a:p>
-            <a:pPr lvl="2"/>
-            <a:r>
-              <a:rPr lang="zh-CN" altLang="en-US" smtClean="0"/>
-              <a:t>第三级</a:t>
-            </a:r>
-          </a:p>
-          <a:p>
-            <a:pPr lvl="3"/>
-            <a:r>
-              <a:rPr lang="zh-CN" altLang="en-US" smtClean="0"/>
-              <a:t>第四级</a:t>
-            </a:r>
-          </a:p>
-          <a:p>
-            <a:pPr lvl="4"/>
-            <a:r>
-              <a:rPr lang="zh-CN" altLang="en-US" smtClean="0"/>
-              <a:t>第五级</a:t>
-            </a:r>
-            <a:endParaRPr lang="zh-CN" altLang="en-US"/>
-          </a:p>
-        </p:txBody>
-      </p:sp>
-      <p:sp>
-        <p:nvSpPr>
-          <p:cNvPr id="4" name="日期占位符 3"/>
-          <p:cNvSpPr>
-            <a:spLocks noGrp="1"/>
-          </p:cNvSpPr>
-          <p:nvPr>
-            <p:ph type="dt" sz="half" idx="2"/>
-          </p:nvPr>
+      </p:pic>
+      <p:sp>
+        <p:nvSpPr>
+          <p:cNvPr id="16" name="Oval 15"/>
+          <p:cNvSpPr/>
+          <p:nvPr/>
         </p:nvSpPr>
         <p:spPr>
           <a:xfrm>
-            <a:off x="838200" y="6356350"/>
-            <a:ext cx="2743200" cy="365125"/>
+            <a:off x="8609012" y="1676400"/>
+            <a:ext cx="2819400" cy="2819400"/>
+          </a:xfrm>
+          <a:prstGeom prst="ellipse">
+            <a:avLst/>
+          </a:prstGeom>
+          <a:gradFill flip="none" rotWithShape="1">
+            <a:gsLst>
+              <a:gs pos="0">
+                <a:schemeClr val="bg2">
+                  <a:lumMod val="60000"/>
+                  <a:lumOff val="40000"/>
+                  <a:alpha val="7000"/>
+                </a:schemeClr>
+              </a:gs>
+              <a:gs pos="69000">
+                <a:schemeClr val="bg2">
+                  <a:lumMod val="60000"/>
+                  <a:lumOff val="40000"/>
+                  <a:alpha val="0"/>
+                </a:schemeClr>
+              </a:gs>
+              <a:gs pos="36000">
+                <a:schemeClr val="bg2">
+                  <a:lumMod val="60000"/>
+                  <a:lumOff val="40000"/>
+                  <a:alpha val="6000"/>
+                </a:schemeClr>
+              </a:gs>
+            </a:gsLst>
+            <a:path path="circle">
+              <a:fillToRect l="50000" t="50000" r="50000" b="50000"/>
+            </a:path>
+            <a:tileRect/>
+          </a:gradFill>
+          <a:ln>
+            <a:noFill/>
+          </a:ln>
+          <a:effectLst/>
+        </p:spPr>
+        <p:style>
+          <a:lnRef idx="1">
+            <a:schemeClr val="accent1"/>
+          </a:lnRef>
+          <a:fillRef idx="3">
+            <a:schemeClr val="accent1"/>
+          </a:fillRef>
+          <a:effectRef idx="2">
+            <a:schemeClr val="accent1"/>
+          </a:effectRef>
+          <a:fontRef idx="minor">
+            <a:schemeClr val="lt1"/>
+          </a:fontRef>
+        </p:style>
+      </p:sp>
+      <p:pic>
+        <p:nvPicPr>
+          <p:cNvPr id="9" name="Picture 8"/>
+          <p:cNvPicPr>
+            <a:picLocks noChangeAspect="1"/>
+          </p:cNvPicPr>
+          <p:nvPr/>
+        </p:nvPicPr>
+        <p:blipFill rotWithShape="1">
+          <a:blip r:embed="rId21">
+            <a:extLst>
+              <a:ext uri="{28A0092B-C50C-407E-A947-70E740481C1C}">
+                <a14:useLocalDpi xmlns:a14="http://schemas.microsoft.com/office/drawing/2010/main" val="0"/>
+              </a:ext>
+            </a:extLst>
+          </a:blip>
+          <a:srcRect t="28813"/>
+          <a:stretch/>
+        </p:blipFill>
+        <p:spPr>
+          <a:xfrm>
+            <a:off x="7999412" y="0"/>
+            <a:ext cx="1603387" cy="1141407"/>
           </a:xfrm>
           <a:prstGeom prst="rect">
             <a:avLst/>
           </a:prstGeom>
         </p:spPr>
-        <p:txBody>
-          <a:bodyPr vert="horz" lIns="91440" tIns="45720" rIns="91440" bIns="45720" rtlCol="0" anchor="ctr"/>
+      </p:pic>
+      <p:pic>
+        <p:nvPicPr>
+          <p:cNvPr id="10" name="Picture 9"/>
+          <p:cNvPicPr>
+            <a:picLocks noChangeAspect="1"/>
+          </p:cNvPicPr>
+          <p:nvPr/>
+        </p:nvPicPr>
+        <p:blipFill rotWithShape="1">
+          <a:blip r:embed="rId22">
+            <a:extLst>
+              <a:ext uri="{28A0092B-C50C-407E-A947-70E740481C1C}">
+                <a14:useLocalDpi xmlns:a14="http://schemas.microsoft.com/office/drawing/2010/main" val="0"/>
+              </a:ext>
+            </a:extLst>
+          </a:blip>
+          <a:srcRect b="23320"/>
+          <a:stretch/>
+        </p:blipFill>
+        <p:spPr>
+          <a:xfrm>
+            <a:off x="8605878" y="6096000"/>
+            <a:ext cx="993734" cy="762000"/>
+          </a:xfrm>
+          <a:prstGeom prst="rect">
+            <a:avLst/>
+          </a:prstGeom>
+        </p:spPr>
+      </p:pic>
+      <p:sp>
+        <p:nvSpPr>
+          <p:cNvPr id="14" name="Rectangle 13"/>
+          <p:cNvSpPr/>
+          <p:nvPr/>
+        </p:nvSpPr>
+        <p:spPr>
+          <a:xfrm>
+            <a:off x="10437812" y="0"/>
+            <a:ext cx="685800" cy="1143000"/>
+          </a:xfrm>
+          <a:prstGeom prst="rect">
+            <a:avLst/>
+          </a:prstGeom>
+          <a:solidFill>
+            <a:schemeClr val="accent1"/>
+          </a:solidFill>
+          <a:ln>
+            <a:noFill/>
+          </a:ln>
+        </p:spPr>
+        <p:style>
+          <a:lnRef idx="1">
+            <a:schemeClr val="accent1"/>
+          </a:lnRef>
+          <a:fillRef idx="3">
+            <a:schemeClr val="accent1"/>
+          </a:fillRef>
+          <a:effectRef idx="2">
+            <a:schemeClr val="accent1"/>
+          </a:effectRef>
+          <a:fontRef idx="minor">
+            <a:schemeClr val="lt1"/>
+          </a:fontRef>
+        </p:style>
+      </p:sp>
+      <p:sp>
+        <p:nvSpPr>
+          <p:cNvPr id="2" name="Title Placeholder 1"/>
+          <p:cNvSpPr>
+            <a:spLocks noGrp="1"/>
+          </p:cNvSpPr>
+          <p:nvPr>
+            <p:ph type="title"/>
+          </p:nvPr>
+        </p:nvSpPr>
+        <p:spPr>
+          <a:xfrm>
+            <a:off x="646111" y="452718"/>
+            <a:ext cx="9404723" cy="1400530"/>
+          </a:xfrm>
+          <a:prstGeom prst="rect">
+            <a:avLst/>
+          </a:prstGeom>
+        </p:spPr>
+        <p:txBody>
+          <a:bodyPr vert="horz" lIns="91440" tIns="45720" rIns="91440" bIns="45720" rtlCol="0" anchor="t">
+            <a:noAutofit/>
+          </a:bodyPr>
+          <a:lstStyle/>
+          <a:p>
+            <a:r>
+              <a:rPr lang="zh-CN" altLang="en-US" smtClean="0"/>
+              <a:t>单击此处编辑母版标题样式</a:t>
+            </a:r>
+            <a:endParaRPr lang="en-US" dirty="0"/>
+          </a:p>
+        </p:txBody>
+      </p:sp>
+      <p:sp>
+        <p:nvSpPr>
+          <p:cNvPr id="3" name="Text Placeholder 2"/>
+          <p:cNvSpPr>
+            <a:spLocks noGrp="1"/>
+          </p:cNvSpPr>
+          <p:nvPr>
+            <p:ph type="body" idx="1"/>
+          </p:nvPr>
+        </p:nvSpPr>
+        <p:spPr>
+          <a:xfrm>
+            <a:off x="1103312" y="2052918"/>
+            <a:ext cx="8946541" cy="4195481"/>
+          </a:xfrm>
+          <a:prstGeom prst="rect">
+            <a:avLst/>
+          </a:prstGeom>
+        </p:spPr>
+        <p:txBody>
+          <a:bodyPr vert="horz" lIns="91440" tIns="45720" rIns="91440" bIns="45720" rtlCol="0">
+            <a:normAutofit/>
+          </a:bodyPr>
+          <a:lstStyle/>
+          <a:p>
+            <a:pPr lvl="0"/>
+            <a:r>
+              <a:rPr lang="zh-CN" altLang="en-US" smtClean="0"/>
+              <a:t>编辑母版文本样式</a:t>
+            </a:r>
+          </a:p>
+          <a:p>
+            <a:pPr lvl="1"/>
+            <a:r>
+              <a:rPr lang="zh-CN" altLang="en-US" smtClean="0"/>
+              <a:t>第二级</a:t>
+            </a:r>
+          </a:p>
+          <a:p>
+            <a:pPr lvl="2"/>
+            <a:r>
+              <a:rPr lang="zh-CN" altLang="en-US" smtClean="0"/>
+              <a:t>第三级</a:t>
+            </a:r>
+          </a:p>
+          <a:p>
+            <a:pPr lvl="3"/>
+            <a:r>
+              <a:rPr lang="zh-CN" altLang="en-US" smtClean="0"/>
+              <a:t>第四级</a:t>
+            </a:r>
+          </a:p>
+          <a:p>
+            <a:pPr lvl="4"/>
+            <a:r>
+              <a:rPr lang="zh-CN" altLang="en-US" smtClean="0"/>
+              <a:t>第五级</a:t>
+            </a:r>
+            <a:endParaRPr lang="en-US" dirty="0"/>
+          </a:p>
+        </p:txBody>
+      </p:sp>
+      <p:sp>
+        <p:nvSpPr>
+          <p:cNvPr id="4" name="Date Placeholder 3"/>
+          <p:cNvSpPr>
+            <a:spLocks noGrp="1"/>
+          </p:cNvSpPr>
+          <p:nvPr>
+            <p:ph type="dt" sz="half" idx="2"/>
+          </p:nvPr>
+        </p:nvSpPr>
+        <p:spPr>
+          <a:xfrm rot="5400000">
+            <a:off x="10155639" y="1790701"/>
+            <a:ext cx="990599" cy="304799"/>
+          </a:xfrm>
+          <a:prstGeom prst="rect">
+            <a:avLst/>
+          </a:prstGeom>
+        </p:spPr>
+        <p:txBody>
+          <a:bodyPr vert="horz" lIns="91440" tIns="45720" rIns="91440" bIns="45720" rtlCol="0" anchor="t"/>
           <a:lstStyle>
             <a:lvl1pPr algn="l">
-              <a:defRPr sz="1200">
+              <a:defRPr sz="1100" b="0" i="0">
+                <a:solidFill>
+                  <a:schemeClr val="tx1">
+                    <a:tint val="75000"/>
+                    <a:alpha val="60000"/>
+                  </a:schemeClr>
+                </a:solidFill>
+              </a:defRPr>
+            </a:lvl1pPr>
+          </a:lstStyle>
+          <a:p>
+            <a:fld id="{4F59CD18-ADD1-457A-BA95-59ED705B0B5F}" type="datetimeFigureOut">
+              <a:rPr lang="zh-CN" altLang="en-US" smtClean="0"/>
+              <a:t>2017/4/16</a:t>
+            </a:fld>
+            <a:endParaRPr lang="zh-CN" altLang="en-US"/>
+          </a:p>
+        </p:txBody>
+      </p:sp>
+      <p:sp>
+        <p:nvSpPr>
+          <p:cNvPr id="5" name="Footer Placeholder 4"/>
+          <p:cNvSpPr>
+            <a:spLocks noGrp="1"/>
+          </p:cNvSpPr>
+          <p:nvPr>
+            <p:ph type="ftr" sz="quarter" idx="3"/>
+          </p:nvPr>
+        </p:nvSpPr>
+        <p:spPr>
+          <a:xfrm rot="5400000">
+            <a:off x="8951573" y="3225297"/>
+            <a:ext cx="3859795" cy="304801"/>
+          </a:xfrm>
+          <a:prstGeom prst="rect">
+            <a:avLst/>
+          </a:prstGeom>
+        </p:spPr>
+        <p:txBody>
+          <a:bodyPr vert="horz" lIns="91440" tIns="45720" rIns="91440" bIns="45720" rtlCol="0" anchor="b"/>
+          <a:lstStyle>
+            <a:lvl1pPr algn="l">
+              <a:defRPr sz="1100" b="0" i="0">
+                <a:solidFill>
+                  <a:schemeClr val="tx1">
+                    <a:tint val="75000"/>
+                    <a:alpha val="60000"/>
+                  </a:schemeClr>
+                </a:solidFill>
+              </a:defRPr>
+            </a:lvl1pPr>
+          </a:lstStyle>
+          <a:p>
+            <a:endParaRPr lang="zh-CN" altLang="en-US"/>
+          </a:p>
+        </p:txBody>
+      </p:sp>
+      <p:sp>
+        <p:nvSpPr>
+          <p:cNvPr id="6" name="Slide Number Placeholder 5"/>
+          <p:cNvSpPr>
+            <a:spLocks noGrp="1"/>
+          </p:cNvSpPr>
+          <p:nvPr>
+            <p:ph type="sldNum" sz="quarter" idx="4"/>
+          </p:nvPr>
+        </p:nvSpPr>
+        <p:spPr bwMode="gray">
+          <a:xfrm>
+            <a:off x="10352540" y="295729"/>
+            <a:ext cx="838199" cy="767687"/>
+          </a:xfrm>
+          <a:prstGeom prst="rect">
+            <a:avLst/>
+          </a:prstGeom>
+        </p:spPr>
+        <p:txBody>
+          <a:bodyPr vert="horz" lIns="91440" tIns="45720" rIns="91440" bIns="45720" rtlCol="0" anchor="b"/>
+          <a:lstStyle>
+            <a:lvl1pPr algn="ctr">
+              <a:defRPr sz="2800" b="0" i="0">
                 <a:solidFill>
                   <a:schemeClr val="tx1">
                     <a:tint val="75000"/>
@@ -2566,84 +5647,6 @@
             </a:lvl1pPr>
           </a:lstStyle>
           <a:p>
-            <a:fld id="{4F59CD18-ADD1-457A-BA95-59ED705B0B5F}" type="datetimeFigureOut">
-              <a:rPr lang="zh-CN" altLang="en-US" smtClean="0"/>
-              <a:t>2017/4/16</a:t>
-            </a:fld>
-            <a:endParaRPr lang="zh-CN" altLang="en-US"/>
-          </a:p>
-        </p:txBody>
-      </p:sp>
-      <p:sp>
-        <p:nvSpPr>
-          <p:cNvPr id="5" name="页脚占位符 4"/>
-          <p:cNvSpPr>
-            <a:spLocks noGrp="1"/>
-          </p:cNvSpPr>
-          <p:nvPr>
-            <p:ph type="ftr" sz="quarter" idx="3"/>
-          </p:nvPr>
-        </p:nvSpPr>
-        <p:spPr>
-          <a:xfrm>
-            <a:off x="4038600" y="6356350"/>
-            <a:ext cx="4114800" cy="365125"/>
-          </a:xfrm>
-          <a:prstGeom prst="rect">
-            <a:avLst/>
-          </a:prstGeom>
-        </p:spPr>
-        <p:txBody>
-          <a:bodyPr vert="horz" lIns="91440" tIns="45720" rIns="91440" bIns="45720" rtlCol="0" anchor="ctr"/>
-          <a:lstStyle>
-            <a:lvl1pPr algn="ctr">
-              <a:defRPr sz="1200">
-                <a:solidFill>
-                  <a:schemeClr val="tx1">
-                    <a:tint val="75000"/>
-                  </a:schemeClr>
-                </a:solidFill>
-              </a:defRPr>
-            </a:lvl1pPr>
-          </a:lstStyle>
-          <a:p>
-            <a:endParaRPr lang="zh-CN" altLang="en-US"/>
-          </a:p>
-        </p:txBody>
-      </p:sp>
-      <p:sp>
-        <p:nvSpPr>
-          <p:cNvPr id="6" name="灯片编号占位符 5"/>
-          <p:cNvSpPr>
-            <a:spLocks noGrp="1"/>
-          </p:cNvSpPr>
-          <p:nvPr>
-            <p:ph type="sldNum" sz="quarter" idx="4"/>
-          </p:nvPr>
-        </p:nvSpPr>
-        <p:spPr>
-          <a:xfrm>
-            <a:off x="8610600" y="6356350"/>
-            <a:ext cx="2743200" cy="365125"/>
-          </a:xfrm>
-          <a:prstGeom prst="rect">
-            <a:avLst/>
-          </a:prstGeom>
-        </p:spPr>
-        <p:txBody>
-          <a:bodyPr vert="horz" lIns="91440" tIns="45720" rIns="91440" bIns="45720" rtlCol="0" anchor="ctr"/>
-          <a:lstStyle>
-            <a:lvl1pPr algn="r">
-              <a:defRPr sz="1200">
-                <a:solidFill>
-                  <a:schemeClr val="tx1">
-                    <a:tint val="75000"/>
-                  </a:schemeClr>
-                </a:solidFill>
-              </a:defRPr>
-            </a:lvl1pPr>
-          </a:lstStyle>
-          <a:p>
             <a:fld id="{FFAC6A0D-E33A-4665-9E91-8AF94A1647F9}" type="slidenum">
               <a:rPr lang="zh-CN" altLang="en-US" smtClean="0"/>
               <a:t>‹#›</a:t>
@@ -2655,35 +5658,121 @@
     </p:spTree>
     <p:extLst>
       <p:ext uri="{BB962C8B-B14F-4D97-AF65-F5344CB8AC3E}">
-        <p14:creationId xmlns:p14="http://schemas.microsoft.com/office/powerpoint/2010/main" val="171664705"/>
+        <p14:creationId xmlns:p14="http://schemas.microsoft.com/office/powerpoint/2010/main" val="4032924550"/>
       </p:ext>
     </p:extLst>
   </p:cSld>
-  <p:clrMap bg1="lt1" tx1="dk1" bg2="lt2" tx2="dk2" accent1="accent1" accent2="accent2" accent3="accent3" accent4="accent4" accent5="accent5" accent6="accent6" hlink="hlink" folHlink="folHlink"/>
+  <p:clrMap bg1="dk1" tx1="lt1" bg2="dk2" tx2="lt2" accent1="accent1" accent2="accent2" accent3="accent3" accent4="accent4" accent5="accent5" accent6="accent6" hlink="hlink" folHlink="folHlink"/>
   <p:sldLayoutIdLst>
-    <p:sldLayoutId id="2147483649" r:id="rId1"/>
-    <p:sldLayoutId id="2147483650" r:id="rId2"/>
-    <p:sldLayoutId id="2147483651" r:id="rId3"/>
-    <p:sldLayoutId id="2147483652" r:id="rId4"/>
-    <p:sldLayoutId id="2147483653" r:id="rId5"/>
-    <p:sldLayoutId id="2147483654" r:id="rId6"/>
-    <p:sldLayoutId id="2147483655" r:id="rId7"/>
-    <p:sldLayoutId id="2147483656" r:id="rId8"/>
-    <p:sldLayoutId id="2147483657" r:id="rId9"/>
-    <p:sldLayoutId id="2147483658" r:id="rId10"/>
-    <p:sldLayoutId id="2147483659" r:id="rId11"/>
+    <p:sldLayoutId id="2147483661" r:id="rId1"/>
+    <p:sldLayoutId id="2147483662" r:id="rId2"/>
+    <p:sldLayoutId id="2147483663" r:id="rId3"/>
+    <p:sldLayoutId id="2147483664" r:id="rId4"/>
+    <p:sldLayoutId id="2147483665" r:id="rId5"/>
+    <p:sldLayoutId id="2147483666" r:id="rId6"/>
+    <p:sldLayoutId id="2147483667" r:id="rId7"/>
+    <p:sldLayoutId id="2147483668" r:id="rId8"/>
+    <p:sldLayoutId id="2147483669" r:id="rId9"/>
+    <p:sldLayoutId id="2147483670" r:id="rId10"/>
+    <p:sldLayoutId id="2147483671" r:id="rId11"/>
+    <p:sldLayoutId id="2147483672" r:id="rId12"/>
+    <p:sldLayoutId id="2147483673" r:id="rId13"/>
+    <p:sldLayoutId id="2147483674" r:id="rId14"/>
+    <p:sldLayoutId id="2147483675" r:id="rId15"/>
+    <p:sldLayoutId id="2147483676" r:id="rId16"/>
+    <p:sldLayoutId id="2147483677" r:id="rId17"/>
   </p:sldLayoutIdLst>
   <p:txStyles>
     <p:titleStyle>
-      <a:lvl1pPr algn="l" defTabSz="914400" rtl="0" eaLnBrk="1" latinLnBrk="0" hangingPunct="1">
-        <a:lnSpc>
-          <a:spcPct val="90000"/>
-        </a:lnSpc>
+      <a:lvl1pPr algn="l" defTabSz="457200" rtl="0" eaLnBrk="1" latinLnBrk="0" hangingPunct="1">
         <a:spcBef>
           <a:spcPct val="0"/>
         </a:spcBef>
         <a:buNone/>
-        <a:defRPr sz="4400" kern="1200">
+        <a:defRPr sz="4200" b="0" i="0" kern="1200">
+          <a:solidFill>
+            <a:schemeClr val="tx2"/>
+          </a:solidFill>
+          <a:latin typeface="+mj-lt"/>
+          <a:ea typeface="+mj-ea"/>
+          <a:cs typeface="+mj-cs"/>
+        </a:defRPr>
+      </a:lvl1pPr>
+      <a:lvl2pPr eaLnBrk="1" hangingPunct="1">
+        <a:defRPr>
+          <a:solidFill>
+            <a:schemeClr val="tx2"/>
+          </a:solidFill>
+        </a:defRPr>
+      </a:lvl2pPr>
+      <a:lvl3pPr eaLnBrk="1" hangingPunct="1">
+        <a:defRPr>
+          <a:solidFill>
+            <a:schemeClr val="tx2"/>
+          </a:solidFill>
+        </a:defRPr>
+      </a:lvl3pPr>
+      <a:lvl4pPr eaLnBrk="1" hangingPunct="1">
+        <a:defRPr>
+          <a:solidFill>
+            <a:schemeClr val="tx2"/>
+          </a:solidFill>
+        </a:defRPr>
+      </a:lvl4pPr>
+      <a:lvl5pPr eaLnBrk="1" hangingPunct="1">
+        <a:defRPr>
+          <a:solidFill>
+            <a:schemeClr val="tx2"/>
+          </a:solidFill>
+        </a:defRPr>
+      </a:lvl5pPr>
+      <a:lvl6pPr eaLnBrk="1" hangingPunct="1">
+        <a:defRPr>
+          <a:solidFill>
+            <a:schemeClr val="tx2"/>
+          </a:solidFill>
+        </a:defRPr>
+      </a:lvl6pPr>
+      <a:lvl7pPr eaLnBrk="1" hangingPunct="1">
+        <a:defRPr>
+          <a:solidFill>
+            <a:schemeClr val="tx2"/>
+          </a:solidFill>
+        </a:defRPr>
+      </a:lvl7pPr>
+      <a:lvl8pPr eaLnBrk="1" hangingPunct="1">
+        <a:defRPr>
+          <a:solidFill>
+            <a:schemeClr val="tx2"/>
+          </a:solidFill>
+        </a:defRPr>
+      </a:lvl8pPr>
+      <a:lvl9pPr eaLnBrk="1" hangingPunct="1">
+        <a:defRPr>
+          <a:solidFill>
+            <a:schemeClr val="tx2"/>
+          </a:solidFill>
+        </a:defRPr>
+      </a:lvl9pPr>
+    </p:titleStyle>
+    <p:bodyStyle>
+      <a:lvl1pPr marL="342900" indent="-342900" algn="l" defTabSz="457200" rtl="0" eaLnBrk="1" latinLnBrk="0" hangingPunct="1">
+        <a:spcBef>
+          <a:spcPts val="1000"/>
+        </a:spcBef>
+        <a:spcAft>
+          <a:spcPts val="0"/>
+        </a:spcAft>
+        <a:buClr>
+          <a:schemeClr val="bg2">
+            <a:lumMod val="40000"/>
+            <a:lumOff val="60000"/>
+          </a:schemeClr>
+        </a:buClr>
+        <a:buSzPct val="80000"/>
+        <a:buFont typeface="Wingdings 3" charset="2"/>
+        <a:buChar char=""/>
+        <a:defRPr sz="2000" b="0" i="0" kern="1200">
           <a:solidFill>
             <a:schemeClr val="tx1"/>
           </a:solidFill>
@@ -2692,18 +5781,213 @@
           <a:cs typeface="+mj-cs"/>
         </a:defRPr>
       </a:lvl1pPr>
-    </p:titleStyle>
-    <p:bodyStyle>
-      <a:lvl1pPr marL="228600" indent="-228600" algn="l" defTabSz="914400" rtl="0" eaLnBrk="1" latinLnBrk="0" hangingPunct="1">
-        <a:lnSpc>
-          <a:spcPct val="90000"/>
-        </a:lnSpc>
+      <a:lvl2pPr marL="742950" indent="-285750" algn="l" defTabSz="457200" rtl="0" eaLnBrk="1" latinLnBrk="0" hangingPunct="1">
         <a:spcBef>
           <a:spcPts val="1000"/>
         </a:spcBef>
-        <a:buFont typeface="Arial" panose="020B0604020202020204" pitchFamily="34" charset="0"/>
-        <a:buChar char="•"/>
-        <a:defRPr sz="2800" kern="1200">
+        <a:spcAft>
+          <a:spcPts val="0"/>
+        </a:spcAft>
+        <a:buClr>
+          <a:schemeClr val="bg2">
+            <a:lumMod val="40000"/>
+            <a:lumOff val="60000"/>
+          </a:schemeClr>
+        </a:buClr>
+        <a:buSzPct val="80000"/>
+        <a:buFont typeface="Wingdings 3" charset="2"/>
+        <a:buChar char=""/>
+        <a:defRPr sz="1800" b="0" i="0" kern="1200">
+          <a:solidFill>
+            <a:schemeClr val="tx1"/>
+          </a:solidFill>
+          <a:latin typeface="+mj-lt"/>
+          <a:ea typeface="+mj-ea"/>
+          <a:cs typeface="+mj-cs"/>
+        </a:defRPr>
+      </a:lvl2pPr>
+      <a:lvl3pPr marL="1143000" indent="-228600" algn="l" defTabSz="457200" rtl="0" eaLnBrk="1" latinLnBrk="0" hangingPunct="1">
+        <a:spcBef>
+          <a:spcPts val="1000"/>
+        </a:spcBef>
+        <a:spcAft>
+          <a:spcPts val="0"/>
+        </a:spcAft>
+        <a:buClr>
+          <a:schemeClr val="bg2">
+            <a:lumMod val="40000"/>
+            <a:lumOff val="60000"/>
+          </a:schemeClr>
+        </a:buClr>
+        <a:buSzPct val="80000"/>
+        <a:buFont typeface="Wingdings 3" charset="2"/>
+        <a:buChar char=""/>
+        <a:defRPr sz="1600" b="0" i="0" kern="1200">
+          <a:solidFill>
+            <a:schemeClr val="tx1"/>
+          </a:solidFill>
+          <a:latin typeface="+mj-lt"/>
+          <a:ea typeface="+mj-ea"/>
+          <a:cs typeface="+mj-cs"/>
+        </a:defRPr>
+      </a:lvl3pPr>
+      <a:lvl4pPr marL="1600200" indent="-228600" algn="l" defTabSz="457200" rtl="0" eaLnBrk="1" latinLnBrk="0" hangingPunct="1">
+        <a:spcBef>
+          <a:spcPts val="1000"/>
+        </a:spcBef>
+        <a:spcAft>
+          <a:spcPts val="0"/>
+        </a:spcAft>
+        <a:buClr>
+          <a:schemeClr val="bg2">
+            <a:lumMod val="40000"/>
+            <a:lumOff val="60000"/>
+          </a:schemeClr>
+        </a:buClr>
+        <a:buSzPct val="80000"/>
+        <a:buFont typeface="Wingdings 3" charset="2"/>
+        <a:buChar char=""/>
+        <a:defRPr sz="1400" b="0" i="0" kern="1200">
+          <a:solidFill>
+            <a:schemeClr val="tx1"/>
+          </a:solidFill>
+          <a:latin typeface="+mj-lt"/>
+          <a:ea typeface="+mj-ea"/>
+          <a:cs typeface="+mj-cs"/>
+        </a:defRPr>
+      </a:lvl4pPr>
+      <a:lvl5pPr marL="2057400" indent="-228600" algn="l" defTabSz="457200" rtl="0" eaLnBrk="1" latinLnBrk="0" hangingPunct="1">
+        <a:spcBef>
+          <a:spcPts val="1000"/>
+        </a:spcBef>
+        <a:spcAft>
+          <a:spcPts val="0"/>
+        </a:spcAft>
+        <a:buClr>
+          <a:schemeClr val="bg2">
+            <a:lumMod val="40000"/>
+            <a:lumOff val="60000"/>
+          </a:schemeClr>
+        </a:buClr>
+        <a:buSzPct val="80000"/>
+        <a:buFont typeface="Wingdings 3" charset="2"/>
+        <a:buChar char=""/>
+        <a:defRPr sz="1400" b="0" i="0" kern="1200">
+          <a:solidFill>
+            <a:schemeClr val="tx1"/>
+          </a:solidFill>
+          <a:latin typeface="+mj-lt"/>
+          <a:ea typeface="+mj-ea"/>
+          <a:cs typeface="+mj-cs"/>
+        </a:defRPr>
+      </a:lvl5pPr>
+      <a:lvl6pPr marL="2506000" indent="-228600" algn="l" defTabSz="457200" rtl="0" eaLnBrk="1" latinLnBrk="0" hangingPunct="1">
+        <a:spcBef>
+          <a:spcPts val="1000"/>
+        </a:spcBef>
+        <a:spcAft>
+          <a:spcPts val="0"/>
+        </a:spcAft>
+        <a:buClr>
+          <a:schemeClr val="bg2">
+            <a:lumMod val="40000"/>
+            <a:lumOff val="60000"/>
+          </a:schemeClr>
+        </a:buClr>
+        <a:buSzPct val="80000"/>
+        <a:buFont typeface="Wingdings 3" charset="2"/>
+        <a:buChar char=""/>
+        <a:defRPr sz="1400" b="0" i="0" kern="1200">
+          <a:solidFill>
+            <a:schemeClr val="tx1"/>
+          </a:solidFill>
+          <a:latin typeface="+mj-lt"/>
+          <a:ea typeface="+mj-ea"/>
+          <a:cs typeface="+mj-cs"/>
+        </a:defRPr>
+      </a:lvl6pPr>
+      <a:lvl7pPr marL="2971800" indent="-228600" algn="l" defTabSz="457200" rtl="0" eaLnBrk="1" latinLnBrk="0" hangingPunct="1">
+        <a:spcBef>
+          <a:spcPts val="1000"/>
+        </a:spcBef>
+        <a:spcAft>
+          <a:spcPts val="0"/>
+        </a:spcAft>
+        <a:buClr>
+          <a:schemeClr val="bg2">
+            <a:lumMod val="40000"/>
+            <a:lumOff val="60000"/>
+          </a:schemeClr>
+        </a:buClr>
+        <a:buSzPct val="80000"/>
+        <a:buFont typeface="Wingdings 3" charset="2"/>
+        <a:buChar char=""/>
+        <a:defRPr sz="1400" b="0" i="0" kern="1200">
+          <a:solidFill>
+            <a:schemeClr val="tx1"/>
+          </a:solidFill>
+          <a:latin typeface="+mj-lt"/>
+          <a:ea typeface="+mj-ea"/>
+          <a:cs typeface="+mj-cs"/>
+        </a:defRPr>
+      </a:lvl7pPr>
+      <a:lvl8pPr marL="3429000" indent="-228600" algn="l" defTabSz="457200" rtl="0" eaLnBrk="1" latinLnBrk="0" hangingPunct="1">
+        <a:spcBef>
+          <a:spcPts val="1000"/>
+        </a:spcBef>
+        <a:spcAft>
+          <a:spcPts val="0"/>
+        </a:spcAft>
+        <a:buClr>
+          <a:schemeClr val="bg2">
+            <a:lumMod val="40000"/>
+            <a:lumOff val="60000"/>
+          </a:schemeClr>
+        </a:buClr>
+        <a:buSzPct val="80000"/>
+        <a:buFont typeface="Wingdings 3" charset="2"/>
+        <a:buChar char=""/>
+        <a:defRPr sz="1400" b="0" i="0" kern="1200">
+          <a:solidFill>
+            <a:schemeClr val="tx1"/>
+          </a:solidFill>
+          <a:latin typeface="+mj-lt"/>
+          <a:ea typeface="+mj-ea"/>
+          <a:cs typeface="+mj-cs"/>
+        </a:defRPr>
+      </a:lvl8pPr>
+      <a:lvl9pPr marL="3886200" indent="-228600" algn="l" defTabSz="457200" rtl="0" eaLnBrk="1" latinLnBrk="0" hangingPunct="1">
+        <a:spcBef>
+          <a:spcPts val="1000"/>
+        </a:spcBef>
+        <a:spcAft>
+          <a:spcPts val="0"/>
+        </a:spcAft>
+        <a:buClr>
+          <a:schemeClr val="bg2">
+            <a:lumMod val="40000"/>
+            <a:lumOff val="60000"/>
+          </a:schemeClr>
+        </a:buClr>
+        <a:buSzPct val="80000"/>
+        <a:buFont typeface="Wingdings 3" charset="2"/>
+        <a:buChar char=""/>
+        <a:defRPr sz="1400" b="0" i="0" kern="1200">
+          <a:solidFill>
+            <a:schemeClr val="tx1"/>
+          </a:solidFill>
+          <a:latin typeface="+mj-lt"/>
+          <a:ea typeface="+mj-ea"/>
+          <a:cs typeface="+mj-cs"/>
+        </a:defRPr>
+      </a:lvl9pPr>
+    </p:bodyStyle>
+    <p:otherStyle>
+      <a:defPPr>
+        <a:defRPr lang="en-US"/>
+      </a:defPPr>
+      <a:lvl1pPr marL="0" algn="l" defTabSz="457200" rtl="0" eaLnBrk="1" latinLnBrk="0" hangingPunct="1">
+        <a:defRPr sz="1800" kern="1200">
           <a:solidFill>
             <a:schemeClr val="tx1"/>
           </a:solidFill>
@@ -2712,16 +5996,8 @@
           <a:cs typeface="+mn-cs"/>
         </a:defRPr>
       </a:lvl1pPr>
-      <a:lvl2pPr marL="685800" indent="-228600" algn="l" defTabSz="914400" rtl="0" eaLnBrk="1" latinLnBrk="0" hangingPunct="1">
-        <a:lnSpc>
-          <a:spcPct val="90000"/>
-        </a:lnSpc>
-        <a:spcBef>
-          <a:spcPts val="500"/>
-        </a:spcBef>
-        <a:buFont typeface="Arial" panose="020B0604020202020204" pitchFamily="34" charset="0"/>
-        <a:buChar char="•"/>
-        <a:defRPr sz="2400" kern="1200">
+      <a:lvl2pPr marL="457200" algn="l" defTabSz="457200" rtl="0" eaLnBrk="1" latinLnBrk="0" hangingPunct="1">
+        <a:defRPr sz="1800" kern="1200">
           <a:solidFill>
             <a:schemeClr val="tx1"/>
           </a:solidFill>
@@ -2730,16 +6006,8 @@
           <a:cs typeface="+mn-cs"/>
         </a:defRPr>
       </a:lvl2pPr>
-      <a:lvl3pPr marL="1143000" indent="-228600" algn="l" defTabSz="914400" rtl="0" eaLnBrk="1" latinLnBrk="0" hangingPunct="1">
-        <a:lnSpc>
-          <a:spcPct val="90000"/>
-        </a:lnSpc>
-        <a:spcBef>
-          <a:spcPts val="500"/>
-        </a:spcBef>
-        <a:buFont typeface="Arial" panose="020B0604020202020204" pitchFamily="34" charset="0"/>
-        <a:buChar char="•"/>
-        <a:defRPr sz="2000" kern="1200">
+      <a:lvl3pPr marL="914400" algn="l" defTabSz="457200" rtl="0" eaLnBrk="1" latinLnBrk="0" hangingPunct="1">
+        <a:defRPr sz="1800" kern="1200">
           <a:solidFill>
             <a:schemeClr val="tx1"/>
           </a:solidFill>
@@ -2748,15 +6016,7 @@
           <a:cs typeface="+mn-cs"/>
         </a:defRPr>
       </a:lvl3pPr>
-      <a:lvl4pPr marL="1600200" indent="-228600" algn="l" defTabSz="914400" rtl="0" eaLnBrk="1" latinLnBrk="0" hangingPunct="1">
-        <a:lnSpc>
-          <a:spcPct val="90000"/>
-        </a:lnSpc>
-        <a:spcBef>
-          <a:spcPts val="500"/>
-        </a:spcBef>
-        <a:buFont typeface="Arial" panose="020B0604020202020204" pitchFamily="34" charset="0"/>
-        <a:buChar char="•"/>
+      <a:lvl4pPr marL="1371600" algn="l" defTabSz="457200" rtl="0" eaLnBrk="1" latinLnBrk="0" hangingPunct="1">
         <a:defRPr sz="1800" kern="1200">
           <a:solidFill>
             <a:schemeClr val="tx1"/>
@@ -2766,15 +6026,7 @@
           <a:cs typeface="+mn-cs"/>
         </a:defRPr>
       </a:lvl4pPr>
-      <a:lvl5pPr marL="2057400" indent="-228600" algn="l" defTabSz="914400" rtl="0" eaLnBrk="1" latinLnBrk="0" hangingPunct="1">
-        <a:lnSpc>
-          <a:spcPct val="90000"/>
-        </a:lnSpc>
-        <a:spcBef>
-          <a:spcPts val="500"/>
-        </a:spcBef>
-        <a:buFont typeface="Arial" panose="020B0604020202020204" pitchFamily="34" charset="0"/>
-        <a:buChar char="•"/>
+      <a:lvl5pPr marL="1828800" algn="l" defTabSz="457200" rtl="0" eaLnBrk="1" latinLnBrk="0" hangingPunct="1">
         <a:defRPr sz="1800" kern="1200">
           <a:solidFill>
             <a:schemeClr val="tx1"/>
@@ -2784,15 +6036,7 @@
           <a:cs typeface="+mn-cs"/>
         </a:defRPr>
       </a:lvl5pPr>
-      <a:lvl6pPr marL="2514600" indent="-228600" algn="l" defTabSz="914400" rtl="0" eaLnBrk="1" latinLnBrk="0" hangingPunct="1">
-        <a:lnSpc>
-          <a:spcPct val="90000"/>
-        </a:lnSpc>
-        <a:spcBef>
-          <a:spcPts val="500"/>
-        </a:spcBef>
-        <a:buFont typeface="Arial" panose="020B0604020202020204" pitchFamily="34" charset="0"/>
-        <a:buChar char="•"/>
+      <a:lvl6pPr marL="2286000" algn="l" defTabSz="457200" rtl="0" eaLnBrk="1" latinLnBrk="0" hangingPunct="1">
         <a:defRPr sz="1800" kern="1200">
           <a:solidFill>
             <a:schemeClr val="tx1"/>
@@ -2802,15 +6046,7 @@
           <a:cs typeface="+mn-cs"/>
         </a:defRPr>
       </a:lvl6pPr>
-      <a:lvl7pPr marL="2971800" indent="-228600" algn="l" defTabSz="914400" rtl="0" eaLnBrk="1" latinLnBrk="0" hangingPunct="1">
-        <a:lnSpc>
-          <a:spcPct val="90000"/>
-        </a:lnSpc>
-        <a:spcBef>
-          <a:spcPts val="500"/>
-        </a:spcBef>
-        <a:buFont typeface="Arial" panose="020B0604020202020204" pitchFamily="34" charset="0"/>
-        <a:buChar char="•"/>
+      <a:lvl7pPr marL="2743200" algn="l" defTabSz="457200" rtl="0" eaLnBrk="1" latinLnBrk="0" hangingPunct="1">
         <a:defRPr sz="1800" kern="1200">
           <a:solidFill>
             <a:schemeClr val="tx1"/>
@@ -2820,15 +6056,7 @@
           <a:cs typeface="+mn-cs"/>
         </a:defRPr>
       </a:lvl7pPr>
-      <a:lvl8pPr marL="3429000" indent="-228600" algn="l" defTabSz="914400" rtl="0" eaLnBrk="1" latinLnBrk="0" hangingPunct="1">
-        <a:lnSpc>
-          <a:spcPct val="90000"/>
-        </a:lnSpc>
-        <a:spcBef>
-          <a:spcPts val="500"/>
-        </a:spcBef>
-        <a:buFont typeface="Arial" panose="020B0604020202020204" pitchFamily="34" charset="0"/>
-        <a:buChar char="•"/>
+      <a:lvl8pPr marL="3200400" algn="l" defTabSz="457200" rtl="0" eaLnBrk="1" latinLnBrk="0" hangingPunct="1">
         <a:defRPr sz="1800" kern="1200">
           <a:solidFill>
             <a:schemeClr val="tx1"/>
@@ -2838,110 +6066,7 @@
           <a:cs typeface="+mn-cs"/>
         </a:defRPr>
       </a:lvl8pPr>
-      <a:lvl9pPr marL="3886200" indent="-228600" algn="l" defTabSz="914400" rtl="0" eaLnBrk="1" latinLnBrk="0" hangingPunct="1">
-        <a:lnSpc>
-          <a:spcPct val="90000"/>
-        </a:lnSpc>
-        <a:spcBef>
-          <a:spcPts val="500"/>
-        </a:spcBef>
-        <a:buFont typeface="Arial" panose="020B0604020202020204" pitchFamily="34" charset="0"/>
-        <a:buChar char="•"/>
-        <a:defRPr sz="1800" kern="1200">
-          <a:solidFill>
-            <a:schemeClr val="tx1"/>
-          </a:solidFill>
-          <a:latin typeface="+mn-lt"/>
-          <a:ea typeface="+mn-ea"/>
-          <a:cs typeface="+mn-cs"/>
-        </a:defRPr>
-      </a:lvl9pPr>
-    </p:bodyStyle>
-    <p:otherStyle>
-      <a:defPPr>
-        <a:defRPr lang="zh-CN"/>
-      </a:defPPr>
-      <a:lvl1pPr marL="0" algn="l" defTabSz="914400" rtl="0" eaLnBrk="1" latinLnBrk="0" hangingPunct="1">
-        <a:defRPr sz="1800" kern="1200">
-          <a:solidFill>
-            <a:schemeClr val="tx1"/>
-          </a:solidFill>
-          <a:latin typeface="+mn-lt"/>
-          <a:ea typeface="+mn-ea"/>
-          <a:cs typeface="+mn-cs"/>
-        </a:defRPr>
-      </a:lvl1pPr>
-      <a:lvl2pPr marL="457200" algn="l" defTabSz="914400" rtl="0" eaLnBrk="1" latinLnBrk="0" hangingPunct="1">
-        <a:defRPr sz="1800" kern="1200">
-          <a:solidFill>
-            <a:schemeClr val="tx1"/>
-          </a:solidFill>
-          <a:latin typeface="+mn-lt"/>
-          <a:ea typeface="+mn-ea"/>
-          <a:cs typeface="+mn-cs"/>
-        </a:defRPr>
-      </a:lvl2pPr>
-      <a:lvl3pPr marL="914400" algn="l" defTabSz="914400" rtl="0" eaLnBrk="1" latinLnBrk="0" hangingPunct="1">
-        <a:defRPr sz="1800" kern="1200">
-          <a:solidFill>
-            <a:schemeClr val="tx1"/>
-          </a:solidFill>
-          <a:latin typeface="+mn-lt"/>
-          <a:ea typeface="+mn-ea"/>
-          <a:cs typeface="+mn-cs"/>
-        </a:defRPr>
-      </a:lvl3pPr>
-      <a:lvl4pPr marL="1371600" algn="l" defTabSz="914400" rtl="0" eaLnBrk="1" latinLnBrk="0" hangingPunct="1">
-        <a:defRPr sz="1800" kern="1200">
-          <a:solidFill>
-            <a:schemeClr val="tx1"/>
-          </a:solidFill>
-          <a:latin typeface="+mn-lt"/>
-          <a:ea typeface="+mn-ea"/>
-          <a:cs typeface="+mn-cs"/>
-        </a:defRPr>
-      </a:lvl4pPr>
-      <a:lvl5pPr marL="1828800" algn="l" defTabSz="914400" rtl="0" eaLnBrk="1" latinLnBrk="0" hangingPunct="1">
-        <a:defRPr sz="1800" kern="1200">
-          <a:solidFill>
-            <a:schemeClr val="tx1"/>
-          </a:solidFill>
-          <a:latin typeface="+mn-lt"/>
-          <a:ea typeface="+mn-ea"/>
-          <a:cs typeface="+mn-cs"/>
-        </a:defRPr>
-      </a:lvl5pPr>
-      <a:lvl6pPr marL="2286000" algn="l" defTabSz="914400" rtl="0" eaLnBrk="1" latinLnBrk="0" hangingPunct="1">
-        <a:defRPr sz="1800" kern="1200">
-          <a:solidFill>
-            <a:schemeClr val="tx1"/>
-          </a:solidFill>
-          <a:latin typeface="+mn-lt"/>
-          <a:ea typeface="+mn-ea"/>
-          <a:cs typeface="+mn-cs"/>
-        </a:defRPr>
-      </a:lvl6pPr>
-      <a:lvl7pPr marL="2743200" algn="l" defTabSz="914400" rtl="0" eaLnBrk="1" latinLnBrk="0" hangingPunct="1">
-        <a:defRPr sz="1800" kern="1200">
-          <a:solidFill>
-            <a:schemeClr val="tx1"/>
-          </a:solidFill>
-          <a:latin typeface="+mn-lt"/>
-          <a:ea typeface="+mn-ea"/>
-          <a:cs typeface="+mn-cs"/>
-        </a:defRPr>
-      </a:lvl7pPr>
-      <a:lvl8pPr marL="3200400" algn="l" defTabSz="914400" rtl="0" eaLnBrk="1" latinLnBrk="0" hangingPunct="1">
-        <a:defRPr sz="1800" kern="1200">
-          <a:solidFill>
-            <a:schemeClr val="tx1"/>
-          </a:solidFill>
-          <a:latin typeface="+mn-lt"/>
-          <a:ea typeface="+mn-ea"/>
-          <a:cs typeface="+mn-cs"/>
-        </a:defRPr>
-      </a:lvl8pPr>
-      <a:lvl9pPr marL="3657600" algn="l" defTabSz="914400" rtl="0" eaLnBrk="1" latinLnBrk="0" hangingPunct="1">
+      <a:lvl9pPr marL="3657600" algn="l" defTabSz="457200" rtl="0" eaLnBrk="1" latinLnBrk="0" hangingPunct="1">
         <a:defRPr sz="1800" kern="1200">
           <a:solidFill>
             <a:schemeClr val="tx1"/>
@@ -2983,7 +6108,12 @@
             <p:ph type="ctrTitle"/>
           </p:nvPr>
         </p:nvSpPr>
-        <p:spPr/>
+        <p:spPr>
+          <a:xfrm>
+            <a:off x="1154955" y="1447800"/>
+            <a:ext cx="6981512" cy="3329581"/>
+          </a:xfrm>
+        </p:spPr>
         <p:txBody>
           <a:bodyPr>
             <a:normAutofit fontScale="90000"/>
@@ -3003,18 +6133,15 @@
             </a:r>
             <a:r>
               <a:rPr lang="en-US" altLang="zh-CN" b="1" dirty="0"/>
-              <a:t>A HMM Based on Daily Rate </a:t>
-            </a:r>
-            <a:r>
-              <a:rPr lang="en-US" altLang="zh-CN" dirty="0"/>
-              <a:t/>
-            </a:r>
-            <a:br>
-              <a:rPr lang="en-US" altLang="zh-CN" dirty="0"/>
-            </a:br>
+              <a:t>A HMM Based on </a:t>
+            </a:r>
+            <a:r>
+              <a:rPr lang="en-US" altLang="zh-CN" b="1" dirty="0" smtClean="0"/>
+              <a:t>Daily </a:t>
+            </a:r>
             <a:r>
               <a:rPr lang="en-US" altLang="zh-CN" b="1" dirty="0"/>
-              <a:t>of Return for </a:t>
+              <a:t>Return for </a:t>
             </a:r>
             <a:r>
               <a:rPr lang="en-US" altLang="zh-CN" b="1" dirty="0" smtClean="0"/>
@@ -3147,21 +6274,12 @@
           <a:bodyPr/>
           <a:lstStyle/>
           <a:p>
+            <a:pPr marL="0" indent="0">
+              <a:buNone/>
+            </a:pPr>
             <a:r>
               <a:rPr lang="en-US" altLang="zh-CN" dirty="0" smtClean="0"/>
-              <a:t>Here I </a:t>
-            </a:r>
-            <a:r>
-              <a:rPr lang="en-US" altLang="zh-CN" dirty="0" smtClean="0"/>
-              <a:t>test</a:t>
-            </a:r>
-            <a:r>
-              <a:rPr lang="en-US" altLang="zh-CN" dirty="0" smtClean="0"/>
-              <a:t> 10 </a:t>
-            </a:r>
-            <a:r>
-              <a:rPr lang="en-US" altLang="zh-CN" dirty="0" smtClean="0"/>
-              <a:t>indicators in largest retracement, return to retracement and success rate.</a:t>
+              <a:t>Here I test 10 indicators in largest retracement, return to retracement and success rate.</a:t>
             </a:r>
             <a:endParaRPr lang="zh-CN" altLang="en-US" dirty="0"/>
           </a:p>
@@ -3176,7 +6294,7 @@
           <p:nvPr>
             <p:extLst>
               <p:ext uri="{D42A27DB-BD31-4B8C-83A1-F6EECF244321}">
-                <p14:modId xmlns:p14="http://schemas.microsoft.com/office/powerpoint/2010/main" val="3628928950"/>
+                <p14:modId xmlns:p14="http://schemas.microsoft.com/office/powerpoint/2010/main" val="973958444"/>
               </p:ext>
             </p:extLst>
           </p:nvPr>
@@ -3284,7 +6402,26 @@
                       <a:endParaRPr lang="zh-CN" altLang="en-US" sz="1800" dirty="0"/>
                     </a:p>
                   </a:txBody>
-                  <a:tcPr anchor="ctr"/>
+                  <a:tcPr anchor="ctr">
+                    <a:lnL w="12700" cap="flat" cmpd="sng" algn="ctr">
+                      <a:solidFill>
+                        <a:schemeClr val="tx1"/>
+                      </a:solidFill>
+                      <a:prstDash val="solid"/>
+                      <a:round/>
+                      <a:headEnd type="none" w="med" len="med"/>
+                      <a:tailEnd type="none" w="med" len="med"/>
+                    </a:lnL>
+                    <a:lnT w="12700" cap="flat" cmpd="sng" algn="ctr">
+                      <a:solidFill>
+                        <a:schemeClr val="tx1"/>
+                      </a:solidFill>
+                      <a:prstDash val="solid"/>
+                      <a:round/>
+                      <a:headEnd type="none" w="med" len="med"/>
+                      <a:tailEnd type="none" w="med" len="med"/>
+                    </a:lnT>
+                  </a:tcPr>
                 </a:tc>
                 <a:tc>
                   <a:txBody>
@@ -3299,7 +6436,17 @@
                       <a:endParaRPr lang="zh-CN" altLang="en-US" sz="1800" dirty="0"/>
                     </a:p>
                   </a:txBody>
-                  <a:tcPr anchor="ctr"/>
+                  <a:tcPr anchor="ctr">
+                    <a:lnT w="12700" cap="flat" cmpd="sng" algn="ctr">
+                      <a:solidFill>
+                        <a:schemeClr val="tx1"/>
+                      </a:solidFill>
+                      <a:prstDash val="solid"/>
+                      <a:round/>
+                      <a:headEnd type="none" w="med" len="med"/>
+                      <a:tailEnd type="none" w="med" len="med"/>
+                    </a:lnT>
+                  </a:tcPr>
                 </a:tc>
                 <a:tc>
                   <a:txBody>
@@ -3314,7 +6461,17 @@
                       <a:endParaRPr lang="zh-CN" altLang="en-US" sz="1800" dirty="0"/>
                     </a:p>
                   </a:txBody>
-                  <a:tcPr anchor="ctr"/>
+                  <a:tcPr anchor="ctr">
+                    <a:lnT w="12700" cap="flat" cmpd="sng" algn="ctr">
+                      <a:solidFill>
+                        <a:schemeClr val="tx1"/>
+                      </a:solidFill>
+                      <a:prstDash val="solid"/>
+                      <a:round/>
+                      <a:headEnd type="none" w="med" len="med"/>
+                      <a:tailEnd type="none" w="med" len="med"/>
+                    </a:lnT>
+                  </a:tcPr>
                 </a:tc>
                 <a:tc>
                   <a:txBody>
@@ -3329,7 +6486,17 @@
                       <a:endParaRPr lang="zh-CN" altLang="en-US" sz="1800" dirty="0"/>
                     </a:p>
                   </a:txBody>
-                  <a:tcPr anchor="ctr"/>
+                  <a:tcPr anchor="ctr">
+                    <a:lnT w="12700" cap="flat" cmpd="sng" algn="ctr">
+                      <a:solidFill>
+                        <a:schemeClr val="tx1"/>
+                      </a:solidFill>
+                      <a:prstDash val="solid"/>
+                      <a:round/>
+                      <a:headEnd type="none" w="med" len="med"/>
+                      <a:tailEnd type="none" w="med" len="med"/>
+                    </a:lnT>
+                  </a:tcPr>
                 </a:tc>
                 <a:tc>
                   <a:txBody>
@@ -3344,7 +6511,17 @@
                       <a:endParaRPr lang="zh-CN" altLang="en-US" sz="1800" dirty="0"/>
                     </a:p>
                   </a:txBody>
-                  <a:tcPr anchor="ctr"/>
+                  <a:tcPr anchor="ctr">
+                    <a:lnT w="12700" cap="flat" cmpd="sng" algn="ctr">
+                      <a:solidFill>
+                        <a:schemeClr val="tx1"/>
+                      </a:solidFill>
+                      <a:prstDash val="solid"/>
+                      <a:round/>
+                      <a:headEnd type="none" w="med" len="med"/>
+                      <a:tailEnd type="none" w="med" len="med"/>
+                    </a:lnT>
+                  </a:tcPr>
                 </a:tc>
                 <a:tc>
                   <a:txBody>
@@ -3359,7 +6536,17 @@
                       <a:endParaRPr lang="zh-CN" altLang="en-US" sz="1800" dirty="0"/>
                     </a:p>
                   </a:txBody>
-                  <a:tcPr anchor="ctr"/>
+                  <a:tcPr anchor="ctr">
+                    <a:lnT w="12700" cap="flat" cmpd="sng" algn="ctr">
+                      <a:solidFill>
+                        <a:schemeClr val="tx1"/>
+                      </a:solidFill>
+                      <a:prstDash val="solid"/>
+                      <a:round/>
+                      <a:headEnd type="none" w="med" len="med"/>
+                      <a:tailEnd type="none" w="med" len="med"/>
+                    </a:lnT>
+                  </a:tcPr>
                 </a:tc>
                 <a:tc>
                   <a:txBody>
@@ -3374,7 +6561,17 @@
                       <a:endParaRPr lang="zh-CN" altLang="en-US" sz="1800" dirty="0"/>
                     </a:p>
                   </a:txBody>
-                  <a:tcPr anchor="ctr"/>
+                  <a:tcPr anchor="ctr">
+                    <a:lnT w="12700" cap="flat" cmpd="sng" algn="ctr">
+                      <a:solidFill>
+                        <a:schemeClr val="tx1"/>
+                      </a:solidFill>
+                      <a:prstDash val="solid"/>
+                      <a:round/>
+                      <a:headEnd type="none" w="med" len="med"/>
+                      <a:tailEnd type="none" w="med" len="med"/>
+                    </a:lnT>
+                  </a:tcPr>
                 </a:tc>
                 <a:tc>
                   <a:txBody>
@@ -3389,7 +6586,17 @@
                       <a:endParaRPr lang="zh-CN" altLang="en-US" sz="1800" dirty="0"/>
                     </a:p>
                   </a:txBody>
-                  <a:tcPr anchor="ctr"/>
+                  <a:tcPr anchor="ctr">
+                    <a:lnT w="12700" cap="flat" cmpd="sng" algn="ctr">
+                      <a:solidFill>
+                        <a:schemeClr val="tx1"/>
+                      </a:solidFill>
+                      <a:prstDash val="solid"/>
+                      <a:round/>
+                      <a:headEnd type="none" w="med" len="med"/>
+                      <a:tailEnd type="none" w="med" len="med"/>
+                    </a:lnT>
+                  </a:tcPr>
                 </a:tc>
                 <a:tc>
                   <a:txBody>
@@ -3404,7 +6611,17 @@
                       <a:endParaRPr lang="zh-CN" altLang="en-US" sz="1800" dirty="0"/>
                     </a:p>
                   </a:txBody>
-                  <a:tcPr anchor="ctr"/>
+                  <a:tcPr anchor="ctr">
+                    <a:lnT w="12700" cap="flat" cmpd="sng" algn="ctr">
+                      <a:solidFill>
+                        <a:schemeClr val="tx1"/>
+                      </a:solidFill>
+                      <a:prstDash val="solid"/>
+                      <a:round/>
+                      <a:headEnd type="none" w="med" len="med"/>
+                      <a:tailEnd type="none" w="med" len="med"/>
+                    </a:lnT>
+                  </a:tcPr>
                 </a:tc>
                 <a:tc>
                   <a:txBody>
@@ -3419,7 +6636,17 @@
                       <a:endParaRPr lang="zh-CN" altLang="en-US" sz="1800" dirty="0"/>
                     </a:p>
                   </a:txBody>
-                  <a:tcPr anchor="ctr"/>
+                  <a:tcPr anchor="ctr">
+                    <a:lnT w="12700" cap="flat" cmpd="sng" algn="ctr">
+                      <a:solidFill>
+                        <a:schemeClr val="tx1"/>
+                      </a:solidFill>
+                      <a:prstDash val="solid"/>
+                      <a:round/>
+                      <a:headEnd type="none" w="med" len="med"/>
+                      <a:tailEnd type="none" w="med" len="med"/>
+                    </a:lnT>
+                  </a:tcPr>
                 </a:tc>
                 <a:tc>
                   <a:txBody>
@@ -3434,7 +6661,26 @@
                       <a:endParaRPr lang="zh-CN" altLang="en-US" sz="1800" dirty="0"/>
                     </a:p>
                   </a:txBody>
-                  <a:tcPr anchor="ctr"/>
+                  <a:tcPr anchor="ctr">
+                    <a:lnR w="12700" cap="flat" cmpd="sng" algn="ctr">
+                      <a:solidFill>
+                        <a:schemeClr val="tx1"/>
+                      </a:solidFill>
+                      <a:prstDash val="solid"/>
+                      <a:round/>
+                      <a:headEnd type="none" w="med" len="med"/>
+                      <a:tailEnd type="none" w="med" len="med"/>
+                    </a:lnR>
+                    <a:lnT w="12700" cap="flat" cmpd="sng" algn="ctr">
+                      <a:solidFill>
+                        <a:schemeClr val="tx1"/>
+                      </a:solidFill>
+                      <a:prstDash val="solid"/>
+                      <a:round/>
+                      <a:headEnd type="none" w="med" len="med"/>
+                      <a:tailEnd type="none" w="med" len="med"/>
+                    </a:lnT>
+                  </a:tcPr>
                 </a:tc>
                 <a:extLst>
                   <a:ext uri="{0D108BD9-81ED-4DB2-BD59-A6C34878D82A}">
@@ -3460,7 +6706,17 @@
                       <a:endParaRPr lang="zh-CN" altLang="en-US" sz="1600" dirty="0"/>
                     </a:p>
                   </a:txBody>
-                  <a:tcPr anchor="ctr"/>
+                  <a:tcPr anchor="ctr">
+                    <a:lnL w="12700" cap="flat" cmpd="sng" algn="ctr">
+                      <a:solidFill>
+                        <a:schemeClr val="tx1"/>
+                      </a:solidFill>
+                      <a:prstDash val="solid"/>
+                      <a:round/>
+                      <a:headEnd type="none" w="med" len="med"/>
+                      <a:tailEnd type="none" w="med" len="med"/>
+                    </a:lnL>
+                  </a:tcPr>
                 </a:tc>
                 <a:tc>
                   <a:txBody>
@@ -3609,7 +6865,17 @@
                       <a:endParaRPr lang="zh-CN" altLang="en-US" dirty="0"/>
                     </a:p>
                   </a:txBody>
-                  <a:tcPr anchor="ctr"/>
+                  <a:tcPr anchor="ctr">
+                    <a:lnR w="12700" cap="flat" cmpd="sng" algn="ctr">
+                      <a:solidFill>
+                        <a:schemeClr val="tx1"/>
+                      </a:solidFill>
+                      <a:prstDash val="solid"/>
+                      <a:round/>
+                      <a:headEnd type="none" w="med" len="med"/>
+                      <a:tailEnd type="none" w="med" len="med"/>
+                    </a:lnR>
+                  </a:tcPr>
                 </a:tc>
                 <a:extLst>
                   <a:ext uri="{0D108BD9-81ED-4DB2-BD59-A6C34878D82A}">
@@ -3635,7 +6901,17 @@
                       <a:endParaRPr lang="zh-CN" altLang="en-US" sz="1600" dirty="0"/>
                     </a:p>
                   </a:txBody>
-                  <a:tcPr anchor="ctr"/>
+                  <a:tcPr anchor="ctr">
+                    <a:lnL w="12700" cap="flat" cmpd="sng" algn="ctr">
+                      <a:solidFill>
+                        <a:schemeClr val="tx1"/>
+                      </a:solidFill>
+                      <a:prstDash val="solid"/>
+                      <a:round/>
+                      <a:headEnd type="none" w="med" len="med"/>
+                      <a:tailEnd type="none" w="med" len="med"/>
+                    </a:lnL>
+                  </a:tcPr>
                 </a:tc>
                 <a:tc>
                   <a:txBody>
@@ -3785,7 +7061,17 @@
                       <a:endParaRPr lang="zh-CN" altLang="en-US" dirty="0"/>
                     </a:p>
                   </a:txBody>
-                  <a:tcPr anchor="ctr"/>
+                  <a:tcPr anchor="ctr">
+                    <a:lnR w="12700" cap="flat" cmpd="sng" algn="ctr">
+                      <a:solidFill>
+                        <a:schemeClr val="tx1"/>
+                      </a:solidFill>
+                      <a:prstDash val="solid"/>
+                      <a:round/>
+                      <a:headEnd type="none" w="med" len="med"/>
+                      <a:tailEnd type="none" w="med" len="med"/>
+                    </a:lnR>
+                  </a:tcPr>
                 </a:tc>
                 <a:extLst>
                   <a:ext uri="{0D108BD9-81ED-4DB2-BD59-A6C34878D82A}">
@@ -3811,7 +7097,26 @@
                       <a:endParaRPr lang="zh-CN" altLang="en-US" sz="1400" dirty="0"/>
                     </a:p>
                   </a:txBody>
-                  <a:tcPr anchor="ctr"/>
+                  <a:tcPr anchor="ctr">
+                    <a:lnL w="12700" cap="flat" cmpd="sng" algn="ctr">
+                      <a:solidFill>
+                        <a:schemeClr val="tx1"/>
+                      </a:solidFill>
+                      <a:prstDash val="solid"/>
+                      <a:round/>
+                      <a:headEnd type="none" w="med" len="med"/>
+                      <a:tailEnd type="none" w="med" len="med"/>
+                    </a:lnL>
+                    <a:lnB w="12700" cap="flat" cmpd="sng" algn="ctr">
+                      <a:solidFill>
+                        <a:schemeClr val="tx1"/>
+                      </a:solidFill>
+                      <a:prstDash val="solid"/>
+                      <a:round/>
+                      <a:headEnd type="none" w="med" len="med"/>
+                      <a:tailEnd type="none" w="med" len="med"/>
+                    </a:lnB>
+                  </a:tcPr>
                 </a:tc>
                 <a:tc>
                   <a:txBody>
@@ -3826,7 +7131,17 @@
                       <a:endParaRPr lang="zh-CN" altLang="en-US" dirty="0"/>
                     </a:p>
                   </a:txBody>
-                  <a:tcPr anchor="ctr"/>
+                  <a:tcPr anchor="ctr">
+                    <a:lnB w="12700" cap="flat" cmpd="sng" algn="ctr">
+                      <a:solidFill>
+                        <a:schemeClr val="tx1"/>
+                      </a:solidFill>
+                      <a:prstDash val="solid"/>
+                      <a:round/>
+                      <a:headEnd type="none" w="med" len="med"/>
+                      <a:tailEnd type="none" w="med" len="med"/>
+                    </a:lnB>
+                  </a:tcPr>
                 </a:tc>
                 <a:tc>
                   <a:txBody>
@@ -3841,7 +7156,17 @@
                       <a:endParaRPr lang="zh-CN" altLang="en-US" dirty="0"/>
                     </a:p>
                   </a:txBody>
-                  <a:tcPr anchor="ctr"/>
+                  <a:tcPr anchor="ctr">
+                    <a:lnB w="12700" cap="flat" cmpd="sng" algn="ctr">
+                      <a:solidFill>
+                        <a:schemeClr val="tx1"/>
+                      </a:solidFill>
+                      <a:prstDash val="solid"/>
+                      <a:round/>
+                      <a:headEnd type="none" w="med" len="med"/>
+                      <a:tailEnd type="none" w="med" len="med"/>
+                    </a:lnB>
+                  </a:tcPr>
                 </a:tc>
                 <a:tc>
                   <a:txBody>
@@ -3856,7 +7181,17 @@
                       <a:endParaRPr lang="zh-CN" altLang="en-US" dirty="0"/>
                     </a:p>
                   </a:txBody>
-                  <a:tcPr anchor="ctr"/>
+                  <a:tcPr anchor="ctr">
+                    <a:lnB w="12700" cap="flat" cmpd="sng" algn="ctr">
+                      <a:solidFill>
+                        <a:schemeClr val="tx1"/>
+                      </a:solidFill>
+                      <a:prstDash val="solid"/>
+                      <a:round/>
+                      <a:headEnd type="none" w="med" len="med"/>
+                      <a:tailEnd type="none" w="med" len="med"/>
+                    </a:lnB>
+                  </a:tcPr>
                 </a:tc>
                 <a:tc>
                   <a:txBody>
@@ -3871,7 +7206,17 @@
                       <a:endParaRPr lang="zh-CN" altLang="en-US" dirty="0"/>
                     </a:p>
                   </a:txBody>
-                  <a:tcPr anchor="ctr"/>
+                  <a:tcPr anchor="ctr">
+                    <a:lnB w="12700" cap="flat" cmpd="sng" algn="ctr">
+                      <a:solidFill>
+                        <a:schemeClr val="tx1"/>
+                      </a:solidFill>
+                      <a:prstDash val="solid"/>
+                      <a:round/>
+                      <a:headEnd type="none" w="med" len="med"/>
+                      <a:tailEnd type="none" w="med" len="med"/>
+                    </a:lnB>
+                  </a:tcPr>
                 </a:tc>
                 <a:tc>
                   <a:txBody>
@@ -3886,7 +7231,17 @@
                       <a:endParaRPr lang="zh-CN" altLang="en-US" dirty="0"/>
                     </a:p>
                   </a:txBody>
-                  <a:tcPr anchor="ctr"/>
+                  <a:tcPr anchor="ctr">
+                    <a:lnB w="12700" cap="flat" cmpd="sng" algn="ctr">
+                      <a:solidFill>
+                        <a:schemeClr val="tx1"/>
+                      </a:solidFill>
+                      <a:prstDash val="solid"/>
+                      <a:round/>
+                      <a:headEnd type="none" w="med" len="med"/>
+                      <a:tailEnd type="none" w="med" len="med"/>
+                    </a:lnB>
+                  </a:tcPr>
                 </a:tc>
                 <a:tc>
                   <a:txBody>
@@ -3901,7 +7256,17 @@
                       <a:endParaRPr lang="zh-CN" altLang="en-US" dirty="0"/>
                     </a:p>
                   </a:txBody>
-                  <a:tcPr anchor="ctr"/>
+                  <a:tcPr anchor="ctr">
+                    <a:lnB w="12700" cap="flat" cmpd="sng" algn="ctr">
+                      <a:solidFill>
+                        <a:schemeClr val="tx1"/>
+                      </a:solidFill>
+                      <a:prstDash val="solid"/>
+                      <a:round/>
+                      <a:headEnd type="none" w="med" len="med"/>
+                      <a:tailEnd type="none" w="med" len="med"/>
+                    </a:lnB>
+                  </a:tcPr>
                 </a:tc>
                 <a:tc>
                   <a:txBody>
@@ -3916,7 +7281,17 @@
                       <a:endParaRPr lang="zh-CN" altLang="en-US" dirty="0"/>
                     </a:p>
                   </a:txBody>
-                  <a:tcPr anchor="ctr"/>
+                  <a:tcPr anchor="ctr">
+                    <a:lnB w="12700" cap="flat" cmpd="sng" algn="ctr">
+                      <a:solidFill>
+                        <a:schemeClr val="tx1"/>
+                      </a:solidFill>
+                      <a:prstDash val="solid"/>
+                      <a:round/>
+                      <a:headEnd type="none" w="med" len="med"/>
+                      <a:tailEnd type="none" w="med" len="med"/>
+                    </a:lnB>
+                  </a:tcPr>
                 </a:tc>
                 <a:tc>
                   <a:txBody>
@@ -3931,7 +7306,17 @@
                       <a:endParaRPr lang="zh-CN" altLang="en-US" dirty="0"/>
                     </a:p>
                   </a:txBody>
-                  <a:tcPr anchor="ctr"/>
+                  <a:tcPr anchor="ctr">
+                    <a:lnB w="12700" cap="flat" cmpd="sng" algn="ctr">
+                      <a:solidFill>
+                        <a:schemeClr val="tx1"/>
+                      </a:solidFill>
+                      <a:prstDash val="solid"/>
+                      <a:round/>
+                      <a:headEnd type="none" w="med" len="med"/>
+                      <a:tailEnd type="none" w="med" len="med"/>
+                    </a:lnB>
+                  </a:tcPr>
                 </a:tc>
                 <a:tc>
                   <a:txBody>
@@ -3946,7 +7331,17 @@
                       <a:endParaRPr lang="zh-CN" altLang="en-US" dirty="0"/>
                     </a:p>
                   </a:txBody>
-                  <a:tcPr anchor="ctr"/>
+                  <a:tcPr anchor="ctr">
+                    <a:lnB w="12700" cap="flat" cmpd="sng" algn="ctr">
+                      <a:solidFill>
+                        <a:schemeClr val="tx1"/>
+                      </a:solidFill>
+                      <a:prstDash val="solid"/>
+                      <a:round/>
+                      <a:headEnd type="none" w="med" len="med"/>
+                      <a:tailEnd type="none" w="med" len="med"/>
+                    </a:lnB>
+                  </a:tcPr>
                 </a:tc>
                 <a:tc>
                   <a:txBody>
@@ -3961,7 +7356,26 @@
                       <a:endParaRPr lang="zh-CN" altLang="en-US" dirty="0"/>
                     </a:p>
                   </a:txBody>
-                  <a:tcPr anchor="ctr"/>
+                  <a:tcPr anchor="ctr">
+                    <a:lnR w="12700" cap="flat" cmpd="sng" algn="ctr">
+                      <a:solidFill>
+                        <a:schemeClr val="tx1"/>
+                      </a:solidFill>
+                      <a:prstDash val="solid"/>
+                      <a:round/>
+                      <a:headEnd type="none" w="med" len="med"/>
+                      <a:tailEnd type="none" w="med" len="med"/>
+                    </a:lnR>
+                    <a:lnB w="12700" cap="flat" cmpd="sng" algn="ctr">
+                      <a:solidFill>
+                        <a:schemeClr val="tx1"/>
+                      </a:solidFill>
+                      <a:prstDash val="solid"/>
+                      <a:round/>
+                      <a:headEnd type="none" w="med" len="med"/>
+                      <a:tailEnd type="none" w="med" len="med"/>
+                    </a:lnB>
+                  </a:tcPr>
                 </a:tc>
                 <a:extLst>
                   <a:ext uri="{0D108BD9-81ED-4DB2-BD59-A6C34878D82A}">
@@ -4055,30 +7469,55 @@
             </a:r>
           </a:p>
           <a:p>
+            <a:pPr>
+              <a:lnSpc>
+                <a:spcPts val="1300"/>
+              </a:lnSpc>
+            </a:pPr>
             <a:r>
               <a:rPr lang="en-US" altLang="zh-CN" sz="1600" dirty="0" smtClean="0"/>
               <a:t>Return in test period: 533%</a:t>
             </a:r>
           </a:p>
           <a:p>
+            <a:pPr>
+              <a:lnSpc>
+                <a:spcPts val="1300"/>
+              </a:lnSpc>
+            </a:pPr>
             <a:r>
               <a:rPr lang="en-US" altLang="zh-CN" sz="1600" dirty="0" smtClean="0"/>
               <a:t>Annualized return: 41%</a:t>
             </a:r>
           </a:p>
           <a:p>
+            <a:pPr>
+              <a:lnSpc>
+                <a:spcPts val="1300"/>
+              </a:lnSpc>
+            </a:pPr>
             <a:r>
               <a:rPr lang="en-US" altLang="zh-CN" sz="1600" dirty="0" smtClean="0"/>
               <a:t>Largest retracement: 19%</a:t>
             </a:r>
           </a:p>
           <a:p>
+            <a:pPr>
+              <a:lnSpc>
+                <a:spcPts val="1300"/>
+              </a:lnSpc>
+            </a:pPr>
             <a:r>
               <a:rPr lang="en-US" altLang="zh-CN" sz="1600" dirty="0" smtClean="0"/>
               <a:t>Return to retracement: 28</a:t>
             </a:r>
           </a:p>
           <a:p>
+            <a:pPr>
+              <a:lnSpc>
+                <a:spcPts val="1300"/>
+              </a:lnSpc>
+            </a:pPr>
             <a:r>
               <a:rPr lang="en-US" altLang="zh-CN" sz="1600" dirty="0" smtClean="0"/>
               <a:t>Success rate: 52.4%</a:t>
@@ -4105,8 +7544,8 @@
         </p:blipFill>
         <p:spPr>
           <a:xfrm>
-            <a:off x="6333067" y="3007275"/>
-            <a:ext cx="5462088" cy="3493703"/>
+            <a:off x="6273801" y="2794001"/>
+            <a:ext cx="5795524" cy="3706978"/>
           </a:xfrm>
           <a:prstGeom prst="rect">
             <a:avLst/>
@@ -4129,8 +7568,8 @@
         </p:blipFill>
         <p:spPr>
           <a:xfrm>
-            <a:off x="537504" y="3007275"/>
-            <a:ext cx="5558496" cy="3493703"/>
+            <a:off x="198183" y="2794001"/>
+            <a:ext cx="5897817" cy="3706978"/>
           </a:xfrm>
           <a:prstGeom prst="rect">
             <a:avLst/>
@@ -4191,7 +7630,7 @@
           <a:p>
             <a:r>
               <a:rPr lang="en-US" altLang="zh-CN" dirty="0" smtClean="0"/>
-              <a:t>Other thinking</a:t>
+              <a:t>A tradeoff</a:t>
             </a:r>
             <a:endParaRPr lang="zh-CN" altLang="en-US" dirty="0"/>
           </a:p>
@@ -4217,20 +7656,13 @@
           <a:bodyPr/>
           <a:lstStyle/>
           <a:p>
-            <a:r>
-              <a:rPr lang="en-US" altLang="zh-CN" sz="2400" dirty="0" smtClean="0"/>
-              <a:t>In factor screening part, I find the result of logreturn5 is obviously better than </a:t>
-            </a:r>
-            <a:r>
-              <a:rPr lang="en-US" altLang="zh-CN" sz="2400" dirty="0" err="1" smtClean="0"/>
-              <a:t>logreturn</a:t>
-            </a:r>
-            <a:r>
-              <a:rPr lang="en-US" altLang="zh-CN" sz="2400" dirty="0" smtClean="0"/>
-              <a:t>. Is it means that hmm is more accurate in long period. I did another test on 1 day(1), 1 week(5), half a month(10), 1 month(20), three month(60).</a:t>
-            </a:r>
-          </a:p>
-          <a:p>
+            <a:pPr marL="0" indent="0">
+              <a:buNone/>
+            </a:pPr>
+            <a:r>
+              <a:rPr lang="en-US" altLang="zh-CN" dirty="0" smtClean="0"/>
+              <a:t>Number of latent variables vs. running time</a:t>
+            </a:r>
             <a:endParaRPr lang="zh-CN" altLang="en-US" dirty="0"/>
           </a:p>
         </p:txBody>
@@ -4244,7 +7676,1013 @@
           <p:nvPr>
             <p:extLst>
               <p:ext uri="{D42A27DB-BD31-4B8C-83A1-F6EECF244321}">
-                <p14:modId xmlns:p14="http://schemas.microsoft.com/office/powerpoint/2010/main" val="1178526483"/>
+                <p14:modId xmlns:p14="http://schemas.microsoft.com/office/powerpoint/2010/main" val="1233573852"/>
+              </p:ext>
+            </p:extLst>
+          </p:nvPr>
+        </p:nvGraphicFramePr>
+        <p:xfrm>
+          <a:off x="1703189" y="2084774"/>
+          <a:ext cx="8449733" cy="4632350"/>
+        </p:xfrm>
+        <a:graphic>
+          <a:graphicData uri="http://schemas.openxmlformats.org/drawingml/2006/table">
+            <a:tbl>
+              <a:tblPr firstRow="1" bandRow="1">
+                <a:tableStyleId>{C083E6E3-FA7D-4D7B-A595-EF9225AFEA82}</a:tableStyleId>
+              </a:tblPr>
+              <a:tblGrid>
+                <a:gridCol w="2006913">
+                  <a:extLst>
+                    <a:ext uri="{9D8B030D-6E8A-4147-A177-3AD203B41FA5}">
+                      <a16:colId xmlns:a16="http://schemas.microsoft.com/office/drawing/2014/main" val="3054886698"/>
+                    </a:ext>
+                  </a:extLst>
+                </a:gridCol>
+                <a:gridCol w="1288564">
+                  <a:extLst>
+                    <a:ext uri="{9D8B030D-6E8A-4147-A177-3AD203B41FA5}">
+                      <a16:colId xmlns:a16="http://schemas.microsoft.com/office/drawing/2014/main" val="2084096316"/>
+                    </a:ext>
+                  </a:extLst>
+                </a:gridCol>
+                <a:gridCol w="1288564">
+                  <a:extLst>
+                    <a:ext uri="{9D8B030D-6E8A-4147-A177-3AD203B41FA5}">
+                      <a16:colId xmlns:a16="http://schemas.microsoft.com/office/drawing/2014/main" val="1599916171"/>
+                    </a:ext>
+                  </a:extLst>
+                </a:gridCol>
+                <a:gridCol w="1288564">
+                  <a:extLst>
+                    <a:ext uri="{9D8B030D-6E8A-4147-A177-3AD203B41FA5}">
+                      <a16:colId xmlns:a16="http://schemas.microsoft.com/office/drawing/2014/main" val="4133436822"/>
+                    </a:ext>
+                  </a:extLst>
+                </a:gridCol>
+                <a:gridCol w="1288564">
+                  <a:extLst>
+                    <a:ext uri="{9D8B030D-6E8A-4147-A177-3AD203B41FA5}">
+                      <a16:colId xmlns:a16="http://schemas.microsoft.com/office/drawing/2014/main" val="1974053235"/>
+                    </a:ext>
+                  </a:extLst>
+                </a:gridCol>
+                <a:gridCol w="1288564">
+                  <a:extLst>
+                    <a:ext uri="{9D8B030D-6E8A-4147-A177-3AD203B41FA5}">
+                      <a16:colId xmlns:a16="http://schemas.microsoft.com/office/drawing/2014/main" val="177444869"/>
+                    </a:ext>
+                  </a:extLst>
+                </a:gridCol>
+              </a:tblGrid>
+              <a:tr h="624007">
+                <a:tc>
+                  <a:txBody>
+                    <a:bodyPr/>
+                    <a:lstStyle/>
+                    <a:p>
+                      <a:pPr algn="ctr"/>
+                      <a:r>
+                        <a:rPr lang="en-US" altLang="zh-CN" sz="1800" dirty="0" smtClean="0"/>
+                        <a:t>Number</a:t>
+                      </a:r>
+                      <a:r>
+                        <a:rPr lang="en-US" altLang="zh-CN" sz="1800" baseline="0" dirty="0" smtClean="0"/>
+                        <a:t> of latent variables</a:t>
+                      </a:r>
+                      <a:endParaRPr lang="zh-CN" altLang="en-US" sz="1800" dirty="0"/>
+                    </a:p>
+                  </a:txBody>
+                  <a:tcPr anchor="ctr">
+                    <a:lnL w="12700" cap="flat" cmpd="sng" algn="ctr">
+                      <a:solidFill>
+                        <a:schemeClr val="tx1"/>
+                      </a:solidFill>
+                      <a:prstDash val="solid"/>
+                      <a:round/>
+                      <a:headEnd type="none" w="med" len="med"/>
+                      <a:tailEnd type="none" w="med" len="med"/>
+                    </a:lnL>
+                    <a:lnT w="12700" cap="flat" cmpd="sng" algn="ctr">
+                      <a:solidFill>
+                        <a:schemeClr val="tx1"/>
+                      </a:solidFill>
+                      <a:prstDash val="solid"/>
+                      <a:round/>
+                      <a:headEnd type="none" w="med" len="med"/>
+                      <a:tailEnd type="none" w="med" len="med"/>
+                    </a:lnT>
+                  </a:tcPr>
+                </a:tc>
+                <a:tc>
+                  <a:txBody>
+                    <a:bodyPr/>
+                    <a:lstStyle/>
+                    <a:p>
+                      <a:pPr algn="ctr"/>
+                      <a:r>
+                        <a:rPr lang="en-US" altLang="zh-CN" sz="1800" dirty="0" smtClean="0"/>
+                        <a:t>6</a:t>
+                      </a:r>
+                      <a:endParaRPr lang="zh-CN" altLang="en-US" sz="1800" dirty="0"/>
+                    </a:p>
+                  </a:txBody>
+                  <a:tcPr anchor="ctr">
+                    <a:lnT w="12700" cap="flat" cmpd="sng" algn="ctr">
+                      <a:solidFill>
+                        <a:schemeClr val="tx1"/>
+                      </a:solidFill>
+                      <a:prstDash val="solid"/>
+                      <a:round/>
+                      <a:headEnd type="none" w="med" len="med"/>
+                      <a:tailEnd type="none" w="med" len="med"/>
+                    </a:lnT>
+                  </a:tcPr>
+                </a:tc>
+                <a:tc>
+                  <a:txBody>
+                    <a:bodyPr/>
+                    <a:lstStyle/>
+                    <a:p>
+                      <a:pPr algn="ctr"/>
+                      <a:r>
+                        <a:rPr lang="en-US" altLang="zh-CN" sz="1800" dirty="0" smtClean="0"/>
+                        <a:t>9</a:t>
+                      </a:r>
+                      <a:endParaRPr lang="zh-CN" altLang="en-US" sz="1800" dirty="0"/>
+                    </a:p>
+                  </a:txBody>
+                  <a:tcPr anchor="ctr">
+                    <a:lnT w="12700" cap="flat" cmpd="sng" algn="ctr">
+                      <a:solidFill>
+                        <a:schemeClr val="tx1"/>
+                      </a:solidFill>
+                      <a:prstDash val="solid"/>
+                      <a:round/>
+                      <a:headEnd type="none" w="med" len="med"/>
+                      <a:tailEnd type="none" w="med" len="med"/>
+                    </a:lnT>
+                  </a:tcPr>
+                </a:tc>
+                <a:tc>
+                  <a:txBody>
+                    <a:bodyPr/>
+                    <a:lstStyle/>
+                    <a:p>
+                      <a:pPr algn="ctr"/>
+                      <a:r>
+                        <a:rPr lang="en-US" altLang="zh-CN" sz="1800" dirty="0" smtClean="0"/>
+                        <a:t>12</a:t>
+                      </a:r>
+                      <a:endParaRPr lang="zh-CN" altLang="en-US" sz="1800" dirty="0"/>
+                    </a:p>
+                  </a:txBody>
+                  <a:tcPr anchor="ctr">
+                    <a:lnT w="12700" cap="flat" cmpd="sng" algn="ctr">
+                      <a:solidFill>
+                        <a:schemeClr val="tx1"/>
+                      </a:solidFill>
+                      <a:prstDash val="solid"/>
+                      <a:round/>
+                      <a:headEnd type="none" w="med" len="med"/>
+                      <a:tailEnd type="none" w="med" len="med"/>
+                    </a:lnT>
+                  </a:tcPr>
+                </a:tc>
+                <a:tc>
+                  <a:txBody>
+                    <a:bodyPr/>
+                    <a:lstStyle/>
+                    <a:p>
+                      <a:pPr algn="ctr"/>
+                      <a:r>
+                        <a:rPr lang="en-US" altLang="zh-CN" sz="1800" dirty="0" smtClean="0"/>
+                        <a:t>15</a:t>
+                      </a:r>
+                      <a:endParaRPr lang="zh-CN" altLang="en-US" sz="1800" dirty="0"/>
+                    </a:p>
+                  </a:txBody>
+                  <a:tcPr anchor="ctr">
+                    <a:lnT w="12700" cap="flat" cmpd="sng" algn="ctr">
+                      <a:solidFill>
+                        <a:schemeClr val="tx1"/>
+                      </a:solidFill>
+                      <a:prstDash val="solid"/>
+                      <a:round/>
+                      <a:headEnd type="none" w="med" len="med"/>
+                      <a:tailEnd type="none" w="med" len="med"/>
+                    </a:lnT>
+                  </a:tcPr>
+                </a:tc>
+                <a:tc>
+                  <a:txBody>
+                    <a:bodyPr/>
+                    <a:lstStyle/>
+                    <a:p>
+                      <a:pPr algn="ctr"/>
+                      <a:r>
+                        <a:rPr lang="en-US" altLang="zh-CN" sz="1800" dirty="0" smtClean="0"/>
+                        <a:t>18</a:t>
+                      </a:r>
+                      <a:endParaRPr lang="zh-CN" altLang="en-US" sz="1800" dirty="0"/>
+                    </a:p>
+                  </a:txBody>
+                  <a:tcPr anchor="ctr">
+                    <a:lnR w="12700" cap="flat" cmpd="sng" algn="ctr">
+                      <a:solidFill>
+                        <a:schemeClr val="tx1"/>
+                      </a:solidFill>
+                      <a:prstDash val="solid"/>
+                      <a:round/>
+                      <a:headEnd type="none" w="med" len="med"/>
+                      <a:tailEnd type="none" w="med" len="med"/>
+                    </a:lnR>
+                    <a:lnT w="12700" cap="flat" cmpd="sng" algn="ctr">
+                      <a:solidFill>
+                        <a:schemeClr val="tx1"/>
+                      </a:solidFill>
+                      <a:prstDash val="solid"/>
+                      <a:round/>
+                      <a:headEnd type="none" w="med" len="med"/>
+                      <a:tailEnd type="none" w="med" len="med"/>
+                    </a:lnT>
+                  </a:tcPr>
+                </a:tc>
+                <a:extLst>
+                  <a:ext uri="{0D108BD9-81ED-4DB2-BD59-A6C34878D82A}">
+                    <a16:rowId xmlns:a16="http://schemas.microsoft.com/office/drawing/2014/main" val="1301890384"/>
+                  </a:ext>
+                </a:extLst>
+              </a:tr>
+              <a:tr h="798454">
+                <a:tc>
+                  <a:txBody>
+                    <a:bodyPr/>
+                    <a:lstStyle/>
+                    <a:p>
+                      <a:pPr algn="ctr"/>
+                      <a:r>
+                        <a:rPr lang="en-US" altLang="zh-CN" sz="1400" dirty="0" smtClean="0"/>
+                        <a:t>annualized return</a:t>
+                      </a:r>
+                      <a:endParaRPr lang="zh-CN" altLang="en-US" sz="1400" dirty="0"/>
+                    </a:p>
+                  </a:txBody>
+                  <a:tcPr anchor="ctr">
+                    <a:lnL w="12700" cap="flat" cmpd="sng" algn="ctr">
+                      <a:solidFill>
+                        <a:schemeClr val="tx1"/>
+                      </a:solidFill>
+                      <a:prstDash val="solid"/>
+                      <a:round/>
+                      <a:headEnd type="none" w="med" len="med"/>
+                      <a:tailEnd type="none" w="med" len="med"/>
+                    </a:lnL>
+                  </a:tcPr>
+                </a:tc>
+                <a:tc>
+                  <a:txBody>
+                    <a:bodyPr/>
+                    <a:lstStyle/>
+                    <a:p>
+                      <a:pPr algn="ctr"/>
+                      <a:r>
+                        <a:rPr lang="en-US" altLang="zh-CN" dirty="0" smtClean="0"/>
+                        <a:t>41.0%</a:t>
+                      </a:r>
+                      <a:endParaRPr lang="zh-CN" altLang="en-US" dirty="0"/>
+                    </a:p>
+                  </a:txBody>
+                  <a:tcPr anchor="ctr"/>
+                </a:tc>
+                <a:tc>
+                  <a:txBody>
+                    <a:bodyPr/>
+                    <a:lstStyle/>
+                    <a:p>
+                      <a:pPr algn="ctr"/>
+                      <a:r>
+                        <a:rPr lang="en-US" altLang="zh-CN" dirty="0" smtClean="0"/>
+                        <a:t>38.5%</a:t>
+                      </a:r>
+                      <a:endParaRPr lang="zh-CN" altLang="en-US" dirty="0"/>
+                    </a:p>
+                  </a:txBody>
+                  <a:tcPr anchor="ctr"/>
+                </a:tc>
+                <a:tc>
+                  <a:txBody>
+                    <a:bodyPr/>
+                    <a:lstStyle/>
+                    <a:p>
+                      <a:pPr algn="ctr"/>
+                      <a:r>
+                        <a:rPr lang="en-US" altLang="zh-CN" dirty="0" smtClean="0"/>
+                        <a:t>46.4%</a:t>
+                      </a:r>
+                      <a:endParaRPr lang="zh-CN" altLang="en-US" dirty="0"/>
+                    </a:p>
+                  </a:txBody>
+                  <a:tcPr anchor="ctr"/>
+                </a:tc>
+                <a:tc>
+                  <a:txBody>
+                    <a:bodyPr/>
+                    <a:lstStyle/>
+                    <a:p>
+                      <a:pPr algn="ctr"/>
+                      <a:r>
+                        <a:rPr lang="en-US" altLang="zh-CN" dirty="0" smtClean="0"/>
+                        <a:t>55.6%</a:t>
+                      </a:r>
+                      <a:endParaRPr lang="zh-CN" altLang="en-US" dirty="0"/>
+                    </a:p>
+                  </a:txBody>
+                  <a:tcPr anchor="ctr"/>
+                </a:tc>
+                <a:tc>
+                  <a:txBody>
+                    <a:bodyPr/>
+                    <a:lstStyle/>
+                    <a:p>
+                      <a:pPr algn="ctr"/>
+                      <a:r>
+                        <a:rPr lang="en-US" altLang="zh-CN" dirty="0" smtClean="0"/>
+                        <a:t>57.8%</a:t>
+                      </a:r>
+                      <a:endParaRPr lang="zh-CN" altLang="en-US" dirty="0"/>
+                    </a:p>
+                  </a:txBody>
+                  <a:tcPr anchor="ctr">
+                    <a:lnR w="12700" cap="flat" cmpd="sng" algn="ctr">
+                      <a:solidFill>
+                        <a:schemeClr val="tx1"/>
+                      </a:solidFill>
+                      <a:prstDash val="solid"/>
+                      <a:round/>
+                      <a:headEnd type="none" w="med" len="med"/>
+                      <a:tailEnd type="none" w="med" len="med"/>
+                    </a:lnR>
+                  </a:tcPr>
+                </a:tc>
+                <a:extLst>
+                  <a:ext uri="{0D108BD9-81ED-4DB2-BD59-A6C34878D82A}">
+                    <a16:rowId xmlns:a16="http://schemas.microsoft.com/office/drawing/2014/main" val="956257814"/>
+                  </a:ext>
+                </a:extLst>
+              </a:tr>
+              <a:tr h="798454">
+                <a:tc>
+                  <a:txBody>
+                    <a:bodyPr/>
+                    <a:lstStyle/>
+                    <a:p>
+                      <a:pPr algn="ctr"/>
+                      <a:r>
+                        <a:rPr lang="en-US" altLang="zh-CN" sz="1600" dirty="0" smtClean="0"/>
+                        <a:t>Largest</a:t>
+                      </a:r>
+                      <a:r>
+                        <a:rPr lang="en-US" altLang="zh-CN" sz="1600" baseline="0" dirty="0" smtClean="0"/>
+                        <a:t> retracement</a:t>
+                      </a:r>
+                      <a:endParaRPr lang="zh-CN" altLang="en-US" sz="1600" dirty="0"/>
+                    </a:p>
+                  </a:txBody>
+                  <a:tcPr anchor="ctr">
+                    <a:lnL w="12700" cap="flat" cmpd="sng" algn="ctr">
+                      <a:solidFill>
+                        <a:schemeClr val="tx1"/>
+                      </a:solidFill>
+                      <a:prstDash val="solid"/>
+                      <a:round/>
+                      <a:headEnd type="none" w="med" len="med"/>
+                      <a:tailEnd type="none" w="med" len="med"/>
+                    </a:lnL>
+                  </a:tcPr>
+                </a:tc>
+                <a:tc>
+                  <a:txBody>
+                    <a:bodyPr/>
+                    <a:lstStyle/>
+                    <a:p>
+                      <a:pPr algn="ctr"/>
+                      <a:r>
+                        <a:rPr lang="en-US" altLang="zh-CN" dirty="0" smtClean="0"/>
+                        <a:t>19%</a:t>
+                      </a:r>
+                      <a:endParaRPr lang="zh-CN" altLang="en-US" dirty="0"/>
+                    </a:p>
+                  </a:txBody>
+                  <a:tcPr anchor="ctr"/>
+                </a:tc>
+                <a:tc>
+                  <a:txBody>
+                    <a:bodyPr/>
+                    <a:lstStyle/>
+                    <a:p>
+                      <a:pPr algn="ctr"/>
+                      <a:r>
+                        <a:rPr lang="en-US" altLang="zh-CN" dirty="0" smtClean="0"/>
+                        <a:t>19.8%</a:t>
+                      </a:r>
+                      <a:endParaRPr lang="zh-CN" altLang="en-US" dirty="0"/>
+                    </a:p>
+                  </a:txBody>
+                  <a:tcPr anchor="ctr"/>
+                </a:tc>
+                <a:tc>
+                  <a:txBody>
+                    <a:bodyPr/>
+                    <a:lstStyle/>
+                    <a:p>
+                      <a:pPr algn="ctr"/>
+                      <a:r>
+                        <a:rPr lang="en-US" altLang="zh-CN" dirty="0" smtClean="0"/>
+                        <a:t>13.6%</a:t>
+                      </a:r>
+                      <a:endParaRPr lang="zh-CN" altLang="en-US" dirty="0"/>
+                    </a:p>
+                  </a:txBody>
+                  <a:tcPr anchor="ctr"/>
+                </a:tc>
+                <a:tc>
+                  <a:txBody>
+                    <a:bodyPr/>
+                    <a:lstStyle/>
+                    <a:p>
+                      <a:pPr algn="ctr"/>
+                      <a:r>
+                        <a:rPr lang="en-US" altLang="zh-CN" dirty="0" smtClean="0"/>
+                        <a:t>18.1%</a:t>
+                      </a:r>
+                    </a:p>
+                  </a:txBody>
+                  <a:tcPr anchor="ctr"/>
+                </a:tc>
+                <a:tc>
+                  <a:txBody>
+                    <a:bodyPr/>
+                    <a:lstStyle/>
+                    <a:p>
+                      <a:pPr algn="ctr"/>
+                      <a:r>
+                        <a:rPr lang="en-US" altLang="zh-CN" dirty="0" smtClean="0"/>
+                        <a:t>12.4%</a:t>
+                      </a:r>
+                      <a:endParaRPr lang="zh-CN" altLang="en-US" dirty="0"/>
+                    </a:p>
+                  </a:txBody>
+                  <a:tcPr anchor="ctr">
+                    <a:lnR w="12700" cap="flat" cmpd="sng" algn="ctr">
+                      <a:solidFill>
+                        <a:schemeClr val="tx1"/>
+                      </a:solidFill>
+                      <a:prstDash val="solid"/>
+                      <a:round/>
+                      <a:headEnd type="none" w="med" len="med"/>
+                      <a:tailEnd type="none" w="med" len="med"/>
+                    </a:lnR>
+                  </a:tcPr>
+                </a:tc>
+                <a:extLst>
+                  <a:ext uri="{0D108BD9-81ED-4DB2-BD59-A6C34878D82A}">
+                    <a16:rowId xmlns:a16="http://schemas.microsoft.com/office/drawing/2014/main" val="1547535822"/>
+                  </a:ext>
+                </a:extLst>
+              </a:tr>
+              <a:tr h="798454">
+                <a:tc>
+                  <a:txBody>
+                    <a:bodyPr/>
+                    <a:lstStyle/>
+                    <a:p>
+                      <a:pPr algn="ctr"/>
+                      <a:r>
+                        <a:rPr lang="en-US" altLang="zh-CN" sz="1600" dirty="0" smtClean="0"/>
+                        <a:t>Return to</a:t>
+                      </a:r>
+                      <a:r>
+                        <a:rPr lang="en-US" altLang="zh-CN" sz="1600" baseline="0" dirty="0" smtClean="0"/>
+                        <a:t> retracement</a:t>
+                      </a:r>
+                      <a:endParaRPr lang="zh-CN" altLang="en-US" sz="1600" dirty="0"/>
+                    </a:p>
+                  </a:txBody>
+                  <a:tcPr anchor="ctr">
+                    <a:lnL w="12700" cap="flat" cmpd="sng" algn="ctr">
+                      <a:solidFill>
+                        <a:schemeClr val="tx1"/>
+                      </a:solidFill>
+                      <a:prstDash val="solid"/>
+                      <a:round/>
+                      <a:headEnd type="none" w="med" len="med"/>
+                      <a:tailEnd type="none" w="med" len="med"/>
+                    </a:lnL>
+                  </a:tcPr>
+                </a:tc>
+                <a:tc>
+                  <a:txBody>
+                    <a:bodyPr/>
+                    <a:lstStyle/>
+                    <a:p>
+                      <a:pPr algn="ctr"/>
+                      <a:r>
+                        <a:rPr lang="en-US" altLang="zh-CN" dirty="0" smtClean="0"/>
+                        <a:t>28</a:t>
+                      </a:r>
+                      <a:endParaRPr lang="zh-CN" altLang="en-US" dirty="0"/>
+                    </a:p>
+                  </a:txBody>
+                  <a:tcPr anchor="ctr"/>
+                </a:tc>
+                <a:tc>
+                  <a:txBody>
+                    <a:bodyPr/>
+                    <a:lstStyle/>
+                    <a:p>
+                      <a:pPr algn="ctr"/>
+                      <a:r>
+                        <a:rPr lang="en-US" altLang="zh-CN" dirty="0" smtClean="0"/>
+                        <a:t>26.8</a:t>
+                      </a:r>
+                      <a:endParaRPr lang="zh-CN" altLang="en-US" dirty="0"/>
+                    </a:p>
+                  </a:txBody>
+                  <a:tcPr anchor="ctr"/>
+                </a:tc>
+                <a:tc>
+                  <a:txBody>
+                    <a:bodyPr/>
+                    <a:lstStyle/>
+                    <a:p>
+                      <a:pPr algn="ctr"/>
+                      <a:r>
+                        <a:rPr lang="en-US" altLang="zh-CN" dirty="0" smtClean="0"/>
+                        <a:t>55.3</a:t>
+                      </a:r>
+                      <a:endParaRPr lang="zh-CN" altLang="en-US" dirty="0"/>
+                    </a:p>
+                  </a:txBody>
+                  <a:tcPr anchor="ctr"/>
+                </a:tc>
+                <a:tc>
+                  <a:txBody>
+                    <a:bodyPr/>
+                    <a:lstStyle/>
+                    <a:p>
+                      <a:pPr algn="ctr"/>
+                      <a:r>
+                        <a:rPr lang="en-US" altLang="zh-CN" dirty="0" smtClean="0"/>
+                        <a:t>45.5</a:t>
+                      </a:r>
+                      <a:endParaRPr lang="zh-CN" altLang="en-US" dirty="0"/>
+                    </a:p>
+                  </a:txBody>
+                  <a:tcPr anchor="ctr"/>
+                </a:tc>
+                <a:tc>
+                  <a:txBody>
+                    <a:bodyPr/>
+                    <a:lstStyle/>
+                    <a:p>
+                      <a:pPr algn="ctr"/>
+                      <a:r>
+                        <a:rPr lang="en-US" altLang="zh-CN" dirty="0" smtClean="0"/>
+                        <a:t>74.2</a:t>
+                      </a:r>
+                      <a:endParaRPr lang="zh-CN" altLang="en-US" dirty="0"/>
+                    </a:p>
+                  </a:txBody>
+                  <a:tcPr anchor="ctr">
+                    <a:lnR w="12700" cap="flat" cmpd="sng" algn="ctr">
+                      <a:solidFill>
+                        <a:schemeClr val="tx1"/>
+                      </a:solidFill>
+                      <a:prstDash val="solid"/>
+                      <a:round/>
+                      <a:headEnd type="none" w="med" len="med"/>
+                      <a:tailEnd type="none" w="med" len="med"/>
+                    </a:lnR>
+                  </a:tcPr>
+                </a:tc>
+                <a:extLst>
+                  <a:ext uri="{0D108BD9-81ED-4DB2-BD59-A6C34878D82A}">
+                    <a16:rowId xmlns:a16="http://schemas.microsoft.com/office/drawing/2014/main" val="1758462399"/>
+                  </a:ext>
+                </a:extLst>
+              </a:tr>
+              <a:tr h="798454">
+                <a:tc>
+                  <a:txBody>
+                    <a:bodyPr/>
+                    <a:lstStyle/>
+                    <a:p>
+                      <a:pPr algn="ctr"/>
+                      <a:r>
+                        <a:rPr lang="en-US" altLang="zh-CN" sz="1400" dirty="0" smtClean="0"/>
+                        <a:t>Success</a:t>
+                      </a:r>
+                      <a:r>
+                        <a:rPr lang="en-US" altLang="zh-CN" sz="1400" baseline="0" dirty="0" smtClean="0"/>
+                        <a:t> rate</a:t>
+                      </a:r>
+                      <a:endParaRPr lang="zh-CN" altLang="en-US" sz="1400" dirty="0"/>
+                    </a:p>
+                  </a:txBody>
+                  <a:tcPr anchor="ctr">
+                    <a:lnL w="12700" cap="flat" cmpd="sng" algn="ctr">
+                      <a:solidFill>
+                        <a:schemeClr val="tx1"/>
+                      </a:solidFill>
+                      <a:prstDash val="solid"/>
+                      <a:round/>
+                      <a:headEnd type="none" w="med" len="med"/>
+                      <a:tailEnd type="none" w="med" len="med"/>
+                    </a:lnL>
+                  </a:tcPr>
+                </a:tc>
+                <a:tc>
+                  <a:txBody>
+                    <a:bodyPr/>
+                    <a:lstStyle/>
+                    <a:p>
+                      <a:pPr algn="ctr"/>
+                      <a:r>
+                        <a:rPr lang="en-US" altLang="zh-CN" dirty="0" smtClean="0"/>
+                        <a:t>52.4%</a:t>
+                      </a:r>
+                      <a:endParaRPr lang="zh-CN" altLang="en-US" dirty="0"/>
+                    </a:p>
+                  </a:txBody>
+                  <a:tcPr anchor="ctr"/>
+                </a:tc>
+                <a:tc>
+                  <a:txBody>
+                    <a:bodyPr/>
+                    <a:lstStyle/>
+                    <a:p>
+                      <a:pPr algn="ctr"/>
+                      <a:r>
+                        <a:rPr lang="en-US" altLang="zh-CN" dirty="0" smtClean="0"/>
+                        <a:t>55.4%</a:t>
+                      </a:r>
+                      <a:endParaRPr lang="zh-CN" altLang="en-US" dirty="0"/>
+                    </a:p>
+                  </a:txBody>
+                  <a:tcPr anchor="ctr"/>
+                </a:tc>
+                <a:tc>
+                  <a:txBody>
+                    <a:bodyPr/>
+                    <a:lstStyle/>
+                    <a:p>
+                      <a:pPr algn="ctr"/>
+                      <a:r>
+                        <a:rPr lang="en-US" altLang="zh-CN" dirty="0" smtClean="0"/>
+                        <a:t>57.7%</a:t>
+                      </a:r>
+                      <a:endParaRPr lang="zh-CN" altLang="en-US" dirty="0"/>
+                    </a:p>
+                  </a:txBody>
+                  <a:tcPr anchor="ctr"/>
+                </a:tc>
+                <a:tc>
+                  <a:txBody>
+                    <a:bodyPr/>
+                    <a:lstStyle/>
+                    <a:p>
+                      <a:pPr algn="ctr"/>
+                      <a:r>
+                        <a:rPr lang="en-US" altLang="zh-CN" dirty="0" smtClean="0"/>
+                        <a:t>65.2%</a:t>
+                      </a:r>
+                      <a:endParaRPr lang="zh-CN" altLang="en-US" dirty="0"/>
+                    </a:p>
+                  </a:txBody>
+                  <a:tcPr anchor="ctr"/>
+                </a:tc>
+                <a:tc>
+                  <a:txBody>
+                    <a:bodyPr/>
+                    <a:lstStyle/>
+                    <a:p>
+                      <a:pPr algn="ctr"/>
+                      <a:r>
+                        <a:rPr lang="en-US" altLang="zh-CN" dirty="0" smtClean="0"/>
+                        <a:t>68.3%</a:t>
+                      </a:r>
+                      <a:endParaRPr lang="zh-CN" altLang="en-US" dirty="0"/>
+                    </a:p>
+                  </a:txBody>
+                  <a:tcPr anchor="ctr">
+                    <a:lnR w="12700" cap="flat" cmpd="sng" algn="ctr">
+                      <a:solidFill>
+                        <a:schemeClr val="tx1"/>
+                      </a:solidFill>
+                      <a:prstDash val="solid"/>
+                      <a:round/>
+                      <a:headEnd type="none" w="med" len="med"/>
+                      <a:tailEnd type="none" w="med" len="med"/>
+                    </a:lnR>
+                  </a:tcPr>
+                </a:tc>
+                <a:extLst>
+                  <a:ext uri="{0D108BD9-81ED-4DB2-BD59-A6C34878D82A}">
+                    <a16:rowId xmlns:a16="http://schemas.microsoft.com/office/drawing/2014/main" val="2219269065"/>
+                  </a:ext>
+                </a:extLst>
+              </a:tr>
+              <a:tr h="798454">
+                <a:tc>
+                  <a:txBody>
+                    <a:bodyPr/>
+                    <a:lstStyle/>
+                    <a:p>
+                      <a:pPr algn="ctr"/>
+                      <a:r>
+                        <a:rPr lang="en-US" altLang="zh-CN" sz="1400" dirty="0" smtClean="0"/>
+                        <a:t>time</a:t>
+                      </a:r>
+                      <a:endParaRPr lang="zh-CN" altLang="en-US" sz="1400" dirty="0"/>
+                    </a:p>
+                  </a:txBody>
+                  <a:tcPr anchor="ctr">
+                    <a:lnL w="12700" cap="flat" cmpd="sng" algn="ctr">
+                      <a:solidFill>
+                        <a:schemeClr val="tx1"/>
+                      </a:solidFill>
+                      <a:prstDash val="solid"/>
+                      <a:round/>
+                      <a:headEnd type="none" w="med" len="med"/>
+                      <a:tailEnd type="none" w="med" len="med"/>
+                    </a:lnL>
+                    <a:lnB w="12700" cap="flat" cmpd="sng" algn="ctr">
+                      <a:solidFill>
+                        <a:schemeClr val="tx1"/>
+                      </a:solidFill>
+                      <a:prstDash val="solid"/>
+                      <a:round/>
+                      <a:headEnd type="none" w="med" len="med"/>
+                      <a:tailEnd type="none" w="med" len="med"/>
+                    </a:lnB>
+                  </a:tcPr>
+                </a:tc>
+                <a:tc>
+                  <a:txBody>
+                    <a:bodyPr/>
+                    <a:lstStyle/>
+                    <a:p>
+                      <a:pPr algn="ctr"/>
+                      <a:r>
+                        <a:rPr lang="en-US" altLang="zh-CN" dirty="0" smtClean="0"/>
+                        <a:t>1.6407</a:t>
+                      </a:r>
+                      <a:endParaRPr lang="zh-CN" altLang="en-US" dirty="0"/>
+                    </a:p>
+                  </a:txBody>
+                  <a:tcPr anchor="ctr">
+                    <a:lnB w="12700" cap="flat" cmpd="sng" algn="ctr">
+                      <a:solidFill>
+                        <a:schemeClr val="tx1"/>
+                      </a:solidFill>
+                      <a:prstDash val="solid"/>
+                      <a:round/>
+                      <a:headEnd type="none" w="med" len="med"/>
+                      <a:tailEnd type="none" w="med" len="med"/>
+                    </a:lnB>
+                  </a:tcPr>
+                </a:tc>
+                <a:tc>
+                  <a:txBody>
+                    <a:bodyPr/>
+                    <a:lstStyle/>
+                    <a:p>
+                      <a:pPr algn="ctr"/>
+                      <a:r>
+                        <a:rPr lang="en-US" altLang="zh-CN" dirty="0" smtClean="0"/>
+                        <a:t>2.5501</a:t>
+                      </a:r>
+                      <a:endParaRPr lang="zh-CN" altLang="en-US" dirty="0"/>
+                    </a:p>
+                  </a:txBody>
+                  <a:tcPr anchor="ctr">
+                    <a:lnB w="12700" cap="flat" cmpd="sng" algn="ctr">
+                      <a:solidFill>
+                        <a:schemeClr val="tx1"/>
+                      </a:solidFill>
+                      <a:prstDash val="solid"/>
+                      <a:round/>
+                      <a:headEnd type="none" w="med" len="med"/>
+                      <a:tailEnd type="none" w="med" len="med"/>
+                    </a:lnB>
+                  </a:tcPr>
+                </a:tc>
+                <a:tc>
+                  <a:txBody>
+                    <a:bodyPr/>
+                    <a:lstStyle/>
+                    <a:p>
+                      <a:pPr algn="ctr"/>
+                      <a:r>
+                        <a:rPr lang="en-US" altLang="zh-CN" dirty="0" smtClean="0"/>
+                        <a:t>4.8797</a:t>
+                      </a:r>
+                      <a:endParaRPr lang="zh-CN" altLang="en-US" dirty="0"/>
+                    </a:p>
+                  </a:txBody>
+                  <a:tcPr anchor="ctr">
+                    <a:lnB w="12700" cap="flat" cmpd="sng" algn="ctr">
+                      <a:solidFill>
+                        <a:schemeClr val="tx1"/>
+                      </a:solidFill>
+                      <a:prstDash val="solid"/>
+                      <a:round/>
+                      <a:headEnd type="none" w="med" len="med"/>
+                      <a:tailEnd type="none" w="med" len="med"/>
+                    </a:lnB>
+                  </a:tcPr>
+                </a:tc>
+                <a:tc>
+                  <a:txBody>
+                    <a:bodyPr/>
+                    <a:lstStyle/>
+                    <a:p>
+                      <a:pPr algn="ctr"/>
+                      <a:r>
+                        <a:rPr lang="en-US" altLang="zh-CN" dirty="0" smtClean="0"/>
+                        <a:t>7.9901</a:t>
+                      </a:r>
+                      <a:endParaRPr lang="zh-CN" altLang="en-US" dirty="0"/>
+                    </a:p>
+                  </a:txBody>
+                  <a:tcPr anchor="ctr">
+                    <a:lnB w="12700" cap="flat" cmpd="sng" algn="ctr">
+                      <a:solidFill>
+                        <a:schemeClr val="tx1"/>
+                      </a:solidFill>
+                      <a:prstDash val="solid"/>
+                      <a:round/>
+                      <a:headEnd type="none" w="med" len="med"/>
+                      <a:tailEnd type="none" w="med" len="med"/>
+                    </a:lnB>
+                  </a:tcPr>
+                </a:tc>
+                <a:tc>
+                  <a:txBody>
+                    <a:bodyPr/>
+                    <a:lstStyle/>
+                    <a:p>
+                      <a:pPr algn="ctr"/>
+                      <a:r>
+                        <a:rPr lang="en-US" altLang="zh-CN" dirty="0" smtClean="0"/>
+                        <a:t>16.031</a:t>
+                      </a:r>
+                      <a:endParaRPr lang="zh-CN" altLang="en-US" dirty="0"/>
+                    </a:p>
+                  </a:txBody>
+                  <a:tcPr anchor="ctr">
+                    <a:lnR w="12700" cap="flat" cmpd="sng" algn="ctr">
+                      <a:solidFill>
+                        <a:schemeClr val="tx1"/>
+                      </a:solidFill>
+                      <a:prstDash val="solid"/>
+                      <a:round/>
+                      <a:headEnd type="none" w="med" len="med"/>
+                      <a:tailEnd type="none" w="med" len="med"/>
+                    </a:lnR>
+                    <a:lnB w="12700" cap="flat" cmpd="sng" algn="ctr">
+                      <a:solidFill>
+                        <a:schemeClr val="tx1"/>
+                      </a:solidFill>
+                      <a:prstDash val="solid"/>
+                      <a:round/>
+                      <a:headEnd type="none" w="med" len="med"/>
+                      <a:tailEnd type="none" w="med" len="med"/>
+                    </a:lnB>
+                  </a:tcPr>
+                </a:tc>
+                <a:extLst>
+                  <a:ext uri="{0D108BD9-81ED-4DB2-BD59-A6C34878D82A}">
+                    <a16:rowId xmlns:a16="http://schemas.microsoft.com/office/drawing/2014/main" val="226308215"/>
+                  </a:ext>
+                </a:extLst>
+              </a:tr>
+            </a:tbl>
+          </a:graphicData>
+        </a:graphic>
+      </p:graphicFrame>
+    </p:spTree>
+    <p:extLst>
+      <p:ext uri="{BB962C8B-B14F-4D97-AF65-F5344CB8AC3E}">
+        <p14:creationId xmlns:p14="http://schemas.microsoft.com/office/powerpoint/2010/main" val="3110107545"/>
+      </p:ext>
+    </p:extLst>
+  </p:cSld>
+  <p:clrMapOvr>
+    <a:masterClrMapping/>
+  </p:clrMapOvr>
+  <p:timing>
+    <p:tnLst>
+      <p:par>
+        <p:cTn id="1" dur="indefinite" restart="never" nodeType="tmRoot"/>
+      </p:par>
+    </p:tnLst>
+  </p:timing>
+</p:sld>
+</file>
+
+<file path=ppt/slides/slide5.xml><?xml version="1.0" encoding="utf-8"?>
+<p:sld xmlns:a="http://schemas.openxmlformats.org/drawingml/2006/main" xmlns:r="http://schemas.openxmlformats.org/officeDocument/2006/relationships" xmlns:p="http://schemas.openxmlformats.org/presentationml/2006/main">
+  <p:cSld>
+    <p:spTree>
+      <p:nvGrpSpPr>
+        <p:cNvPr id="1" name=""/>
+        <p:cNvGrpSpPr/>
+        <p:nvPr/>
+      </p:nvGrpSpPr>
+      <p:grpSpPr>
+        <a:xfrm>
+          <a:off x="0" y="0"/>
+          <a:ext cx="0" cy="0"/>
+          <a:chOff x="0" y="0"/>
+          <a:chExt cx="0" cy="0"/>
+        </a:xfrm>
+      </p:grpSpPr>
+      <p:sp>
+        <p:nvSpPr>
+          <p:cNvPr id="2" name="标题 1"/>
+          <p:cNvSpPr>
+            <a:spLocks noGrp="1"/>
+          </p:cNvSpPr>
+          <p:nvPr>
+            <p:ph type="title"/>
+          </p:nvPr>
+        </p:nvSpPr>
+        <p:spPr/>
+        <p:txBody>
+          <a:bodyPr/>
+          <a:lstStyle/>
+          <a:p>
+            <a:r>
+              <a:rPr lang="en-US" altLang="zh-CN" dirty="0" smtClean="0"/>
+              <a:t>Other thinking</a:t>
+            </a:r>
+            <a:endParaRPr lang="zh-CN" altLang="en-US" dirty="0"/>
+          </a:p>
+        </p:txBody>
+      </p:sp>
+      <p:sp>
+        <p:nvSpPr>
+          <p:cNvPr id="3" name="内容占位符 2"/>
+          <p:cNvSpPr>
+            <a:spLocks noGrp="1"/>
+          </p:cNvSpPr>
+          <p:nvPr>
+            <p:ph idx="1"/>
+          </p:nvPr>
+        </p:nvSpPr>
+        <p:spPr>
+          <a:xfrm>
+            <a:off x="838200" y="1507067"/>
+            <a:ext cx="10515600" cy="4669896"/>
+          </a:xfrm>
+        </p:spPr>
+        <p:txBody>
+          <a:bodyPr/>
+          <a:lstStyle/>
+          <a:p>
+            <a:pPr marL="0" indent="0">
+              <a:buNone/>
+            </a:pPr>
+            <a:r>
+              <a:rPr lang="en-US" altLang="zh-CN" sz="2400" dirty="0" smtClean="0"/>
+              <a:t>In factor screening part, I find the result of logreturn5 is obviously better than </a:t>
+            </a:r>
+            <a:r>
+              <a:rPr lang="en-US" altLang="zh-CN" sz="2400" dirty="0" err="1" smtClean="0"/>
+              <a:t>logreturn</a:t>
+            </a:r>
+            <a:r>
+              <a:rPr lang="en-US" altLang="zh-CN" sz="2400" dirty="0" smtClean="0"/>
+              <a:t>. Is it means that hmm is more accurate in long period. I did another test on 1 day(1), 1 week(5), half a month(10), 1 month(20), three month(60).</a:t>
+            </a:r>
+          </a:p>
+          <a:p>
+            <a:endParaRPr lang="zh-CN" altLang="en-US" dirty="0"/>
+          </a:p>
+        </p:txBody>
+      </p:sp>
+      <p:graphicFrame>
+        <p:nvGraphicFramePr>
+          <p:cNvPr id="4" name="表格 3"/>
+          <p:cNvGraphicFramePr>
+            <a:graphicFrameLocks noGrp="1"/>
+          </p:cNvGraphicFramePr>
+          <p:nvPr>
+            <p:extLst>
+              <p:ext uri="{D42A27DB-BD31-4B8C-83A1-F6EECF244321}">
+                <p14:modId xmlns:p14="http://schemas.microsoft.com/office/powerpoint/2010/main" val="3712365501"/>
               </p:ext>
             </p:extLst>
           </p:nvPr>
@@ -4317,7 +8755,26 @@
                       <a:endParaRPr lang="zh-CN" altLang="en-US" sz="1800" dirty="0"/>
                     </a:p>
                   </a:txBody>
-                  <a:tcPr anchor="ctr"/>
+                  <a:tcPr anchor="ctr">
+                    <a:lnL w="12700" cap="flat" cmpd="sng" algn="ctr">
+                      <a:solidFill>
+                        <a:schemeClr val="tx1"/>
+                      </a:solidFill>
+                      <a:prstDash val="solid"/>
+                      <a:round/>
+                      <a:headEnd type="none" w="med" len="med"/>
+                      <a:tailEnd type="none" w="med" len="med"/>
+                    </a:lnL>
+                    <a:lnT w="12700" cap="flat" cmpd="sng" algn="ctr">
+                      <a:solidFill>
+                        <a:schemeClr val="tx1"/>
+                      </a:solidFill>
+                      <a:prstDash val="solid"/>
+                      <a:round/>
+                      <a:headEnd type="none" w="med" len="med"/>
+                      <a:tailEnd type="none" w="med" len="med"/>
+                    </a:lnT>
+                  </a:tcPr>
                 </a:tc>
                 <a:tc>
                   <a:txBody>
@@ -4332,7 +8789,17 @@
                       <a:endParaRPr lang="zh-CN" altLang="en-US" sz="1800" dirty="0"/>
                     </a:p>
                   </a:txBody>
-                  <a:tcPr anchor="ctr"/>
+                  <a:tcPr anchor="ctr">
+                    <a:lnT w="12700" cap="flat" cmpd="sng" algn="ctr">
+                      <a:solidFill>
+                        <a:schemeClr val="tx1"/>
+                      </a:solidFill>
+                      <a:prstDash val="solid"/>
+                      <a:round/>
+                      <a:headEnd type="none" w="med" len="med"/>
+                      <a:tailEnd type="none" w="med" len="med"/>
+                    </a:lnT>
+                  </a:tcPr>
                 </a:tc>
                 <a:tc>
                   <a:txBody>
@@ -4347,7 +8814,17 @@
                       <a:endParaRPr lang="zh-CN" altLang="en-US" sz="1800" dirty="0"/>
                     </a:p>
                   </a:txBody>
-                  <a:tcPr anchor="ctr"/>
+                  <a:tcPr anchor="ctr">
+                    <a:lnT w="12700" cap="flat" cmpd="sng" algn="ctr">
+                      <a:solidFill>
+                        <a:schemeClr val="tx1"/>
+                      </a:solidFill>
+                      <a:prstDash val="solid"/>
+                      <a:round/>
+                      <a:headEnd type="none" w="med" len="med"/>
+                      <a:tailEnd type="none" w="med" len="med"/>
+                    </a:lnT>
+                  </a:tcPr>
                 </a:tc>
                 <a:tc>
                   <a:txBody>
@@ -4362,7 +8839,17 @@
                       <a:endParaRPr lang="zh-CN" altLang="en-US" sz="1800" dirty="0"/>
                     </a:p>
                   </a:txBody>
-                  <a:tcPr anchor="ctr"/>
+                  <a:tcPr anchor="ctr">
+                    <a:lnT w="12700" cap="flat" cmpd="sng" algn="ctr">
+                      <a:solidFill>
+                        <a:schemeClr val="tx1"/>
+                      </a:solidFill>
+                      <a:prstDash val="solid"/>
+                      <a:round/>
+                      <a:headEnd type="none" w="med" len="med"/>
+                      <a:tailEnd type="none" w="med" len="med"/>
+                    </a:lnT>
+                  </a:tcPr>
                 </a:tc>
                 <a:tc>
                   <a:txBody>
@@ -4377,7 +8864,17 @@
                       <a:endParaRPr lang="zh-CN" altLang="en-US" sz="1800" dirty="0"/>
                     </a:p>
                   </a:txBody>
-                  <a:tcPr anchor="ctr"/>
+                  <a:tcPr anchor="ctr">
+                    <a:lnT w="12700" cap="flat" cmpd="sng" algn="ctr">
+                      <a:solidFill>
+                        <a:schemeClr val="tx1"/>
+                      </a:solidFill>
+                      <a:prstDash val="solid"/>
+                      <a:round/>
+                      <a:headEnd type="none" w="med" len="med"/>
+                      <a:tailEnd type="none" w="med" len="med"/>
+                    </a:lnT>
+                  </a:tcPr>
                 </a:tc>
                 <a:tc>
                   <a:txBody>
@@ -4392,7 +8889,26 @@
                       <a:endParaRPr lang="zh-CN" altLang="en-US" sz="1800" dirty="0"/>
                     </a:p>
                   </a:txBody>
-                  <a:tcPr anchor="ctr"/>
+                  <a:tcPr anchor="ctr">
+                    <a:lnR w="12700" cap="flat" cmpd="sng" algn="ctr">
+                      <a:solidFill>
+                        <a:schemeClr val="tx1"/>
+                      </a:solidFill>
+                      <a:prstDash val="solid"/>
+                      <a:round/>
+                      <a:headEnd type="none" w="med" len="med"/>
+                      <a:tailEnd type="none" w="med" len="med"/>
+                    </a:lnR>
+                    <a:lnT w="12700" cap="flat" cmpd="sng" algn="ctr">
+                      <a:solidFill>
+                        <a:schemeClr val="tx1"/>
+                      </a:solidFill>
+                      <a:prstDash val="solid"/>
+                      <a:round/>
+                      <a:headEnd type="none" w="med" len="med"/>
+                      <a:tailEnd type="none" w="med" len="med"/>
+                    </a:lnT>
+                  </a:tcPr>
                 </a:tc>
                 <a:extLst>
                   <a:ext uri="{0D108BD9-81ED-4DB2-BD59-A6C34878D82A}">
@@ -4418,7 +8934,17 @@
                       <a:endParaRPr lang="zh-CN" altLang="en-US" sz="1600" dirty="0"/>
                     </a:p>
                   </a:txBody>
-                  <a:tcPr anchor="ctr"/>
+                  <a:tcPr anchor="ctr">
+                    <a:lnL w="12700" cap="flat" cmpd="sng" algn="ctr">
+                      <a:solidFill>
+                        <a:schemeClr val="tx1"/>
+                      </a:solidFill>
+                      <a:prstDash val="solid"/>
+                      <a:round/>
+                      <a:headEnd type="none" w="med" len="med"/>
+                      <a:tailEnd type="none" w="med" len="med"/>
+                    </a:lnL>
+                  </a:tcPr>
                 </a:tc>
                 <a:tc>
                   <a:txBody>
@@ -4475,7 +9001,6 @@
                         <a:rPr lang="en-US" altLang="zh-CN" dirty="0" smtClean="0"/>
                         <a:t>15%</a:t>
                       </a:r>
-                      <a:endParaRPr lang="en-US" altLang="zh-CN" dirty="0" smtClean="0"/>
                     </a:p>
                   </a:txBody>
                   <a:tcPr anchor="ctr"/>
@@ -4493,7 +9018,17 @@
                       <a:endParaRPr lang="zh-CN" altLang="en-US" dirty="0"/>
                     </a:p>
                   </a:txBody>
-                  <a:tcPr anchor="ctr"/>
+                  <a:tcPr anchor="ctr">
+                    <a:lnR w="12700" cap="flat" cmpd="sng" algn="ctr">
+                      <a:solidFill>
+                        <a:schemeClr val="tx1"/>
+                      </a:solidFill>
+                      <a:prstDash val="solid"/>
+                      <a:round/>
+                      <a:headEnd type="none" w="med" len="med"/>
+                      <a:tailEnd type="none" w="med" len="med"/>
+                    </a:lnR>
+                  </a:tcPr>
                 </a:tc>
                 <a:extLst>
                   <a:ext uri="{0D108BD9-81ED-4DB2-BD59-A6C34878D82A}">
@@ -4519,7 +9054,17 @@
                       <a:endParaRPr lang="zh-CN" altLang="en-US" sz="1600" dirty="0"/>
                     </a:p>
                   </a:txBody>
-                  <a:tcPr anchor="ctr"/>
+                  <a:tcPr anchor="ctr">
+                    <a:lnL w="12700" cap="flat" cmpd="sng" algn="ctr">
+                      <a:solidFill>
+                        <a:schemeClr val="tx1"/>
+                      </a:solidFill>
+                      <a:prstDash val="solid"/>
+                      <a:round/>
+                      <a:headEnd type="none" w="med" len="med"/>
+                      <a:tailEnd type="none" w="med" len="med"/>
+                    </a:lnL>
+                  </a:tcPr>
                 </a:tc>
                 <a:tc>
                   <a:txBody>
@@ -4594,7 +9139,17 @@
                       <a:endParaRPr lang="zh-CN" altLang="en-US" dirty="0"/>
                     </a:p>
                   </a:txBody>
-                  <a:tcPr anchor="ctr"/>
+                  <a:tcPr anchor="ctr">
+                    <a:lnR w="12700" cap="flat" cmpd="sng" algn="ctr">
+                      <a:solidFill>
+                        <a:schemeClr val="tx1"/>
+                      </a:solidFill>
+                      <a:prstDash val="solid"/>
+                      <a:round/>
+                      <a:headEnd type="none" w="med" len="med"/>
+                      <a:tailEnd type="none" w="med" len="med"/>
+                    </a:lnR>
+                  </a:tcPr>
                 </a:tc>
                 <a:extLst>
                   <a:ext uri="{0D108BD9-81ED-4DB2-BD59-A6C34878D82A}">
@@ -4620,7 +9175,26 @@
                       <a:endParaRPr lang="zh-CN" altLang="en-US" sz="1400" dirty="0"/>
                     </a:p>
                   </a:txBody>
-                  <a:tcPr anchor="ctr"/>
+                  <a:tcPr anchor="ctr">
+                    <a:lnL w="12700" cap="flat" cmpd="sng" algn="ctr">
+                      <a:solidFill>
+                        <a:schemeClr val="tx1"/>
+                      </a:solidFill>
+                      <a:prstDash val="solid"/>
+                      <a:round/>
+                      <a:headEnd type="none" w="med" len="med"/>
+                      <a:tailEnd type="none" w="med" len="med"/>
+                    </a:lnL>
+                    <a:lnB w="12700" cap="flat" cmpd="sng" algn="ctr">
+                      <a:solidFill>
+                        <a:schemeClr val="tx1"/>
+                      </a:solidFill>
+                      <a:prstDash val="solid"/>
+                      <a:round/>
+                      <a:headEnd type="none" w="med" len="med"/>
+                      <a:tailEnd type="none" w="med" len="med"/>
+                    </a:lnB>
+                  </a:tcPr>
                 </a:tc>
                 <a:tc>
                   <a:txBody>
@@ -4635,7 +9209,17 @@
                       <a:endParaRPr lang="zh-CN" altLang="en-US" dirty="0"/>
                     </a:p>
                   </a:txBody>
-                  <a:tcPr anchor="ctr"/>
+                  <a:tcPr anchor="ctr">
+                    <a:lnB w="12700" cap="flat" cmpd="sng" algn="ctr">
+                      <a:solidFill>
+                        <a:schemeClr val="tx1"/>
+                      </a:solidFill>
+                      <a:prstDash val="solid"/>
+                      <a:round/>
+                      <a:headEnd type="none" w="med" len="med"/>
+                      <a:tailEnd type="none" w="med" len="med"/>
+                    </a:lnB>
+                  </a:tcPr>
                 </a:tc>
                 <a:tc>
                   <a:txBody>
@@ -4650,7 +9234,17 @@
                       <a:endParaRPr lang="zh-CN" altLang="en-US" dirty="0"/>
                     </a:p>
                   </a:txBody>
-                  <a:tcPr anchor="ctr"/>
+                  <a:tcPr anchor="ctr">
+                    <a:lnB w="12700" cap="flat" cmpd="sng" algn="ctr">
+                      <a:solidFill>
+                        <a:schemeClr val="tx1"/>
+                      </a:solidFill>
+                      <a:prstDash val="solid"/>
+                      <a:round/>
+                      <a:headEnd type="none" w="med" len="med"/>
+                      <a:tailEnd type="none" w="med" len="med"/>
+                    </a:lnB>
+                  </a:tcPr>
                 </a:tc>
                 <a:tc>
                   <a:txBody>
@@ -4665,7 +9259,17 @@
                       <a:endParaRPr lang="zh-CN" altLang="en-US" dirty="0"/>
                     </a:p>
                   </a:txBody>
-                  <a:tcPr anchor="ctr"/>
+                  <a:tcPr anchor="ctr">
+                    <a:lnB w="12700" cap="flat" cmpd="sng" algn="ctr">
+                      <a:solidFill>
+                        <a:schemeClr val="tx1"/>
+                      </a:solidFill>
+                      <a:prstDash val="solid"/>
+                      <a:round/>
+                      <a:headEnd type="none" w="med" len="med"/>
+                      <a:tailEnd type="none" w="med" len="med"/>
+                    </a:lnB>
+                  </a:tcPr>
                 </a:tc>
                 <a:tc>
                   <a:txBody>
@@ -4680,7 +9284,17 @@
                       <a:endParaRPr lang="zh-CN" altLang="en-US" dirty="0"/>
                     </a:p>
                   </a:txBody>
-                  <a:tcPr anchor="ctr"/>
+                  <a:tcPr anchor="ctr">
+                    <a:lnB w="12700" cap="flat" cmpd="sng" algn="ctr">
+                      <a:solidFill>
+                        <a:schemeClr val="tx1"/>
+                      </a:solidFill>
+                      <a:prstDash val="solid"/>
+                      <a:round/>
+                      <a:headEnd type="none" w="med" len="med"/>
+                      <a:tailEnd type="none" w="med" len="med"/>
+                    </a:lnB>
+                  </a:tcPr>
                 </a:tc>
                 <a:tc>
                   <a:txBody>
@@ -4695,7 +9309,26 @@
                       <a:endParaRPr lang="zh-CN" altLang="en-US" dirty="0"/>
                     </a:p>
                   </a:txBody>
-                  <a:tcPr anchor="ctr"/>
+                  <a:tcPr anchor="ctr">
+                    <a:lnR w="12700" cap="flat" cmpd="sng" algn="ctr">
+                      <a:solidFill>
+                        <a:schemeClr val="tx1"/>
+                      </a:solidFill>
+                      <a:prstDash val="solid"/>
+                      <a:round/>
+                      <a:headEnd type="none" w="med" len="med"/>
+                      <a:tailEnd type="none" w="med" len="med"/>
+                    </a:lnR>
+                    <a:lnB w="12700" cap="flat" cmpd="sng" algn="ctr">
+                      <a:solidFill>
+                        <a:schemeClr val="tx1"/>
+                      </a:solidFill>
+                      <a:prstDash val="solid"/>
+                      <a:round/>
+                      <a:headEnd type="none" w="med" len="med"/>
+                      <a:tailEnd type="none" w="med" len="med"/>
+                    </a:lnB>
+                  </a:tcPr>
                 </a:tc>
                 <a:extLst>
                   <a:ext uri="{0D108BD9-81ED-4DB2-BD59-A6C34878D82A}">
@@ -4727,7 +9360,7 @@
 </p:sld>
 </file>
 
-<file path=ppt/slides/slide5.xml><?xml version="1.0" encoding="utf-8"?>
+<file path=ppt/slides/slide6.xml><?xml version="1.0" encoding="utf-8"?>
 <p:sld xmlns:a="http://schemas.openxmlformats.org/drawingml/2006/main" xmlns:r="http://schemas.openxmlformats.org/officeDocument/2006/relationships" xmlns:p="http://schemas.openxmlformats.org/presentationml/2006/main">
   <p:cSld>
     <p:spTree>
@@ -4787,16 +9420,483 @@
           <a:bodyPr/>
           <a:lstStyle/>
           <a:p>
+            <a:pPr marL="0" indent="0">
+              <a:buNone/>
+            </a:pPr>
             <a:r>
               <a:rPr lang="en-US" altLang="zh-CN" sz="2400" dirty="0" smtClean="0"/>
               <a:t>How to optimize our trading strategy?</a:t>
             </a:r>
           </a:p>
           <a:p>
+            <a:r>
+              <a:rPr lang="en-US" altLang="zh-CN" dirty="0" smtClean="0"/>
+              <a:t>Don’t trading every day</a:t>
+            </a:r>
+          </a:p>
+          <a:p>
+            <a:r>
+              <a:rPr lang="en-US" altLang="zh-CN" dirty="0" smtClean="0"/>
+              <a:t>Buy and hold</a:t>
+            </a:r>
+          </a:p>
+          <a:p>
             <a:endParaRPr lang="zh-CN" altLang="en-US" dirty="0"/>
           </a:p>
         </p:txBody>
       </p:sp>
+      <p:grpSp>
+        <p:nvGrpSpPr>
+          <p:cNvPr id="17" name="组合 16"/>
+          <p:cNvGrpSpPr/>
+          <p:nvPr/>
+        </p:nvGrpSpPr>
+        <p:grpSpPr>
+          <a:xfrm>
+            <a:off x="4551222" y="2071114"/>
+            <a:ext cx="7366513" cy="4607663"/>
+            <a:chOff x="478756" y="2155782"/>
+            <a:chExt cx="7366513" cy="4607663"/>
+          </a:xfrm>
+        </p:grpSpPr>
+        <p:pic>
+          <p:nvPicPr>
+            <p:cNvPr id="16" name="图片 15"/>
+            <p:cNvPicPr>
+              <a:picLocks noChangeAspect="1"/>
+            </p:cNvPicPr>
+            <p:nvPr/>
+          </p:nvPicPr>
+          <p:blipFill>
+            <a:blip r:embed="rId2"/>
+            <a:stretch>
+              <a:fillRect/>
+            </a:stretch>
+          </p:blipFill>
+          <p:spPr>
+            <a:xfrm>
+              <a:off x="478756" y="2155782"/>
+              <a:ext cx="7366513" cy="4607663"/>
+            </a:xfrm>
+            <a:prstGeom prst="rect">
+              <a:avLst/>
+            </a:prstGeom>
+          </p:spPr>
+        </p:pic>
+        <p:grpSp>
+          <p:nvGrpSpPr>
+            <p:cNvPr id="15" name="组合 14"/>
+            <p:cNvGrpSpPr/>
+            <p:nvPr/>
+          </p:nvGrpSpPr>
+          <p:grpSpPr>
+            <a:xfrm>
+              <a:off x="3391802" y="3081184"/>
+              <a:ext cx="3684635" cy="2450601"/>
+              <a:chOff x="7581900" y="3039814"/>
+              <a:chExt cx="3534582" cy="2317863"/>
+            </a:xfrm>
+          </p:grpSpPr>
+          <p:sp>
+            <p:nvSpPr>
+              <p:cNvPr id="5" name="椭圆 4"/>
+              <p:cNvSpPr/>
+              <p:nvPr/>
+            </p:nvSpPr>
+            <p:spPr>
+              <a:xfrm>
+                <a:off x="8373533" y="5027477"/>
+                <a:ext cx="254000" cy="330200"/>
+              </a:xfrm>
+              <a:prstGeom prst="ellipse">
+                <a:avLst/>
+              </a:prstGeom>
+              <a:noFill/>
+              <a:ln>
+                <a:prstDash val="sysDash"/>
+              </a:ln>
+            </p:spPr>
+            <p:style>
+              <a:lnRef idx="2">
+                <a:schemeClr val="accent1">
+                  <a:shade val="50000"/>
+                </a:schemeClr>
+              </a:lnRef>
+              <a:fillRef idx="1">
+                <a:schemeClr val="accent1"/>
+              </a:fillRef>
+              <a:effectRef idx="0">
+                <a:schemeClr val="accent1"/>
+              </a:effectRef>
+              <a:fontRef idx="minor">
+                <a:schemeClr val="lt1"/>
+              </a:fontRef>
+            </p:style>
+            <p:txBody>
+              <a:bodyPr rtlCol="0" anchor="ctr"/>
+              <a:lstStyle/>
+              <a:p>
+                <a:pPr algn="ctr"/>
+                <a:endParaRPr lang="zh-CN" altLang="en-US"/>
+              </a:p>
+            </p:txBody>
+          </p:sp>
+          <p:cxnSp>
+            <p:nvCxnSpPr>
+              <p:cNvPr id="7" name="直接箭头连接符 6"/>
+              <p:cNvCxnSpPr/>
+              <p:nvPr/>
+            </p:nvCxnSpPr>
+            <p:spPr>
+              <a:xfrm>
+                <a:off x="8060267" y="4622800"/>
+                <a:ext cx="313266" cy="404677"/>
+              </a:xfrm>
+              <a:prstGeom prst="straightConnector1">
+                <a:avLst/>
+              </a:prstGeom>
+              <a:ln>
+                <a:tailEnd type="triangle"/>
+              </a:ln>
+            </p:spPr>
+            <p:style>
+              <a:lnRef idx="1">
+                <a:schemeClr val="accent1"/>
+              </a:lnRef>
+              <a:fillRef idx="0">
+                <a:schemeClr val="accent1"/>
+              </a:fillRef>
+              <a:effectRef idx="0">
+                <a:schemeClr val="accent1"/>
+              </a:effectRef>
+              <a:fontRef idx="minor">
+                <a:schemeClr val="tx1"/>
+              </a:fontRef>
+            </p:style>
+          </p:cxnSp>
+          <p:sp>
+            <p:nvSpPr>
+              <p:cNvPr id="8" name="文本框 7"/>
+              <p:cNvSpPr txBox="1"/>
+              <p:nvPr/>
+            </p:nvSpPr>
+            <p:spPr>
+              <a:xfrm>
+                <a:off x="7581900" y="4208191"/>
+                <a:ext cx="956733" cy="369332"/>
+              </a:xfrm>
+              <a:prstGeom prst="rect">
+                <a:avLst/>
+              </a:prstGeom>
+              <a:noFill/>
+            </p:spPr>
+            <p:txBody>
+              <a:bodyPr wrap="square" rtlCol="0">
+                <a:spAutoFit/>
+              </a:bodyPr>
+              <a:lstStyle/>
+              <a:p>
+                <a:r>
+                  <a:rPr lang="en-US" altLang="zh-CN" dirty="0" smtClean="0">
+                    <a:solidFill>
+                      <a:srgbClr val="FF0000"/>
+                    </a:solidFill>
+                  </a:rPr>
+                  <a:t>buy</a:t>
+                </a:r>
+                <a:endParaRPr lang="zh-CN" altLang="en-US" dirty="0">
+                  <a:solidFill>
+                    <a:srgbClr val="FF0000"/>
+                  </a:solidFill>
+                </a:endParaRPr>
+              </a:p>
+            </p:txBody>
+          </p:sp>
+          <p:sp>
+            <p:nvSpPr>
+              <p:cNvPr id="11" name="椭圆 10"/>
+              <p:cNvSpPr/>
+              <p:nvPr/>
+            </p:nvSpPr>
+            <p:spPr>
+              <a:xfrm>
+                <a:off x="9274130" y="3039814"/>
+                <a:ext cx="254000" cy="330200"/>
+              </a:xfrm>
+              <a:prstGeom prst="ellipse">
+                <a:avLst/>
+              </a:prstGeom>
+              <a:noFill/>
+              <a:ln>
+                <a:solidFill>
+                  <a:srgbClr val="0070C0"/>
+                </a:solidFill>
+                <a:prstDash val="sysDash"/>
+              </a:ln>
+            </p:spPr>
+            <p:style>
+              <a:lnRef idx="2">
+                <a:schemeClr val="accent1">
+                  <a:shade val="50000"/>
+                </a:schemeClr>
+              </a:lnRef>
+              <a:fillRef idx="1">
+                <a:schemeClr val="accent1"/>
+              </a:fillRef>
+              <a:effectRef idx="0">
+                <a:schemeClr val="accent1"/>
+              </a:effectRef>
+              <a:fontRef idx="minor">
+                <a:schemeClr val="lt1"/>
+              </a:fontRef>
+            </p:style>
+            <p:txBody>
+              <a:bodyPr rtlCol="0" anchor="ctr"/>
+              <a:lstStyle/>
+              <a:p>
+                <a:pPr algn="ctr"/>
+                <a:endParaRPr lang="zh-CN" altLang="en-US"/>
+              </a:p>
+            </p:txBody>
+          </p:sp>
+          <p:sp>
+            <p:nvSpPr>
+              <p:cNvPr id="12" name="文本框 11"/>
+              <p:cNvSpPr txBox="1"/>
+              <p:nvPr/>
+            </p:nvSpPr>
+            <p:spPr>
+              <a:xfrm>
+                <a:off x="10159749" y="3183725"/>
+                <a:ext cx="956733" cy="369332"/>
+              </a:xfrm>
+              <a:prstGeom prst="rect">
+                <a:avLst/>
+              </a:prstGeom>
+              <a:noFill/>
+            </p:spPr>
+            <p:txBody>
+              <a:bodyPr wrap="square" rtlCol="0">
+                <a:spAutoFit/>
+              </a:bodyPr>
+              <a:lstStyle/>
+              <a:p>
+                <a:r>
+                  <a:rPr lang="en-US" altLang="zh-CN" dirty="0" smtClean="0">
+                    <a:solidFill>
+                      <a:srgbClr val="0070C0"/>
+                    </a:solidFill>
+                  </a:rPr>
+                  <a:t>sell</a:t>
+                </a:r>
+                <a:endParaRPr lang="zh-CN" altLang="en-US" dirty="0">
+                  <a:solidFill>
+                    <a:srgbClr val="0070C0"/>
+                  </a:solidFill>
+                </a:endParaRPr>
+              </a:p>
+            </p:txBody>
+          </p:sp>
+          <p:cxnSp>
+            <p:nvCxnSpPr>
+              <p:cNvPr id="13" name="直接箭头连接符 12"/>
+              <p:cNvCxnSpPr>
+                <a:stCxn id="12" idx="1"/>
+              </p:cNvCxnSpPr>
+              <p:nvPr/>
+            </p:nvCxnSpPr>
+            <p:spPr>
+              <a:xfrm flipH="1" flipV="1">
+                <a:off x="9602535" y="3204914"/>
+                <a:ext cx="557214" cy="163477"/>
+              </a:xfrm>
+              <a:prstGeom prst="straightConnector1">
+                <a:avLst/>
+              </a:prstGeom>
+              <a:ln>
+                <a:solidFill>
+                  <a:srgbClr val="0070C0"/>
+                </a:solidFill>
+                <a:tailEnd type="triangle"/>
+              </a:ln>
+            </p:spPr>
+            <p:style>
+              <a:lnRef idx="1">
+                <a:schemeClr val="accent1"/>
+              </a:lnRef>
+              <a:fillRef idx="0">
+                <a:schemeClr val="accent1"/>
+              </a:fillRef>
+              <a:effectRef idx="0">
+                <a:schemeClr val="accent1"/>
+              </a:effectRef>
+              <a:fontRef idx="minor">
+                <a:schemeClr val="tx1"/>
+              </a:fontRef>
+            </p:style>
+          </p:cxnSp>
+        </p:grpSp>
+      </p:grpSp>
+      <p:sp>
+        <p:nvSpPr>
+          <p:cNvPr id="20" name="椭圆 19"/>
+          <p:cNvSpPr/>
+          <p:nvPr/>
+        </p:nvSpPr>
+        <p:spPr>
+          <a:xfrm>
+            <a:off x="9918442" y="4252490"/>
+            <a:ext cx="264783" cy="349110"/>
+          </a:xfrm>
+          <a:prstGeom prst="ellipse">
+            <a:avLst/>
+          </a:prstGeom>
+          <a:noFill/>
+          <a:ln>
+            <a:solidFill>
+              <a:srgbClr val="0070C0"/>
+            </a:solidFill>
+            <a:prstDash val="sysDash"/>
+          </a:ln>
+        </p:spPr>
+        <p:style>
+          <a:lnRef idx="2">
+            <a:schemeClr val="accent1">
+              <a:shade val="50000"/>
+            </a:schemeClr>
+          </a:lnRef>
+          <a:fillRef idx="1">
+            <a:schemeClr val="accent1"/>
+          </a:fillRef>
+          <a:effectRef idx="0">
+            <a:schemeClr val="accent1"/>
+          </a:effectRef>
+          <a:fontRef idx="minor">
+            <a:schemeClr val="lt1"/>
+          </a:fontRef>
+        </p:style>
+        <p:txBody>
+          <a:bodyPr rtlCol="0" anchor="ctr"/>
+          <a:lstStyle/>
+          <a:p>
+            <a:pPr algn="ctr"/>
+            <a:endParaRPr lang="zh-CN" altLang="en-US"/>
+          </a:p>
+        </p:txBody>
+      </p:sp>
+      <p:sp>
+        <p:nvSpPr>
+          <p:cNvPr id="21" name="椭圆 20"/>
+          <p:cNvSpPr/>
+          <p:nvPr/>
+        </p:nvSpPr>
+        <p:spPr>
+          <a:xfrm>
+            <a:off x="8799055" y="4200391"/>
+            <a:ext cx="264783" cy="349110"/>
+          </a:xfrm>
+          <a:prstGeom prst="ellipse">
+            <a:avLst/>
+          </a:prstGeom>
+          <a:noFill/>
+          <a:ln>
+            <a:prstDash val="sysDash"/>
+          </a:ln>
+        </p:spPr>
+        <p:style>
+          <a:lnRef idx="2">
+            <a:schemeClr val="accent1">
+              <a:shade val="50000"/>
+            </a:schemeClr>
+          </a:lnRef>
+          <a:fillRef idx="1">
+            <a:schemeClr val="accent1"/>
+          </a:fillRef>
+          <a:effectRef idx="0">
+            <a:schemeClr val="accent1"/>
+          </a:effectRef>
+          <a:fontRef idx="minor">
+            <a:schemeClr val="lt1"/>
+          </a:fontRef>
+        </p:style>
+        <p:txBody>
+          <a:bodyPr rtlCol="0" anchor="ctr"/>
+          <a:lstStyle/>
+          <a:p>
+            <a:pPr algn="ctr"/>
+            <a:endParaRPr lang="zh-CN" altLang="en-US"/>
+          </a:p>
+        </p:txBody>
+      </p:sp>
+      <p:cxnSp>
+        <p:nvCxnSpPr>
+          <p:cNvPr id="22" name="直接箭头连接符 21"/>
+          <p:cNvCxnSpPr/>
+          <p:nvPr/>
+        </p:nvCxnSpPr>
+        <p:spPr>
+          <a:xfrm flipV="1">
+            <a:off x="8045188" y="4321048"/>
+            <a:ext cx="625452" cy="72218"/>
+          </a:xfrm>
+          <a:prstGeom prst="straightConnector1">
+            <a:avLst/>
+          </a:prstGeom>
+          <a:ln>
+            <a:tailEnd type="triangle"/>
+          </a:ln>
+        </p:spPr>
+        <p:style>
+          <a:lnRef idx="1">
+            <a:schemeClr val="accent1"/>
+          </a:lnRef>
+          <a:fillRef idx="0">
+            <a:schemeClr val="accent1"/>
+          </a:fillRef>
+          <a:effectRef idx="0">
+            <a:schemeClr val="accent1"/>
+          </a:effectRef>
+          <a:fontRef idx="minor">
+            <a:schemeClr val="tx1"/>
+          </a:fontRef>
+        </p:style>
+      </p:cxnSp>
+      <p:cxnSp>
+        <p:nvCxnSpPr>
+          <p:cNvPr id="24" name="直接箭头连接符 23"/>
+          <p:cNvCxnSpPr/>
+          <p:nvPr/>
+        </p:nvCxnSpPr>
+        <p:spPr>
+          <a:xfrm flipH="1">
+            <a:off x="10183225" y="3496312"/>
+            <a:ext cx="137664" cy="704079"/>
+          </a:xfrm>
+          <a:prstGeom prst="straightConnector1">
+            <a:avLst/>
+          </a:prstGeom>
+          <a:ln>
+            <a:solidFill>
+              <a:srgbClr val="0070C0"/>
+            </a:solidFill>
+            <a:tailEnd type="triangle"/>
+          </a:ln>
+        </p:spPr>
+        <p:style>
+          <a:lnRef idx="1">
+            <a:schemeClr val="accent1"/>
+          </a:lnRef>
+          <a:fillRef idx="0">
+            <a:schemeClr val="accent1"/>
+          </a:fillRef>
+          <a:effectRef idx="0">
+            <a:schemeClr val="accent1"/>
+          </a:effectRef>
+          <a:fontRef idx="minor">
+            <a:schemeClr val="tx1"/>
+          </a:fontRef>
+        </p:style>
+      </p:cxnSp>
     </p:spTree>
     <p:extLst>
       <p:ext uri="{BB962C8B-B14F-4D97-AF65-F5344CB8AC3E}">
@@ -4817,10 +9917,301 @@
 </p:sld>
 </file>
 
+<file path=ppt/slides/slide7.xml><?xml version="1.0" encoding="utf-8"?>
+<p:sld xmlns:a="http://schemas.openxmlformats.org/drawingml/2006/main" xmlns:r="http://schemas.openxmlformats.org/officeDocument/2006/relationships" xmlns:p="http://schemas.openxmlformats.org/presentationml/2006/main">
+  <p:cSld>
+    <p:spTree>
+      <p:nvGrpSpPr>
+        <p:cNvPr id="1" name=""/>
+        <p:cNvGrpSpPr/>
+        <p:nvPr/>
+      </p:nvGrpSpPr>
+      <p:grpSpPr>
+        <a:xfrm>
+          <a:off x="0" y="0"/>
+          <a:ext cx="0" cy="0"/>
+          <a:chOff x="0" y="0"/>
+          <a:chExt cx="0" cy="0"/>
+        </a:xfrm>
+      </p:grpSpPr>
+      <p:sp>
+        <p:nvSpPr>
+          <p:cNvPr id="2" name="标题 1"/>
+          <p:cNvSpPr>
+            <a:spLocks noGrp="1"/>
+          </p:cNvSpPr>
+          <p:nvPr>
+            <p:ph type="title"/>
+          </p:nvPr>
+        </p:nvSpPr>
+        <p:spPr/>
+        <p:txBody>
+          <a:bodyPr/>
+          <a:lstStyle/>
+          <a:p>
+            <a:r>
+              <a:rPr lang="en-US" altLang="zh-CN" dirty="0" smtClean="0"/>
+              <a:t>Conclusion</a:t>
+            </a:r>
+            <a:endParaRPr lang="zh-CN" altLang="en-US" dirty="0"/>
+          </a:p>
+        </p:txBody>
+      </p:sp>
+      <p:sp>
+        <p:nvSpPr>
+          <p:cNvPr id="3" name="内容占位符 2"/>
+          <p:cNvSpPr>
+            <a:spLocks noGrp="1"/>
+          </p:cNvSpPr>
+          <p:nvPr>
+            <p:ph idx="1"/>
+          </p:nvPr>
+        </p:nvSpPr>
+        <p:spPr>
+          <a:xfrm>
+            <a:off x="838200" y="1507067"/>
+            <a:ext cx="10515600" cy="4669896"/>
+          </a:xfrm>
+        </p:spPr>
+        <p:txBody>
+          <a:bodyPr/>
+          <a:lstStyle/>
+          <a:p>
+            <a:r>
+              <a:rPr lang="en-US" altLang="zh-CN" dirty="0"/>
+              <a:t>T</a:t>
+            </a:r>
+            <a:r>
+              <a:rPr lang="en-US" altLang="zh-CN" dirty="0" smtClean="0"/>
+              <a:t>he HMM </a:t>
+            </a:r>
+            <a:r>
+              <a:rPr lang="en-US" altLang="zh-CN" dirty="0"/>
+              <a:t>model based on the daily </a:t>
+            </a:r>
+            <a:r>
+              <a:rPr lang="en-US" altLang="zh-CN" dirty="0" smtClean="0"/>
+              <a:t>return </a:t>
+            </a:r>
+            <a:r>
+              <a:rPr lang="en-US" altLang="zh-CN" dirty="0"/>
+              <a:t>has such a high yield and high winning rate because of its ability to form recognition and automatic switching strategy. </a:t>
+            </a:r>
+            <a:endParaRPr lang="en-US" altLang="zh-CN" dirty="0" smtClean="0"/>
+          </a:p>
+          <a:p>
+            <a:r>
+              <a:rPr lang="en-US" altLang="zh-CN" dirty="0" smtClean="0"/>
+              <a:t>In trend market, like </a:t>
+            </a:r>
+            <a:r>
+              <a:rPr lang="en-US" altLang="zh-CN" dirty="0"/>
+              <a:t>many momentum </a:t>
+            </a:r>
+            <a:r>
+              <a:rPr lang="en-US" altLang="zh-CN" dirty="0" smtClean="0"/>
+              <a:t>strategies, the </a:t>
+            </a:r>
+            <a:r>
+              <a:rPr lang="en-US" altLang="zh-CN" dirty="0"/>
+              <a:t>model </a:t>
+            </a:r>
+            <a:r>
+              <a:rPr lang="en-US" altLang="zh-CN" dirty="0" smtClean="0"/>
+              <a:t>can seize </a:t>
+            </a:r>
+            <a:r>
+              <a:rPr lang="en-US" altLang="zh-CN" dirty="0"/>
+              <a:t>the trend in the case of reducing the frequency of transactions, as much as possible to share the benefits of the entire </a:t>
+            </a:r>
+            <a:r>
+              <a:rPr lang="en-US" altLang="zh-CN" dirty="0" smtClean="0"/>
+              <a:t>trend.</a:t>
+            </a:r>
+          </a:p>
+          <a:p>
+            <a:r>
+              <a:rPr lang="en-US" altLang="zh-CN" dirty="0" smtClean="0"/>
+              <a:t>In </a:t>
+            </a:r>
+            <a:r>
+              <a:rPr lang="en-US" altLang="zh-CN" dirty="0"/>
+              <a:t>the shock </a:t>
+            </a:r>
+            <a:r>
+              <a:rPr lang="en-US" altLang="zh-CN" dirty="0" smtClean="0"/>
+              <a:t>market, our </a:t>
+            </a:r>
+            <a:r>
+              <a:rPr lang="en-US" altLang="zh-CN" dirty="0"/>
+              <a:t>model </a:t>
+            </a:r>
+            <a:r>
+              <a:rPr lang="en-US" altLang="zh-CN" dirty="0" smtClean="0"/>
+              <a:t>can acquire </a:t>
+            </a:r>
+            <a:r>
+              <a:rPr lang="en-US" altLang="zh-CN" dirty="0"/>
+              <a:t>short-term or even </a:t>
+            </a:r>
+            <a:r>
+              <a:rPr lang="en-US" altLang="zh-CN" dirty="0" err="1" smtClean="0"/>
+              <a:t>shortshort</a:t>
+            </a:r>
+            <a:r>
+              <a:rPr lang="en-US" altLang="zh-CN" dirty="0" smtClean="0"/>
+              <a:t>-term </a:t>
+            </a:r>
+            <a:r>
+              <a:rPr lang="en-US" altLang="zh-CN" dirty="0"/>
+              <a:t>gains </a:t>
+            </a:r>
+            <a:r>
+              <a:rPr lang="en-US" altLang="zh-CN" dirty="0" smtClean="0"/>
+              <a:t>through increasing </a:t>
+            </a:r>
+            <a:r>
+              <a:rPr lang="en-US" altLang="zh-CN" dirty="0"/>
+              <a:t>the number of </a:t>
+            </a:r>
+            <a:r>
+              <a:rPr lang="en-US" altLang="zh-CN" dirty="0" smtClean="0"/>
+              <a:t>transactions and improving profit to </a:t>
+            </a:r>
+            <a:r>
+              <a:rPr lang="en-US" altLang="zh-CN" dirty="0"/>
+              <a:t>loss </a:t>
+            </a:r>
+            <a:r>
+              <a:rPr lang="en-US" altLang="zh-CN" dirty="0" smtClean="0"/>
+              <a:t>ratio and </a:t>
+            </a:r>
+            <a:r>
+              <a:rPr lang="en-US" altLang="zh-CN"/>
+              <a:t>winning </a:t>
+            </a:r>
+            <a:r>
+              <a:rPr lang="en-US" altLang="zh-CN" smtClean="0"/>
+              <a:t>probability.</a:t>
+            </a:r>
+            <a:endParaRPr lang="zh-CN" altLang="en-US" dirty="0"/>
+          </a:p>
+        </p:txBody>
+      </p:sp>
+    </p:spTree>
+    <p:extLst>
+      <p:ext uri="{BB962C8B-B14F-4D97-AF65-F5344CB8AC3E}">
+        <p14:creationId xmlns:p14="http://schemas.microsoft.com/office/powerpoint/2010/main" val="1123402251"/>
+      </p:ext>
+    </p:extLst>
+  </p:cSld>
+  <p:clrMapOvr>
+    <a:masterClrMapping/>
+  </p:clrMapOvr>
+  <p:timing>
+    <p:tnLst>
+      <p:par>
+        <p:cTn id="1" dur="indefinite" restart="never" nodeType="tmRoot"/>
+      </p:par>
+    </p:tnLst>
+  </p:timing>
+</p:sld>
+</file>
+
+<file path=ppt/slides/slide8.xml><?xml version="1.0" encoding="utf-8"?>
+<p:sld xmlns:a="http://schemas.openxmlformats.org/drawingml/2006/main" xmlns:r="http://schemas.openxmlformats.org/officeDocument/2006/relationships" xmlns:p="http://schemas.openxmlformats.org/presentationml/2006/main">
+  <p:cSld>
+    <p:spTree>
+      <p:nvGrpSpPr>
+        <p:cNvPr id="1" name=""/>
+        <p:cNvGrpSpPr/>
+        <p:nvPr/>
+      </p:nvGrpSpPr>
+      <p:grpSpPr>
+        <a:xfrm>
+          <a:off x="0" y="0"/>
+          <a:ext cx="0" cy="0"/>
+          <a:chOff x="0" y="0"/>
+          <a:chExt cx="0" cy="0"/>
+        </a:xfrm>
+      </p:grpSpPr>
+      <p:sp>
+        <p:nvSpPr>
+          <p:cNvPr id="2" name="标题 1"/>
+          <p:cNvSpPr>
+            <a:spLocks noGrp="1"/>
+          </p:cNvSpPr>
+          <p:nvPr>
+            <p:ph type="title"/>
+          </p:nvPr>
+        </p:nvSpPr>
+        <p:spPr/>
+        <p:txBody>
+          <a:bodyPr/>
+          <a:lstStyle/>
+          <a:p>
+            <a:endParaRPr lang="zh-CN" altLang="en-US"/>
+          </a:p>
+        </p:txBody>
+      </p:sp>
+      <p:sp>
+        <p:nvSpPr>
+          <p:cNvPr id="3" name="内容占位符 2"/>
+          <p:cNvSpPr>
+            <a:spLocks noGrp="1"/>
+          </p:cNvSpPr>
+          <p:nvPr>
+            <p:ph idx="1"/>
+          </p:nvPr>
+        </p:nvSpPr>
+        <p:spPr>
+          <a:xfrm>
+            <a:off x="4269846" y="2857250"/>
+            <a:ext cx="4899554" cy="1587749"/>
+          </a:xfrm>
+        </p:spPr>
+        <p:txBody>
+          <a:bodyPr>
+            <a:normAutofit/>
+          </a:bodyPr>
+          <a:lstStyle/>
+          <a:p>
+            <a:pPr marL="0" indent="0">
+              <a:buNone/>
+            </a:pPr>
+            <a:r>
+              <a:rPr lang="en-US" altLang="zh-CN" sz="4800" dirty="0" smtClean="0"/>
+              <a:t>Thank</a:t>
+            </a:r>
+            <a:r>
+              <a:rPr lang="zh-CN" altLang="en-US" sz="4800" dirty="0"/>
+              <a:t> </a:t>
+            </a:r>
+            <a:r>
+              <a:rPr lang="en-US" altLang="zh-CN" sz="4800" dirty="0" smtClean="0"/>
+              <a:t>you</a:t>
+            </a:r>
+            <a:endParaRPr lang="zh-CN" altLang="en-US" sz="4800" dirty="0"/>
+          </a:p>
+        </p:txBody>
+      </p:sp>
+    </p:spTree>
+    <p:extLst>
+      <p:ext uri="{BB962C8B-B14F-4D97-AF65-F5344CB8AC3E}">
+        <p14:creationId xmlns:p14="http://schemas.microsoft.com/office/powerpoint/2010/main" val="3137734846"/>
+      </p:ext>
+    </p:extLst>
+  </p:cSld>
+  <p:clrMapOvr>
+    <a:masterClrMapping/>
+  </p:clrMapOvr>
+</p:sld>
+</file>
+
 <file path=ppt/theme/theme1.xml><?xml version="1.0" encoding="utf-8"?>
-<a:theme xmlns:a="http://schemas.openxmlformats.org/drawingml/2006/main" name="Office 主题​​">
+<a:theme xmlns:a="http://schemas.openxmlformats.org/drawingml/2006/main" name="离子">
   <a:themeElements>
-    <a:clrScheme name="Office">
+    <a:clrScheme name="离子">
       <a:dk1>
         <a:sysClr val="windowText" lastClr="000000"/>
       </a:dk1>
@@ -4828,44 +10219,44 @@
         <a:sysClr val="window" lastClr="FFFFFF"/>
       </a:lt1>
       <a:dk2>
-        <a:srgbClr val="44546A"/>
+        <a:srgbClr val="1E5155"/>
       </a:dk2>
       <a:lt2>
-        <a:srgbClr val="E7E6E6"/>
+        <a:srgbClr val="EBEBEB"/>
       </a:lt2>
       <a:accent1>
-        <a:srgbClr val="5B9BD5"/>
+        <a:srgbClr val="B01513"/>
       </a:accent1>
       <a:accent2>
-        <a:srgbClr val="ED7D31"/>
+        <a:srgbClr val="EA6312"/>
       </a:accent2>
       <a:accent3>
-        <a:srgbClr val="A5A5A5"/>
+        <a:srgbClr val="E6B729"/>
       </a:accent3>
       <a:accent4>
-        <a:srgbClr val="FFC000"/>
+        <a:srgbClr val="6AAC90"/>
       </a:accent4>
       <a:accent5>
-        <a:srgbClr val="4472C4"/>
+        <a:srgbClr val="54849A"/>
       </a:accent5>
       <a:accent6>
-        <a:srgbClr val="70AD47"/>
+        <a:srgbClr val="9E5E9B"/>
       </a:accent6>
       <a:hlink>
-        <a:srgbClr val="0563C1"/>
+        <a:srgbClr val="58C1BA"/>
       </a:hlink>
       <a:folHlink>
-        <a:srgbClr val="954F72"/>
+        <a:srgbClr val="9DFFCB"/>
       </a:folHlink>
     </a:clrScheme>
-    <a:fontScheme name="Office">
+    <a:fontScheme name="离子">
       <a:majorFont>
-        <a:latin typeface="等线 Light" panose="020F0302020204030204"/>
+        <a:latin typeface="Century Gothic" panose="020B0502020202020204"/>
         <a:ea typeface=""/>
         <a:cs typeface=""/>
-        <a:font script="Jpan" typeface="游ゴシック Light"/>
+        <a:font script="Jpan" typeface="メイリオ"/>
         <a:font script="Hang" typeface="맑은 고딕"/>
-        <a:font script="Hans" typeface="等线 Light"/>
+        <a:font script="Hans" typeface="宋体"/>
         <a:font script="Hant" typeface="新細明體"/>
         <a:font script="Arab" typeface="Times New Roman"/>
         <a:font script="Hebr" typeface="Times New Roman"/>
@@ -4895,12 +10286,12 @@
         <a:font script="Geor" typeface="Sylfaen"/>
       </a:majorFont>
       <a:minorFont>
-        <a:latin typeface="等线" panose="020F0502020204030204"/>
+        <a:latin typeface="Century Gothic" panose="020B0502020202020204"/>
         <a:ea typeface=""/>
         <a:cs typeface=""/>
-        <a:font script="Jpan" typeface="游ゴシック"/>
+        <a:font script="Jpan" typeface="メイリオ"/>
         <a:font script="Hang" typeface="맑은 고딕"/>
-        <a:font script="Hans" typeface="等线"/>
+        <a:font script="Hans" typeface="宋体"/>
         <a:font script="Hant" typeface="新細明體"/>
         <a:font script="Arab" typeface="Arial"/>
         <a:font script="Hebr" typeface="Arial"/>
@@ -4930,7 +10321,7 @@
         <a:font script="Geor" typeface="Sylfaen"/>
       </a:minorFont>
     </a:fontScheme>
-    <a:fmtScheme name="Office">
+    <a:fmtScheme name="离子">
       <a:fillStyleLst>
         <a:solidFill>
           <a:schemeClr val="phClr"/>
@@ -4939,23 +10330,15 @@
           <a:gsLst>
             <a:gs pos="0">
               <a:schemeClr val="phClr">
-                <a:lumMod val="110000"/>
-                <a:satMod val="105000"/>
-                <a:tint val="67000"/>
-              </a:schemeClr>
-            </a:gs>
-            <a:gs pos="50000">
-              <a:schemeClr val="phClr">
-                <a:lumMod val="105000"/>
-                <a:satMod val="103000"/>
-                <a:tint val="73000"/>
+                <a:tint val="64000"/>
+                <a:lumMod val="118000"/>
               </a:schemeClr>
             </a:gs>
             <a:gs pos="100000">
               <a:schemeClr val="phClr">
-                <a:lumMod val="105000"/>
-                <a:satMod val="109000"/>
-                <a:tint val="81000"/>
+                <a:tint val="92000"/>
+                <a:alpha val="100000"/>
+                <a:lumMod val="110000"/>
               </a:schemeClr>
             </a:gs>
           </a:gsLst>
@@ -4965,23 +10348,14 @@
           <a:gsLst>
             <a:gs pos="0">
               <a:schemeClr val="phClr">
-                <a:satMod val="103000"/>
-                <a:lumMod val="102000"/>
-                <a:tint val="94000"/>
-              </a:schemeClr>
-            </a:gs>
-            <a:gs pos="50000">
-              <a:schemeClr val="phClr">
-                <a:satMod val="110000"/>
-                <a:lumMod val="100000"/>
-                <a:shade val="100000"/>
+                <a:tint val="98000"/>
+                <a:lumMod val="114000"/>
               </a:schemeClr>
             </a:gs>
             <a:gs pos="100000">
               <a:schemeClr val="phClr">
-                <a:lumMod val="99000"/>
-                <a:satMod val="120000"/>
-                <a:shade val="78000"/>
+                <a:shade val="90000"/>
+                <a:lumMod val="84000"/>
               </a:schemeClr>
             </a:gs>
           </a:gsLst>
@@ -4989,26 +10363,23 @@
         </a:gradFill>
       </a:fillStyleLst>
       <a:lnStyleLst>
-        <a:ln w="6350" cap="flat" cmpd="sng" algn="ctr">
+        <a:ln w="9525" cap="rnd" cmpd="sng" algn="ctr">
           <a:solidFill>
             <a:schemeClr val="phClr"/>
           </a:solidFill>
           <a:prstDash val="solid"/>
-          <a:miter lim="800000"/>
         </a:ln>
-        <a:ln w="12700" cap="flat" cmpd="sng" algn="ctr">
+        <a:ln w="19050" cap="rnd" cmpd="sng" algn="ctr">
           <a:solidFill>
             <a:schemeClr val="phClr"/>
           </a:solidFill>
           <a:prstDash val="solid"/>
-          <a:miter lim="800000"/>
         </a:ln>
-        <a:ln w="19050" cap="flat" cmpd="sng" algn="ctr">
+        <a:ln w="28575" cap="rnd" cmpd="sng" algn="ctr">
           <a:solidFill>
             <a:schemeClr val="phClr"/>
           </a:solidFill>
           <a:prstDash val="solid"/>
-          <a:miter lim="800000"/>
         </a:ln>
       </a:lnStyleLst>
       <a:effectStyleLst>
@@ -5016,55 +10387,80 @@
           <a:effectLst/>
         </a:effectStyle>
         <a:effectStyle>
-          <a:effectLst/>
+          <a:effectLst>
+            <a:outerShdw blurRad="38100" dist="25400" dir="5400000" rotWithShape="0">
+              <a:srgbClr val="000000">
+                <a:alpha val="45000"/>
+              </a:srgbClr>
+            </a:outerShdw>
+          </a:effectLst>
         </a:effectStyle>
         <a:effectStyle>
           <a:effectLst>
-            <a:outerShdw blurRad="57150" dist="19050" dir="5400000" algn="ctr" rotWithShape="0">
+            <a:outerShdw blurRad="63500" dist="38100" dir="5400000" rotWithShape="0">
               <a:srgbClr val="000000">
-                <a:alpha val="63000"/>
+                <a:alpha val="60000"/>
               </a:srgbClr>
             </a:outerShdw>
           </a:effectLst>
+          <a:scene3d>
+            <a:camera prst="orthographicFront">
+              <a:rot lat="0" lon="0" rev="0"/>
+            </a:camera>
+            <a:lightRig rig="threePt" dir="tl"/>
+          </a:scene3d>
+          <a:sp3d prstMaterial="plastic">
+            <a:bevelT w="0" h="0"/>
+          </a:sp3d>
         </a:effectStyle>
       </a:effectStyleLst>
       <a:bgFillStyleLst>
         <a:solidFill>
           <a:schemeClr val="phClr"/>
         </a:solidFill>
-        <a:solidFill>
-          <a:schemeClr val="phClr">
-            <a:tint val="95000"/>
-            <a:satMod val="170000"/>
-          </a:schemeClr>
-        </a:solidFill>
         <a:gradFill rotWithShape="1">
           <a:gsLst>
             <a:gs pos="0">
               <a:schemeClr val="phClr">
-                <a:tint val="93000"/>
-                <a:satMod val="150000"/>
-                <a:shade val="98000"/>
-                <a:lumMod val="102000"/>
-              </a:schemeClr>
-            </a:gs>
-            <a:gs pos="50000">
-              <a:schemeClr val="phClr">
-                <a:tint val="98000"/>
+                <a:tint val="97000"/>
+                <a:hueMod val="88000"/>
                 <a:satMod val="130000"/>
-                <a:shade val="90000"/>
-                <a:lumMod val="103000"/>
+                <a:lumMod val="124000"/>
               </a:schemeClr>
             </a:gs>
             <a:gs pos="100000">
               <a:schemeClr val="phClr">
-                <a:shade val="63000"/>
-                <a:satMod val="120000"/>
+                <a:tint val="96000"/>
+                <a:shade val="88000"/>
+                <a:hueMod val="108000"/>
+                <a:satMod val="164000"/>
+                <a:lumMod val="76000"/>
               </a:schemeClr>
             </a:gs>
           </a:gsLst>
-          <a:lin ang="5400000" scaled="0"/>
+          <a:path path="circle">
+            <a:fillToRect l="45000" t="65000" r="125000" b="100000"/>
+          </a:path>
         </a:gradFill>
+        <a:blipFill rotWithShape="1">
+          <a:blip xmlns:r="http://schemas.openxmlformats.org/officeDocument/2006/relationships" r:embed="rId1">
+            <a:duotone>
+              <a:schemeClr val="phClr">
+                <a:shade val="69000"/>
+                <a:hueMod val="108000"/>
+                <a:satMod val="164000"/>
+                <a:lumMod val="74000"/>
+              </a:schemeClr>
+              <a:schemeClr val="phClr">
+                <a:tint val="96000"/>
+                <a:hueMod val="88000"/>
+                <a:satMod val="140000"/>
+                <a:lumMod val="132000"/>
+              </a:schemeClr>
+            </a:duotone>
+          </a:blip>
+          <a:stretch/>
+        </a:blipFill>
       </a:bgFillStyleLst>
     </a:fmtScheme>
   </a:themeElements>
@@ -5072,7 +10468,7 @@
   <a:extraClrSchemeLst/>
   <a:extLst>
     <a:ext uri="{05A4C25C-085E-4340-85A3-A5531E510DB2}">
-      <thm15:themeFamily xmlns:thm15="http://schemas.microsoft.com/office/thememl/2012/main" name="Office Theme" id="{62F939B6-93AF-4DB8-9C6B-D6C7DFDC589F}" vid="{4A3C46E8-61CC-4603-A589-7422A47A8E4A}"/>
+      <thm15:themeFamily xmlns:thm15="http://schemas.microsoft.com/office/thememl/2012/main" name="Ion" id="{B8441ADB-2E43-4AF7-B97A-BD870242C6A8}" vid="{292E63A9-BB86-4E3D-B92A-7223C6510D2E}"/>
     </a:ext>
   </a:extLst>
 </a:theme>
